--- a/doc/基于eBPF可观测性实践.pptx
+++ b/doc/基于eBPF可观测性实践.pptx
@@ -5,7 +5,7 @@
     <p:sldMasterId id="2147483648" r:id="rId1"/>
   </p:sldMasterIdLst>
   <p:notesMasterIdLst>
-    <p:notesMasterId r:id="rId9"/>
+    <p:notesMasterId r:id="rId10"/>
   </p:notesMasterIdLst>
   <p:sldIdLst>
     <p:sldId id="256" r:id="rId2"/>
@@ -15,6 +15,7 @@
     <p:sldId id="260" r:id="rId6"/>
     <p:sldId id="261" r:id="rId7"/>
     <p:sldId id="262" r:id="rId8"/>
+    <p:sldId id="263" r:id="rId9"/>
   </p:sldIdLst>
   <p:sldSz cx="12192000" cy="6858000"/>
   <p:notesSz cx="6858000" cy="9144000"/>
@@ -4251,7 +4252,7 @@
               <a:buChar char="Ø"/>
             </a:pPr>
             <a:r>
-              <a:rPr lang="en-US" altLang="zh-CN" dirty="0" err="1">
+              <a:rPr lang="en-US" altLang="zh-CN" sz="1800" dirty="0" err="1">
                 <a:latin typeface="Lucida Sans Unicode" panose="020B0602030504020204" pitchFamily="34" charset="0"/>
                 <a:ea typeface="楷体" panose="02010609060101010101" pitchFamily="49" charset="-122"/>
                 <a:cs typeface="Cascadia Code" panose="020B0609020000020004" pitchFamily="49" charset="0"/>
@@ -4259,27 +4260,27 @@
               <a:t>eBPF</a:t>
             </a:r>
             <a:r>
-              <a:rPr lang="zh-CN" altLang="en-US" dirty="0">
+              <a:rPr lang="zh-CN" altLang="en-US" sz="1800" dirty="0">
                 <a:latin typeface="Lucida Sans Unicode" panose="020B0602030504020204" pitchFamily="34" charset="0"/>
                 <a:ea typeface="楷体" panose="02010609060101010101" pitchFamily="49" charset="-122"/>
               </a:rPr>
               <a:t>是一种内核技术，它允许开发人员编写自定义代码，并能够动态地加载到内核中，从而观察、改变内核的行为方式。可对比</a:t>
             </a:r>
             <a:r>
-              <a:rPr lang="en-US" altLang="zh-CN" dirty="0" err="1">
+              <a:rPr lang="en-US" altLang="zh-CN" sz="1800" dirty="0" err="1">
                 <a:latin typeface="Lucida Sans Unicode" panose="020B0602030504020204" pitchFamily="34" charset="0"/>
                 <a:ea typeface="楷体" panose="02010609060101010101" pitchFamily="49" charset="-122"/>
               </a:rPr>
               <a:t>Kmod</a:t>
             </a:r>
             <a:r>
-              <a:rPr lang="zh-CN" altLang="en-US" dirty="0">
+              <a:rPr lang="zh-CN" altLang="en-US" sz="1800" dirty="0">
                 <a:latin typeface="Lucida Sans Unicode" panose="020B0602030504020204" pitchFamily="34" charset="0"/>
                 <a:ea typeface="楷体" panose="02010609060101010101" pitchFamily="49" charset="-122"/>
               </a:rPr>
               <a:t>的开发方式。</a:t>
             </a:r>
-            <a:endParaRPr lang="en-US" altLang="zh-CN" dirty="0">
+            <a:endParaRPr lang="en-US" altLang="zh-CN" sz="1800" dirty="0">
               <a:latin typeface="Lucida Sans Unicode" panose="020B0602030504020204" pitchFamily="34" charset="0"/>
               <a:ea typeface="楷体" panose="02010609060101010101" pitchFamily="49" charset="-122"/>
             </a:endParaRPr>
@@ -4296,7 +4297,7 @@
               <a:buChar char="Ø"/>
             </a:pPr>
             <a:r>
-              <a:rPr lang="en-US" altLang="zh-CN" dirty="0">
+              <a:rPr lang="en-US" altLang="zh-CN" sz="1800" dirty="0">
                 <a:latin typeface="Lucida Sans Unicode" panose="020B0602030504020204" pitchFamily="34" charset="0"/>
                 <a:ea typeface="楷体" panose="02010609060101010101" pitchFamily="49" charset="-122"/>
                 <a:cs typeface="Cascadia Code" panose="020B0609020000020004" pitchFamily="49" charset="0"/>
@@ -4304,14 +4305,14 @@
               <a:t>Tracing</a:t>
             </a:r>
             <a:r>
-              <a:rPr lang="zh-CN" altLang="en-US" dirty="0">
+              <a:rPr lang="zh-CN" altLang="en-US" sz="1800" dirty="0">
                 <a:latin typeface="Lucida Sans Unicode" panose="020B0602030504020204" pitchFamily="34" charset="0"/>
                 <a:ea typeface="楷体" panose="02010609060101010101" pitchFamily="49" charset="-122"/>
               </a:rPr>
               <a:t>，使用内核特性</a:t>
             </a:r>
             <a:r>
-              <a:rPr lang="en-US" altLang="zh-CN" dirty="0" err="1">
+              <a:rPr lang="en-US" altLang="zh-CN" sz="1800" dirty="0" err="1">
                 <a:latin typeface="Lucida Sans Unicode" panose="020B0602030504020204" pitchFamily="34" charset="0"/>
                 <a:ea typeface="楷体" panose="02010609060101010101" pitchFamily="49" charset="-122"/>
                 <a:cs typeface="Cascadia Code" panose="020B0609020000020004" pitchFamily="49" charset="0"/>
@@ -4319,7 +4320,7 @@
               <a:t>kprobes</a:t>
             </a:r>
             <a:r>
-              <a:rPr lang="zh-CN" altLang="en-US" dirty="0">
+              <a:rPr lang="zh-CN" altLang="en-US" sz="1800" dirty="0">
                 <a:latin typeface="Lucida Sans Unicode" panose="020B0602030504020204" pitchFamily="34" charset="0"/>
                 <a:ea typeface="楷体" panose="02010609060101010101" pitchFamily="49" charset="-122"/>
                 <a:cs typeface="Cascadia Code" panose="020B0609020000020004" pitchFamily="49" charset="0"/>
@@ -4327,7 +4328,7 @@
               <a:t>、</a:t>
             </a:r>
             <a:r>
-              <a:rPr lang="en-US" altLang="zh-CN" dirty="0" err="1">
+              <a:rPr lang="en-US" altLang="zh-CN" sz="1800" dirty="0" err="1">
                 <a:latin typeface="Lucida Sans Unicode" panose="020B0602030504020204" pitchFamily="34" charset="0"/>
                 <a:ea typeface="楷体" panose="02010609060101010101" pitchFamily="49" charset="-122"/>
                 <a:cs typeface="Cascadia Code" panose="020B0609020000020004" pitchFamily="49" charset="0"/>
@@ -4335,7 +4336,7 @@
               <a:t>tracepoints</a:t>
             </a:r>
             <a:r>
-              <a:rPr lang="zh-CN" altLang="en-US" dirty="0">
+              <a:rPr lang="zh-CN" altLang="en-US" sz="1800" dirty="0">
                 <a:latin typeface="Lucida Sans Unicode" panose="020B0602030504020204" pitchFamily="34" charset="0"/>
                 <a:ea typeface="楷体" panose="02010609060101010101" pitchFamily="49" charset="-122"/>
                 <a:cs typeface="Cascadia Code" panose="020B0609020000020004" pitchFamily="49" charset="0"/>
@@ -4343,7 +4344,7 @@
               <a:t>、</a:t>
             </a:r>
             <a:r>
-              <a:rPr lang="en-US" altLang="zh-CN" dirty="0">
+              <a:rPr lang="en-US" altLang="zh-CN" sz="1800" dirty="0">
                 <a:latin typeface="Lucida Sans Unicode" panose="020B0602030504020204" pitchFamily="34" charset="0"/>
                 <a:ea typeface="楷体" panose="02010609060101010101" pitchFamily="49" charset="-122"/>
                 <a:cs typeface="Cascadia Code" panose="020B0609020000020004" pitchFamily="49" charset="0"/>
@@ -4351,7 +4352,7 @@
               <a:t>raw </a:t>
             </a:r>
             <a:r>
-              <a:rPr lang="en-US" altLang="zh-CN" dirty="0" err="1">
+              <a:rPr lang="en-US" altLang="zh-CN" sz="1800" dirty="0" err="1">
                 <a:latin typeface="Lucida Sans Unicode" panose="020B0602030504020204" pitchFamily="34" charset="0"/>
                 <a:ea typeface="楷体" panose="02010609060101010101" pitchFamily="49" charset="-122"/>
                 <a:cs typeface="Cascadia Code" panose="020B0609020000020004" pitchFamily="49" charset="0"/>
@@ -4359,7 +4360,7 @@
               <a:t>tracepoints</a:t>
             </a:r>
             <a:r>
-              <a:rPr lang="zh-CN" altLang="en-US" dirty="0">
+              <a:rPr lang="zh-CN" altLang="en-US" sz="1800" dirty="0">
                 <a:latin typeface="Lucida Sans Unicode" panose="020B0602030504020204" pitchFamily="34" charset="0"/>
                 <a:ea typeface="楷体" panose="02010609060101010101" pitchFamily="49" charset="-122"/>
                 <a:cs typeface="Cascadia Code" panose="020B0609020000020004" pitchFamily="49" charset="0"/>
@@ -4367,7 +4368,7 @@
               <a:t>、</a:t>
             </a:r>
             <a:r>
-              <a:rPr lang="en-US" altLang="zh-CN" dirty="0" err="1">
+              <a:rPr lang="en-US" altLang="zh-CN" sz="1800" dirty="0" err="1">
                 <a:latin typeface="Lucida Sans Unicode" panose="020B0602030504020204" pitchFamily="34" charset="0"/>
                 <a:ea typeface="楷体" panose="02010609060101010101" pitchFamily="49" charset="-122"/>
                 <a:cs typeface="Cascadia Code" panose="020B0609020000020004" pitchFamily="49" charset="0"/>
@@ -4375,7 +4376,7 @@
               <a:t>fentry</a:t>
             </a:r>
             <a:r>
-              <a:rPr lang="en-US" altLang="zh-CN" dirty="0">
+              <a:rPr lang="en-US" altLang="zh-CN" sz="1800" dirty="0">
                 <a:latin typeface="Lucida Sans Unicode" panose="020B0602030504020204" pitchFamily="34" charset="0"/>
                 <a:ea typeface="楷体" panose="02010609060101010101" pitchFamily="49" charset="-122"/>
                 <a:cs typeface="Cascadia Code" panose="020B0609020000020004" pitchFamily="49" charset="0"/>
@@ -4383,7 +4384,7 @@
               <a:t>/</a:t>
             </a:r>
             <a:r>
-              <a:rPr lang="en-US" altLang="zh-CN" dirty="0" err="1">
+              <a:rPr lang="en-US" altLang="zh-CN" sz="1800" dirty="0" err="1">
                 <a:latin typeface="Lucida Sans Unicode" panose="020B0602030504020204" pitchFamily="34" charset="0"/>
                 <a:ea typeface="楷体" panose="02010609060101010101" pitchFamily="49" charset="-122"/>
                 <a:cs typeface="Cascadia Code" panose="020B0609020000020004" pitchFamily="49" charset="0"/>
@@ -4391,7 +4392,7 @@
               <a:t>fexit</a:t>
             </a:r>
             <a:r>
-              <a:rPr lang="zh-CN" altLang="en-US" dirty="0">
+              <a:rPr lang="zh-CN" altLang="en-US" sz="1800" dirty="0">
                 <a:latin typeface="Lucida Sans Unicode" panose="020B0602030504020204" pitchFamily="34" charset="0"/>
                 <a:ea typeface="楷体" panose="02010609060101010101" pitchFamily="49" charset="-122"/>
                 <a:cs typeface="Cascadia Code" panose="020B0609020000020004" pitchFamily="49" charset="0"/>
@@ -4399,7 +4400,7 @@
               <a:t>、</a:t>
             </a:r>
             <a:r>
-              <a:rPr lang="en-US" altLang="zh-CN" dirty="0">
+              <a:rPr lang="en-US" altLang="zh-CN" sz="1800" dirty="0">
                 <a:latin typeface="Lucida Sans Unicode" panose="020B0602030504020204" pitchFamily="34" charset="0"/>
                 <a:ea typeface="楷体" panose="02010609060101010101" pitchFamily="49" charset="-122"/>
                 <a:cs typeface="Cascadia Code" panose="020B0609020000020004" pitchFamily="49" charset="0"/>
@@ -4407,7 +4408,7 @@
               <a:t>BTF-Enabled </a:t>
             </a:r>
             <a:r>
-              <a:rPr lang="en-US" altLang="zh-CN" dirty="0" err="1">
+              <a:rPr lang="en-US" altLang="zh-CN" sz="1800" dirty="0" err="1">
                 <a:latin typeface="Lucida Sans Unicode" panose="020B0602030504020204" pitchFamily="34" charset="0"/>
                 <a:ea typeface="楷体" panose="02010609060101010101" pitchFamily="49" charset="-122"/>
                 <a:cs typeface="Cascadia Code" panose="020B0609020000020004" pitchFamily="49" charset="0"/>
@@ -4415,7 +4416,7 @@
               <a:t>tracepoints</a:t>
             </a:r>
             <a:r>
-              <a:rPr lang="zh-CN" altLang="en-US" dirty="0">
+              <a:rPr lang="zh-CN" altLang="en-US" sz="1800" dirty="0">
                 <a:latin typeface="Lucida Sans Unicode" panose="020B0602030504020204" pitchFamily="34" charset="0"/>
                 <a:ea typeface="楷体" panose="02010609060101010101" pitchFamily="49" charset="-122"/>
                 <a:cs typeface="Cascadia Code" panose="020B0609020000020004" pitchFamily="49" charset="0"/>
@@ -4423,14 +4424,14 @@
               <a:t>，</a:t>
             </a:r>
             <a:r>
-              <a:rPr lang="zh-CN" altLang="en-US" dirty="0">
+              <a:rPr lang="zh-CN" altLang="en-US" sz="1800" dirty="0">
                 <a:latin typeface="Lucida Sans Unicode" panose="020B0602030504020204" pitchFamily="34" charset="0"/>
                 <a:ea typeface="楷体" panose="02010609060101010101" pitchFamily="49" charset="-122"/>
               </a:rPr>
               <a:t>将</a:t>
             </a:r>
             <a:r>
-              <a:rPr lang="en-US" altLang="zh-CN" dirty="0">
+              <a:rPr lang="en-US" altLang="zh-CN" sz="1800" dirty="0">
                 <a:latin typeface="Lucida Sans Unicode" panose="020B0602030504020204" pitchFamily="34" charset="0"/>
                 <a:ea typeface="楷体" panose="02010609060101010101" pitchFamily="49" charset="-122"/>
                 <a:cs typeface="Cascadia Code" panose="020B0609020000020004" pitchFamily="49" charset="0"/>
@@ -4438,7 +4439,7 @@
               <a:t>Prog </a:t>
             </a:r>
             <a:r>
-              <a:rPr lang="en-US" altLang="zh-CN" dirty="0" err="1">
+              <a:rPr lang="en-US" altLang="zh-CN" sz="1800" dirty="0" err="1">
                 <a:latin typeface="Lucida Sans Unicode" panose="020B0602030504020204" pitchFamily="34" charset="0"/>
                 <a:ea typeface="楷体" panose="02010609060101010101" pitchFamily="49" charset="-122"/>
                 <a:cs typeface="Cascadia Code" panose="020B0609020000020004" pitchFamily="49" charset="0"/>
@@ -4446,13 +4447,13 @@
               <a:t>attch</a:t>
             </a:r>
             <a:r>
-              <a:rPr lang="zh-CN" altLang="en-US" dirty="0">
+              <a:rPr lang="zh-CN" altLang="en-US" sz="1800" dirty="0">
                 <a:latin typeface="Lucida Sans Unicode" panose="020B0602030504020204" pitchFamily="34" charset="0"/>
                 <a:ea typeface="楷体" panose="02010609060101010101" pitchFamily="49" charset="-122"/>
               </a:rPr>
               <a:t>，然后把追踪信息报告到用户空间中。</a:t>
             </a:r>
-            <a:endParaRPr lang="en-US" altLang="zh-CN" dirty="0">
+            <a:endParaRPr lang="en-US" altLang="zh-CN" sz="1800" dirty="0">
               <a:latin typeface="Lucida Sans Unicode" panose="020B0602030504020204" pitchFamily="34" charset="0"/>
               <a:ea typeface="楷体" panose="02010609060101010101" pitchFamily="49" charset="-122"/>
             </a:endParaRPr>
@@ -4469,14 +4470,14 @@
               <a:buChar char="Ø"/>
             </a:pPr>
             <a:r>
-              <a:rPr lang="zh-CN" altLang="en-US" dirty="0">
+              <a:rPr lang="zh-CN" altLang="en-US" sz="1800" dirty="0">
                 <a:latin typeface="Lucida Sans Unicode" panose="020B0602030504020204" pitchFamily="34" charset="0"/>
                 <a:ea typeface="楷体" panose="02010609060101010101" pitchFamily="49" charset="-122"/>
               </a:rPr>
               <a:t>不是开箱即用，将需求转化为对</a:t>
             </a:r>
             <a:r>
-              <a:rPr lang="en-US" altLang="zh-CN" dirty="0">
+              <a:rPr lang="en-US" altLang="zh-CN" sz="1800" dirty="0">
                 <a:latin typeface="Lucida Sans Unicode" panose="020B0602030504020204" pitchFamily="34" charset="0"/>
                 <a:ea typeface="楷体" panose="02010609060101010101" pitchFamily="49" charset="-122"/>
                 <a:cs typeface="Cascadia Code" panose="020B0609020000020004" pitchFamily="49" charset="0"/>
@@ -4484,28 +4485,28 @@
               <a:t>Linux</a:t>
             </a:r>
             <a:r>
-              <a:rPr lang="zh-CN" altLang="en-US" dirty="0">
+              <a:rPr lang="zh-CN" altLang="en-US" sz="1800" dirty="0">
                 <a:latin typeface="Lucida Sans Unicode" panose="020B0602030504020204" pitchFamily="34" charset="0"/>
                 <a:ea typeface="楷体" panose="02010609060101010101" pitchFamily="49" charset="-122"/>
               </a:rPr>
               <a:t>内核逻辑、代码的分析，通过解析内核数据结构，编写</a:t>
             </a:r>
             <a:r>
-              <a:rPr lang="en-US" altLang="zh-CN" dirty="0">
+              <a:rPr lang="en-US" altLang="zh-CN" sz="1800" dirty="0">
                 <a:latin typeface="Lucida Sans Unicode" panose="020B0602030504020204" pitchFamily="34" charset="0"/>
                 <a:ea typeface="楷体" panose="02010609060101010101" pitchFamily="49" charset="-122"/>
               </a:rPr>
               <a:t>Prog</a:t>
             </a:r>
             <a:r>
-              <a:rPr lang="zh-CN" altLang="en-US" dirty="0">
+              <a:rPr lang="zh-CN" altLang="en-US" sz="1800" dirty="0">
                 <a:latin typeface="Lucida Sans Unicode" panose="020B0602030504020204" pitchFamily="34" charset="0"/>
                 <a:ea typeface="楷体" panose="02010609060101010101" pitchFamily="49" charset="-122"/>
               </a:rPr>
               <a:t>，使用</a:t>
             </a:r>
             <a:r>
-              <a:rPr lang="en-US" altLang="zh-CN" dirty="0" err="1">
+              <a:rPr lang="en-US" altLang="zh-CN" sz="1800" dirty="0" err="1">
                 <a:latin typeface="Lucida Sans Unicode" panose="020B0602030504020204" pitchFamily="34" charset="0"/>
                 <a:ea typeface="楷体" panose="02010609060101010101" pitchFamily="49" charset="-122"/>
                 <a:cs typeface="Cascadia Code" panose="020B0609020000020004" pitchFamily="49" charset="0"/>
@@ -4513,7 +4514,7 @@
               <a:t>eBPF</a:t>
             </a:r>
             <a:r>
-              <a:rPr lang="en-US" altLang="zh-CN" dirty="0">
+              <a:rPr lang="en-US" altLang="zh-CN" sz="1800" dirty="0">
                 <a:latin typeface="Lucida Sans Unicode" panose="020B0602030504020204" pitchFamily="34" charset="0"/>
                 <a:ea typeface="楷体" panose="02010609060101010101" pitchFamily="49" charset="-122"/>
                 <a:cs typeface="Cascadia Code" panose="020B0609020000020004" pitchFamily="49" charset="0"/>
@@ -4521,7 +4522,7 @@
               <a:t> Map</a:t>
             </a:r>
             <a:r>
-              <a:rPr lang="zh-CN" altLang="en-US" dirty="0">
+              <a:rPr lang="zh-CN" altLang="en-US" sz="1800" dirty="0">
                 <a:latin typeface="Lucida Sans Unicode" panose="020B0602030504020204" pitchFamily="34" charset="0"/>
                 <a:ea typeface="楷体" panose="02010609060101010101" pitchFamily="49" charset="-122"/>
                 <a:cs typeface="Cascadia Code" panose="020B0609020000020004" pitchFamily="49" charset="0"/>
@@ -4529,7 +4530,7 @@
               <a:t>将</a:t>
             </a:r>
             <a:r>
-              <a:rPr lang="en-US" altLang="zh-CN" dirty="0">
+              <a:rPr lang="en-US" altLang="zh-CN" sz="1800" dirty="0">
                 <a:latin typeface="Lucida Sans Unicode" panose="020B0602030504020204" pitchFamily="34" charset="0"/>
                 <a:ea typeface="楷体" panose="02010609060101010101" pitchFamily="49" charset="-122"/>
                 <a:cs typeface="Cascadia Code" panose="020B0609020000020004" pitchFamily="49" charset="0"/>
@@ -4537,34 +4538,34 @@
               <a:t>Prog</a:t>
             </a:r>
             <a:r>
-              <a:rPr lang="zh-CN" altLang="en-US" dirty="0">
+              <a:rPr lang="zh-CN" altLang="en-US" sz="1800" dirty="0">
                 <a:latin typeface="Lucida Sans Unicode" panose="020B0602030504020204" pitchFamily="34" charset="0"/>
                 <a:ea typeface="楷体" panose="02010609060101010101" pitchFamily="49" charset="-122"/>
               </a:rPr>
               <a:t>串联、组合，最终使用</a:t>
             </a:r>
             <a:r>
-              <a:rPr lang="en-US" altLang="zh-CN" dirty="0" err="1">
+              <a:rPr lang="en-US" altLang="zh-CN" sz="1800" dirty="0" err="1">
                 <a:latin typeface="Lucida Sans Unicode" panose="020B0602030504020204" pitchFamily="34" charset="0"/>
                 <a:ea typeface="楷体" panose="02010609060101010101" pitchFamily="49" charset="-122"/>
               </a:rPr>
               <a:t>eBPF</a:t>
             </a:r>
             <a:r>
-              <a:rPr lang="en-US" altLang="zh-CN" dirty="0">
+              <a:rPr lang="en-US" altLang="zh-CN" sz="1800" dirty="0">
                 <a:latin typeface="Lucida Sans Unicode" panose="020B0602030504020204" pitchFamily="34" charset="0"/>
                 <a:ea typeface="楷体" panose="02010609060101010101" pitchFamily="49" charset="-122"/>
               </a:rPr>
               <a:t> map</a:t>
             </a:r>
             <a:r>
-              <a:rPr lang="zh-CN" altLang="en-US" dirty="0">
+              <a:rPr lang="zh-CN" altLang="en-US" sz="1800" dirty="0">
                 <a:latin typeface="Lucida Sans Unicode" panose="020B0602030504020204" pitchFamily="34" charset="0"/>
                 <a:ea typeface="楷体" panose="02010609060101010101" pitchFamily="49" charset="-122"/>
               </a:rPr>
               <a:t>将数据发送到用户空间。</a:t>
             </a:r>
-            <a:endParaRPr lang="en-US" altLang="zh-CN" dirty="0">
+            <a:endParaRPr lang="en-US" altLang="zh-CN" sz="1800" dirty="0">
               <a:latin typeface="Lucida Sans Unicode" panose="020B0602030504020204" pitchFamily="34" charset="0"/>
               <a:ea typeface="楷体" panose="02010609060101010101" pitchFamily="49" charset="-122"/>
             </a:endParaRPr>
@@ -4581,13 +4582,13 @@
               <a:buChar char="Ø"/>
             </a:pPr>
             <a:r>
-              <a:rPr lang="zh-CN" altLang="en-US" dirty="0">
+              <a:rPr lang="zh-CN" altLang="en-US" sz="1800" dirty="0">
                 <a:latin typeface="Lucida Sans Unicode" panose="020B0602030504020204" pitchFamily="34" charset="0"/>
                 <a:ea typeface="楷体" panose="02010609060101010101" pitchFamily="49" charset="-122"/>
               </a:rPr>
               <a:t>一套特别的开发工具，框架，库，以及相关工具，以及编程模型。</a:t>
             </a:r>
-            <a:endParaRPr lang="en-US" altLang="zh-CN" dirty="0">
+            <a:endParaRPr lang="en-US" altLang="zh-CN" sz="1800" dirty="0">
               <a:latin typeface="Lucida Sans Unicode" panose="020B0602030504020204" pitchFamily="34" charset="0"/>
               <a:ea typeface="楷体" panose="02010609060101010101" pitchFamily="49" charset="-122"/>
             </a:endParaRPr>
@@ -4604,14 +4605,14 @@
               <a:buChar char="Ø"/>
             </a:pPr>
             <a:r>
-              <a:rPr lang="zh-CN" altLang="en-US" dirty="0">
+              <a:rPr lang="zh-CN" altLang="en-US" sz="1800" dirty="0">
                 <a:latin typeface="Lucida Sans Unicode" panose="020B0602030504020204" pitchFamily="34" charset="0"/>
                 <a:ea typeface="楷体" panose="02010609060101010101" pitchFamily="49" charset="-122"/>
               </a:rPr>
               <a:t>适用的领域：</a:t>
             </a:r>
             <a:r>
-              <a:rPr lang="en-US" altLang="zh-CN" dirty="0">
+              <a:rPr lang="en-US" altLang="zh-CN" sz="1800" dirty="0">
                 <a:latin typeface="Lucida Sans Unicode" panose="020B0602030504020204" pitchFamily="34" charset="0"/>
                 <a:ea typeface="楷体" panose="02010609060101010101" pitchFamily="49" charset="-122"/>
                 <a:cs typeface="Cascadia Code" panose="020B0609020000020004" pitchFamily="49" charset="0"/>
@@ -4619,7 +4620,7 @@
               <a:t>Tracing</a:t>
             </a:r>
             <a:r>
-              <a:rPr lang="zh-CN" altLang="en-US" dirty="0">
+              <a:rPr lang="zh-CN" altLang="en-US" sz="1800" dirty="0">
                 <a:latin typeface="Lucida Sans Unicode" panose="020B0602030504020204" pitchFamily="34" charset="0"/>
                 <a:ea typeface="楷体" panose="02010609060101010101" pitchFamily="49" charset="-122"/>
                 <a:cs typeface="Cascadia Code" panose="020B0609020000020004" pitchFamily="49" charset="0"/>
@@ -4627,7 +4628,7 @@
               <a:t>，</a:t>
             </a:r>
             <a:r>
-              <a:rPr lang="en-US" altLang="zh-CN" dirty="0">
+              <a:rPr lang="en-US" altLang="zh-CN" sz="1800" dirty="0">
                 <a:latin typeface="Lucida Sans Unicode" panose="020B0602030504020204" pitchFamily="34" charset="0"/>
                 <a:ea typeface="楷体" panose="02010609060101010101" pitchFamily="49" charset="-122"/>
                 <a:cs typeface="Cascadia Code" panose="020B0609020000020004" pitchFamily="49" charset="0"/>
@@ -4635,7 +4636,7 @@
               <a:t>Security</a:t>
             </a:r>
             <a:r>
-              <a:rPr lang="zh-CN" altLang="en-US" dirty="0">
+              <a:rPr lang="zh-CN" altLang="en-US" sz="1800" dirty="0">
                 <a:latin typeface="Lucida Sans Unicode" panose="020B0602030504020204" pitchFamily="34" charset="0"/>
                 <a:ea typeface="楷体" panose="02010609060101010101" pitchFamily="49" charset="-122"/>
                 <a:cs typeface="Cascadia Code" panose="020B0609020000020004" pitchFamily="49" charset="0"/>
@@ -4643,7 +4644,7 @@
               <a:t>，</a:t>
             </a:r>
             <a:r>
-              <a:rPr lang="en-US" altLang="zh-CN" dirty="0">
+              <a:rPr lang="en-US" altLang="zh-CN" sz="1800" dirty="0">
                 <a:latin typeface="Lucida Sans Unicode" panose="020B0602030504020204" pitchFamily="34" charset="0"/>
                 <a:ea typeface="楷体" panose="02010609060101010101" pitchFamily="49" charset="-122"/>
                 <a:cs typeface="Cascadia Code" panose="020B0609020000020004" pitchFamily="49" charset="0"/>
@@ -4651,13 +4652,13 @@
               <a:t>Network</a:t>
             </a:r>
             <a:r>
-              <a:rPr lang="zh-CN" altLang="en-US" dirty="0">
+              <a:rPr lang="zh-CN" altLang="en-US" sz="1800" dirty="0">
                 <a:latin typeface="Lucida Sans Unicode" panose="020B0602030504020204" pitchFamily="34" charset="0"/>
                 <a:ea typeface="楷体" panose="02010609060101010101" pitchFamily="49" charset="-122"/>
               </a:rPr>
               <a:t>。</a:t>
             </a:r>
-            <a:endParaRPr lang="en-US" altLang="zh-CN" dirty="0">
+            <a:endParaRPr lang="en-US" altLang="zh-CN" sz="1800" dirty="0">
               <a:latin typeface="Lucida Sans Unicode" panose="020B0602030504020204" pitchFamily="34" charset="0"/>
               <a:ea typeface="楷体" panose="02010609060101010101" pitchFamily="49" charset="-122"/>
             </a:endParaRPr>
@@ -5484,14 +5485,14 @@
               <a:buChar char="Ø"/>
             </a:pPr>
             <a:r>
-              <a:rPr lang="zh-CN" altLang="en-US" sz="2000" dirty="0">
+              <a:rPr lang="zh-CN" altLang="en-US" sz="1800" dirty="0">
                 <a:latin typeface="Lucida Sans Unicode" panose="020B0602030504020204" pitchFamily="34" charset="0"/>
                 <a:ea typeface="楷体" panose="02010609060101010101" pitchFamily="49" charset="-122"/>
               </a:rPr>
               <a:t>内核态完备的编译、开发环境。使用</a:t>
             </a:r>
             <a:r>
-              <a:rPr lang="en-US" altLang="zh-CN" sz="2000" dirty="0">
+              <a:rPr lang="en-US" altLang="zh-CN" sz="1800" dirty="0">
                 <a:latin typeface="Lucida Sans Unicode" panose="020B0602030504020204" pitchFamily="34" charset="0"/>
                 <a:ea typeface="楷体" panose="02010609060101010101" pitchFamily="49" charset="-122"/>
                 <a:cs typeface="Cascadia Code" panose="020B0609020000020004" pitchFamily="49" charset="0"/>
@@ -5499,14 +5500,14 @@
               <a:t>clang</a:t>
             </a:r>
             <a:r>
-              <a:rPr lang="zh-CN" altLang="en-US" sz="2000" dirty="0">
+              <a:rPr lang="zh-CN" altLang="en-US" sz="1800" dirty="0">
                 <a:latin typeface="Lucida Sans Unicode" panose="020B0602030504020204" pitchFamily="34" charset="0"/>
                 <a:ea typeface="楷体" panose="02010609060101010101" pitchFamily="49" charset="-122"/>
               </a:rPr>
               <a:t>编译，生成包含</a:t>
             </a:r>
             <a:r>
-              <a:rPr lang="en-US" altLang="zh-CN" sz="2000" dirty="0">
+              <a:rPr lang="en-US" altLang="zh-CN" sz="1800" dirty="0">
                 <a:latin typeface="Lucida Sans Unicode" panose="020B0602030504020204" pitchFamily="34" charset="0"/>
                 <a:ea typeface="楷体" panose="02010609060101010101" pitchFamily="49" charset="-122"/>
                 <a:cs typeface="Cascadia Code" panose="020B0609020000020004" pitchFamily="49" charset="0"/>
@@ -5514,14 +5515,14 @@
               <a:t>BTF</a:t>
             </a:r>
             <a:r>
-              <a:rPr lang="zh-CN" altLang="en-US" sz="2000" dirty="0">
+              <a:rPr lang="zh-CN" altLang="en-US" sz="1800" dirty="0">
                 <a:latin typeface="Lucida Sans Unicode" panose="020B0602030504020204" pitchFamily="34" charset="0"/>
                 <a:ea typeface="楷体" panose="02010609060101010101" pitchFamily="49" charset="-122"/>
               </a:rPr>
               <a:t>信息的</a:t>
             </a:r>
             <a:r>
-              <a:rPr lang="zh-CN" altLang="en-US" sz="2000" dirty="0">
+              <a:rPr lang="zh-CN" altLang="en-US" sz="1800" dirty="0">
                 <a:latin typeface="Lucida Sans Unicode" panose="020B0602030504020204" pitchFamily="34" charset="0"/>
                 <a:ea typeface="楷体" panose="02010609060101010101" pitchFamily="49" charset="-122"/>
                 <a:cs typeface="Cascadia Code" panose="020B0609020000020004" pitchFamily="49" charset="0"/>
@@ -5529,14 +5530,14 @@
               <a:t>目标</a:t>
             </a:r>
             <a:r>
-              <a:rPr lang="zh-CN" altLang="en-US" sz="2000" dirty="0">
+              <a:rPr lang="zh-CN" altLang="en-US" sz="1800" dirty="0">
                 <a:latin typeface="Lucida Sans Unicode" panose="020B0602030504020204" pitchFamily="34" charset="0"/>
                 <a:ea typeface="楷体" panose="02010609060101010101" pitchFamily="49" charset="-122"/>
               </a:rPr>
               <a:t>文件；导出内核数据结构的</a:t>
             </a:r>
             <a:r>
-              <a:rPr lang="en-US" altLang="zh-CN" sz="2000" dirty="0" err="1">
+              <a:rPr lang="en-US" altLang="zh-CN" sz="1800" dirty="0" err="1">
                 <a:latin typeface="Lucida Sans Unicode" panose="020B0602030504020204" pitchFamily="34" charset="0"/>
                 <a:ea typeface="楷体" panose="02010609060101010101" pitchFamily="49" charset="-122"/>
                 <a:cs typeface="Cascadia Code" panose="020B0609020000020004" pitchFamily="49" charset="0"/>
@@ -5544,7 +5545,7 @@
               <a:t>vmlinux.h</a:t>
             </a:r>
             <a:r>
-              <a:rPr lang="zh-CN" altLang="en-US" sz="2000" dirty="0">
+              <a:rPr lang="zh-CN" altLang="en-US" sz="1800" dirty="0">
                 <a:latin typeface="楷体" panose="02010609060101010101" pitchFamily="49" charset="-122"/>
                 <a:ea typeface="楷体" panose="02010609060101010101" pitchFamily="49" charset="-122"/>
                 <a:cs typeface="Cascadia Code" panose="020B0609020000020004" pitchFamily="49" charset="0"/>
@@ -5552,76 +5553,76 @@
               <a:t>头</a:t>
             </a:r>
             <a:r>
-              <a:rPr lang="zh-CN" altLang="en-US" sz="2000" dirty="0">
+              <a:rPr lang="zh-CN" altLang="en-US" sz="1800" dirty="0">
                 <a:latin typeface="Lucida Sans Unicode" panose="020B0602030504020204" pitchFamily="34" charset="0"/>
                 <a:ea typeface="楷体" panose="02010609060101010101" pitchFamily="49" charset="-122"/>
               </a:rPr>
               <a:t>文件，不依赖内核的头文件；编译优化，</a:t>
             </a:r>
             <a:r>
-              <a:rPr lang="en-US" altLang="zh-CN" sz="2000" dirty="0" err="1">
+              <a:rPr lang="en-US" altLang="zh-CN" sz="1800" dirty="0" err="1">
                 <a:latin typeface="Lucida Sans Unicode" panose="020B0602030504020204" pitchFamily="34" charset="0"/>
                 <a:ea typeface="楷体" panose="02010609060101010101" pitchFamily="49" charset="-122"/>
               </a:rPr>
               <a:t>llvm</a:t>
             </a:r>
             <a:r>
-              <a:rPr lang="en-US" altLang="zh-CN" sz="2000" dirty="0">
+              <a:rPr lang="en-US" altLang="zh-CN" sz="1800" dirty="0">
                 <a:latin typeface="Lucida Sans Unicode" panose="020B0602030504020204" pitchFamily="34" charset="0"/>
                 <a:ea typeface="楷体" panose="02010609060101010101" pitchFamily="49" charset="-122"/>
               </a:rPr>
               <a:t>-strip</a:t>
             </a:r>
             <a:r>
-              <a:rPr lang="zh-CN" altLang="en-US" sz="2000" dirty="0">
+              <a:rPr lang="zh-CN" altLang="en-US" sz="1800" dirty="0">
                 <a:latin typeface="Lucida Sans Unicode" panose="020B0602030504020204" pitchFamily="34" charset="0"/>
                 <a:ea typeface="楷体" panose="02010609060101010101" pitchFamily="49" charset="-122"/>
               </a:rPr>
               <a:t>除去</a:t>
             </a:r>
             <a:r>
-              <a:rPr lang="en-US" altLang="zh-CN" sz="2000" dirty="0">
+              <a:rPr lang="en-US" altLang="zh-CN" sz="1800" dirty="0">
                 <a:latin typeface="Lucida Sans Unicode" panose="020B0602030504020204" pitchFamily="34" charset="0"/>
                 <a:ea typeface="楷体" panose="02010609060101010101" pitchFamily="49" charset="-122"/>
               </a:rPr>
               <a:t>DWARF Debug</a:t>
             </a:r>
             <a:r>
-              <a:rPr lang="zh-CN" altLang="en-US" sz="2000" dirty="0">
+              <a:rPr lang="zh-CN" altLang="en-US" sz="1800" dirty="0">
                 <a:latin typeface="Lucida Sans Unicode" panose="020B0602030504020204" pitchFamily="34" charset="0"/>
                 <a:ea typeface="楷体" panose="02010609060101010101" pitchFamily="49" charset="-122"/>
               </a:rPr>
               <a:t>信息；使用</a:t>
             </a:r>
             <a:r>
-              <a:rPr lang="en-US" altLang="zh-CN" sz="2000" dirty="0" err="1">
+              <a:rPr lang="en-US" altLang="zh-CN" sz="1800" dirty="0" err="1">
                 <a:latin typeface="Lucida Sans Unicode" panose="020B0602030504020204" pitchFamily="34" charset="0"/>
                 <a:ea typeface="楷体" panose="02010609060101010101" pitchFamily="49" charset="-122"/>
               </a:rPr>
               <a:t>libbpf</a:t>
             </a:r>
             <a:r>
-              <a:rPr lang="zh-CN" altLang="en-US" sz="2000" dirty="0">
+              <a:rPr lang="zh-CN" altLang="en-US" sz="1800" dirty="0">
                 <a:latin typeface="Lucida Sans Unicode" panose="020B0602030504020204" pitchFamily="34" charset="0"/>
                 <a:ea typeface="楷体" panose="02010609060101010101" pitchFamily="49" charset="-122"/>
               </a:rPr>
               <a:t>支持</a:t>
             </a:r>
             <a:r>
-              <a:rPr lang="en-US" altLang="zh-CN" sz="2000" dirty="0">
+              <a:rPr lang="en-US" altLang="zh-CN" sz="1800" dirty="0">
                 <a:latin typeface="Lucida Sans Unicode" panose="020B0602030504020204" pitchFamily="34" charset="0"/>
                 <a:ea typeface="楷体" panose="02010609060101010101" pitchFamily="49" charset="-122"/>
               </a:rPr>
               <a:t>CO-RE</a:t>
             </a:r>
             <a:r>
-              <a:rPr lang="zh-CN" altLang="en-US" sz="2000" dirty="0">
+              <a:rPr lang="zh-CN" altLang="en-US" sz="1800" dirty="0">
                 <a:latin typeface="Lucida Sans Unicode" panose="020B0602030504020204" pitchFamily="34" charset="0"/>
                 <a:ea typeface="楷体" panose="02010609060101010101" pitchFamily="49" charset="-122"/>
               </a:rPr>
               <a:t>。</a:t>
             </a:r>
-            <a:endParaRPr lang="en-US" altLang="zh-CN" sz="2000" dirty="0">
+            <a:endParaRPr lang="en-US" altLang="zh-CN" sz="1800" dirty="0">
               <a:latin typeface="Lucida Sans Unicode" panose="020B0602030504020204" pitchFamily="34" charset="0"/>
               <a:ea typeface="楷体" panose="02010609060101010101" pitchFamily="49" charset="-122"/>
             </a:endParaRPr>
@@ -5638,27 +5639,27 @@
               <a:buChar char="Ø"/>
             </a:pPr>
             <a:r>
-              <a:rPr lang="zh-CN" altLang="en-US" sz="2000" dirty="0">
+              <a:rPr lang="zh-CN" altLang="en-US" sz="1800" dirty="0">
                 <a:latin typeface="Lucida Sans Unicode" panose="020B0602030504020204" pitchFamily="34" charset="0"/>
                 <a:ea typeface="楷体" panose="02010609060101010101" pitchFamily="49" charset="-122"/>
               </a:rPr>
               <a:t>内核态代码公共函数封装，方便对内核数据结构的访问。针对不同内核版本数据结构不同情况下使用</a:t>
             </a:r>
             <a:r>
-              <a:rPr lang="en-US" altLang="zh-CN" sz="2000" dirty="0">
+              <a:rPr lang="en-US" altLang="zh-CN" sz="1800" dirty="0">
                 <a:latin typeface="Lucida Sans Unicode" panose="020B0602030504020204" pitchFamily="34" charset="0"/>
                 <a:ea typeface="楷体" panose="02010609060101010101" pitchFamily="49" charset="-122"/>
               </a:rPr>
               <a:t>co-re</a:t>
             </a:r>
             <a:r>
-              <a:rPr lang="zh-CN" altLang="en-US" sz="2000" dirty="0">
+              <a:rPr lang="zh-CN" altLang="en-US" sz="1800" dirty="0">
                 <a:latin typeface="Lucida Sans Unicode" panose="020B0602030504020204" pitchFamily="34" charset="0"/>
                 <a:ea typeface="楷体" panose="02010609060101010101" pitchFamily="49" charset="-122"/>
               </a:rPr>
               <a:t>进行适配。</a:t>
             </a:r>
-            <a:endParaRPr lang="en-US" altLang="zh-CN" sz="2000" dirty="0">
+            <a:endParaRPr lang="en-US" altLang="zh-CN" sz="1800" dirty="0">
               <a:latin typeface="Lucida Sans Unicode" panose="020B0602030504020204" pitchFamily="34" charset="0"/>
               <a:ea typeface="楷体" panose="02010609060101010101" pitchFamily="49" charset="-122"/>
             </a:endParaRPr>
@@ -5675,42 +5676,42 @@
               <a:buChar char="Ø"/>
             </a:pPr>
             <a:r>
-              <a:rPr lang="zh-CN" altLang="en-US" sz="2000" dirty="0">
+              <a:rPr lang="zh-CN" altLang="en-US" sz="1800" dirty="0">
                 <a:latin typeface="Lucida Sans Unicode" panose="020B0602030504020204" pitchFamily="34" charset="0"/>
                 <a:ea typeface="楷体" panose="02010609060101010101" pitchFamily="49" charset="-122"/>
               </a:rPr>
               <a:t>同时支持</a:t>
             </a:r>
             <a:r>
-              <a:rPr lang="en-US" altLang="zh-CN" sz="2000" dirty="0">
+              <a:rPr lang="en-US" altLang="zh-CN" sz="1800" dirty="0">
                 <a:latin typeface="Lucida Sans Unicode" panose="020B0602030504020204" pitchFamily="34" charset="0"/>
                 <a:ea typeface="楷体" panose="02010609060101010101" pitchFamily="49" charset="-122"/>
               </a:rPr>
               <a:t>c</a:t>
             </a:r>
             <a:r>
-              <a:rPr lang="zh-CN" altLang="en-US" sz="2000" dirty="0">
+              <a:rPr lang="zh-CN" altLang="en-US" sz="1800" dirty="0">
                 <a:latin typeface="Lucida Sans Unicode" panose="020B0602030504020204" pitchFamily="34" charset="0"/>
                 <a:ea typeface="楷体" panose="02010609060101010101" pitchFamily="49" charset="-122"/>
               </a:rPr>
               <a:t>和</a:t>
             </a:r>
             <a:r>
-              <a:rPr lang="en-US" altLang="zh-CN" sz="2000" dirty="0" err="1">
+              <a:rPr lang="en-US" altLang="zh-CN" sz="1800" dirty="0" err="1">
                 <a:latin typeface="Lucida Sans Unicode" panose="020B0602030504020204" pitchFamily="34" charset="0"/>
                 <a:ea typeface="楷体" panose="02010609060101010101" pitchFamily="49" charset="-122"/>
               </a:rPr>
               <a:t>golang</a:t>
             </a:r>
             <a:r>
-              <a:rPr lang="zh-CN" altLang="en-US" sz="2000" dirty="0">
+              <a:rPr lang="zh-CN" altLang="en-US" sz="1800" dirty="0">
                 <a:latin typeface="Lucida Sans Unicode" panose="020B0602030504020204" pitchFamily="34" charset="0"/>
                 <a:ea typeface="楷体" panose="02010609060101010101" pitchFamily="49" charset="-122"/>
               </a:rPr>
               <a:t>的用户态程序开发，编译生成</a:t>
             </a:r>
             <a:r>
-              <a:rPr lang="en-US" altLang="zh-CN" sz="2000" dirty="0" err="1">
+              <a:rPr lang="en-US" altLang="zh-CN" sz="1800" dirty="0" err="1">
                 <a:latin typeface="Lucida Sans Unicode" panose="020B0602030504020204" pitchFamily="34" charset="0"/>
                 <a:ea typeface="楷体" panose="02010609060101010101" pitchFamily="49" charset="-122"/>
                 <a:cs typeface="Cascadia Code" panose="020B0609020000020004" pitchFamily="49" charset="0"/>
@@ -5718,14 +5719,14 @@
               <a:t>skel.h</a:t>
             </a:r>
             <a:r>
-              <a:rPr lang="zh-CN" altLang="en-US" sz="2000" dirty="0">
+              <a:rPr lang="zh-CN" altLang="en-US" sz="1800" dirty="0">
                 <a:latin typeface="Lucida Sans Unicode" panose="020B0602030504020204" pitchFamily="34" charset="0"/>
                 <a:ea typeface="楷体" panose="02010609060101010101" pitchFamily="49" charset="-122"/>
               </a:rPr>
               <a:t>文件，方便用户态</a:t>
             </a:r>
             <a:r>
-              <a:rPr lang="en-US" altLang="zh-CN" sz="2000" dirty="0">
+              <a:rPr lang="en-US" altLang="zh-CN" sz="1800" dirty="0">
                 <a:latin typeface="Lucida Sans Unicode" panose="020B0602030504020204" pitchFamily="34" charset="0"/>
                 <a:ea typeface="楷体" panose="02010609060101010101" pitchFamily="49" charset="-122"/>
                 <a:cs typeface="Cascadia Code" panose="020B0609020000020004" pitchFamily="49" charset="0"/>
@@ -5733,13 +5734,13 @@
               <a:t>C</a:t>
             </a:r>
             <a:r>
-              <a:rPr lang="zh-CN" altLang="en-US" sz="2000" dirty="0">
+              <a:rPr lang="zh-CN" altLang="en-US" sz="1800" dirty="0">
                 <a:latin typeface="Lucida Sans Unicode" panose="020B0602030504020204" pitchFamily="34" charset="0"/>
                 <a:ea typeface="楷体" panose="02010609060101010101" pitchFamily="49" charset="-122"/>
               </a:rPr>
               <a:t>程序开发。</a:t>
             </a:r>
-            <a:endParaRPr lang="en-US" altLang="zh-CN" sz="2000" dirty="0">
+            <a:endParaRPr lang="en-US" altLang="zh-CN" sz="1800" dirty="0">
               <a:latin typeface="Lucida Sans Unicode" panose="020B0602030504020204" pitchFamily="34" charset="0"/>
               <a:ea typeface="楷体" panose="02010609060101010101" pitchFamily="49" charset="-122"/>
             </a:endParaRPr>
@@ -5756,7 +5757,7 @@
               <a:buChar char="Ø"/>
             </a:pPr>
             <a:r>
-              <a:rPr lang="zh-CN" altLang="en-US" sz="2000" dirty="0">
+              <a:rPr lang="zh-CN" altLang="en-US" sz="1800" dirty="0">
                 <a:latin typeface="Lucida Sans Unicode" panose="020B0602030504020204" pitchFamily="34" charset="0"/>
                 <a:ea typeface="楷体" panose="02010609060101010101" pitchFamily="49" charset="-122"/>
                 <a:cs typeface="Cascadia Code" panose="020B0609020000020004" pitchFamily="49" charset="0"/>
@@ -5764,7 +5765,7 @@
               <a:t>用户态服务使用</a:t>
             </a:r>
             <a:r>
-              <a:rPr lang="en-US" altLang="zh-CN" sz="2000" dirty="0" err="1">
+              <a:rPr lang="en-US" altLang="zh-CN" sz="1800" dirty="0" err="1">
                 <a:latin typeface="Lucida Sans Unicode" panose="020B0602030504020204" pitchFamily="34" charset="0"/>
                 <a:ea typeface="楷体" panose="02010609060101010101" pitchFamily="49" charset="-122"/>
                 <a:cs typeface="Cascadia Code" panose="020B0609020000020004" pitchFamily="49" charset="0"/>
@@ -5772,7 +5773,7 @@
               <a:t>golang</a:t>
             </a:r>
             <a:r>
-              <a:rPr lang="zh-CN" altLang="en-US" sz="2000" dirty="0">
+              <a:rPr lang="zh-CN" altLang="en-US" sz="1800" dirty="0">
                 <a:latin typeface="Lucida Sans Unicode" panose="020B0602030504020204" pitchFamily="34" charset="0"/>
                 <a:ea typeface="楷体" panose="02010609060101010101" pitchFamily="49" charset="-122"/>
                 <a:cs typeface="Cascadia Code" panose="020B0609020000020004" pitchFamily="49" charset="0"/>
@@ -5780,7 +5781,7 @@
               <a:t>开发，基于</a:t>
             </a:r>
             <a:r>
-              <a:rPr lang="en-US" altLang="zh-CN" sz="2000" dirty="0">
+              <a:rPr lang="en-US" altLang="zh-CN" sz="1800" dirty="0">
                 <a:latin typeface="Lucida Sans Unicode" panose="020B0602030504020204" pitchFamily="34" charset="0"/>
                 <a:ea typeface="楷体" panose="02010609060101010101" pitchFamily="49" charset="-122"/>
                 <a:cs typeface="Cascadia Code" panose="020B0609020000020004" pitchFamily="49" charset="0"/>
@@ -5788,7 +5789,7 @@
               <a:t>cilium </a:t>
             </a:r>
             <a:r>
-              <a:rPr lang="en-US" altLang="zh-CN" sz="2000" dirty="0" err="1">
+              <a:rPr lang="en-US" altLang="zh-CN" sz="1800" dirty="0" err="1">
                 <a:latin typeface="Lucida Sans Unicode" panose="020B0602030504020204" pitchFamily="34" charset="0"/>
                 <a:ea typeface="楷体" panose="02010609060101010101" pitchFamily="49" charset="-122"/>
                 <a:cs typeface="Cascadia Code" panose="020B0609020000020004" pitchFamily="49" charset="0"/>
@@ -5796,7 +5797,7 @@
               <a:t>ebpf</a:t>
             </a:r>
             <a:r>
-              <a:rPr lang="zh-CN" altLang="en-US" sz="2000" dirty="0">
+              <a:rPr lang="zh-CN" altLang="en-US" sz="1800" dirty="0">
                 <a:latin typeface="Lucida Sans Unicode" panose="020B0602030504020204" pitchFamily="34" charset="0"/>
                 <a:ea typeface="楷体" panose="02010609060101010101" pitchFamily="49" charset="-122"/>
                 <a:cs typeface="Cascadia Code" panose="020B0609020000020004" pitchFamily="49" charset="0"/>
@@ -5804,7 +5805,7 @@
               <a:t>库不在依赖</a:t>
             </a:r>
             <a:r>
-              <a:rPr lang="en-US" altLang="zh-CN" sz="2000" dirty="0" err="1">
+              <a:rPr lang="en-US" altLang="zh-CN" sz="1800" dirty="0" err="1">
                 <a:latin typeface="Lucida Sans Unicode" panose="020B0602030504020204" pitchFamily="34" charset="0"/>
                 <a:ea typeface="楷体" panose="02010609060101010101" pitchFamily="49" charset="-122"/>
                 <a:cs typeface="Cascadia Code" panose="020B0609020000020004" pitchFamily="49" charset="0"/>
@@ -5812,7 +5813,7 @@
               <a:t>libbpf</a:t>
             </a:r>
             <a:r>
-              <a:rPr lang="zh-CN" altLang="en-US" sz="2000" dirty="0">
+              <a:rPr lang="zh-CN" altLang="en-US" sz="1800" dirty="0">
                 <a:latin typeface="Lucida Sans Unicode" panose="020B0602030504020204" pitchFamily="34" charset="0"/>
                 <a:ea typeface="楷体" panose="02010609060101010101" pitchFamily="49" charset="-122"/>
                 <a:cs typeface="Cascadia Code" panose="020B0609020000020004" pitchFamily="49" charset="0"/>
@@ -5820,7 +5821,7 @@
               <a:t>。编译、</a:t>
             </a:r>
             <a:r>
-              <a:rPr lang="en-US" altLang="zh-CN" sz="2000" dirty="0">
+              <a:rPr lang="en-US" altLang="zh-CN" sz="1800" dirty="0">
                 <a:latin typeface="Lucida Sans Unicode" panose="020B0602030504020204" pitchFamily="34" charset="0"/>
                 <a:ea typeface="楷体" panose="02010609060101010101" pitchFamily="49" charset="-122"/>
                 <a:cs typeface="Cascadia Code" panose="020B0609020000020004" pitchFamily="49" charset="0"/>
@@ -5828,14 +5829,14 @@
               <a:t>Prog</a:t>
             </a:r>
             <a:r>
-              <a:rPr lang="zh-CN" altLang="en-US" sz="2000" dirty="0">
+              <a:rPr lang="zh-CN" altLang="en-US" sz="1800" dirty="0">
                 <a:latin typeface="Lucida Sans Unicode" panose="020B0602030504020204" pitchFamily="34" charset="0"/>
                 <a:ea typeface="楷体" panose="02010609060101010101" pitchFamily="49" charset="-122"/>
                 <a:cs typeface="Cascadia Code" panose="020B0609020000020004" pitchFamily="49" charset="0"/>
               </a:rPr>
               <a:t>加载、逻辑框架都以完备。</a:t>
             </a:r>
-            <a:endParaRPr lang="en-US" altLang="zh-CN" sz="2000" dirty="0">
+            <a:endParaRPr lang="en-US" altLang="zh-CN" sz="1800" dirty="0">
               <a:latin typeface="Lucida Sans Unicode" panose="020B0602030504020204" pitchFamily="34" charset="0"/>
               <a:ea typeface="楷体" panose="02010609060101010101" pitchFamily="49" charset="-122"/>
               <a:cs typeface="Cascadia Code" panose="020B0609020000020004" pitchFamily="49" charset="0"/>
@@ -5853,7 +5854,7 @@
               <a:buChar char="Ø"/>
             </a:pPr>
             <a:r>
-              <a:rPr lang="zh-CN" altLang="en-US" sz="2000" dirty="0">
+              <a:rPr lang="zh-CN" altLang="en-US" sz="1800" dirty="0">
                 <a:latin typeface="Lucida Sans Unicode" panose="020B0602030504020204" pitchFamily="34" charset="0"/>
                 <a:ea typeface="楷体" panose="02010609060101010101" pitchFamily="49" charset="-122"/>
                 <a:cs typeface="Cascadia Code" panose="020B0609020000020004" pitchFamily="49" charset="0"/>
@@ -5861,7 +5862,7 @@
               <a:t>用户态服务提供</a:t>
             </a:r>
             <a:r>
-              <a:rPr lang="en-US" altLang="zh-CN" sz="2000" dirty="0">
+              <a:rPr lang="en-US" altLang="zh-CN" sz="1800" dirty="0">
                 <a:latin typeface="Lucida Sans Unicode" panose="020B0602030504020204" pitchFamily="34" charset="0"/>
                 <a:ea typeface="楷体" panose="02010609060101010101" pitchFamily="49" charset="-122"/>
                 <a:cs typeface="Cascadia Code" panose="020B0609020000020004" pitchFamily="49" charset="0"/>
@@ -5869,14 +5870,14 @@
               <a:t>Prometheus</a:t>
             </a:r>
             <a:r>
-              <a:rPr lang="zh-CN" altLang="en-US" sz="2000" dirty="0">
+              <a:rPr lang="zh-CN" altLang="en-US" sz="1800" dirty="0">
                 <a:latin typeface="Lucida Sans Unicode" panose="020B0602030504020204" pitchFamily="34" charset="0"/>
                 <a:ea typeface="楷体" panose="02010609060101010101" pitchFamily="49" charset="-122"/>
                 <a:cs typeface="Cascadia Code" panose="020B0609020000020004" pitchFamily="49" charset="0"/>
               </a:rPr>
               <a:t>接口，以指标形式存放、输出展示。</a:t>
             </a:r>
-            <a:endParaRPr lang="en-US" altLang="zh-CN" sz="2000" dirty="0">
+            <a:endParaRPr lang="en-US" altLang="zh-CN" sz="1800" dirty="0">
               <a:latin typeface="Lucida Sans Unicode" panose="020B0602030504020204" pitchFamily="34" charset="0"/>
               <a:ea typeface="楷体" panose="02010609060101010101" pitchFamily="49" charset="-122"/>
               <a:cs typeface="Cascadia Code" panose="020B0609020000020004" pitchFamily="49" charset="0"/>
@@ -5951,6 +5952,378 @@
     <p:extLst>
       <p:ext uri="{BB962C8B-B14F-4D97-AF65-F5344CB8AC3E}">
         <p14:creationId xmlns:p14="http://schemas.microsoft.com/office/powerpoint/2010/main" val="4291114025"/>
+      </p:ext>
+    </p:extLst>
+  </p:cSld>
+  <p:clrMapOvr>
+    <a:masterClrMapping/>
+  </p:clrMapOvr>
+</p:sld>
+</file>
+
+<file path=ppt/slides/slide8.xml><?xml version="1.0" encoding="utf-8"?>
+<p:sld xmlns:a="http://schemas.openxmlformats.org/drawingml/2006/main" xmlns:r="http://schemas.openxmlformats.org/officeDocument/2006/relationships" xmlns:p="http://schemas.openxmlformats.org/presentationml/2006/main">
+  <p:cSld>
+    <p:spTree>
+      <p:nvGrpSpPr>
+        <p:cNvPr id="1" name=""/>
+        <p:cNvGrpSpPr/>
+        <p:nvPr/>
+      </p:nvGrpSpPr>
+      <p:grpSpPr>
+        <a:xfrm>
+          <a:off x="0" y="0"/>
+          <a:ext cx="0" cy="0"/>
+          <a:chOff x="0" y="0"/>
+          <a:chExt cx="0" cy="0"/>
+        </a:xfrm>
+      </p:grpSpPr>
+      <p:pic>
+        <p:nvPicPr>
+          <p:cNvPr id="4" name="图片 3">
+            <a:extLst>
+              <a:ext uri="{FF2B5EF4-FFF2-40B4-BE49-F238E27FC236}">
+                <a16:creationId xmlns:a16="http://schemas.microsoft.com/office/drawing/2014/main" id="{CE5DFC41-1085-3037-4697-5A65B58C4A4E}"/>
+              </a:ext>
+            </a:extLst>
+          </p:cNvPr>
+          <p:cNvPicPr>
+            <a:picLocks noChangeAspect="1"/>
+          </p:cNvPicPr>
+          <p:nvPr/>
+        </p:nvPicPr>
+        <p:blipFill>
+          <a:blip r:embed="rId2"/>
+          <a:stretch>
+            <a:fillRect/>
+          </a:stretch>
+        </p:blipFill>
+        <p:spPr>
+          <a:xfrm>
+            <a:off x="0" y="0"/>
+            <a:ext cx="1927334" cy="677612"/>
+          </a:xfrm>
+          <a:prstGeom prst="rect">
+            <a:avLst/>
+          </a:prstGeom>
+        </p:spPr>
+      </p:pic>
+      <p:sp>
+        <p:nvSpPr>
+          <p:cNvPr id="5" name="内容占位符 2">
+            <a:extLst>
+              <a:ext uri="{FF2B5EF4-FFF2-40B4-BE49-F238E27FC236}">
+                <a16:creationId xmlns:a16="http://schemas.microsoft.com/office/drawing/2014/main" id="{1523E53D-9719-3B65-96E9-C43C739FE970}"/>
+              </a:ext>
+            </a:extLst>
+          </p:cNvPr>
+          <p:cNvSpPr>
+            <a:spLocks noGrp="1"/>
+          </p:cNvSpPr>
+          <p:nvPr>
+            <p:ph idx="1"/>
+          </p:nvPr>
+        </p:nvSpPr>
+        <p:spPr>
+          <a:xfrm>
+            <a:off x="488258" y="788724"/>
+            <a:ext cx="11215484" cy="5484764"/>
+          </a:xfrm>
+        </p:spPr>
+        <p:txBody>
+          <a:bodyPr/>
+          <a:lstStyle/>
+          <a:p>
+            <a:pPr marL="228600" lvl="1" indent="-228600" algn="l">
+              <a:spcBef>
+                <a:spcPts val="1000"/>
+              </a:spcBef>
+              <a:buFont typeface="Arial" panose="020B0604020202020204" pitchFamily="34" charset="0"/>
+              <a:buChar char="•"/>
+            </a:pPr>
+            <a:r>
+              <a:rPr lang="en-US" altLang="zh-CN" dirty="0" err="1">
+                <a:latin typeface="Lucida Sans Unicode" panose="020B0602030504020204" pitchFamily="34" charset="0"/>
+                <a:ea typeface="楷体" panose="02010609060101010101" pitchFamily="49" charset="-122"/>
+                <a:cs typeface="Cascadia Code" panose="020B0609020000020004" pitchFamily="49" charset="0"/>
+              </a:rPr>
+              <a:t>eBPF</a:t>
+            </a:r>
+            <a:r>
+              <a:rPr lang="zh-CN" altLang="en-US" dirty="0">
+                <a:latin typeface="Lucida Sans Unicode" panose="020B0602030504020204" pitchFamily="34" charset="0"/>
+                <a:ea typeface="楷体" panose="02010609060101010101" pitchFamily="49" charset="-122"/>
+                <a:cs typeface="Cascadia Code" panose="020B0609020000020004" pitchFamily="49" charset="0"/>
+              </a:rPr>
+              <a:t>工具的使用</a:t>
+            </a:r>
+            <a:endParaRPr lang="en-US" altLang="zh-CN" dirty="0">
+              <a:latin typeface="Lucida Sans Unicode" panose="020B0602030504020204" pitchFamily="34" charset="0"/>
+              <a:ea typeface="楷体" panose="02010609060101010101" pitchFamily="49" charset="-122"/>
+            </a:endParaRPr>
+          </a:p>
+          <a:p>
+            <a:pPr marL="342900" lvl="1" indent="342900">
+              <a:lnSpc>
+                <a:spcPct val="150000"/>
+              </a:lnSpc>
+              <a:spcBef>
+                <a:spcPts val="800"/>
+              </a:spcBef>
+              <a:buFont typeface="Wingdings" panose="05000000000000000000" pitchFamily="2" charset="2"/>
+              <a:buChar char="Ø"/>
+            </a:pPr>
+            <a:r>
+              <a:rPr lang="en-US" altLang="zh-CN" sz="1800" dirty="0">
+                <a:latin typeface="Lucida Sans Unicode" panose="020B0602030504020204" pitchFamily="34" charset="0"/>
+                <a:ea typeface="楷体" panose="02010609060101010101" pitchFamily="49" charset="-122"/>
+              </a:rPr>
+              <a:t>b</a:t>
+            </a:r>
+            <a:r>
+              <a:rPr lang="en-US" altLang="zh-CN" sz="1800">
+                <a:latin typeface="Lucida Sans Unicode" panose="020B0602030504020204" pitchFamily="34" charset="0"/>
+                <a:ea typeface="楷体" panose="02010609060101010101" pitchFamily="49" charset="-122"/>
+              </a:rPr>
+              <a:t>cc</a:t>
+            </a:r>
+            <a:r>
+              <a:rPr lang="zh-CN" altLang="en-US" sz="1800" dirty="0">
+                <a:latin typeface="Lucida Sans Unicode" panose="020B0602030504020204" pitchFamily="34" charset="0"/>
+                <a:ea typeface="楷体" panose="02010609060101010101" pitchFamily="49" charset="-122"/>
+              </a:rPr>
+              <a:t>。一套开箱即用的工具，远离使用</a:t>
+            </a:r>
+            <a:r>
+              <a:rPr lang="en-US" altLang="zh-CN" sz="1800" dirty="0">
+                <a:latin typeface="Lucida Sans Unicode" panose="020B0602030504020204" pitchFamily="34" charset="0"/>
+                <a:ea typeface="楷体" panose="02010609060101010101" pitchFamily="49" charset="-122"/>
+              </a:rPr>
+              <a:t>python</a:t>
+            </a:r>
+            <a:r>
+              <a:rPr lang="zh-CN" altLang="en-US" sz="1800" dirty="0">
+                <a:latin typeface="Lucida Sans Unicode" panose="020B0602030504020204" pitchFamily="34" charset="0"/>
+                <a:ea typeface="楷体" panose="02010609060101010101" pitchFamily="49" charset="-122"/>
+              </a:rPr>
+              <a:t>替换</a:t>
+            </a:r>
+            <a:r>
+              <a:rPr lang="en-US" altLang="zh-CN" sz="1800" dirty="0">
+                <a:latin typeface="Lucida Sans Unicode" panose="020B0602030504020204" pitchFamily="34" charset="0"/>
+                <a:ea typeface="楷体" panose="02010609060101010101" pitchFamily="49" charset="-122"/>
+              </a:rPr>
+              <a:t>c</a:t>
+            </a:r>
+            <a:r>
+              <a:rPr lang="zh-CN" altLang="en-US" sz="1800" dirty="0">
+                <a:latin typeface="Lucida Sans Unicode" panose="020B0602030504020204" pitchFamily="34" charset="0"/>
+                <a:ea typeface="楷体" panose="02010609060101010101" pitchFamily="49" charset="-122"/>
+              </a:rPr>
+              <a:t>代码的方式来生成</a:t>
+            </a:r>
+            <a:r>
+              <a:rPr lang="en-US" altLang="zh-CN" sz="1800" dirty="0" err="1">
+                <a:latin typeface="Lucida Sans Unicode" panose="020B0602030504020204" pitchFamily="34" charset="0"/>
+                <a:ea typeface="楷体" panose="02010609060101010101" pitchFamily="49" charset="-122"/>
+              </a:rPr>
+              <a:t>bpf</a:t>
+            </a:r>
+            <a:r>
+              <a:rPr lang="zh-CN" altLang="en-US" sz="1800" dirty="0">
+                <a:latin typeface="Lucida Sans Unicode" panose="020B0602030504020204" pitchFamily="34" charset="0"/>
+                <a:ea typeface="楷体" panose="02010609060101010101" pitchFamily="49" charset="-122"/>
+              </a:rPr>
+              <a:t>的内核部分，调用</a:t>
+            </a:r>
+            <a:r>
+              <a:rPr lang="en-US" altLang="zh-CN" sz="1800" dirty="0" err="1">
+                <a:latin typeface="Lucida Sans Unicode" panose="020B0602030504020204" pitchFamily="34" charset="0"/>
+                <a:ea typeface="楷体" panose="02010609060101010101" pitchFamily="49" charset="-122"/>
+              </a:rPr>
+              <a:t>bpf</a:t>
+            </a:r>
+            <a:r>
+              <a:rPr lang="zh-CN" altLang="en-US" sz="1800" dirty="0">
+                <a:latin typeface="Lucida Sans Unicode" panose="020B0602030504020204" pitchFamily="34" charset="0"/>
+                <a:ea typeface="楷体" panose="02010609060101010101" pitchFamily="49" charset="-122"/>
+              </a:rPr>
+              <a:t>系统调用来进行加载，</a:t>
+            </a:r>
+            <a:endParaRPr lang="en-US" altLang="zh-CN" sz="1800" dirty="0">
+              <a:latin typeface="Lucida Sans Unicode" panose="020B0602030504020204" pitchFamily="34" charset="0"/>
+              <a:ea typeface="楷体" panose="02010609060101010101" pitchFamily="49" charset="-122"/>
+            </a:endParaRPr>
+          </a:p>
+          <a:p>
+            <a:pPr marL="342900" lvl="1" indent="342900">
+              <a:lnSpc>
+                <a:spcPct val="150000"/>
+              </a:lnSpc>
+              <a:spcBef>
+                <a:spcPts val="800"/>
+              </a:spcBef>
+              <a:buFont typeface="Wingdings" panose="05000000000000000000" pitchFamily="2" charset="2"/>
+              <a:buChar char="Ø"/>
+            </a:pPr>
+            <a:r>
+              <a:rPr lang="en-US" altLang="zh-CN" sz="1800" dirty="0" err="1">
+                <a:latin typeface="Lucida Sans Unicode" panose="020B0602030504020204" pitchFamily="34" charset="0"/>
+                <a:ea typeface="楷体" panose="02010609060101010101" pitchFamily="49" charset="-122"/>
+              </a:rPr>
+              <a:t>bpftrace</a:t>
+            </a:r>
+            <a:r>
+              <a:rPr lang="zh-CN" altLang="en-US" sz="1800" dirty="0">
+                <a:latin typeface="Lucida Sans Unicode" panose="020B0602030504020204" pitchFamily="34" charset="0"/>
+                <a:ea typeface="楷体" panose="02010609060101010101" pitchFamily="49" charset="-122"/>
+              </a:rPr>
+              <a:t>。方便、快速的编写强大</a:t>
+            </a:r>
+            <a:r>
+              <a:rPr lang="en-US" altLang="zh-CN" sz="1800" dirty="0" err="1">
+                <a:latin typeface="Lucida Sans Unicode" panose="020B0602030504020204" pitchFamily="34" charset="0"/>
+                <a:ea typeface="楷体" panose="02010609060101010101" pitchFamily="49" charset="-122"/>
+              </a:rPr>
+              <a:t>bt</a:t>
+            </a:r>
+            <a:r>
+              <a:rPr lang="zh-CN" altLang="en-US" sz="1800" dirty="0">
+                <a:latin typeface="Lucida Sans Unicode" panose="020B0602030504020204" pitchFamily="34" charset="0"/>
+                <a:ea typeface="楷体" panose="02010609060101010101" pitchFamily="49" charset="-122"/>
+              </a:rPr>
+              <a:t>脚本，用于定位问题以及验证</a:t>
+            </a:r>
+            <a:r>
+              <a:rPr lang="en-US" altLang="zh-CN" sz="1800" dirty="0" err="1">
+                <a:latin typeface="Lucida Sans Unicode" panose="020B0602030504020204" pitchFamily="34" charset="0"/>
+                <a:ea typeface="楷体" panose="02010609060101010101" pitchFamily="49" charset="-122"/>
+              </a:rPr>
+              <a:t>bpf</a:t>
+            </a:r>
+            <a:r>
+              <a:rPr lang="zh-CN" altLang="en-US" sz="1800" dirty="0">
+                <a:latin typeface="Lucida Sans Unicode" panose="020B0602030504020204" pitchFamily="34" charset="0"/>
+                <a:ea typeface="楷体" panose="02010609060101010101" pitchFamily="49" charset="-122"/>
+              </a:rPr>
+              <a:t>内核部分逻辑。功能比</a:t>
+            </a:r>
+            <a:r>
+              <a:rPr lang="en-US" altLang="zh-CN" sz="1800" dirty="0">
+                <a:latin typeface="Lucida Sans Unicode" panose="020B0602030504020204" pitchFamily="34" charset="0"/>
+                <a:ea typeface="楷体" panose="02010609060101010101" pitchFamily="49" charset="-122"/>
+              </a:rPr>
+              <a:t>bcc</a:t>
+            </a:r>
+            <a:r>
+              <a:rPr lang="zh-CN" altLang="en-US" sz="1800" dirty="0">
+                <a:latin typeface="Lucida Sans Unicode" panose="020B0602030504020204" pitchFamily="34" charset="0"/>
+                <a:ea typeface="楷体" panose="02010609060101010101" pitchFamily="49" charset="-122"/>
+              </a:rPr>
+              <a:t>强大、灵活。</a:t>
+            </a:r>
+            <a:endParaRPr lang="en-US" altLang="zh-CN" sz="1800" dirty="0">
+              <a:latin typeface="Lucida Sans Unicode" panose="020B0602030504020204" pitchFamily="34" charset="0"/>
+              <a:ea typeface="楷体" panose="02010609060101010101" pitchFamily="49" charset="-122"/>
+            </a:endParaRPr>
+          </a:p>
+          <a:p>
+            <a:pPr marL="342900" lvl="1" indent="342900">
+              <a:lnSpc>
+                <a:spcPct val="150000"/>
+              </a:lnSpc>
+              <a:spcBef>
+                <a:spcPts val="800"/>
+              </a:spcBef>
+              <a:buFont typeface="Wingdings" panose="05000000000000000000" pitchFamily="2" charset="2"/>
+              <a:buChar char="Ø"/>
+            </a:pPr>
+            <a:r>
+              <a:rPr lang="en-US" altLang="zh-CN" sz="1800" dirty="0" err="1">
+                <a:latin typeface="Lucida Sans Unicode" panose="020B0602030504020204" pitchFamily="34" charset="0"/>
+                <a:ea typeface="楷体" panose="02010609060101010101" pitchFamily="49" charset="-122"/>
+              </a:rPr>
+              <a:t>Bpftool</a:t>
+            </a:r>
+            <a:r>
+              <a:rPr lang="zh-CN" altLang="en-US" sz="1800" dirty="0">
+                <a:latin typeface="Lucida Sans Unicode" panose="020B0602030504020204" pitchFamily="34" charset="0"/>
+                <a:ea typeface="楷体" panose="02010609060101010101" pitchFamily="49" charset="-122"/>
+              </a:rPr>
+              <a:t>。</a:t>
+            </a:r>
+            <a:r>
+              <a:rPr lang="en-US" altLang="zh-CN" sz="1800" dirty="0" err="1">
+                <a:latin typeface="Lucida Sans Unicode" panose="020B0602030504020204" pitchFamily="34" charset="0"/>
+                <a:ea typeface="楷体" panose="02010609060101010101" pitchFamily="49" charset="-122"/>
+              </a:rPr>
+              <a:t>bpf</a:t>
+            </a:r>
+            <a:r>
+              <a:rPr lang="zh-CN" altLang="en-US" sz="1800" dirty="0">
+                <a:latin typeface="Lucida Sans Unicode" panose="020B0602030504020204" pitchFamily="34" charset="0"/>
+                <a:ea typeface="楷体" panose="02010609060101010101" pitchFamily="49" charset="-122"/>
+              </a:rPr>
+              <a:t>的原生工具，十分重要</a:t>
+            </a:r>
+            <a:endParaRPr lang="en-US" altLang="zh-CN" sz="1800" dirty="0">
+              <a:latin typeface="Lucida Sans Unicode" panose="020B0602030504020204" pitchFamily="34" charset="0"/>
+              <a:ea typeface="楷体" panose="02010609060101010101" pitchFamily="49" charset="-122"/>
+              <a:cs typeface="Cascadia Code" panose="020B0609020000020004" pitchFamily="49" charset="0"/>
+            </a:endParaRPr>
+          </a:p>
+          <a:p>
+            <a:pPr marL="342900" lvl="1" indent="342900">
+              <a:lnSpc>
+                <a:spcPct val="150000"/>
+              </a:lnSpc>
+              <a:spcBef>
+                <a:spcPts val="800"/>
+              </a:spcBef>
+              <a:buFont typeface="Wingdings" panose="05000000000000000000" pitchFamily="2" charset="2"/>
+              <a:buChar char="Ø"/>
+            </a:pPr>
+            <a:endParaRPr lang="en-US" altLang="zh-CN" sz="2000" dirty="0">
+              <a:latin typeface="Lucida Sans Unicode" panose="020B0602030504020204" pitchFamily="34" charset="0"/>
+              <a:ea typeface="楷体" panose="02010609060101010101" pitchFamily="49" charset="-122"/>
+            </a:endParaRPr>
+          </a:p>
+          <a:p>
+            <a:pPr marL="457200" lvl="2" indent="0" algn="l">
+              <a:lnSpc>
+                <a:spcPct val="150000"/>
+              </a:lnSpc>
+              <a:spcBef>
+                <a:spcPts val="800"/>
+              </a:spcBef>
+              <a:buNone/>
+            </a:pPr>
+            <a:endParaRPr lang="en-US" altLang="zh-CN" dirty="0">
+              <a:latin typeface="Lucida Sans Unicode" panose="020B0602030504020204" pitchFamily="34" charset="0"/>
+              <a:ea typeface="楷体" panose="02010609060101010101" pitchFamily="49" charset="-122"/>
+            </a:endParaRPr>
+          </a:p>
+          <a:p>
+            <a:pPr marL="457200" lvl="2" indent="0" algn="l">
+              <a:lnSpc>
+                <a:spcPct val="150000"/>
+              </a:lnSpc>
+              <a:spcBef>
+                <a:spcPts val="600"/>
+              </a:spcBef>
+              <a:buNone/>
+            </a:pPr>
+            <a:endParaRPr lang="zh-CN" altLang="en-US" dirty="0">
+              <a:latin typeface="Lucida Sans Unicode" panose="020B0602030504020204" pitchFamily="34" charset="0"/>
+              <a:ea typeface="楷体" panose="02010609060101010101" pitchFamily="49" charset="-122"/>
+            </a:endParaRPr>
+          </a:p>
+        </p:txBody>
+      </p:sp>
+    </p:spTree>
+    <p:extLst>
+      <p:ext uri="{BB962C8B-B14F-4D97-AF65-F5344CB8AC3E}">
+        <p14:creationId xmlns:p14="http://schemas.microsoft.com/office/powerpoint/2010/main" val="4077834078"/>
       </p:ext>
     </p:extLst>
   </p:cSld>

--- a/doc/基于eBPF可观测性实践.pptx
+++ b/doc/基于eBPF可观测性实践.pptx
@@ -204,7 +204,7 @@
           <a:p>
             <a:fld id="{5985243D-D7DF-486D-8E00-93BF46E2F1DE}" type="datetimeFigureOut">
               <a:rPr lang="zh-CN" altLang="en-US" smtClean="0"/>
-              <a:t>2023/6/19</a:t>
+              <a:t>2023/6/20</a:t>
             </a:fld>
             <a:endParaRPr lang="zh-CN" altLang="en-US"/>
           </a:p>
@@ -729,7 +729,7 @@
           <a:p>
             <a:fld id="{46BAD0FF-C09A-407F-B942-4E2B28B247C4}" type="datetimeFigureOut">
               <a:rPr lang="zh-CN" altLang="en-US" smtClean="0"/>
-              <a:t>2023/6/19</a:t>
+              <a:t>2023/6/20</a:t>
             </a:fld>
             <a:endParaRPr lang="zh-CN" altLang="en-US"/>
           </a:p>
@@ -927,7 +927,7 @@
           <a:p>
             <a:fld id="{46BAD0FF-C09A-407F-B942-4E2B28B247C4}" type="datetimeFigureOut">
               <a:rPr lang="zh-CN" altLang="en-US" smtClean="0"/>
-              <a:t>2023/6/19</a:t>
+              <a:t>2023/6/20</a:t>
             </a:fld>
             <a:endParaRPr lang="zh-CN" altLang="en-US"/>
           </a:p>
@@ -1135,7 +1135,7 @@
           <a:p>
             <a:fld id="{46BAD0FF-C09A-407F-B942-4E2B28B247C4}" type="datetimeFigureOut">
               <a:rPr lang="zh-CN" altLang="en-US" smtClean="0"/>
-              <a:t>2023/6/19</a:t>
+              <a:t>2023/6/20</a:t>
             </a:fld>
             <a:endParaRPr lang="zh-CN" altLang="en-US"/>
           </a:p>
@@ -1333,7 +1333,7 @@
           <a:p>
             <a:fld id="{46BAD0FF-C09A-407F-B942-4E2B28B247C4}" type="datetimeFigureOut">
               <a:rPr lang="zh-CN" altLang="en-US" smtClean="0"/>
-              <a:t>2023/6/19</a:t>
+              <a:t>2023/6/20</a:t>
             </a:fld>
             <a:endParaRPr lang="zh-CN" altLang="en-US"/>
           </a:p>
@@ -1608,7 +1608,7 @@
           <a:p>
             <a:fld id="{46BAD0FF-C09A-407F-B942-4E2B28B247C4}" type="datetimeFigureOut">
               <a:rPr lang="zh-CN" altLang="en-US" smtClean="0"/>
-              <a:t>2023/6/19</a:t>
+              <a:t>2023/6/20</a:t>
             </a:fld>
             <a:endParaRPr lang="zh-CN" altLang="en-US"/>
           </a:p>
@@ -1873,7 +1873,7 @@
           <a:p>
             <a:fld id="{46BAD0FF-C09A-407F-B942-4E2B28B247C4}" type="datetimeFigureOut">
               <a:rPr lang="zh-CN" altLang="en-US" smtClean="0"/>
-              <a:t>2023/6/19</a:t>
+              <a:t>2023/6/20</a:t>
             </a:fld>
             <a:endParaRPr lang="zh-CN" altLang="en-US"/>
           </a:p>
@@ -2285,7 +2285,7 @@
           <a:p>
             <a:fld id="{46BAD0FF-C09A-407F-B942-4E2B28B247C4}" type="datetimeFigureOut">
               <a:rPr lang="zh-CN" altLang="en-US" smtClean="0"/>
-              <a:t>2023/6/19</a:t>
+              <a:t>2023/6/20</a:t>
             </a:fld>
             <a:endParaRPr lang="zh-CN" altLang="en-US"/>
           </a:p>
@@ -2426,7 +2426,7 @@
           <a:p>
             <a:fld id="{46BAD0FF-C09A-407F-B942-4E2B28B247C4}" type="datetimeFigureOut">
               <a:rPr lang="zh-CN" altLang="en-US" smtClean="0"/>
-              <a:t>2023/6/19</a:t>
+              <a:t>2023/6/20</a:t>
             </a:fld>
             <a:endParaRPr lang="zh-CN" altLang="en-US"/>
           </a:p>
@@ -2539,7 +2539,7 @@
           <a:p>
             <a:fld id="{46BAD0FF-C09A-407F-B942-4E2B28B247C4}" type="datetimeFigureOut">
               <a:rPr lang="zh-CN" altLang="en-US" smtClean="0"/>
-              <a:t>2023/6/19</a:t>
+              <a:t>2023/6/20</a:t>
             </a:fld>
             <a:endParaRPr lang="zh-CN" altLang="en-US"/>
           </a:p>
@@ -2850,7 +2850,7 @@
           <a:p>
             <a:fld id="{46BAD0FF-C09A-407F-B942-4E2B28B247C4}" type="datetimeFigureOut">
               <a:rPr lang="zh-CN" altLang="en-US" smtClean="0"/>
-              <a:t>2023/6/19</a:t>
+              <a:t>2023/6/20</a:t>
             </a:fld>
             <a:endParaRPr lang="zh-CN" altLang="en-US"/>
           </a:p>
@@ -3138,7 +3138,7 @@
           <a:p>
             <a:fld id="{46BAD0FF-C09A-407F-B942-4E2B28B247C4}" type="datetimeFigureOut">
               <a:rPr lang="zh-CN" altLang="en-US" smtClean="0"/>
-              <a:t>2023/6/19</a:t>
+              <a:t>2023/6/20</a:t>
             </a:fld>
             <a:endParaRPr lang="zh-CN" altLang="en-US"/>
           </a:p>
@@ -3414,7 +3414,7 @@
             <a:fld id="{46BAD0FF-C09A-407F-B942-4E2B28B247C4}" type="datetimeFigureOut">
               <a:rPr lang="zh-CN" altLang="en-US" smtClean="0"/>
               <a:pPr/>
-              <a:t>2023/6/19</a:t>
+              <a:t>2023/6/20</a:t>
             </a:fld>
             <a:endParaRPr lang="zh-CN" altLang="en-US" dirty="0"/>
           </a:p>
@@ -3884,14 +3884,14 @@
             <a:pPr algn="ctr"/>
             <a:r>
               <a:rPr lang="zh-CN" altLang="en-US" dirty="0">
-                <a:latin typeface="Lucida Sans Unicode" panose="020B0602030504020204" pitchFamily="34" charset="0"/>
+                <a:latin typeface="Lucida Sans Regular" panose="020B0602030504020204" pitchFamily="34" charset="0"/>
                 <a:ea typeface="楷体" panose="02010609060101010101" pitchFamily="49" charset="-122"/>
               </a:rPr>
               <a:t>基于</a:t>
             </a:r>
             <a:r>
               <a:rPr lang="en-US" altLang="zh-CN" dirty="0" err="1">
-                <a:latin typeface="Lucida Sans Unicode" panose="020B0602030504020204" pitchFamily="34" charset="0"/>
+                <a:latin typeface="Lucida Sans Regular" panose="020B0602030504020204" pitchFamily="34" charset="0"/>
                 <a:ea typeface="楷体" panose="02010609060101010101" pitchFamily="49" charset="-122"/>
                 <a:cs typeface="Cascadia Code" panose="020B0609020000020004" pitchFamily="49" charset="0"/>
               </a:rPr>
@@ -3899,7 +3899,7 @@
             </a:r>
             <a:r>
               <a:rPr lang="zh-CN" altLang="en-US" dirty="0">
-                <a:latin typeface="Lucida Sans Unicode" panose="020B0602030504020204" pitchFamily="34" charset="0"/>
+                <a:latin typeface="Lucida Sans Regular" panose="020B0602030504020204" pitchFamily="34" charset="0"/>
                 <a:ea typeface="楷体" panose="02010609060101010101" pitchFamily="49" charset="-122"/>
                 <a:cs typeface="Cascadia Code" panose="020B0609020000020004" pitchFamily="49" charset="0"/>
               </a:rPr>
@@ -3907,7 +3907,7 @@
             </a:r>
             <a:r>
               <a:rPr lang="zh-CN" altLang="en-US" dirty="0">
-                <a:latin typeface="Lucida Sans Unicode" panose="020B0602030504020204" pitchFamily="34" charset="0"/>
+                <a:latin typeface="Lucida Sans Regular" panose="020B0602030504020204" pitchFamily="34" charset="0"/>
                 <a:ea typeface="楷体" panose="02010609060101010101" pitchFamily="49" charset="-122"/>
               </a:rPr>
               <a:t>可观测性实践</a:t>
@@ -4143,21 +4143,21 @@
               </a:lnSpc>
             </a:pPr>
             <a:endParaRPr lang="en-US" altLang="zh-CN" dirty="0">
-              <a:latin typeface="Lucida Sans Unicode" panose="020B0602030504020204" pitchFamily="34" charset="0"/>
+              <a:latin typeface="Lucida Sans Regular" panose="020B0602030504020204" pitchFamily="34" charset="0"/>
               <a:ea typeface="楷体" panose="02010609060101010101" pitchFamily="49" charset="-122"/>
             </a:endParaRPr>
           </a:p>
           <a:p>
             <a:pPr lvl="1"/>
             <a:endParaRPr lang="en-US" altLang="zh-CN" dirty="0">
-              <a:latin typeface="Lucida Sans Unicode" panose="020B0602030504020204" pitchFamily="34" charset="0"/>
+              <a:latin typeface="Lucida Sans Regular" panose="020B0602030504020204" pitchFamily="34" charset="0"/>
               <a:ea typeface="楷体" panose="02010609060101010101" pitchFamily="49" charset="-122"/>
             </a:endParaRPr>
           </a:p>
           <a:p>
             <a:pPr lvl="1"/>
             <a:endParaRPr lang="zh-CN" altLang="en-US" dirty="0">
-              <a:latin typeface="Lucida Sans Unicode" panose="020B0602030504020204" pitchFamily="34" charset="0"/>
+              <a:latin typeface="Lucida Sans Regular" panose="020B0602030504020204" pitchFamily="34" charset="0"/>
               <a:ea typeface="楷体" panose="02010609060101010101" pitchFamily="49" charset="-122"/>
             </a:endParaRPr>
           </a:p>
@@ -4230,13 +4230,13 @@
             </a:pPr>
             <a:r>
               <a:rPr lang="zh-CN" altLang="en-US" dirty="0">
-                <a:latin typeface="Lucida Sans Unicode" panose="020B0602030504020204" pitchFamily="34" charset="0"/>
+                <a:latin typeface="Lucida Sans Regular" panose="020B0602030504020204" pitchFamily="34" charset="0"/>
                 <a:ea typeface="楷体" panose="02010609060101010101" pitchFamily="49" charset="-122"/>
               </a:rPr>
               <a:t>简介</a:t>
             </a:r>
             <a:endParaRPr lang="en-US" altLang="zh-CN" dirty="0">
-              <a:latin typeface="Lucida Sans Unicode" panose="020B0602030504020204" pitchFamily="34" charset="0"/>
+              <a:latin typeface="Lucida Sans Regular" panose="020B0602030504020204" pitchFamily="34" charset="0"/>
               <a:ea typeface="楷体" panose="02010609060101010101" pitchFamily="49" charset="-122"/>
             </a:endParaRPr>
           </a:p>
@@ -4253,7 +4253,7 @@
             </a:pPr>
             <a:r>
               <a:rPr lang="en-US" altLang="zh-CN" sz="1800" dirty="0" err="1">
-                <a:latin typeface="Lucida Sans Unicode" panose="020B0602030504020204" pitchFamily="34" charset="0"/>
+                <a:latin typeface="Lucida Sans Regular" panose="020B0602030504020204" pitchFamily="34" charset="0"/>
                 <a:ea typeface="楷体" panose="02010609060101010101" pitchFamily="49" charset="-122"/>
                 <a:cs typeface="Cascadia Code" panose="020B0609020000020004" pitchFamily="49" charset="0"/>
               </a:rPr>
@@ -4261,27 +4261,27 @@
             </a:r>
             <a:r>
               <a:rPr lang="zh-CN" altLang="en-US" sz="1800" dirty="0">
-                <a:latin typeface="Lucida Sans Unicode" panose="020B0602030504020204" pitchFamily="34" charset="0"/>
+                <a:latin typeface="Lucida Sans Regular" panose="020B0602030504020204" pitchFamily="34" charset="0"/>
                 <a:ea typeface="楷体" panose="02010609060101010101" pitchFamily="49" charset="-122"/>
               </a:rPr>
               <a:t>是一种内核技术，它允许开发人员编写自定义代码，并能够动态地加载到内核中，从而观察、改变内核的行为方式。可对比</a:t>
             </a:r>
             <a:r>
               <a:rPr lang="en-US" altLang="zh-CN" sz="1800" dirty="0" err="1">
-                <a:latin typeface="Lucida Sans Unicode" panose="020B0602030504020204" pitchFamily="34" charset="0"/>
-                <a:ea typeface="楷体" panose="02010609060101010101" pitchFamily="49" charset="-122"/>
-              </a:rPr>
-              <a:t>Kmod</a:t>
+                <a:latin typeface="Lucida Sans Regular" panose="020B0602030504020204" pitchFamily="34" charset="0"/>
+                <a:ea typeface="楷体" panose="02010609060101010101" pitchFamily="49" charset="-122"/>
+              </a:rPr>
+              <a:t>kmod</a:t>
             </a:r>
             <a:r>
               <a:rPr lang="zh-CN" altLang="en-US" sz="1800" dirty="0">
-                <a:latin typeface="Lucida Sans Unicode" panose="020B0602030504020204" pitchFamily="34" charset="0"/>
+                <a:latin typeface="Lucida Sans Regular" panose="020B0602030504020204" pitchFamily="34" charset="0"/>
                 <a:ea typeface="楷体" panose="02010609060101010101" pitchFamily="49" charset="-122"/>
               </a:rPr>
               <a:t>的开发方式。</a:t>
             </a:r>
             <a:endParaRPr lang="en-US" altLang="zh-CN" sz="1800" dirty="0">
-              <a:latin typeface="Lucida Sans Unicode" panose="020B0602030504020204" pitchFamily="34" charset="0"/>
+              <a:latin typeface="Lucida Sans Regular" panose="020B0602030504020204" pitchFamily="34" charset="0"/>
               <a:ea typeface="楷体" panose="02010609060101010101" pitchFamily="49" charset="-122"/>
             </a:endParaRPr>
           </a:p>
@@ -4298,7 +4298,7 @@
             </a:pPr>
             <a:r>
               <a:rPr lang="en-US" altLang="zh-CN" sz="1800" dirty="0">
-                <a:latin typeface="Lucida Sans Unicode" panose="020B0602030504020204" pitchFamily="34" charset="0"/>
+                <a:latin typeface="Lucida Sans Regular" panose="020B0602030504020204" pitchFamily="34" charset="0"/>
                 <a:ea typeface="楷体" panose="02010609060101010101" pitchFamily="49" charset="-122"/>
                 <a:cs typeface="Cascadia Code" panose="020B0609020000020004" pitchFamily="49" charset="0"/>
               </a:rPr>
@@ -4306,14 +4306,14 @@
             </a:r>
             <a:r>
               <a:rPr lang="zh-CN" altLang="en-US" sz="1800" dirty="0">
-                <a:latin typeface="Lucida Sans Unicode" panose="020B0602030504020204" pitchFamily="34" charset="0"/>
+                <a:latin typeface="Lucida Sans Regular" panose="020B0602030504020204" pitchFamily="34" charset="0"/>
                 <a:ea typeface="楷体" panose="02010609060101010101" pitchFamily="49" charset="-122"/>
               </a:rPr>
               <a:t>，使用内核特性</a:t>
             </a:r>
             <a:r>
               <a:rPr lang="en-US" altLang="zh-CN" sz="1800" dirty="0" err="1">
-                <a:latin typeface="Lucida Sans Unicode" panose="020B0602030504020204" pitchFamily="34" charset="0"/>
+                <a:latin typeface="Lucida Sans Regular" panose="020B0602030504020204" pitchFamily="34" charset="0"/>
                 <a:ea typeface="楷体" panose="02010609060101010101" pitchFamily="49" charset="-122"/>
                 <a:cs typeface="Cascadia Code" panose="020B0609020000020004" pitchFamily="49" charset="0"/>
               </a:rPr>
@@ -4321,7 +4321,7 @@
             </a:r>
             <a:r>
               <a:rPr lang="zh-CN" altLang="en-US" sz="1800" dirty="0">
-                <a:latin typeface="Lucida Sans Unicode" panose="020B0602030504020204" pitchFamily="34" charset="0"/>
+                <a:latin typeface="Lucida Sans Regular" panose="020B0602030504020204" pitchFamily="34" charset="0"/>
                 <a:ea typeface="楷体" panose="02010609060101010101" pitchFamily="49" charset="-122"/>
                 <a:cs typeface="Cascadia Code" panose="020B0609020000020004" pitchFamily="49" charset="0"/>
               </a:rPr>
@@ -4329,7 +4329,7 @@
             </a:r>
             <a:r>
               <a:rPr lang="en-US" altLang="zh-CN" sz="1800" dirty="0" err="1">
-                <a:latin typeface="Lucida Sans Unicode" panose="020B0602030504020204" pitchFamily="34" charset="0"/>
+                <a:latin typeface="Lucida Sans Regular" panose="020B0602030504020204" pitchFamily="34" charset="0"/>
                 <a:ea typeface="楷体" panose="02010609060101010101" pitchFamily="49" charset="-122"/>
                 <a:cs typeface="Cascadia Code" panose="020B0609020000020004" pitchFamily="49" charset="0"/>
               </a:rPr>
@@ -4337,7 +4337,7 @@
             </a:r>
             <a:r>
               <a:rPr lang="zh-CN" altLang="en-US" sz="1800" dirty="0">
-                <a:latin typeface="Lucida Sans Unicode" panose="020B0602030504020204" pitchFamily="34" charset="0"/>
+                <a:latin typeface="Lucida Sans Regular" panose="020B0602030504020204" pitchFamily="34" charset="0"/>
                 <a:ea typeface="楷体" panose="02010609060101010101" pitchFamily="49" charset="-122"/>
                 <a:cs typeface="Cascadia Code" panose="020B0609020000020004" pitchFamily="49" charset="0"/>
               </a:rPr>
@@ -4345,7 +4345,7 @@
             </a:r>
             <a:r>
               <a:rPr lang="en-US" altLang="zh-CN" sz="1800" dirty="0">
-                <a:latin typeface="Lucida Sans Unicode" panose="020B0602030504020204" pitchFamily="34" charset="0"/>
+                <a:latin typeface="Lucida Sans Regular" panose="020B0602030504020204" pitchFamily="34" charset="0"/>
                 <a:ea typeface="楷体" panose="02010609060101010101" pitchFamily="49" charset="-122"/>
                 <a:cs typeface="Cascadia Code" panose="020B0609020000020004" pitchFamily="49" charset="0"/>
               </a:rPr>
@@ -4353,7 +4353,7 @@
             </a:r>
             <a:r>
               <a:rPr lang="en-US" altLang="zh-CN" sz="1800" dirty="0" err="1">
-                <a:latin typeface="Lucida Sans Unicode" panose="020B0602030504020204" pitchFamily="34" charset="0"/>
+                <a:latin typeface="Lucida Sans Regular" panose="020B0602030504020204" pitchFamily="34" charset="0"/>
                 <a:ea typeface="楷体" panose="02010609060101010101" pitchFamily="49" charset="-122"/>
                 <a:cs typeface="Cascadia Code" panose="020B0609020000020004" pitchFamily="49" charset="0"/>
               </a:rPr>
@@ -4361,7 +4361,7 @@
             </a:r>
             <a:r>
               <a:rPr lang="zh-CN" altLang="en-US" sz="1800" dirty="0">
-                <a:latin typeface="Lucida Sans Unicode" panose="020B0602030504020204" pitchFamily="34" charset="0"/>
+                <a:latin typeface="Lucida Sans Regular" panose="020B0602030504020204" pitchFamily="34" charset="0"/>
                 <a:ea typeface="楷体" panose="02010609060101010101" pitchFamily="49" charset="-122"/>
                 <a:cs typeface="Cascadia Code" panose="020B0609020000020004" pitchFamily="49" charset="0"/>
               </a:rPr>
@@ -4369,7 +4369,7 @@
             </a:r>
             <a:r>
               <a:rPr lang="en-US" altLang="zh-CN" sz="1800" dirty="0" err="1">
-                <a:latin typeface="Lucida Sans Unicode" panose="020B0602030504020204" pitchFamily="34" charset="0"/>
+                <a:latin typeface="Lucida Sans Regular" panose="020B0602030504020204" pitchFamily="34" charset="0"/>
                 <a:ea typeface="楷体" panose="02010609060101010101" pitchFamily="49" charset="-122"/>
                 <a:cs typeface="Cascadia Code" panose="020B0609020000020004" pitchFamily="49" charset="0"/>
               </a:rPr>
@@ -4377,7 +4377,7 @@
             </a:r>
             <a:r>
               <a:rPr lang="en-US" altLang="zh-CN" sz="1800" dirty="0">
-                <a:latin typeface="Lucida Sans Unicode" panose="020B0602030504020204" pitchFamily="34" charset="0"/>
+                <a:latin typeface="Lucida Sans Regular" panose="020B0602030504020204" pitchFamily="34" charset="0"/>
                 <a:ea typeface="楷体" panose="02010609060101010101" pitchFamily="49" charset="-122"/>
                 <a:cs typeface="Cascadia Code" panose="020B0609020000020004" pitchFamily="49" charset="0"/>
               </a:rPr>
@@ -4385,7 +4385,7 @@
             </a:r>
             <a:r>
               <a:rPr lang="en-US" altLang="zh-CN" sz="1800" dirty="0" err="1">
-                <a:latin typeface="Lucida Sans Unicode" panose="020B0602030504020204" pitchFamily="34" charset="0"/>
+                <a:latin typeface="Lucida Sans Regular" panose="020B0602030504020204" pitchFamily="34" charset="0"/>
                 <a:ea typeface="楷体" panose="02010609060101010101" pitchFamily="49" charset="-122"/>
                 <a:cs typeface="Cascadia Code" panose="020B0609020000020004" pitchFamily="49" charset="0"/>
               </a:rPr>
@@ -4393,7 +4393,7 @@
             </a:r>
             <a:r>
               <a:rPr lang="zh-CN" altLang="en-US" sz="1800" dirty="0">
-                <a:latin typeface="Lucida Sans Unicode" panose="020B0602030504020204" pitchFamily="34" charset="0"/>
+                <a:latin typeface="Lucida Sans Regular" panose="020B0602030504020204" pitchFamily="34" charset="0"/>
                 <a:ea typeface="楷体" panose="02010609060101010101" pitchFamily="49" charset="-122"/>
                 <a:cs typeface="Cascadia Code" panose="020B0609020000020004" pitchFamily="49" charset="0"/>
               </a:rPr>
@@ -4401,7 +4401,7 @@
             </a:r>
             <a:r>
               <a:rPr lang="en-US" altLang="zh-CN" sz="1800" dirty="0">
-                <a:latin typeface="Lucida Sans Unicode" panose="020B0602030504020204" pitchFamily="34" charset="0"/>
+                <a:latin typeface="Lucida Sans Regular" panose="020B0602030504020204" pitchFamily="34" charset="0"/>
                 <a:ea typeface="楷体" panose="02010609060101010101" pitchFamily="49" charset="-122"/>
                 <a:cs typeface="Cascadia Code" panose="020B0609020000020004" pitchFamily="49" charset="0"/>
               </a:rPr>
@@ -4409,7 +4409,7 @@
             </a:r>
             <a:r>
               <a:rPr lang="en-US" altLang="zh-CN" sz="1800" dirty="0" err="1">
-                <a:latin typeface="Lucida Sans Unicode" panose="020B0602030504020204" pitchFamily="34" charset="0"/>
+                <a:latin typeface="Lucida Sans Regular" panose="020B0602030504020204" pitchFamily="34" charset="0"/>
                 <a:ea typeface="楷体" panose="02010609060101010101" pitchFamily="49" charset="-122"/>
                 <a:cs typeface="Cascadia Code" panose="020B0609020000020004" pitchFamily="49" charset="0"/>
               </a:rPr>
@@ -4417,7 +4417,7 @@
             </a:r>
             <a:r>
               <a:rPr lang="zh-CN" altLang="en-US" sz="1800" dirty="0">
-                <a:latin typeface="Lucida Sans Unicode" panose="020B0602030504020204" pitchFamily="34" charset="0"/>
+                <a:latin typeface="Lucida Sans Regular" panose="020B0602030504020204" pitchFamily="34" charset="0"/>
                 <a:ea typeface="楷体" panose="02010609060101010101" pitchFamily="49" charset="-122"/>
                 <a:cs typeface="Cascadia Code" panose="020B0609020000020004" pitchFamily="49" charset="0"/>
               </a:rPr>
@@ -4425,14 +4425,14 @@
             </a:r>
             <a:r>
               <a:rPr lang="zh-CN" altLang="en-US" sz="1800" dirty="0">
-                <a:latin typeface="Lucida Sans Unicode" panose="020B0602030504020204" pitchFamily="34" charset="0"/>
+                <a:latin typeface="Lucida Sans Regular" panose="020B0602030504020204" pitchFamily="34" charset="0"/>
                 <a:ea typeface="楷体" panose="02010609060101010101" pitchFamily="49" charset="-122"/>
               </a:rPr>
               <a:t>将</a:t>
             </a:r>
             <a:r>
               <a:rPr lang="en-US" altLang="zh-CN" sz="1800" dirty="0">
-                <a:latin typeface="Lucida Sans Unicode" panose="020B0602030504020204" pitchFamily="34" charset="0"/>
+                <a:latin typeface="Lucida Sans Regular" panose="020B0602030504020204" pitchFamily="34" charset="0"/>
                 <a:ea typeface="楷体" panose="02010609060101010101" pitchFamily="49" charset="-122"/>
                 <a:cs typeface="Cascadia Code" panose="020B0609020000020004" pitchFamily="49" charset="0"/>
               </a:rPr>
@@ -4440,7 +4440,7 @@
             </a:r>
             <a:r>
               <a:rPr lang="en-US" altLang="zh-CN" sz="1800" dirty="0" err="1">
-                <a:latin typeface="Lucida Sans Unicode" panose="020B0602030504020204" pitchFamily="34" charset="0"/>
+                <a:latin typeface="Lucida Sans Regular" panose="020B0602030504020204" pitchFamily="34" charset="0"/>
                 <a:ea typeface="楷体" panose="02010609060101010101" pitchFamily="49" charset="-122"/>
                 <a:cs typeface="Cascadia Code" panose="020B0609020000020004" pitchFamily="49" charset="0"/>
               </a:rPr>
@@ -4448,13 +4448,13 @@
             </a:r>
             <a:r>
               <a:rPr lang="zh-CN" altLang="en-US" sz="1800" dirty="0">
-                <a:latin typeface="Lucida Sans Unicode" panose="020B0602030504020204" pitchFamily="34" charset="0"/>
+                <a:latin typeface="Lucida Sans Regular" panose="020B0602030504020204" pitchFamily="34" charset="0"/>
                 <a:ea typeface="楷体" panose="02010609060101010101" pitchFamily="49" charset="-122"/>
               </a:rPr>
               <a:t>，然后把追踪信息报告到用户空间中。</a:t>
             </a:r>
             <a:endParaRPr lang="en-US" altLang="zh-CN" sz="1800" dirty="0">
-              <a:latin typeface="Lucida Sans Unicode" panose="020B0602030504020204" pitchFamily="34" charset="0"/>
+              <a:latin typeface="Lucida Sans Regular" panose="020B0602030504020204" pitchFamily="34" charset="0"/>
               <a:ea typeface="楷体" panose="02010609060101010101" pitchFamily="49" charset="-122"/>
             </a:endParaRPr>
           </a:p>
@@ -4471,14 +4471,14 @@
             </a:pPr>
             <a:r>
               <a:rPr lang="zh-CN" altLang="en-US" sz="1800" dirty="0">
-                <a:latin typeface="Lucida Sans Unicode" panose="020B0602030504020204" pitchFamily="34" charset="0"/>
+                <a:latin typeface="Lucida Sans Regular" panose="020B0602030504020204" pitchFamily="34" charset="0"/>
                 <a:ea typeface="楷体" panose="02010609060101010101" pitchFamily="49" charset="-122"/>
               </a:rPr>
               <a:t>不是开箱即用，将需求转化为对</a:t>
             </a:r>
             <a:r>
               <a:rPr lang="en-US" altLang="zh-CN" sz="1800" dirty="0">
-                <a:latin typeface="Lucida Sans Unicode" panose="020B0602030504020204" pitchFamily="34" charset="0"/>
+                <a:latin typeface="Lucida Sans Regular" panose="020B0602030504020204" pitchFamily="34" charset="0"/>
                 <a:ea typeface="楷体" panose="02010609060101010101" pitchFamily="49" charset="-122"/>
                 <a:cs typeface="Cascadia Code" panose="020B0609020000020004" pitchFamily="49" charset="0"/>
               </a:rPr>
@@ -4486,28 +4486,28 @@
             </a:r>
             <a:r>
               <a:rPr lang="zh-CN" altLang="en-US" sz="1800" dirty="0">
-                <a:latin typeface="Lucida Sans Unicode" panose="020B0602030504020204" pitchFamily="34" charset="0"/>
+                <a:latin typeface="Lucida Sans Regular" panose="020B0602030504020204" pitchFamily="34" charset="0"/>
                 <a:ea typeface="楷体" panose="02010609060101010101" pitchFamily="49" charset="-122"/>
               </a:rPr>
               <a:t>内核逻辑、代码的分析，通过解析内核数据结构，编写</a:t>
             </a:r>
             <a:r>
               <a:rPr lang="en-US" altLang="zh-CN" sz="1800" dirty="0">
-                <a:latin typeface="Lucida Sans Unicode" panose="020B0602030504020204" pitchFamily="34" charset="0"/>
+                <a:latin typeface="Lucida Sans Regular" panose="020B0602030504020204" pitchFamily="34" charset="0"/>
                 <a:ea typeface="楷体" panose="02010609060101010101" pitchFamily="49" charset="-122"/>
               </a:rPr>
               <a:t>Prog</a:t>
             </a:r>
             <a:r>
               <a:rPr lang="zh-CN" altLang="en-US" sz="1800" dirty="0">
-                <a:latin typeface="Lucida Sans Unicode" panose="020B0602030504020204" pitchFamily="34" charset="0"/>
+                <a:latin typeface="Lucida Sans Regular" panose="020B0602030504020204" pitchFamily="34" charset="0"/>
                 <a:ea typeface="楷体" panose="02010609060101010101" pitchFamily="49" charset="-122"/>
               </a:rPr>
               <a:t>，使用</a:t>
             </a:r>
             <a:r>
               <a:rPr lang="en-US" altLang="zh-CN" sz="1800" dirty="0" err="1">
-                <a:latin typeface="Lucida Sans Unicode" panose="020B0602030504020204" pitchFamily="34" charset="0"/>
+                <a:latin typeface="Lucida Sans Regular" panose="020B0602030504020204" pitchFamily="34" charset="0"/>
                 <a:ea typeface="楷体" panose="02010609060101010101" pitchFamily="49" charset="-122"/>
                 <a:cs typeface="Cascadia Code" panose="020B0609020000020004" pitchFamily="49" charset="0"/>
               </a:rPr>
@@ -4515,7 +4515,7 @@
             </a:r>
             <a:r>
               <a:rPr lang="en-US" altLang="zh-CN" sz="1800" dirty="0">
-                <a:latin typeface="Lucida Sans Unicode" panose="020B0602030504020204" pitchFamily="34" charset="0"/>
+                <a:latin typeface="Lucida Sans Regular" panose="020B0602030504020204" pitchFamily="34" charset="0"/>
                 <a:ea typeface="楷体" panose="02010609060101010101" pitchFamily="49" charset="-122"/>
                 <a:cs typeface="Cascadia Code" panose="020B0609020000020004" pitchFamily="49" charset="0"/>
               </a:rPr>
@@ -4523,7 +4523,7 @@
             </a:r>
             <a:r>
               <a:rPr lang="zh-CN" altLang="en-US" sz="1800" dirty="0">
-                <a:latin typeface="Lucida Sans Unicode" panose="020B0602030504020204" pitchFamily="34" charset="0"/>
+                <a:latin typeface="Lucida Sans Regular" panose="020B0602030504020204" pitchFamily="34" charset="0"/>
                 <a:ea typeface="楷体" panose="02010609060101010101" pitchFamily="49" charset="-122"/>
                 <a:cs typeface="Cascadia Code" panose="020B0609020000020004" pitchFamily="49" charset="0"/>
               </a:rPr>
@@ -4531,7 +4531,7 @@
             </a:r>
             <a:r>
               <a:rPr lang="en-US" altLang="zh-CN" sz="1800" dirty="0">
-                <a:latin typeface="Lucida Sans Unicode" panose="020B0602030504020204" pitchFamily="34" charset="0"/>
+                <a:latin typeface="Lucida Sans Regular" panose="020B0602030504020204" pitchFamily="34" charset="0"/>
                 <a:ea typeface="楷体" panose="02010609060101010101" pitchFamily="49" charset="-122"/>
                 <a:cs typeface="Cascadia Code" panose="020B0609020000020004" pitchFamily="49" charset="0"/>
               </a:rPr>
@@ -4539,34 +4539,34 @@
             </a:r>
             <a:r>
               <a:rPr lang="zh-CN" altLang="en-US" sz="1800" dirty="0">
-                <a:latin typeface="Lucida Sans Unicode" panose="020B0602030504020204" pitchFamily="34" charset="0"/>
+                <a:latin typeface="Lucida Sans Regular" panose="020B0602030504020204" pitchFamily="34" charset="0"/>
                 <a:ea typeface="楷体" panose="02010609060101010101" pitchFamily="49" charset="-122"/>
               </a:rPr>
               <a:t>串联、组合，最终使用</a:t>
             </a:r>
             <a:r>
               <a:rPr lang="en-US" altLang="zh-CN" sz="1800" dirty="0" err="1">
-                <a:latin typeface="Lucida Sans Unicode" panose="020B0602030504020204" pitchFamily="34" charset="0"/>
+                <a:latin typeface="Lucida Sans Regular" panose="020B0602030504020204" pitchFamily="34" charset="0"/>
                 <a:ea typeface="楷体" panose="02010609060101010101" pitchFamily="49" charset="-122"/>
               </a:rPr>
               <a:t>eBPF</a:t>
             </a:r>
             <a:r>
               <a:rPr lang="en-US" altLang="zh-CN" sz="1800" dirty="0">
-                <a:latin typeface="Lucida Sans Unicode" panose="020B0602030504020204" pitchFamily="34" charset="0"/>
+                <a:latin typeface="Lucida Sans Regular" panose="020B0602030504020204" pitchFamily="34" charset="0"/>
                 <a:ea typeface="楷体" panose="02010609060101010101" pitchFamily="49" charset="-122"/>
               </a:rPr>
               <a:t> map</a:t>
             </a:r>
             <a:r>
               <a:rPr lang="zh-CN" altLang="en-US" sz="1800" dirty="0">
-                <a:latin typeface="Lucida Sans Unicode" panose="020B0602030504020204" pitchFamily="34" charset="0"/>
+                <a:latin typeface="Lucida Sans Regular" panose="020B0602030504020204" pitchFamily="34" charset="0"/>
                 <a:ea typeface="楷体" panose="02010609060101010101" pitchFamily="49" charset="-122"/>
               </a:rPr>
               <a:t>将数据发送到用户空间。</a:t>
             </a:r>
             <a:endParaRPr lang="en-US" altLang="zh-CN" sz="1800" dirty="0">
-              <a:latin typeface="Lucida Sans Unicode" panose="020B0602030504020204" pitchFamily="34" charset="0"/>
+              <a:latin typeface="Lucida Sans Regular" panose="020B0602030504020204" pitchFamily="34" charset="0"/>
               <a:ea typeface="楷体" panose="02010609060101010101" pitchFamily="49" charset="-122"/>
             </a:endParaRPr>
           </a:p>
@@ -4583,13 +4583,13 @@
             </a:pPr>
             <a:r>
               <a:rPr lang="zh-CN" altLang="en-US" sz="1800" dirty="0">
-                <a:latin typeface="Lucida Sans Unicode" panose="020B0602030504020204" pitchFamily="34" charset="0"/>
+                <a:latin typeface="Lucida Sans Regular" panose="020B0602030504020204" pitchFamily="34" charset="0"/>
                 <a:ea typeface="楷体" panose="02010609060101010101" pitchFamily="49" charset="-122"/>
               </a:rPr>
               <a:t>一套特别的开发工具，框架，库，以及相关工具，以及编程模型。</a:t>
             </a:r>
             <a:endParaRPr lang="en-US" altLang="zh-CN" sz="1800" dirty="0">
-              <a:latin typeface="Lucida Sans Unicode" panose="020B0602030504020204" pitchFamily="34" charset="0"/>
+              <a:latin typeface="Lucida Sans Regular" panose="020B0602030504020204" pitchFamily="34" charset="0"/>
               <a:ea typeface="楷体" panose="02010609060101010101" pitchFamily="49" charset="-122"/>
             </a:endParaRPr>
           </a:p>
@@ -4606,14 +4606,14 @@
             </a:pPr>
             <a:r>
               <a:rPr lang="zh-CN" altLang="en-US" sz="1800" dirty="0">
-                <a:latin typeface="Lucida Sans Unicode" panose="020B0602030504020204" pitchFamily="34" charset="0"/>
+                <a:latin typeface="Lucida Sans Regular" panose="020B0602030504020204" pitchFamily="34" charset="0"/>
                 <a:ea typeface="楷体" panose="02010609060101010101" pitchFamily="49" charset="-122"/>
               </a:rPr>
               <a:t>适用的领域：</a:t>
             </a:r>
             <a:r>
               <a:rPr lang="en-US" altLang="zh-CN" sz="1800" dirty="0">
-                <a:latin typeface="Lucida Sans Unicode" panose="020B0602030504020204" pitchFamily="34" charset="0"/>
+                <a:latin typeface="Lucida Sans Regular" panose="020B0602030504020204" pitchFamily="34" charset="0"/>
                 <a:ea typeface="楷体" panose="02010609060101010101" pitchFamily="49" charset="-122"/>
                 <a:cs typeface="Cascadia Code" panose="020B0609020000020004" pitchFamily="49" charset="0"/>
               </a:rPr>
@@ -4621,7 +4621,7 @@
             </a:r>
             <a:r>
               <a:rPr lang="zh-CN" altLang="en-US" sz="1800" dirty="0">
-                <a:latin typeface="Lucida Sans Unicode" panose="020B0602030504020204" pitchFamily="34" charset="0"/>
+                <a:latin typeface="Lucida Sans Regular" panose="020B0602030504020204" pitchFamily="34" charset="0"/>
                 <a:ea typeface="楷体" panose="02010609060101010101" pitchFamily="49" charset="-122"/>
                 <a:cs typeface="Cascadia Code" panose="020B0609020000020004" pitchFamily="49" charset="0"/>
               </a:rPr>
@@ -4629,7 +4629,7 @@
             </a:r>
             <a:r>
               <a:rPr lang="en-US" altLang="zh-CN" sz="1800" dirty="0">
-                <a:latin typeface="Lucida Sans Unicode" panose="020B0602030504020204" pitchFamily="34" charset="0"/>
+                <a:latin typeface="Lucida Sans Regular" panose="020B0602030504020204" pitchFamily="34" charset="0"/>
                 <a:ea typeface="楷体" panose="02010609060101010101" pitchFamily="49" charset="-122"/>
                 <a:cs typeface="Cascadia Code" panose="020B0609020000020004" pitchFamily="49" charset="0"/>
               </a:rPr>
@@ -4637,7 +4637,7 @@
             </a:r>
             <a:r>
               <a:rPr lang="zh-CN" altLang="en-US" sz="1800" dirty="0">
-                <a:latin typeface="Lucida Sans Unicode" panose="020B0602030504020204" pitchFamily="34" charset="0"/>
+                <a:latin typeface="Lucida Sans Regular" panose="020B0602030504020204" pitchFamily="34" charset="0"/>
                 <a:ea typeface="楷体" panose="02010609060101010101" pitchFamily="49" charset="-122"/>
                 <a:cs typeface="Cascadia Code" panose="020B0609020000020004" pitchFamily="49" charset="0"/>
               </a:rPr>
@@ -4645,7 +4645,7 @@
             </a:r>
             <a:r>
               <a:rPr lang="en-US" altLang="zh-CN" sz="1800" dirty="0">
-                <a:latin typeface="Lucida Sans Unicode" panose="020B0602030504020204" pitchFamily="34" charset="0"/>
+                <a:latin typeface="Lucida Sans Regular" panose="020B0602030504020204" pitchFamily="34" charset="0"/>
                 <a:ea typeface="楷体" panose="02010609060101010101" pitchFamily="49" charset="-122"/>
                 <a:cs typeface="Cascadia Code" panose="020B0609020000020004" pitchFamily="49" charset="0"/>
               </a:rPr>
@@ -4653,13 +4653,13 @@
             </a:r>
             <a:r>
               <a:rPr lang="zh-CN" altLang="en-US" sz="1800" dirty="0">
-                <a:latin typeface="Lucida Sans Unicode" panose="020B0602030504020204" pitchFamily="34" charset="0"/>
+                <a:latin typeface="Lucida Sans Regular" panose="020B0602030504020204" pitchFamily="34" charset="0"/>
                 <a:ea typeface="楷体" panose="02010609060101010101" pitchFamily="49" charset="-122"/>
               </a:rPr>
               <a:t>。</a:t>
             </a:r>
             <a:endParaRPr lang="en-US" altLang="zh-CN" sz="1800" dirty="0">
-              <a:latin typeface="Lucida Sans Unicode" panose="020B0602030504020204" pitchFamily="34" charset="0"/>
+              <a:latin typeface="Lucida Sans Regular" panose="020B0602030504020204" pitchFamily="34" charset="0"/>
               <a:ea typeface="楷体" panose="02010609060101010101" pitchFamily="49" charset="-122"/>
             </a:endParaRPr>
           </a:p>
@@ -4675,7 +4675,7 @@
               <a:buChar char="Ø"/>
             </a:pPr>
             <a:endParaRPr lang="en-US" altLang="zh-CN" dirty="0">
-              <a:latin typeface="Lucida Sans Unicode" panose="020B0602030504020204" pitchFamily="34" charset="0"/>
+              <a:latin typeface="Lucida Sans Regular" panose="020B0602030504020204" pitchFamily="34" charset="0"/>
               <a:ea typeface="楷体" panose="02010609060101010101" pitchFamily="49" charset="-122"/>
             </a:endParaRPr>
           </a:p>
@@ -4690,7 +4690,7 @@
               <a:buNone/>
             </a:pPr>
             <a:endParaRPr lang="zh-CN" altLang="en-US" dirty="0">
-              <a:latin typeface="Lucida Sans Unicode" panose="020B0602030504020204" pitchFamily="34" charset="0"/>
+              <a:latin typeface="Lucida Sans Regular" panose="020B0602030504020204" pitchFamily="34" charset="0"/>
               <a:ea typeface="楷体" panose="02010609060101010101" pitchFamily="49" charset="-122"/>
             </a:endParaRPr>
           </a:p>
@@ -4821,14 +4821,14 @@
             </a:pPr>
             <a:r>
               <a:rPr lang="zh-CN" altLang="en-US" dirty="0">
-                <a:latin typeface="Lucida Sans Unicode" panose="020B0602030504020204" pitchFamily="34" charset="0"/>
+                <a:latin typeface="Lucida Sans Regular" panose="020B0602030504020204" pitchFamily="34" charset="0"/>
                 <a:ea typeface="楷体" panose="02010609060101010101" pitchFamily="49" charset="-122"/>
               </a:rPr>
               <a:t>项目、实践，</a:t>
             </a:r>
             <a:r>
               <a:rPr lang="en-US" altLang="zh-CN" dirty="0">
-                <a:latin typeface="Lucida Sans Unicode" panose="020B0602030504020204" pitchFamily="34" charset="0"/>
+                <a:latin typeface="Lucida Sans Regular" panose="020B0602030504020204" pitchFamily="34" charset="0"/>
                 <a:ea typeface="楷体" panose="02010609060101010101" pitchFamily="49" charset="-122"/>
                 <a:cs typeface="Cascadia Code" panose="020B0609020000020004" pitchFamily="49" charset="0"/>
               </a:rPr>
@@ -4846,7 +4846,7 @@
               <a:buNone/>
             </a:pPr>
             <a:endParaRPr lang="en-US" altLang="zh-CN" dirty="0">
-              <a:latin typeface="Lucida Sans Unicode" panose="020B0602030504020204" pitchFamily="34" charset="0"/>
+              <a:latin typeface="Lucida Sans Regular" panose="020B0602030504020204" pitchFamily="34" charset="0"/>
               <a:ea typeface="楷体" panose="02010609060101010101" pitchFamily="49" charset="-122"/>
             </a:endParaRPr>
           </a:p>
@@ -4861,7 +4861,7 @@
               <a:buNone/>
             </a:pPr>
             <a:endParaRPr lang="zh-CN" altLang="en-US" dirty="0">
-              <a:latin typeface="Lucida Sans Unicode" panose="020B0602030504020204" pitchFamily="34" charset="0"/>
+              <a:latin typeface="Lucida Sans Regular" panose="020B0602030504020204" pitchFamily="34" charset="0"/>
               <a:ea typeface="楷体" panose="02010609060101010101" pitchFamily="49" charset="-122"/>
             </a:endParaRPr>
           </a:p>
@@ -4992,7 +4992,7 @@
             </a:pPr>
             <a:r>
               <a:rPr lang="en-US" altLang="zh-CN" dirty="0">
-                <a:latin typeface="Lucida Sans Unicode" panose="020B0602030504020204" pitchFamily="34" charset="0"/>
+                <a:latin typeface="Lucida Sans Regular" panose="020B0602030504020204" pitchFamily="34" charset="0"/>
                 <a:ea typeface="楷体" panose="02010609060101010101" pitchFamily="49" charset="-122"/>
                 <a:cs typeface="Cascadia Code" panose="020B0609020000020004" pitchFamily="49" charset="0"/>
               </a:rPr>
@@ -5000,14 +5000,14 @@
             </a:r>
             <a:r>
               <a:rPr lang="en-US" altLang="zh-CN" dirty="0" err="1">
-                <a:latin typeface="Lucida Sans Unicode" panose="020B0602030504020204" pitchFamily="34" charset="0"/>
+                <a:latin typeface="Lucida Sans Regular" panose="020B0602030504020204" pitchFamily="34" charset="0"/>
                 <a:ea typeface="楷体" panose="02010609060101010101" pitchFamily="49" charset="-122"/>
                 <a:cs typeface="Cascadia Code" panose="020B0609020000020004" pitchFamily="49" charset="0"/>
               </a:rPr>
               <a:t>Monitor.ebpf</a:t>
             </a:r>
             <a:endParaRPr lang="en-US" altLang="zh-CN" dirty="0">
-              <a:latin typeface="Lucida Sans Unicode" panose="020B0602030504020204" pitchFamily="34" charset="0"/>
+              <a:latin typeface="Lucida Sans Regular" panose="020B0602030504020204" pitchFamily="34" charset="0"/>
               <a:ea typeface="楷体" panose="02010609060101010101" pitchFamily="49" charset="-122"/>
               <a:cs typeface="Cascadia Code" panose="020B0609020000020004" pitchFamily="49" charset="0"/>
             </a:endParaRPr>
@@ -5023,7 +5023,7 @@
               <a:buNone/>
             </a:pPr>
             <a:endParaRPr lang="en-US" altLang="zh-CN" dirty="0">
-              <a:latin typeface="Lucida Sans Unicode" panose="020B0602030504020204" pitchFamily="34" charset="0"/>
+              <a:latin typeface="Lucida Sans Regular" panose="020B0602030504020204" pitchFamily="34" charset="0"/>
               <a:ea typeface="楷体" panose="02010609060101010101" pitchFamily="49" charset="-122"/>
             </a:endParaRPr>
           </a:p>
@@ -5038,7 +5038,7 @@
               <a:buNone/>
             </a:pPr>
             <a:endParaRPr lang="zh-CN" altLang="en-US" dirty="0">
-              <a:latin typeface="Lucida Sans Unicode" panose="020B0602030504020204" pitchFamily="34" charset="0"/>
+              <a:latin typeface="Lucida Sans Regular" panose="020B0602030504020204" pitchFamily="34" charset="0"/>
               <a:ea typeface="楷体" panose="02010609060101010101" pitchFamily="49" charset="-122"/>
             </a:endParaRPr>
           </a:p>
@@ -5139,7 +5139,7 @@
             </a:pPr>
             <a:r>
               <a:rPr lang="en-US" altLang="zh-CN" dirty="0">
-                <a:latin typeface="Lucida Sans Unicode" panose="020B0602030504020204" pitchFamily="34" charset="0"/>
+                <a:latin typeface="Lucida Sans Regular" panose="020B0602030504020204" pitchFamily="34" charset="0"/>
                 <a:ea typeface="楷体" panose="02010609060101010101" pitchFamily="49" charset="-122"/>
                 <a:cs typeface="Cascadia Code" panose="020B0609020000020004" pitchFamily="49" charset="0"/>
               </a:rPr>
@@ -5147,7 +5147,7 @@
             </a:r>
             <a:r>
               <a:rPr lang="en-US" altLang="zh-CN" dirty="0" err="1">
-                <a:latin typeface="Lucida Sans Unicode" panose="020B0602030504020204" pitchFamily="34" charset="0"/>
+                <a:latin typeface="Lucida Sans Regular" panose="020B0602030504020204" pitchFamily="34" charset="0"/>
                 <a:ea typeface="楷体" panose="02010609060101010101" pitchFamily="49" charset="-122"/>
                 <a:cs typeface="Cascadia Code" panose="020B0609020000020004" pitchFamily="49" charset="0"/>
               </a:rPr>
@@ -5155,7 +5155,7 @@
             </a:r>
             <a:r>
               <a:rPr lang="en-US" altLang="zh-CN" dirty="0">
-                <a:latin typeface="Lucida Sans Unicode" panose="020B0602030504020204" pitchFamily="34" charset="0"/>
+                <a:latin typeface="Lucida Sans Regular" panose="020B0602030504020204" pitchFamily="34" charset="0"/>
                 <a:ea typeface="楷体" panose="02010609060101010101" pitchFamily="49" charset="-122"/>
                 <a:cs typeface="Cascadia Code" panose="020B0609020000020004" pitchFamily="49" charset="0"/>
               </a:rPr>
@@ -5173,7 +5173,7 @@
               <a:buNone/>
             </a:pPr>
             <a:endParaRPr lang="en-US" altLang="zh-CN" dirty="0">
-              <a:latin typeface="Lucida Sans Unicode" panose="020B0602030504020204" pitchFamily="34" charset="0"/>
+              <a:latin typeface="Lucida Sans Regular" panose="020B0602030504020204" pitchFamily="34" charset="0"/>
               <a:ea typeface="楷体" panose="02010609060101010101" pitchFamily="49" charset="-122"/>
             </a:endParaRPr>
           </a:p>
@@ -5188,7 +5188,7 @@
               <a:buNone/>
             </a:pPr>
             <a:endParaRPr lang="zh-CN" altLang="en-US" dirty="0">
-              <a:latin typeface="Lucida Sans Unicode" panose="020B0602030504020204" pitchFamily="34" charset="0"/>
+              <a:latin typeface="Lucida Sans Regular" panose="020B0602030504020204" pitchFamily="34" charset="0"/>
               <a:ea typeface="楷体" panose="02010609060101010101" pitchFamily="49" charset="-122"/>
             </a:endParaRPr>
           </a:p>
@@ -5289,7 +5289,7 @@
             </a:pPr>
             <a:r>
               <a:rPr lang="en-US" altLang="zh-CN" dirty="0">
-                <a:latin typeface="Lucida Sans Unicode" panose="020B0602030504020204" pitchFamily="34" charset="0"/>
+                <a:latin typeface="Lucida Sans Regular" panose="020B0602030504020204" pitchFamily="34" charset="0"/>
                 <a:ea typeface="楷体" panose="02010609060101010101" pitchFamily="49" charset="-122"/>
                 <a:cs typeface="Cascadia Code" panose="020B0609020000020004" pitchFamily="49" charset="0"/>
               </a:rPr>
@@ -5297,7 +5297,7 @@
             </a:r>
             <a:r>
               <a:rPr lang="en-US" altLang="zh-CN" dirty="0" err="1">
-                <a:latin typeface="Lucida Sans Unicode" panose="020B0602030504020204" pitchFamily="34" charset="0"/>
+                <a:latin typeface="Lucida Sans Regular" panose="020B0602030504020204" pitchFamily="34" charset="0"/>
                 <a:ea typeface="楷体" panose="02010609060101010101" pitchFamily="49" charset="-122"/>
                 <a:cs typeface="Cascadia Code" panose="020B0609020000020004" pitchFamily="49" charset="0"/>
               </a:rPr>
@@ -5305,7 +5305,7 @@
             </a:r>
             <a:r>
               <a:rPr lang="en-US" altLang="zh-CN" dirty="0">
-                <a:latin typeface="Lucida Sans Unicode" panose="020B0602030504020204" pitchFamily="34" charset="0"/>
+                <a:latin typeface="Lucida Sans Regular" panose="020B0602030504020204" pitchFamily="34" charset="0"/>
                 <a:ea typeface="楷体" panose="02010609060101010101" pitchFamily="49" charset="-122"/>
                 <a:cs typeface="Cascadia Code" panose="020B0609020000020004" pitchFamily="49" charset="0"/>
               </a:rPr>
@@ -5323,7 +5323,7 @@
               <a:buNone/>
             </a:pPr>
             <a:endParaRPr lang="en-US" altLang="zh-CN" dirty="0">
-              <a:latin typeface="Lucida Sans Unicode" panose="020B0602030504020204" pitchFamily="34" charset="0"/>
+              <a:latin typeface="Lucida Sans Regular" panose="020B0602030504020204" pitchFamily="34" charset="0"/>
               <a:ea typeface="楷体" panose="02010609060101010101" pitchFamily="49" charset="-122"/>
             </a:endParaRPr>
           </a:p>
@@ -5338,7 +5338,7 @@
               <a:buNone/>
             </a:pPr>
             <a:endParaRPr lang="zh-CN" altLang="en-US" dirty="0">
-              <a:latin typeface="Lucida Sans Unicode" panose="020B0602030504020204" pitchFamily="34" charset="0"/>
+              <a:latin typeface="Lucida Sans Regular" panose="020B0602030504020204" pitchFamily="34" charset="0"/>
               <a:ea typeface="楷体" panose="02010609060101010101" pitchFamily="49" charset="-122"/>
             </a:endParaRPr>
           </a:p>
@@ -5439,7 +5439,7 @@
             </a:pPr>
             <a:r>
               <a:rPr lang="en-US" altLang="zh-CN" dirty="0">
-                <a:latin typeface="Lucida Sans Unicode" panose="020B0602030504020204" pitchFamily="34" charset="0"/>
+                <a:latin typeface="Lucida Sans Regular" panose="020B0602030504020204" pitchFamily="34" charset="0"/>
                 <a:ea typeface="楷体" panose="02010609060101010101" pitchFamily="49" charset="-122"/>
                 <a:cs typeface="Cascadia Code" panose="020B0609020000020004" pitchFamily="49" charset="0"/>
               </a:rPr>
@@ -5447,7 +5447,7 @@
             </a:r>
             <a:r>
               <a:rPr lang="en-US" altLang="zh-CN" dirty="0" err="1">
-                <a:latin typeface="Lucida Sans Unicode" panose="020B0602030504020204" pitchFamily="34" charset="0"/>
+                <a:latin typeface="Lucida Sans Regular" panose="020B0602030504020204" pitchFamily="34" charset="0"/>
                 <a:ea typeface="楷体" panose="02010609060101010101" pitchFamily="49" charset="-122"/>
                 <a:cs typeface="Cascadia Code" panose="020B0609020000020004" pitchFamily="49" charset="0"/>
               </a:rPr>
@@ -5455,7 +5455,7 @@
             </a:r>
             <a:r>
               <a:rPr lang="en-US" altLang="zh-CN" dirty="0">
-                <a:latin typeface="Lucida Sans Unicode" panose="020B0602030504020204" pitchFamily="34" charset="0"/>
+                <a:latin typeface="Lucida Sans Regular" panose="020B0602030504020204" pitchFamily="34" charset="0"/>
                 <a:ea typeface="楷体" panose="02010609060101010101" pitchFamily="49" charset="-122"/>
                 <a:cs typeface="Cascadia Code" panose="020B0609020000020004" pitchFamily="49" charset="0"/>
               </a:rPr>
@@ -5463,13 +5463,13 @@
             </a:r>
             <a:r>
               <a:rPr lang="zh-CN" altLang="en-US" dirty="0">
-                <a:latin typeface="Lucida Sans Unicode" panose="020B0602030504020204" pitchFamily="34" charset="0"/>
+                <a:latin typeface="Lucida Sans Regular" panose="020B0602030504020204" pitchFamily="34" charset="0"/>
                 <a:ea typeface="楷体" panose="02010609060101010101" pitchFamily="49" charset="-122"/>
               </a:rPr>
               <a:t>总结</a:t>
             </a:r>
             <a:endParaRPr lang="en-US" altLang="zh-CN" dirty="0">
-              <a:latin typeface="Lucida Sans Unicode" panose="020B0602030504020204" pitchFamily="34" charset="0"/>
+              <a:latin typeface="Lucida Sans Regular" panose="020B0602030504020204" pitchFamily="34" charset="0"/>
               <a:ea typeface="楷体" panose="02010609060101010101" pitchFamily="49" charset="-122"/>
             </a:endParaRPr>
           </a:p>
@@ -5486,14 +5486,14 @@
             </a:pPr>
             <a:r>
               <a:rPr lang="zh-CN" altLang="en-US" sz="1800" dirty="0">
-                <a:latin typeface="Lucida Sans Unicode" panose="020B0602030504020204" pitchFamily="34" charset="0"/>
+                <a:latin typeface="Lucida Sans Regular" panose="020B0602030504020204" pitchFamily="34" charset="0"/>
                 <a:ea typeface="楷体" panose="02010609060101010101" pitchFamily="49" charset="-122"/>
               </a:rPr>
               <a:t>内核态完备的编译、开发环境。使用</a:t>
             </a:r>
             <a:r>
               <a:rPr lang="en-US" altLang="zh-CN" sz="1800" dirty="0">
-                <a:latin typeface="Lucida Sans Unicode" panose="020B0602030504020204" pitchFamily="34" charset="0"/>
+                <a:latin typeface="Lucida Sans Regular" panose="020B0602030504020204" pitchFamily="34" charset="0"/>
                 <a:ea typeface="楷体" panose="02010609060101010101" pitchFamily="49" charset="-122"/>
                 <a:cs typeface="Cascadia Code" panose="020B0609020000020004" pitchFamily="49" charset="0"/>
               </a:rPr>
@@ -5501,14 +5501,14 @@
             </a:r>
             <a:r>
               <a:rPr lang="zh-CN" altLang="en-US" sz="1800" dirty="0">
-                <a:latin typeface="Lucida Sans Unicode" panose="020B0602030504020204" pitchFamily="34" charset="0"/>
-                <a:ea typeface="楷体" panose="02010609060101010101" pitchFamily="49" charset="-122"/>
-              </a:rPr>
-              <a:t>编译，生成包含</a:t>
+                <a:latin typeface="Lucida Sans Regular" panose="020B0602030504020204" pitchFamily="34" charset="0"/>
+                <a:ea typeface="楷体" panose="02010609060101010101" pitchFamily="49" charset="-122"/>
+              </a:rPr>
+              <a:t>编译器，生成包含</a:t>
             </a:r>
             <a:r>
               <a:rPr lang="en-US" altLang="zh-CN" sz="1800" dirty="0">
-                <a:latin typeface="Lucida Sans Unicode" panose="020B0602030504020204" pitchFamily="34" charset="0"/>
+                <a:latin typeface="Lucida Sans Regular" panose="020B0602030504020204" pitchFamily="34" charset="0"/>
                 <a:ea typeface="楷体" panose="02010609060101010101" pitchFamily="49" charset="-122"/>
                 <a:cs typeface="Cascadia Code" panose="020B0609020000020004" pitchFamily="49" charset="0"/>
               </a:rPr>
@@ -5516,14 +5516,14 @@
             </a:r>
             <a:r>
               <a:rPr lang="zh-CN" altLang="en-US" sz="1800" dirty="0">
-                <a:latin typeface="Lucida Sans Unicode" panose="020B0602030504020204" pitchFamily="34" charset="0"/>
+                <a:latin typeface="Lucida Sans Regular" panose="020B0602030504020204" pitchFamily="34" charset="0"/>
                 <a:ea typeface="楷体" panose="02010609060101010101" pitchFamily="49" charset="-122"/>
               </a:rPr>
               <a:t>信息的</a:t>
             </a:r>
             <a:r>
               <a:rPr lang="zh-CN" altLang="en-US" sz="1800" dirty="0">
-                <a:latin typeface="Lucida Sans Unicode" panose="020B0602030504020204" pitchFamily="34" charset="0"/>
+                <a:latin typeface="Lucida Sans Regular" panose="020B0602030504020204" pitchFamily="34" charset="0"/>
                 <a:ea typeface="楷体" panose="02010609060101010101" pitchFamily="49" charset="-122"/>
                 <a:cs typeface="Cascadia Code" panose="020B0609020000020004" pitchFamily="49" charset="0"/>
               </a:rPr>
@@ -5531,14 +5531,14 @@
             </a:r>
             <a:r>
               <a:rPr lang="zh-CN" altLang="en-US" sz="1800" dirty="0">
-                <a:latin typeface="Lucida Sans Unicode" panose="020B0602030504020204" pitchFamily="34" charset="0"/>
+                <a:latin typeface="Lucida Sans Regular" panose="020B0602030504020204" pitchFamily="34" charset="0"/>
                 <a:ea typeface="楷体" panose="02010609060101010101" pitchFamily="49" charset="-122"/>
               </a:rPr>
               <a:t>文件；导出内核数据结构的</a:t>
             </a:r>
             <a:r>
               <a:rPr lang="en-US" altLang="zh-CN" sz="1800" dirty="0" err="1">
-                <a:latin typeface="Lucida Sans Unicode" panose="020B0602030504020204" pitchFamily="34" charset="0"/>
+                <a:latin typeface="Lucida Sans Regular" panose="020B0602030504020204" pitchFamily="34" charset="0"/>
                 <a:ea typeface="楷体" panose="02010609060101010101" pitchFamily="49" charset="-122"/>
                 <a:cs typeface="Cascadia Code" panose="020B0609020000020004" pitchFamily="49" charset="0"/>
               </a:rPr>
@@ -5546,7 +5546,7 @@
             </a:r>
             <a:r>
               <a:rPr lang="zh-CN" altLang="en-US" sz="1800" dirty="0">
-                <a:latin typeface="楷体" panose="02010609060101010101" pitchFamily="49" charset="-122"/>
+                <a:latin typeface="Lucida Sans Regular" panose="020B0602030504020204" pitchFamily="34" charset="0"/>
                 <a:ea typeface="楷体" panose="02010609060101010101" pitchFamily="49" charset="-122"/>
                 <a:cs typeface="Cascadia Code" panose="020B0609020000020004" pitchFamily="49" charset="0"/>
               </a:rPr>
@@ -5554,76 +5554,76 @@
             </a:r>
             <a:r>
               <a:rPr lang="zh-CN" altLang="en-US" sz="1800" dirty="0">
-                <a:latin typeface="Lucida Sans Unicode" panose="020B0602030504020204" pitchFamily="34" charset="0"/>
+                <a:latin typeface="Lucida Sans Regular" panose="020B0602030504020204" pitchFamily="34" charset="0"/>
                 <a:ea typeface="楷体" panose="02010609060101010101" pitchFamily="49" charset="-122"/>
               </a:rPr>
               <a:t>文件，不依赖内核的头文件；编译优化，</a:t>
             </a:r>
             <a:r>
               <a:rPr lang="en-US" altLang="zh-CN" sz="1800" dirty="0" err="1">
-                <a:latin typeface="Lucida Sans Unicode" panose="020B0602030504020204" pitchFamily="34" charset="0"/>
+                <a:latin typeface="Lucida Sans Regular" panose="020B0602030504020204" pitchFamily="34" charset="0"/>
                 <a:ea typeface="楷体" panose="02010609060101010101" pitchFamily="49" charset="-122"/>
               </a:rPr>
               <a:t>llvm</a:t>
             </a:r>
             <a:r>
               <a:rPr lang="en-US" altLang="zh-CN" sz="1800" dirty="0">
-                <a:latin typeface="Lucida Sans Unicode" panose="020B0602030504020204" pitchFamily="34" charset="0"/>
+                <a:latin typeface="Lucida Sans Regular" panose="020B0602030504020204" pitchFamily="34" charset="0"/>
                 <a:ea typeface="楷体" panose="02010609060101010101" pitchFamily="49" charset="-122"/>
               </a:rPr>
               <a:t>-strip</a:t>
             </a:r>
             <a:r>
               <a:rPr lang="zh-CN" altLang="en-US" sz="1800" dirty="0">
-                <a:latin typeface="Lucida Sans Unicode" panose="020B0602030504020204" pitchFamily="34" charset="0"/>
+                <a:latin typeface="Lucida Sans Regular" panose="020B0602030504020204" pitchFamily="34" charset="0"/>
                 <a:ea typeface="楷体" panose="02010609060101010101" pitchFamily="49" charset="-122"/>
               </a:rPr>
               <a:t>除去</a:t>
             </a:r>
             <a:r>
               <a:rPr lang="en-US" altLang="zh-CN" sz="1800" dirty="0">
-                <a:latin typeface="Lucida Sans Unicode" panose="020B0602030504020204" pitchFamily="34" charset="0"/>
+                <a:latin typeface="Lucida Sans Regular" panose="020B0602030504020204" pitchFamily="34" charset="0"/>
                 <a:ea typeface="楷体" panose="02010609060101010101" pitchFamily="49" charset="-122"/>
               </a:rPr>
               <a:t>DWARF Debug</a:t>
             </a:r>
             <a:r>
               <a:rPr lang="zh-CN" altLang="en-US" sz="1800" dirty="0">
-                <a:latin typeface="Lucida Sans Unicode" panose="020B0602030504020204" pitchFamily="34" charset="0"/>
+                <a:latin typeface="Lucida Sans Regular" panose="020B0602030504020204" pitchFamily="34" charset="0"/>
                 <a:ea typeface="楷体" panose="02010609060101010101" pitchFamily="49" charset="-122"/>
               </a:rPr>
               <a:t>信息；使用</a:t>
             </a:r>
             <a:r>
               <a:rPr lang="en-US" altLang="zh-CN" sz="1800" dirty="0" err="1">
-                <a:latin typeface="Lucida Sans Unicode" panose="020B0602030504020204" pitchFamily="34" charset="0"/>
+                <a:latin typeface="Lucida Sans Regular" panose="020B0602030504020204" pitchFamily="34" charset="0"/>
                 <a:ea typeface="楷体" panose="02010609060101010101" pitchFamily="49" charset="-122"/>
               </a:rPr>
               <a:t>libbpf</a:t>
             </a:r>
             <a:r>
               <a:rPr lang="zh-CN" altLang="en-US" sz="1800" dirty="0">
-                <a:latin typeface="Lucida Sans Unicode" panose="020B0602030504020204" pitchFamily="34" charset="0"/>
+                <a:latin typeface="Lucida Sans Regular" panose="020B0602030504020204" pitchFamily="34" charset="0"/>
                 <a:ea typeface="楷体" panose="02010609060101010101" pitchFamily="49" charset="-122"/>
               </a:rPr>
               <a:t>支持</a:t>
             </a:r>
             <a:r>
               <a:rPr lang="en-US" altLang="zh-CN" sz="1800" dirty="0">
-                <a:latin typeface="Lucida Sans Unicode" panose="020B0602030504020204" pitchFamily="34" charset="0"/>
+                <a:latin typeface="Lucida Sans Regular" panose="020B0602030504020204" pitchFamily="34" charset="0"/>
                 <a:ea typeface="楷体" panose="02010609060101010101" pitchFamily="49" charset="-122"/>
               </a:rPr>
               <a:t>CO-RE</a:t>
             </a:r>
             <a:r>
               <a:rPr lang="zh-CN" altLang="en-US" sz="1800" dirty="0">
-                <a:latin typeface="Lucida Sans Unicode" panose="020B0602030504020204" pitchFamily="34" charset="0"/>
+                <a:latin typeface="Lucida Sans Regular" panose="020B0602030504020204" pitchFamily="34" charset="0"/>
                 <a:ea typeface="楷体" panose="02010609060101010101" pitchFamily="49" charset="-122"/>
               </a:rPr>
               <a:t>。</a:t>
             </a:r>
             <a:endParaRPr lang="en-US" altLang="zh-CN" sz="1800" dirty="0">
-              <a:latin typeface="Lucida Sans Unicode" panose="020B0602030504020204" pitchFamily="34" charset="0"/>
+              <a:latin typeface="Lucida Sans Regular" panose="020B0602030504020204" pitchFamily="34" charset="0"/>
               <a:ea typeface="楷体" panose="02010609060101010101" pitchFamily="49" charset="-122"/>
             </a:endParaRPr>
           </a:p>
@@ -5640,27 +5640,27 @@
             </a:pPr>
             <a:r>
               <a:rPr lang="zh-CN" altLang="en-US" sz="1800" dirty="0">
-                <a:latin typeface="Lucida Sans Unicode" panose="020B0602030504020204" pitchFamily="34" charset="0"/>
+                <a:latin typeface="Lucida Sans Regular" panose="020B0602030504020204" pitchFamily="34" charset="0"/>
                 <a:ea typeface="楷体" panose="02010609060101010101" pitchFamily="49" charset="-122"/>
               </a:rPr>
               <a:t>内核态代码公共函数封装，方便对内核数据结构的访问。针对不同内核版本数据结构不同情况下使用</a:t>
             </a:r>
             <a:r>
               <a:rPr lang="en-US" altLang="zh-CN" sz="1800" dirty="0">
-                <a:latin typeface="Lucida Sans Unicode" panose="020B0602030504020204" pitchFamily="34" charset="0"/>
+                <a:latin typeface="Lucida Sans Regular" panose="020B0602030504020204" pitchFamily="34" charset="0"/>
                 <a:ea typeface="楷体" panose="02010609060101010101" pitchFamily="49" charset="-122"/>
               </a:rPr>
               <a:t>co-re</a:t>
             </a:r>
             <a:r>
               <a:rPr lang="zh-CN" altLang="en-US" sz="1800" dirty="0">
-                <a:latin typeface="Lucida Sans Unicode" panose="020B0602030504020204" pitchFamily="34" charset="0"/>
+                <a:latin typeface="Lucida Sans Regular" panose="020B0602030504020204" pitchFamily="34" charset="0"/>
                 <a:ea typeface="楷体" panose="02010609060101010101" pitchFamily="49" charset="-122"/>
               </a:rPr>
               <a:t>进行适配。</a:t>
             </a:r>
             <a:endParaRPr lang="en-US" altLang="zh-CN" sz="1800" dirty="0">
-              <a:latin typeface="Lucida Sans Unicode" panose="020B0602030504020204" pitchFamily="34" charset="0"/>
+              <a:latin typeface="Lucida Sans Regular" panose="020B0602030504020204" pitchFamily="34" charset="0"/>
               <a:ea typeface="楷体" panose="02010609060101010101" pitchFamily="49" charset="-122"/>
             </a:endParaRPr>
           </a:p>
@@ -5677,42 +5677,42 @@
             </a:pPr>
             <a:r>
               <a:rPr lang="zh-CN" altLang="en-US" sz="1800" dirty="0">
-                <a:latin typeface="Lucida Sans Unicode" panose="020B0602030504020204" pitchFamily="34" charset="0"/>
+                <a:latin typeface="Lucida Sans Regular" panose="020B0602030504020204" pitchFamily="34" charset="0"/>
                 <a:ea typeface="楷体" panose="02010609060101010101" pitchFamily="49" charset="-122"/>
               </a:rPr>
               <a:t>同时支持</a:t>
             </a:r>
             <a:r>
               <a:rPr lang="en-US" altLang="zh-CN" sz="1800" dirty="0">
-                <a:latin typeface="Lucida Sans Unicode" panose="020B0602030504020204" pitchFamily="34" charset="0"/>
+                <a:latin typeface="Lucida Sans Regular" panose="020B0602030504020204" pitchFamily="34" charset="0"/>
                 <a:ea typeface="楷体" panose="02010609060101010101" pitchFamily="49" charset="-122"/>
               </a:rPr>
               <a:t>c</a:t>
             </a:r>
             <a:r>
               <a:rPr lang="zh-CN" altLang="en-US" sz="1800" dirty="0">
-                <a:latin typeface="Lucida Sans Unicode" panose="020B0602030504020204" pitchFamily="34" charset="0"/>
+                <a:latin typeface="Lucida Sans Regular" panose="020B0602030504020204" pitchFamily="34" charset="0"/>
                 <a:ea typeface="楷体" panose="02010609060101010101" pitchFamily="49" charset="-122"/>
               </a:rPr>
               <a:t>和</a:t>
             </a:r>
             <a:r>
               <a:rPr lang="en-US" altLang="zh-CN" sz="1800" dirty="0" err="1">
-                <a:latin typeface="Lucida Sans Unicode" panose="020B0602030504020204" pitchFamily="34" charset="0"/>
+                <a:latin typeface="Lucida Sans Regular" panose="020B0602030504020204" pitchFamily="34" charset="0"/>
                 <a:ea typeface="楷体" panose="02010609060101010101" pitchFamily="49" charset="-122"/>
               </a:rPr>
               <a:t>golang</a:t>
             </a:r>
             <a:r>
               <a:rPr lang="zh-CN" altLang="en-US" sz="1800" dirty="0">
-                <a:latin typeface="Lucida Sans Unicode" panose="020B0602030504020204" pitchFamily="34" charset="0"/>
+                <a:latin typeface="Lucida Sans Regular" panose="020B0602030504020204" pitchFamily="34" charset="0"/>
                 <a:ea typeface="楷体" panose="02010609060101010101" pitchFamily="49" charset="-122"/>
               </a:rPr>
               <a:t>的用户态程序开发，编译生成</a:t>
             </a:r>
             <a:r>
               <a:rPr lang="en-US" altLang="zh-CN" sz="1800" dirty="0" err="1">
-                <a:latin typeface="Lucida Sans Unicode" panose="020B0602030504020204" pitchFamily="34" charset="0"/>
+                <a:latin typeface="Lucida Sans Regular" panose="020B0602030504020204" pitchFamily="34" charset="0"/>
                 <a:ea typeface="楷体" panose="02010609060101010101" pitchFamily="49" charset="-122"/>
                 <a:cs typeface="Cascadia Code" panose="020B0609020000020004" pitchFamily="49" charset="0"/>
               </a:rPr>
@@ -5720,14 +5720,14 @@
             </a:r>
             <a:r>
               <a:rPr lang="zh-CN" altLang="en-US" sz="1800" dirty="0">
-                <a:latin typeface="Lucida Sans Unicode" panose="020B0602030504020204" pitchFamily="34" charset="0"/>
+                <a:latin typeface="Lucida Sans Regular" panose="020B0602030504020204" pitchFamily="34" charset="0"/>
                 <a:ea typeface="楷体" panose="02010609060101010101" pitchFamily="49" charset="-122"/>
               </a:rPr>
               <a:t>文件，方便用户态</a:t>
             </a:r>
             <a:r>
               <a:rPr lang="en-US" altLang="zh-CN" sz="1800" dirty="0">
-                <a:latin typeface="Lucida Sans Unicode" panose="020B0602030504020204" pitchFamily="34" charset="0"/>
+                <a:latin typeface="Lucida Sans Regular" panose="020B0602030504020204" pitchFamily="34" charset="0"/>
                 <a:ea typeface="楷体" panose="02010609060101010101" pitchFamily="49" charset="-122"/>
                 <a:cs typeface="Cascadia Code" panose="020B0609020000020004" pitchFamily="49" charset="0"/>
               </a:rPr>
@@ -5735,13 +5735,13 @@
             </a:r>
             <a:r>
               <a:rPr lang="zh-CN" altLang="en-US" sz="1800" dirty="0">
-                <a:latin typeface="Lucida Sans Unicode" panose="020B0602030504020204" pitchFamily="34" charset="0"/>
+                <a:latin typeface="Lucida Sans Regular" panose="020B0602030504020204" pitchFamily="34" charset="0"/>
                 <a:ea typeface="楷体" panose="02010609060101010101" pitchFamily="49" charset="-122"/>
               </a:rPr>
               <a:t>程序开发。</a:t>
             </a:r>
             <a:endParaRPr lang="en-US" altLang="zh-CN" sz="1800" dirty="0">
-              <a:latin typeface="Lucida Sans Unicode" panose="020B0602030504020204" pitchFamily="34" charset="0"/>
+              <a:latin typeface="Lucida Sans Regular" panose="020B0602030504020204" pitchFamily="34" charset="0"/>
               <a:ea typeface="楷体" panose="02010609060101010101" pitchFamily="49" charset="-122"/>
             </a:endParaRPr>
           </a:p>
@@ -5758,7 +5758,7 @@
             </a:pPr>
             <a:r>
               <a:rPr lang="zh-CN" altLang="en-US" sz="1800" dirty="0">
-                <a:latin typeface="Lucida Sans Unicode" panose="020B0602030504020204" pitchFamily="34" charset="0"/>
+                <a:latin typeface="Lucida Sans Regular" panose="020B0602030504020204" pitchFamily="34" charset="0"/>
                 <a:ea typeface="楷体" panose="02010609060101010101" pitchFamily="49" charset="-122"/>
                 <a:cs typeface="Cascadia Code" panose="020B0609020000020004" pitchFamily="49" charset="0"/>
               </a:rPr>
@@ -5766,7 +5766,7 @@
             </a:r>
             <a:r>
               <a:rPr lang="en-US" altLang="zh-CN" sz="1800" dirty="0" err="1">
-                <a:latin typeface="Lucida Sans Unicode" panose="020B0602030504020204" pitchFamily="34" charset="0"/>
+                <a:latin typeface="Lucida Sans Regular" panose="020B0602030504020204" pitchFamily="34" charset="0"/>
                 <a:ea typeface="楷体" panose="02010609060101010101" pitchFamily="49" charset="-122"/>
                 <a:cs typeface="Cascadia Code" panose="020B0609020000020004" pitchFamily="49" charset="0"/>
               </a:rPr>
@@ -5774,7 +5774,7 @@
             </a:r>
             <a:r>
               <a:rPr lang="zh-CN" altLang="en-US" sz="1800" dirty="0">
-                <a:latin typeface="Lucida Sans Unicode" panose="020B0602030504020204" pitchFamily="34" charset="0"/>
+                <a:latin typeface="Lucida Sans Regular" panose="020B0602030504020204" pitchFamily="34" charset="0"/>
                 <a:ea typeface="楷体" panose="02010609060101010101" pitchFamily="49" charset="-122"/>
                 <a:cs typeface="Cascadia Code" panose="020B0609020000020004" pitchFamily="49" charset="0"/>
               </a:rPr>
@@ -5782,7 +5782,7 @@
             </a:r>
             <a:r>
               <a:rPr lang="en-US" altLang="zh-CN" sz="1800" dirty="0">
-                <a:latin typeface="Lucida Sans Unicode" panose="020B0602030504020204" pitchFamily="34" charset="0"/>
+                <a:latin typeface="Lucida Sans Regular" panose="020B0602030504020204" pitchFamily="34" charset="0"/>
                 <a:ea typeface="楷体" panose="02010609060101010101" pitchFamily="49" charset="-122"/>
                 <a:cs typeface="Cascadia Code" panose="020B0609020000020004" pitchFamily="49" charset="0"/>
               </a:rPr>
@@ -5790,7 +5790,7 @@
             </a:r>
             <a:r>
               <a:rPr lang="en-US" altLang="zh-CN" sz="1800" dirty="0" err="1">
-                <a:latin typeface="Lucida Sans Unicode" panose="020B0602030504020204" pitchFamily="34" charset="0"/>
+                <a:latin typeface="Lucida Sans Regular" panose="020B0602030504020204" pitchFamily="34" charset="0"/>
                 <a:ea typeface="楷体" panose="02010609060101010101" pitchFamily="49" charset="-122"/>
                 <a:cs typeface="Cascadia Code" panose="020B0609020000020004" pitchFamily="49" charset="0"/>
               </a:rPr>
@@ -5798,7 +5798,7 @@
             </a:r>
             <a:r>
               <a:rPr lang="zh-CN" altLang="en-US" sz="1800" dirty="0">
-                <a:latin typeface="Lucida Sans Unicode" panose="020B0602030504020204" pitchFamily="34" charset="0"/>
+                <a:latin typeface="Lucida Sans Regular" panose="020B0602030504020204" pitchFamily="34" charset="0"/>
                 <a:ea typeface="楷体" panose="02010609060101010101" pitchFamily="49" charset="-122"/>
                 <a:cs typeface="Cascadia Code" panose="020B0609020000020004" pitchFamily="49" charset="0"/>
               </a:rPr>
@@ -5806,7 +5806,7 @@
             </a:r>
             <a:r>
               <a:rPr lang="en-US" altLang="zh-CN" sz="1800" dirty="0" err="1">
-                <a:latin typeface="Lucida Sans Unicode" panose="020B0602030504020204" pitchFamily="34" charset="0"/>
+                <a:latin typeface="Lucida Sans Regular" panose="020B0602030504020204" pitchFamily="34" charset="0"/>
                 <a:ea typeface="楷体" panose="02010609060101010101" pitchFamily="49" charset="-122"/>
                 <a:cs typeface="Cascadia Code" panose="020B0609020000020004" pitchFamily="49" charset="0"/>
               </a:rPr>
@@ -5814,7 +5814,7 @@
             </a:r>
             <a:r>
               <a:rPr lang="zh-CN" altLang="en-US" sz="1800" dirty="0">
-                <a:latin typeface="Lucida Sans Unicode" panose="020B0602030504020204" pitchFamily="34" charset="0"/>
+                <a:latin typeface="Lucida Sans Regular" panose="020B0602030504020204" pitchFamily="34" charset="0"/>
                 <a:ea typeface="楷体" panose="02010609060101010101" pitchFamily="49" charset="-122"/>
                 <a:cs typeface="Cascadia Code" panose="020B0609020000020004" pitchFamily="49" charset="0"/>
               </a:rPr>
@@ -5822,7 +5822,7 @@
             </a:r>
             <a:r>
               <a:rPr lang="en-US" altLang="zh-CN" sz="1800" dirty="0">
-                <a:latin typeface="Lucida Sans Unicode" panose="020B0602030504020204" pitchFamily="34" charset="0"/>
+                <a:latin typeface="Lucida Sans Regular" panose="020B0602030504020204" pitchFamily="34" charset="0"/>
                 <a:ea typeface="楷体" panose="02010609060101010101" pitchFamily="49" charset="-122"/>
                 <a:cs typeface="Cascadia Code" panose="020B0609020000020004" pitchFamily="49" charset="0"/>
               </a:rPr>
@@ -5830,14 +5830,14 @@
             </a:r>
             <a:r>
               <a:rPr lang="zh-CN" altLang="en-US" sz="1800" dirty="0">
-                <a:latin typeface="Lucida Sans Unicode" panose="020B0602030504020204" pitchFamily="34" charset="0"/>
+                <a:latin typeface="Lucida Sans Regular" panose="020B0602030504020204" pitchFamily="34" charset="0"/>
                 <a:ea typeface="楷体" panose="02010609060101010101" pitchFamily="49" charset="-122"/>
                 <a:cs typeface="Cascadia Code" panose="020B0609020000020004" pitchFamily="49" charset="0"/>
               </a:rPr>
               <a:t>加载、逻辑框架都以完备。</a:t>
             </a:r>
             <a:endParaRPr lang="en-US" altLang="zh-CN" sz="1800" dirty="0">
-              <a:latin typeface="Lucida Sans Unicode" panose="020B0602030504020204" pitchFamily="34" charset="0"/>
+              <a:latin typeface="Lucida Sans Regular" panose="020B0602030504020204" pitchFamily="34" charset="0"/>
               <a:ea typeface="楷体" panose="02010609060101010101" pitchFamily="49" charset="-122"/>
               <a:cs typeface="Cascadia Code" panose="020B0609020000020004" pitchFamily="49" charset="0"/>
             </a:endParaRPr>
@@ -5855,7 +5855,7 @@
             </a:pPr>
             <a:r>
               <a:rPr lang="zh-CN" altLang="en-US" sz="1800" dirty="0">
-                <a:latin typeface="Lucida Sans Unicode" panose="020B0602030504020204" pitchFamily="34" charset="0"/>
+                <a:latin typeface="Lucida Sans Regular" panose="020B0602030504020204" pitchFamily="34" charset="0"/>
                 <a:ea typeface="楷体" panose="02010609060101010101" pitchFamily="49" charset="-122"/>
                 <a:cs typeface="Cascadia Code" panose="020B0609020000020004" pitchFamily="49" charset="0"/>
               </a:rPr>
@@ -5863,7 +5863,7 @@
             </a:r>
             <a:r>
               <a:rPr lang="en-US" altLang="zh-CN" sz="1800" dirty="0">
-                <a:latin typeface="Lucida Sans Unicode" panose="020B0602030504020204" pitchFamily="34" charset="0"/>
+                <a:latin typeface="Lucida Sans Regular" panose="020B0602030504020204" pitchFamily="34" charset="0"/>
                 <a:ea typeface="楷体" panose="02010609060101010101" pitchFamily="49" charset="-122"/>
                 <a:cs typeface="Cascadia Code" panose="020B0609020000020004" pitchFamily="49" charset="0"/>
               </a:rPr>
@@ -5871,14 +5871,14 @@
             </a:r>
             <a:r>
               <a:rPr lang="zh-CN" altLang="en-US" sz="1800" dirty="0">
-                <a:latin typeface="Lucida Sans Unicode" panose="020B0602030504020204" pitchFamily="34" charset="0"/>
+                <a:latin typeface="Lucida Sans Regular" panose="020B0602030504020204" pitchFamily="34" charset="0"/>
                 <a:ea typeface="楷体" panose="02010609060101010101" pitchFamily="49" charset="-122"/>
                 <a:cs typeface="Cascadia Code" panose="020B0609020000020004" pitchFamily="49" charset="0"/>
               </a:rPr>
               <a:t>接口，以指标形式存放、输出展示。</a:t>
             </a:r>
             <a:endParaRPr lang="en-US" altLang="zh-CN" sz="1800" dirty="0">
-              <a:latin typeface="Lucida Sans Unicode" panose="020B0602030504020204" pitchFamily="34" charset="0"/>
+              <a:latin typeface="Lucida Sans Regular" panose="020B0602030504020204" pitchFamily="34" charset="0"/>
               <a:ea typeface="楷体" panose="02010609060101010101" pitchFamily="49" charset="-122"/>
               <a:cs typeface="Cascadia Code" panose="020B0609020000020004" pitchFamily="49" charset="0"/>
             </a:endParaRPr>
@@ -5895,7 +5895,7 @@
               <a:buChar char="Ø"/>
             </a:pPr>
             <a:endParaRPr lang="en-US" altLang="zh-CN" sz="2000" dirty="0">
-              <a:latin typeface="Lucida Sans Unicode" panose="020B0602030504020204" pitchFamily="34" charset="0"/>
+              <a:latin typeface="Lucida Sans Regular" panose="020B0602030504020204" pitchFamily="34" charset="0"/>
               <a:ea typeface="楷体" panose="02010609060101010101" pitchFamily="49" charset="-122"/>
               <a:cs typeface="Cascadia Code" panose="020B0609020000020004" pitchFamily="49" charset="0"/>
             </a:endParaRPr>
@@ -5912,7 +5912,7 @@
               <a:buChar char="Ø"/>
             </a:pPr>
             <a:endParaRPr lang="en-US" altLang="zh-CN" sz="2000" dirty="0">
-              <a:latin typeface="Lucida Sans Unicode" panose="020B0602030504020204" pitchFamily="34" charset="0"/>
+              <a:latin typeface="Lucida Sans Regular" panose="020B0602030504020204" pitchFamily="34" charset="0"/>
               <a:ea typeface="楷体" panose="02010609060101010101" pitchFamily="49" charset="-122"/>
             </a:endParaRPr>
           </a:p>
@@ -5927,7 +5927,7 @@
               <a:buNone/>
             </a:pPr>
             <a:endParaRPr lang="en-US" altLang="zh-CN" dirty="0">
-              <a:latin typeface="Lucida Sans Unicode" panose="020B0602030504020204" pitchFamily="34" charset="0"/>
+              <a:latin typeface="Lucida Sans Regular" panose="020B0602030504020204" pitchFamily="34" charset="0"/>
               <a:ea typeface="楷体" panose="02010609060101010101" pitchFamily="49" charset="-122"/>
             </a:endParaRPr>
           </a:p>
@@ -5942,7 +5942,7 @@
               <a:buNone/>
             </a:pPr>
             <a:endParaRPr lang="zh-CN" altLang="en-US" dirty="0">
-              <a:latin typeface="Lucida Sans Unicode" panose="020B0602030504020204" pitchFamily="34" charset="0"/>
+              <a:latin typeface="Lucida Sans Regular" panose="020B0602030504020204" pitchFamily="34" charset="0"/>
               <a:ea typeface="楷体" panose="02010609060101010101" pitchFamily="49" charset="-122"/>
             </a:endParaRPr>
           </a:p>
@@ -6026,12 +6026,14 @@
         </p:nvSpPr>
         <p:spPr>
           <a:xfrm>
-            <a:off x="488258" y="788724"/>
-            <a:ext cx="11215484" cy="5484764"/>
+            <a:off x="488258" y="788723"/>
+            <a:ext cx="11215484" cy="5755511"/>
           </a:xfrm>
         </p:spPr>
         <p:txBody>
-          <a:bodyPr/>
+          <a:bodyPr>
+            <a:normAutofit lnSpcReduction="10000"/>
+          </a:bodyPr>
           <a:lstStyle/>
           <a:p>
             <a:pPr marL="228600" lvl="1" indent="-228600" algn="l">
@@ -6043,7 +6045,7 @@
             </a:pPr>
             <a:r>
               <a:rPr lang="en-US" altLang="zh-CN" dirty="0" err="1">
-                <a:latin typeface="Lucida Sans Unicode" panose="020B0602030504020204" pitchFamily="34" charset="0"/>
+                <a:latin typeface="Lucida Sans Regular" panose="020B0602030504020204" pitchFamily="34" charset="0"/>
                 <a:ea typeface="楷体" panose="02010609060101010101" pitchFamily="49" charset="-122"/>
                 <a:cs typeface="Cascadia Code" panose="020B0609020000020004" pitchFamily="49" charset="0"/>
               </a:rPr>
@@ -6051,14 +6053,14 @@
             </a:r>
             <a:r>
               <a:rPr lang="zh-CN" altLang="en-US" dirty="0">
-                <a:latin typeface="Lucida Sans Unicode" panose="020B0602030504020204" pitchFamily="34" charset="0"/>
+                <a:latin typeface="Lucida Sans Regular" panose="020B0602030504020204" pitchFamily="34" charset="0"/>
                 <a:ea typeface="楷体" panose="02010609060101010101" pitchFamily="49" charset="-122"/>
                 <a:cs typeface="Cascadia Code" panose="020B0609020000020004" pitchFamily="49" charset="0"/>
               </a:rPr>
               <a:t>工具的使用</a:t>
             </a:r>
             <a:endParaRPr lang="en-US" altLang="zh-CN" dirty="0">
-              <a:latin typeface="Lucida Sans Unicode" panose="020B0602030504020204" pitchFamily="34" charset="0"/>
+              <a:latin typeface="Lucida Sans Regular" panose="020B0602030504020204" pitchFamily="34" charset="0"/>
               <a:ea typeface="楷体" panose="02010609060101010101" pitchFamily="49" charset="-122"/>
             </a:endParaRPr>
           </a:p>
@@ -6068,90 +6070,83 @@
                 <a:spcPct val="150000"/>
               </a:lnSpc>
               <a:spcBef>
-                <a:spcPts val="800"/>
+                <a:spcPts val="600"/>
               </a:spcBef>
               <a:buFont typeface="Wingdings" panose="05000000000000000000" pitchFamily="2" charset="2"/>
               <a:buChar char="Ø"/>
             </a:pPr>
             <a:r>
-              <a:rPr lang="en-US" altLang="zh-CN" sz="1800" dirty="0">
-                <a:latin typeface="Lucida Sans Unicode" panose="020B0602030504020204" pitchFamily="34" charset="0"/>
-                <a:ea typeface="楷体" panose="02010609060101010101" pitchFamily="49" charset="-122"/>
-              </a:rPr>
-              <a:t>b</a:t>
-            </a:r>
-            <a:r>
-              <a:rPr lang="en-US" altLang="zh-CN" sz="1800">
-                <a:latin typeface="Lucida Sans Unicode" panose="020B0602030504020204" pitchFamily="34" charset="0"/>
-                <a:ea typeface="楷体" panose="02010609060101010101" pitchFamily="49" charset="-122"/>
-              </a:rPr>
-              <a:t>cc</a:t>
-            </a:r>
-            <a:r>
-              <a:rPr lang="zh-CN" altLang="en-US" sz="1800" dirty="0">
-                <a:latin typeface="Lucida Sans Unicode" panose="020B0602030504020204" pitchFamily="34" charset="0"/>
-                <a:ea typeface="楷体" panose="02010609060101010101" pitchFamily="49" charset="-122"/>
-              </a:rPr>
-              <a:t>。一套开箱即用的工具，远离使用</a:t>
-            </a:r>
-            <a:r>
-              <a:rPr lang="en-US" altLang="zh-CN" sz="1800" dirty="0">
-                <a:latin typeface="Lucida Sans Unicode" panose="020B0602030504020204" pitchFamily="34" charset="0"/>
+              <a:rPr lang="en-US" altLang="zh-CN" sz="1600" dirty="0">
+                <a:latin typeface="Lucida Sans Regular" panose="020B0602030504020204" pitchFamily="34" charset="0"/>
+                <a:ea typeface="楷体" panose="02010609060101010101" pitchFamily="49" charset="-122"/>
+              </a:rPr>
+              <a:t>bcc</a:t>
+            </a:r>
+            <a:r>
+              <a:rPr lang="zh-CN" altLang="en-US" sz="1600" dirty="0">
+                <a:latin typeface="Lucida Sans Regular" panose="020B0602030504020204" pitchFamily="34" charset="0"/>
+                <a:ea typeface="楷体" panose="02010609060101010101" pitchFamily="49" charset="-122"/>
+              </a:rPr>
+              <a:t>。一套开箱即用的工具，原理</a:t>
+            </a:r>
+            <a:r>
+              <a:rPr lang="en-US" altLang="zh-CN" sz="1600" dirty="0">
+                <a:latin typeface="Lucida Sans Regular" panose="020B0602030504020204" pitchFamily="34" charset="0"/>
                 <a:ea typeface="楷体" panose="02010609060101010101" pitchFamily="49" charset="-122"/>
               </a:rPr>
               <a:t>python</a:t>
             </a:r>
             <a:r>
-              <a:rPr lang="zh-CN" altLang="en-US" sz="1800" dirty="0">
-                <a:latin typeface="Lucida Sans Unicode" panose="020B0602030504020204" pitchFamily="34" charset="0"/>
-                <a:ea typeface="楷体" panose="02010609060101010101" pitchFamily="49" charset="-122"/>
-              </a:rPr>
-              <a:t>替换</a:t>
-            </a:r>
-            <a:r>
-              <a:rPr lang="en-US" altLang="zh-CN" sz="1800" dirty="0">
-                <a:latin typeface="Lucida Sans Unicode" panose="020B0602030504020204" pitchFamily="34" charset="0"/>
+              <a:rPr lang="zh-CN" altLang="en-US" sz="1600" dirty="0">
+                <a:latin typeface="Lucida Sans Regular" panose="020B0602030504020204" pitchFamily="34" charset="0"/>
+                <a:ea typeface="楷体" panose="02010609060101010101" pitchFamily="49" charset="-122"/>
+              </a:rPr>
+              <a:t>使用文本替换的方式来生成</a:t>
+            </a:r>
+            <a:r>
+              <a:rPr lang="en-US" altLang="zh-CN" sz="1600" dirty="0" err="1">
+                <a:latin typeface="Lucida Sans Regular" panose="020B0602030504020204" pitchFamily="34" charset="0"/>
+                <a:ea typeface="楷体" panose="02010609060101010101" pitchFamily="49" charset="-122"/>
+              </a:rPr>
+              <a:t>bpf</a:t>
+            </a:r>
+            <a:r>
+              <a:rPr lang="zh-CN" altLang="en-US" sz="1600" dirty="0">
+                <a:latin typeface="Lucida Sans Regular" panose="020B0602030504020204" pitchFamily="34" charset="0"/>
+                <a:ea typeface="楷体" panose="02010609060101010101" pitchFamily="49" charset="-122"/>
+              </a:rPr>
+              <a:t>的内核</a:t>
+            </a:r>
+            <a:r>
+              <a:rPr lang="en-US" altLang="zh-CN" sz="1600" dirty="0">
+                <a:latin typeface="Lucida Sans Regular" panose="020B0602030504020204" pitchFamily="34" charset="0"/>
                 <a:ea typeface="楷体" panose="02010609060101010101" pitchFamily="49" charset="-122"/>
               </a:rPr>
               <a:t>c</a:t>
             </a:r>
             <a:r>
-              <a:rPr lang="zh-CN" altLang="en-US" sz="1800" dirty="0">
-                <a:latin typeface="Lucida Sans Unicode" panose="020B0602030504020204" pitchFamily="34" charset="0"/>
-                <a:ea typeface="楷体" panose="02010609060101010101" pitchFamily="49" charset="-122"/>
-              </a:rPr>
-              <a:t>代码的方式来生成</a:t>
-            </a:r>
-            <a:r>
-              <a:rPr lang="en-US" altLang="zh-CN" sz="1800" dirty="0" err="1">
-                <a:latin typeface="Lucida Sans Unicode" panose="020B0602030504020204" pitchFamily="34" charset="0"/>
+              <a:rPr lang="zh-CN" altLang="en-US" sz="1600" dirty="0">
+                <a:latin typeface="Lucida Sans Regular" panose="020B0602030504020204" pitchFamily="34" charset="0"/>
+                <a:ea typeface="楷体" panose="02010609060101010101" pitchFamily="49" charset="-122"/>
+              </a:rPr>
+              <a:t>代码部分，调用</a:t>
+            </a:r>
+            <a:r>
+              <a:rPr lang="en-US" altLang="zh-CN" sz="1600" dirty="0" err="1">
+                <a:latin typeface="Lucida Sans Regular" panose="020B0602030504020204" pitchFamily="34" charset="0"/>
                 <a:ea typeface="楷体" panose="02010609060101010101" pitchFamily="49" charset="-122"/>
               </a:rPr>
               <a:t>bpf</a:t>
             </a:r>
             <a:r>
-              <a:rPr lang="zh-CN" altLang="en-US" sz="1800" dirty="0">
-                <a:latin typeface="Lucida Sans Unicode" panose="020B0602030504020204" pitchFamily="34" charset="0"/>
-                <a:ea typeface="楷体" panose="02010609060101010101" pitchFamily="49" charset="-122"/>
-              </a:rPr>
-              <a:t>的内核部分，调用</a:t>
-            </a:r>
-            <a:r>
-              <a:rPr lang="en-US" altLang="zh-CN" sz="1800" dirty="0" err="1">
-                <a:latin typeface="Lucida Sans Unicode" panose="020B0602030504020204" pitchFamily="34" charset="0"/>
-                <a:ea typeface="楷体" panose="02010609060101010101" pitchFamily="49" charset="-122"/>
-              </a:rPr>
-              <a:t>bpf</a:t>
-            </a:r>
-            <a:r>
-              <a:rPr lang="zh-CN" altLang="en-US" sz="1800" dirty="0">
-                <a:latin typeface="Lucida Sans Unicode" panose="020B0602030504020204" pitchFamily="34" charset="0"/>
-                <a:ea typeface="楷体" panose="02010609060101010101" pitchFamily="49" charset="-122"/>
-              </a:rPr>
-              <a:t>系统调用来进行加载，</a:t>
-            </a:r>
-            <a:endParaRPr lang="en-US" altLang="zh-CN" sz="1800" dirty="0">
-              <a:latin typeface="Lucida Sans Unicode" panose="020B0602030504020204" pitchFamily="34" charset="0"/>
+              <a:rPr lang="zh-CN" altLang="en-US" sz="1600" dirty="0">
+                <a:latin typeface="Lucida Sans Regular" panose="020B0602030504020204" pitchFamily="34" charset="0"/>
+                <a:ea typeface="楷体" panose="02010609060101010101" pitchFamily="49" charset="-122"/>
+              </a:rPr>
+              <a:t>系统调用来进行加载。</a:t>
+            </a:r>
+            <a:endParaRPr lang="en-US" altLang="zh-CN" sz="1600" dirty="0">
+              <a:latin typeface="Lucida Sans Regular" panose="020B0602030504020204" pitchFamily="34" charset="0"/>
               <a:ea typeface="楷体" panose="02010609060101010101" pitchFamily="49" charset="-122"/>
             </a:endParaRPr>
           </a:p>
@@ -6161,69 +6156,104 @@
                 <a:spcPct val="150000"/>
               </a:lnSpc>
               <a:spcBef>
-                <a:spcPts val="800"/>
+                <a:spcPts val="600"/>
               </a:spcBef>
               <a:buFont typeface="Wingdings" panose="05000000000000000000" pitchFamily="2" charset="2"/>
               <a:buChar char="Ø"/>
             </a:pPr>
             <a:r>
-              <a:rPr lang="en-US" altLang="zh-CN" sz="1800" dirty="0" err="1">
-                <a:latin typeface="Lucida Sans Unicode" panose="020B0602030504020204" pitchFamily="34" charset="0"/>
+              <a:rPr lang="en-US" altLang="zh-CN" sz="1600" dirty="0" err="1">
+                <a:latin typeface="Lucida Sans Regular" panose="020B0602030504020204" pitchFamily="34" charset="0"/>
                 <a:ea typeface="楷体" panose="02010609060101010101" pitchFamily="49" charset="-122"/>
               </a:rPr>
               <a:t>bpftrace</a:t>
             </a:r>
             <a:r>
-              <a:rPr lang="zh-CN" altLang="en-US" sz="1800" dirty="0">
-                <a:latin typeface="Lucida Sans Unicode" panose="020B0602030504020204" pitchFamily="34" charset="0"/>
+              <a:rPr lang="zh-CN" altLang="en-US" sz="1600" dirty="0">
+                <a:latin typeface="Lucida Sans Regular" panose="020B0602030504020204" pitchFamily="34" charset="0"/>
                 <a:ea typeface="楷体" panose="02010609060101010101" pitchFamily="49" charset="-122"/>
               </a:rPr>
               <a:t>。方便、快速的编写强大</a:t>
             </a:r>
             <a:r>
-              <a:rPr lang="en-US" altLang="zh-CN" sz="1800" dirty="0" err="1">
-                <a:latin typeface="Lucida Sans Unicode" panose="020B0602030504020204" pitchFamily="34" charset="0"/>
+              <a:rPr lang="en-US" altLang="zh-CN" sz="1600" dirty="0" err="1">
+                <a:latin typeface="Lucida Sans Regular" panose="020B0602030504020204" pitchFamily="34" charset="0"/>
                 <a:ea typeface="楷体" panose="02010609060101010101" pitchFamily="49" charset="-122"/>
               </a:rPr>
               <a:t>bt</a:t>
             </a:r>
             <a:r>
-              <a:rPr lang="zh-CN" altLang="en-US" sz="1800" dirty="0">
-                <a:latin typeface="Lucida Sans Unicode" panose="020B0602030504020204" pitchFamily="34" charset="0"/>
-                <a:ea typeface="楷体" panose="02010609060101010101" pitchFamily="49" charset="-122"/>
-              </a:rPr>
-              <a:t>脚本，用于定位问题以及验证</a:t>
-            </a:r>
-            <a:r>
-              <a:rPr lang="en-US" altLang="zh-CN" sz="1800" dirty="0" err="1">
-                <a:latin typeface="Lucida Sans Unicode" panose="020B0602030504020204" pitchFamily="34" charset="0"/>
-                <a:ea typeface="楷体" panose="02010609060101010101" pitchFamily="49" charset="-122"/>
-              </a:rPr>
-              <a:t>bpf</a:t>
-            </a:r>
-            <a:r>
-              <a:rPr lang="zh-CN" altLang="en-US" sz="1800" dirty="0">
-                <a:latin typeface="Lucida Sans Unicode" panose="020B0602030504020204" pitchFamily="34" charset="0"/>
+              <a:rPr lang="zh-CN" altLang="en-US" sz="1600" dirty="0">
+                <a:latin typeface="Lucida Sans Regular" panose="020B0602030504020204" pitchFamily="34" charset="0"/>
+                <a:ea typeface="楷体" panose="02010609060101010101" pitchFamily="49" charset="-122"/>
+              </a:rPr>
+              <a:t>脚本，用于定位问题和验证</a:t>
+            </a:r>
+            <a:r>
+              <a:rPr lang="en-US" altLang="zh-CN" sz="1600" dirty="0" err="1">
+                <a:latin typeface="Lucida Sans Regular" panose="020B0602030504020204" pitchFamily="34" charset="0"/>
+                <a:ea typeface="楷体" panose="02010609060101010101" pitchFamily="49" charset="-122"/>
+              </a:rPr>
+              <a:t>eBPF</a:t>
+            </a:r>
+            <a:r>
+              <a:rPr lang="en-US" altLang="zh-CN" sz="1600" dirty="0">
+                <a:latin typeface="Lucida Sans Regular" panose="020B0602030504020204" pitchFamily="34" charset="0"/>
+                <a:ea typeface="楷体" panose="02010609060101010101" pitchFamily="49" charset="-122"/>
+              </a:rPr>
+              <a:t> prog</a:t>
+            </a:r>
+            <a:r>
+              <a:rPr lang="zh-CN" altLang="en-US" sz="1600" dirty="0">
+                <a:latin typeface="Lucida Sans Regular" panose="020B0602030504020204" pitchFamily="34" charset="0"/>
                 <a:ea typeface="楷体" panose="02010609060101010101" pitchFamily="49" charset="-122"/>
               </a:rPr>
               <a:t>内核部分逻辑。功能比</a:t>
             </a:r>
             <a:r>
-              <a:rPr lang="en-US" altLang="zh-CN" sz="1800" dirty="0">
-                <a:latin typeface="Lucida Sans Unicode" panose="020B0602030504020204" pitchFamily="34" charset="0"/>
+              <a:rPr lang="en-US" altLang="zh-CN" sz="1600" dirty="0">
+                <a:latin typeface="Lucida Sans Regular" panose="020B0602030504020204" pitchFamily="34" charset="0"/>
                 <a:ea typeface="楷体" panose="02010609060101010101" pitchFamily="49" charset="-122"/>
               </a:rPr>
               <a:t>bcc</a:t>
             </a:r>
             <a:r>
-              <a:rPr lang="zh-CN" altLang="en-US" sz="1800" dirty="0">
-                <a:latin typeface="Lucida Sans Unicode" panose="020B0602030504020204" pitchFamily="34" charset="0"/>
-                <a:ea typeface="楷体" panose="02010609060101010101" pitchFamily="49" charset="-122"/>
-              </a:rPr>
-              <a:t>强大、灵活。</a:t>
-            </a:r>
-            <a:endParaRPr lang="en-US" altLang="zh-CN" sz="1800" dirty="0">
-              <a:latin typeface="Lucida Sans Unicode" panose="020B0602030504020204" pitchFamily="34" charset="0"/>
+              <a:rPr lang="zh-CN" altLang="en-US" sz="1600" dirty="0">
+                <a:latin typeface="Lucida Sans Regular" panose="020B0602030504020204" pitchFamily="34" charset="0"/>
+                <a:ea typeface="楷体" panose="02010609060101010101" pitchFamily="49" charset="-122"/>
+              </a:rPr>
+              <a:t>强大、灵活，尤其是可以做到</a:t>
+            </a:r>
+            <a:r>
+              <a:rPr lang="en-US" altLang="zh-CN" sz="1600" dirty="0" err="1">
+                <a:latin typeface="Lucida Sans Regular" panose="020B0602030504020204" pitchFamily="34" charset="0"/>
+                <a:ea typeface="楷体" panose="02010609060101010101" pitchFamily="49" charset="-122"/>
+              </a:rPr>
+              <a:t>kprobe</a:t>
+            </a:r>
+            <a:r>
+              <a:rPr lang="zh-CN" altLang="en-US" sz="1600" dirty="0">
+                <a:latin typeface="Lucida Sans Regular" panose="020B0602030504020204" pitchFamily="34" charset="0"/>
+                <a:ea typeface="楷体" panose="02010609060101010101" pitchFamily="49" charset="-122"/>
+              </a:rPr>
+              <a:t>的</a:t>
+            </a:r>
+            <a:r>
+              <a:rPr lang="en-US" altLang="zh-CN" sz="1600" dirty="0">
+                <a:latin typeface="Lucida Sans Regular" panose="020B0602030504020204" pitchFamily="34" charset="0"/>
+                <a:ea typeface="楷体" panose="02010609060101010101" pitchFamily="49" charset="-122"/>
+              </a:rPr>
+              <a:t>offset</a:t>
+            </a:r>
+            <a:r>
+              <a:rPr lang="zh-CN" altLang="en-US" sz="1600" dirty="0">
+                <a:latin typeface="Lucida Sans Regular" panose="020B0602030504020204" pitchFamily="34" charset="0"/>
+                <a:ea typeface="楷体" panose="02010609060101010101" pitchFamily="49" charset="-122"/>
+              </a:rPr>
+              <a:t>观察。</a:t>
+            </a:r>
+            <a:endParaRPr lang="en-US" altLang="zh-CN" sz="1600" dirty="0">
+              <a:latin typeface="Lucida Sans Regular" panose="020B0602030504020204" pitchFamily="34" charset="0"/>
               <a:ea typeface="楷体" panose="02010609060101010101" pitchFamily="49" charset="-122"/>
             </a:endParaRPr>
           </a:p>
@@ -6233,43 +6263,655 @@
                 <a:spcPct val="150000"/>
               </a:lnSpc>
               <a:spcBef>
-                <a:spcPts val="800"/>
+                <a:spcPts val="600"/>
               </a:spcBef>
               <a:buFont typeface="Wingdings" panose="05000000000000000000" pitchFamily="2" charset="2"/>
               <a:buChar char="Ø"/>
             </a:pPr>
             <a:r>
-              <a:rPr lang="en-US" altLang="zh-CN" sz="1800" dirty="0" err="1">
+              <a:rPr lang="en-US" altLang="zh-CN" sz="1600" dirty="0" err="1">
+                <a:latin typeface="Lucida Sans Regular" panose="020B0602030504020204" pitchFamily="34" charset="0"/>
+                <a:ea typeface="楷体" panose="02010609060101010101" pitchFamily="49" charset="-122"/>
+              </a:rPr>
+              <a:t>bpftool</a:t>
+            </a:r>
+            <a:r>
+              <a:rPr lang="zh-CN" altLang="en-US" sz="1600" dirty="0">
+                <a:latin typeface="Lucida Sans Regular" panose="020B0602030504020204" pitchFamily="34" charset="0"/>
+                <a:ea typeface="楷体" panose="02010609060101010101" pitchFamily="49" charset="-122"/>
+              </a:rPr>
+              <a:t>。</a:t>
+            </a:r>
+            <a:r>
+              <a:rPr lang="en-US" altLang="zh-CN" sz="1600" dirty="0" err="1">
+                <a:latin typeface="Lucida Sans Regular" panose="020B0602030504020204" pitchFamily="34" charset="0"/>
+                <a:ea typeface="楷体" panose="02010609060101010101" pitchFamily="49" charset="-122"/>
+              </a:rPr>
+              <a:t>bpf</a:t>
+            </a:r>
+            <a:r>
+              <a:rPr lang="zh-CN" altLang="en-US" sz="1600" dirty="0">
+                <a:latin typeface="Lucida Sans Regular" panose="020B0602030504020204" pitchFamily="34" charset="0"/>
+                <a:ea typeface="楷体" panose="02010609060101010101" pitchFamily="49" charset="-122"/>
+              </a:rPr>
+              <a:t>的原生工具，十分重要、强大。</a:t>
+            </a:r>
+            <a:endParaRPr lang="en-US" altLang="zh-CN" sz="1600" dirty="0">
+              <a:latin typeface="Lucida Sans Regular" panose="020B0602030504020204" pitchFamily="34" charset="0"/>
+              <a:ea typeface="楷体" panose="02010609060101010101" pitchFamily="49" charset="-122"/>
+            </a:endParaRPr>
+          </a:p>
+          <a:p>
+            <a:pPr marL="800100" lvl="2" indent="342900">
+              <a:lnSpc>
+                <a:spcPct val="150000"/>
+              </a:lnSpc>
+              <a:spcBef>
+                <a:spcPts val="600"/>
+              </a:spcBef>
+              <a:buFont typeface="Wingdings" panose="05000000000000000000" pitchFamily="2" charset="2"/>
+              <a:buChar char="Ø"/>
+            </a:pPr>
+            <a:r>
+              <a:rPr lang="zh-CN" altLang="en-US" sz="1200" dirty="0">
+                <a:latin typeface="Lucida Sans Regular" panose="020B0602030504020204" pitchFamily="34" charset="0"/>
+                <a:ea typeface="楷体" panose="02010609060101010101" pitchFamily="49" charset="-122"/>
+              </a:rPr>
+              <a:t>查看当前内核的</a:t>
+            </a:r>
+            <a:r>
+              <a:rPr lang="en-US" altLang="zh-CN" sz="1200" dirty="0" err="1">
+                <a:latin typeface="Lucida Sans Regular" panose="020B0602030504020204" pitchFamily="34" charset="0"/>
+                <a:ea typeface="楷体" panose="02010609060101010101" pitchFamily="49" charset="-122"/>
+              </a:rPr>
+              <a:t>ebpf</a:t>
+            </a:r>
+            <a:r>
+              <a:rPr lang="zh-CN" altLang="en-US" sz="1200" dirty="0">
+                <a:latin typeface="Lucida Sans Regular" panose="020B0602030504020204" pitchFamily="34" charset="0"/>
+                <a:ea typeface="楷体" panose="02010609060101010101" pitchFamily="49" charset="-122"/>
+              </a:rPr>
+              <a:t>特性：</a:t>
+            </a:r>
+            <a:r>
+              <a:rPr lang="en-US" altLang="zh-CN" sz="1200" dirty="0" err="1">
+                <a:effectLst/>
+                <a:ea typeface="微软雅黑" panose="020B0503020204020204" pitchFamily="34" charset="-122"/>
+              </a:rPr>
+              <a:t>bpftool</a:t>
+            </a:r>
+            <a:r>
+              <a:rPr lang="en-US" altLang="zh-CN" sz="1200" dirty="0">
+                <a:effectLst/>
+                <a:ea typeface="微软雅黑" panose="020B0503020204020204" pitchFamily="34" charset="-122"/>
+              </a:rPr>
+              <a:t> feature</a:t>
+            </a:r>
+          </a:p>
+          <a:p>
+            <a:pPr marL="800100" lvl="2" indent="342900">
+              <a:lnSpc>
+                <a:spcPct val="150000"/>
+              </a:lnSpc>
+              <a:spcBef>
+                <a:spcPts val="600"/>
+              </a:spcBef>
+              <a:buFont typeface="Wingdings" panose="05000000000000000000" pitchFamily="2" charset="2"/>
+              <a:buChar char="Ø"/>
+            </a:pPr>
+            <a:r>
+              <a:rPr lang="zh-CN" altLang="en-US" sz="1200" dirty="0">
+                <a:latin typeface="Lucida Sans Regular" panose="020B0602030504020204" pitchFamily="34" charset="0"/>
+                <a:ea typeface="楷体" panose="02010609060101010101" pitchFamily="49" charset="-122"/>
+              </a:rPr>
+              <a:t>在控制台输出</a:t>
+            </a:r>
+            <a:r>
+              <a:rPr lang="en-US" altLang="zh-CN" sz="1200" dirty="0">
+                <a:latin typeface="Lucida Sans Regular" panose="020B0602030504020204" pitchFamily="34" charset="0"/>
+                <a:ea typeface="楷体" panose="02010609060101010101" pitchFamily="49" charset="-122"/>
+              </a:rPr>
+              <a:t>prog</a:t>
+            </a:r>
+            <a:r>
+              <a:rPr lang="zh-CN" altLang="en-US" sz="1200" dirty="0">
+                <a:latin typeface="Lucida Sans Regular" panose="020B0602030504020204" pitchFamily="34" charset="0"/>
+                <a:ea typeface="楷体" panose="02010609060101010101" pitchFamily="49" charset="-122"/>
+              </a:rPr>
+              <a:t>的打印信息：</a:t>
+            </a:r>
+            <a:r>
+              <a:rPr lang="en-US" altLang="zh-CN" sz="1200" dirty="0" err="1">
+                <a:effectLst/>
+                <a:ea typeface="微软雅黑" panose="020B0503020204020204" pitchFamily="34" charset="-122"/>
+              </a:rPr>
+              <a:t>bpftool</a:t>
+            </a:r>
+            <a:r>
+              <a:rPr lang="en-US" altLang="zh-CN" sz="1200" dirty="0">
+                <a:effectLst/>
+                <a:ea typeface="微软雅黑" panose="020B0503020204020204" pitchFamily="34" charset="-122"/>
+              </a:rPr>
+              <a:t> prog </a:t>
+            </a:r>
+            <a:r>
+              <a:rPr lang="en-US" altLang="zh-CN" sz="1200" dirty="0" err="1">
+                <a:effectLst/>
+                <a:ea typeface="微软雅黑" panose="020B0503020204020204" pitchFamily="34" charset="-122"/>
+              </a:rPr>
+              <a:t>tracelog</a:t>
+            </a:r>
+            <a:endParaRPr lang="en-US" altLang="zh-CN" sz="1200" dirty="0">
+              <a:effectLst/>
+              <a:ea typeface="微软雅黑" panose="020B0503020204020204" pitchFamily="34" charset="-122"/>
+            </a:endParaRPr>
+          </a:p>
+          <a:p>
+            <a:pPr marL="800100" lvl="2" indent="342900">
+              <a:lnSpc>
+                <a:spcPct val="150000"/>
+              </a:lnSpc>
+              <a:spcBef>
+                <a:spcPts val="600"/>
+              </a:spcBef>
+              <a:buFont typeface="Wingdings" panose="05000000000000000000" pitchFamily="2" charset="2"/>
+              <a:buChar char="Ø"/>
+            </a:pPr>
+            <a:r>
+              <a:rPr lang="zh-CN" altLang="en-US" sz="1200" dirty="0">
+                <a:latin typeface="Lucida Sans Regular" panose="020B0602030504020204" pitchFamily="34" charset="0"/>
+                <a:ea typeface="楷体" panose="02010609060101010101" pitchFamily="49" charset="-122"/>
+              </a:rPr>
+              <a:t>查看当前加载的</a:t>
+            </a:r>
+            <a:r>
+              <a:rPr lang="en-US" altLang="zh-CN" sz="1200" dirty="0">
+                <a:latin typeface="Lucida Sans Regular" panose="020B0602030504020204" pitchFamily="34" charset="0"/>
+                <a:ea typeface="楷体" panose="02010609060101010101" pitchFamily="49" charset="-122"/>
+              </a:rPr>
+              <a:t>prog</a:t>
+            </a:r>
+            <a:r>
+              <a:rPr lang="zh-CN" altLang="en-US" sz="1200" dirty="0">
+                <a:latin typeface="Lucida Sans Regular" panose="020B0602030504020204" pitchFamily="34" charset="0"/>
+                <a:ea typeface="楷体" panose="02010609060101010101" pitchFamily="49" charset="-122"/>
+              </a:rPr>
+              <a:t>：</a:t>
+            </a:r>
+            <a:r>
+              <a:rPr lang="en-US" altLang="zh-CN" sz="1200" dirty="0" err="1">
+                <a:effectLst/>
+                <a:ea typeface="微软雅黑" panose="020B0503020204020204" pitchFamily="34" charset="-122"/>
+              </a:rPr>
+              <a:t>bpftool</a:t>
+            </a:r>
+            <a:r>
+              <a:rPr lang="en-US" altLang="zh-CN" sz="1200" dirty="0">
+                <a:effectLst/>
+                <a:ea typeface="微软雅黑" panose="020B0503020204020204" pitchFamily="34" charset="-122"/>
+              </a:rPr>
+              <a:t> perf show</a:t>
+            </a:r>
+          </a:p>
+          <a:p>
+            <a:pPr marL="800100" lvl="2" indent="342900">
+              <a:lnSpc>
+                <a:spcPct val="150000"/>
+              </a:lnSpc>
+              <a:spcBef>
+                <a:spcPts val="600"/>
+              </a:spcBef>
+              <a:buFont typeface="Wingdings" panose="05000000000000000000" pitchFamily="2" charset="2"/>
+              <a:buChar char="Ø"/>
+            </a:pPr>
+            <a:r>
+              <a:rPr lang="zh-CN" altLang="en-US" sz="1200" dirty="0">
+                <a:latin typeface="Lucida Sans Regular" panose="020B0602030504020204" pitchFamily="34" charset="0"/>
+                <a:ea typeface="楷体" panose="02010609060101010101" pitchFamily="49" charset="-122"/>
+              </a:rPr>
+              <a:t>查看</a:t>
+            </a:r>
+            <a:r>
+              <a:rPr lang="en-US" altLang="zh-CN" sz="1200" dirty="0">
+                <a:latin typeface="Lucida Sans Regular" panose="020B0602030504020204" pitchFamily="34" charset="0"/>
+                <a:ea typeface="楷体" panose="02010609060101010101" pitchFamily="49" charset="-122"/>
+              </a:rPr>
+              <a:t>obj</a:t>
+            </a:r>
+            <a:r>
+              <a:rPr lang="zh-CN" altLang="en-US" sz="1200" dirty="0">
+                <a:latin typeface="Lucida Sans Regular" panose="020B0602030504020204" pitchFamily="34" charset="0"/>
+                <a:ea typeface="楷体" panose="02010609060101010101" pitchFamily="49" charset="-122"/>
+              </a:rPr>
+              <a:t>文件的</a:t>
+            </a:r>
+            <a:r>
+              <a:rPr lang="en-US" altLang="zh-CN" sz="1200" dirty="0" err="1">
+                <a:latin typeface="Lucida Sans Regular" panose="020B0602030504020204" pitchFamily="34" charset="0"/>
+                <a:ea typeface="楷体" panose="02010609060101010101" pitchFamily="49" charset="-122"/>
+              </a:rPr>
+              <a:t>btf</a:t>
+            </a:r>
+            <a:r>
+              <a:rPr lang="zh-CN" altLang="en-US" sz="1200" dirty="0">
+                <a:latin typeface="Lucida Sans Regular" panose="020B0602030504020204" pitchFamily="34" charset="0"/>
+                <a:ea typeface="楷体" panose="02010609060101010101" pitchFamily="49" charset="-122"/>
+              </a:rPr>
+              <a:t>信息：</a:t>
+            </a:r>
+            <a:r>
+              <a:rPr lang="en-US" altLang="zh-CN" sz="1200" dirty="0" err="1">
+                <a:effectLst/>
+                <a:ea typeface="微软雅黑" panose="020B0503020204020204" pitchFamily="34" charset="-122"/>
+              </a:rPr>
+              <a:t>bpftool</a:t>
+            </a:r>
+            <a:r>
+              <a:rPr lang="en-US" altLang="zh-CN" sz="1200" dirty="0">
+                <a:effectLst/>
+                <a:ea typeface="微软雅黑" panose="020B0503020204020204" pitchFamily="34" charset="-122"/>
+              </a:rPr>
+              <a:t> </a:t>
+            </a:r>
+            <a:r>
+              <a:rPr lang="en-US" altLang="zh-CN" sz="1200" dirty="0" err="1">
+                <a:effectLst/>
+                <a:ea typeface="微软雅黑" panose="020B0503020204020204" pitchFamily="34" charset="-122"/>
+              </a:rPr>
+              <a:t>btf</a:t>
+            </a:r>
+            <a:r>
+              <a:rPr lang="en-US" altLang="zh-CN" sz="1200" dirty="0">
+                <a:effectLst/>
+                <a:ea typeface="微软雅黑" panose="020B0503020204020204" pitchFamily="34" charset="-122"/>
+              </a:rPr>
+              <a:t> dump file </a:t>
+            </a:r>
+            <a:r>
+              <a:rPr lang="en-US" altLang="zh-CN" sz="1200" dirty="0" err="1">
+                <a:effectLst/>
+                <a:ea typeface="微软雅黑" panose="020B0503020204020204" pitchFamily="34" charset="-122"/>
+              </a:rPr>
+              <a:t>foo.o</a:t>
+            </a:r>
+            <a:endParaRPr lang="en-US" altLang="zh-CN" sz="1200" dirty="0">
+              <a:effectLst/>
+              <a:ea typeface="微软雅黑" panose="020B0503020204020204" pitchFamily="34" charset="-122"/>
+            </a:endParaRPr>
+          </a:p>
+          <a:p>
+            <a:pPr marL="800100" lvl="2" indent="342900">
+              <a:lnSpc>
+                <a:spcPct val="150000"/>
+              </a:lnSpc>
+              <a:spcBef>
+                <a:spcPts val="600"/>
+              </a:spcBef>
+              <a:buFont typeface="Wingdings" panose="05000000000000000000" pitchFamily="2" charset="2"/>
+              <a:buChar char="Ø"/>
+            </a:pPr>
+            <a:r>
+              <a:rPr lang="zh-CN" altLang="en-US" sz="1200" dirty="0">
+                <a:latin typeface="Lucida Sans Regular" panose="020B0602030504020204" pitchFamily="34" charset="0"/>
+                <a:ea typeface="楷体" panose="02010609060101010101" pitchFamily="49" charset="-122"/>
+              </a:rPr>
+              <a:t>加载一个</a:t>
+            </a:r>
+            <a:r>
+              <a:rPr lang="en-US" altLang="zh-CN" sz="1200" dirty="0">
+                <a:latin typeface="Lucida Sans Regular" panose="020B0602030504020204" pitchFamily="34" charset="0"/>
+                <a:ea typeface="楷体" panose="02010609060101010101" pitchFamily="49" charset="-122"/>
+              </a:rPr>
+              <a:t>obj</a:t>
+            </a:r>
+            <a:r>
+              <a:rPr lang="zh-CN" altLang="en-US" sz="1200" dirty="0">
+                <a:latin typeface="Lucida Sans Regular" panose="020B0602030504020204" pitchFamily="34" charset="0"/>
+                <a:ea typeface="楷体" panose="02010609060101010101" pitchFamily="49" charset="-122"/>
+              </a:rPr>
+              <a:t>文件到</a:t>
+            </a:r>
+            <a:r>
+              <a:rPr lang="en-US" altLang="zh-CN" sz="1200" dirty="0" err="1">
+                <a:latin typeface="Lucida Sans Regular" panose="020B0602030504020204" pitchFamily="34" charset="0"/>
+                <a:ea typeface="楷体" panose="02010609060101010101" pitchFamily="49" charset="-122"/>
+              </a:rPr>
+              <a:t>bpf</a:t>
+            </a:r>
+            <a:r>
+              <a:rPr lang="zh-CN" altLang="en-US" sz="1200" dirty="0">
+                <a:latin typeface="Lucida Sans Regular" panose="020B0602030504020204" pitchFamily="34" charset="0"/>
+                <a:ea typeface="楷体" panose="02010609060101010101" pitchFamily="49" charset="-122"/>
+              </a:rPr>
+              <a:t>文件系统：</a:t>
+            </a:r>
+            <a:r>
+              <a:rPr lang="en-US" altLang="zh-CN" sz="1200" dirty="0" err="1">
+                <a:effectLst/>
+                <a:ea typeface="微软雅黑" panose="020B0503020204020204" pitchFamily="34" charset="-122"/>
+              </a:rPr>
+              <a:t>bpftool</a:t>
+            </a:r>
+            <a:r>
+              <a:rPr lang="en-US" altLang="zh-CN" sz="1200" dirty="0">
+                <a:effectLst/>
+                <a:ea typeface="微软雅黑" panose="020B0503020204020204" pitchFamily="34" charset="-122"/>
+              </a:rPr>
+              <a:t> prog load </a:t>
+            </a:r>
+            <a:r>
+              <a:rPr lang="en-US" altLang="zh-CN" sz="1200" dirty="0" err="1">
+                <a:effectLst/>
+                <a:ea typeface="微软雅黑" panose="020B0503020204020204" pitchFamily="34" charset="-122"/>
+              </a:rPr>
+              <a:t>xm_cpu_sched.bpf.o</a:t>
+            </a:r>
+            <a:r>
+              <a:rPr lang="en-US" altLang="zh-CN" sz="1200" dirty="0">
+                <a:effectLst/>
+                <a:ea typeface="微软雅黑" panose="020B0503020204020204" pitchFamily="34" charset="-122"/>
+              </a:rPr>
+              <a:t> /sys/fs/</a:t>
+            </a:r>
+            <a:r>
+              <a:rPr lang="en-US" altLang="zh-CN" sz="1200" dirty="0" err="1">
+                <a:effectLst/>
+                <a:ea typeface="微软雅黑" panose="020B0503020204020204" pitchFamily="34" charset="-122"/>
+              </a:rPr>
+              <a:t>bpf</a:t>
+            </a:r>
+            <a:r>
+              <a:rPr lang="en-US" altLang="zh-CN" sz="1200" dirty="0">
+                <a:effectLst/>
+                <a:ea typeface="微软雅黑" panose="020B0503020204020204" pitchFamily="34" charset="-122"/>
+              </a:rPr>
+              <a:t>/</a:t>
+            </a:r>
+            <a:r>
+              <a:rPr lang="en-US" altLang="zh-CN" sz="1200" dirty="0" err="1">
+                <a:effectLst/>
+                <a:ea typeface="微软雅黑" panose="020B0503020204020204" pitchFamily="34" charset="-122"/>
+              </a:rPr>
+              <a:t>xm_cpu_sched</a:t>
+            </a:r>
+            <a:r>
+              <a:rPr lang="en-US" altLang="zh-CN" sz="1200" dirty="0">
+                <a:effectLst/>
+                <a:ea typeface="微软雅黑" panose="020B0503020204020204" pitchFamily="34" charset="-122"/>
+              </a:rPr>
+              <a:t> type </a:t>
+            </a:r>
+            <a:r>
+              <a:rPr lang="en-US" altLang="zh-CN" sz="1200" dirty="0" err="1">
+                <a:effectLst/>
+                <a:ea typeface="微软雅黑" panose="020B0503020204020204" pitchFamily="34" charset="-122"/>
+              </a:rPr>
+              <a:t>tp_btf</a:t>
+            </a:r>
+            <a:endParaRPr lang="en-US" altLang="zh-CN" sz="1200" dirty="0">
+              <a:effectLst/>
+              <a:ea typeface="微软雅黑" panose="020B0503020204020204" pitchFamily="34" charset="-122"/>
+            </a:endParaRPr>
+          </a:p>
+          <a:p>
+            <a:pPr marL="800100" lvl="2" indent="342900">
+              <a:lnSpc>
+                <a:spcPct val="150000"/>
+              </a:lnSpc>
+              <a:spcBef>
+                <a:spcPts val="600"/>
+              </a:spcBef>
+              <a:buFont typeface="Wingdings" panose="05000000000000000000" pitchFamily="2" charset="2"/>
+              <a:buChar char="Ø"/>
+            </a:pPr>
+            <a:r>
+              <a:rPr lang="zh-CN" altLang="en-US" sz="1200" dirty="0">
+                <a:latin typeface="Lucida Sans Regular" panose="020B0602030504020204" pitchFamily="34" charset="0"/>
+                <a:ea typeface="楷体" panose="02010609060101010101" pitchFamily="49" charset="-122"/>
+              </a:rPr>
+              <a:t>查看某个</a:t>
+            </a:r>
+            <a:r>
+              <a:rPr lang="en-US" altLang="zh-CN" sz="1200" dirty="0">
+                <a:latin typeface="Lucida Sans Regular" panose="020B0602030504020204" pitchFamily="34" charset="0"/>
+                <a:ea typeface="楷体" panose="02010609060101010101" pitchFamily="49" charset="-122"/>
+              </a:rPr>
+              <a:t>prog</a:t>
+            </a:r>
+            <a:r>
+              <a:rPr lang="zh-CN" altLang="en-US" sz="1200" dirty="0">
+                <a:latin typeface="Lucida Sans Regular" panose="020B0602030504020204" pitchFamily="34" charset="0"/>
+                <a:ea typeface="楷体" panose="02010609060101010101" pitchFamily="49" charset="-122"/>
+              </a:rPr>
+              <a:t>信息：</a:t>
+            </a:r>
+            <a:r>
+              <a:rPr lang="en-US" altLang="zh-CN" sz="1200" dirty="0" err="1">
+                <a:ea typeface="微软雅黑" panose="020B0503020204020204" pitchFamily="34" charset="-122"/>
+              </a:rPr>
+              <a:t>bpftool</a:t>
+            </a:r>
+            <a:r>
+              <a:rPr lang="en-US" altLang="zh-CN" sz="1200" dirty="0">
+                <a:ea typeface="微软雅黑" panose="020B0503020204020204" pitchFamily="34" charset="-122"/>
+              </a:rPr>
+              <a:t> prog show id 540 --pretty</a:t>
+            </a:r>
+          </a:p>
+          <a:p>
+            <a:pPr marL="342900" lvl="1" indent="342900">
+              <a:lnSpc>
+                <a:spcPct val="150000"/>
+              </a:lnSpc>
+              <a:spcBef>
+                <a:spcPts val="600"/>
+              </a:spcBef>
+              <a:buFont typeface="Wingdings" panose="05000000000000000000" pitchFamily="2" charset="2"/>
+              <a:buChar char="Ø"/>
+            </a:pPr>
+            <a:r>
+              <a:rPr lang="en-US" altLang="zh-CN" sz="1600" b="0" i="0" u="none" strike="noStrike" baseline="0" dirty="0" err="1">
+                <a:latin typeface="Lucida Sans Regular" panose="020B0602030504020204" pitchFamily="34" charset="0"/>
+              </a:rPr>
+              <a:t>llvm-objdump</a:t>
+            </a:r>
+            <a:r>
+              <a:rPr lang="zh-CN" altLang="en-US" sz="1600" b="0" i="0" u="none" strike="noStrike" baseline="0" dirty="0">
+                <a:latin typeface="Lucida Sans Regular" panose="020B0602030504020204" pitchFamily="34" charset="0"/>
+                <a:ea typeface="楷体" panose="02010609060101010101" pitchFamily="49" charset="-122"/>
+              </a:rPr>
+              <a:t>。</a:t>
+            </a:r>
+            <a:r>
+              <a:rPr lang="zh-CN" altLang="en-US" sz="1600" dirty="0">
+                <a:latin typeface="Lucida Sans Regular" panose="020B0602030504020204" pitchFamily="34" charset="0"/>
+                <a:ea typeface="楷体" panose="02010609060101010101" pitchFamily="49" charset="-122"/>
+              </a:rPr>
+              <a:t>用来</a:t>
+            </a:r>
+            <a:r>
+              <a:rPr lang="en-US" altLang="zh-CN" sz="1600" dirty="0">
+                <a:latin typeface="Lucida Sans Regular" panose="020B0602030504020204" pitchFamily="34" charset="0"/>
+                <a:ea typeface="楷体" panose="02010609060101010101" pitchFamily="49" charset="-122"/>
+              </a:rPr>
+              <a:t>dump </a:t>
+            </a:r>
+            <a:r>
+              <a:rPr lang="en-US" altLang="zh-CN" sz="1600" dirty="0" err="1">
+                <a:latin typeface="Lucida Sans Regular" panose="020B0602030504020204" pitchFamily="34" charset="0"/>
+                <a:ea typeface="楷体" panose="02010609060101010101" pitchFamily="49" charset="-122"/>
+              </a:rPr>
+              <a:t>eBPF</a:t>
+            </a:r>
+            <a:r>
+              <a:rPr lang="en-US" altLang="zh-CN" sz="1600" dirty="0">
+                <a:latin typeface="Lucida Sans Regular" panose="020B0602030504020204" pitchFamily="34" charset="0"/>
+                <a:ea typeface="楷体" panose="02010609060101010101" pitchFamily="49" charset="-122"/>
+              </a:rPr>
+              <a:t> instructions</a:t>
+            </a:r>
+            <a:r>
+              <a:rPr lang="zh-CN" altLang="en-US" sz="1600" dirty="0">
+                <a:latin typeface="Lucida Sans Regular" panose="020B0602030504020204" pitchFamily="34" charset="0"/>
+                <a:ea typeface="楷体" panose="02010609060101010101" pitchFamily="49" charset="-122"/>
+              </a:rPr>
+              <a:t>，掌握指令是定位</a:t>
+            </a:r>
+            <a:r>
+              <a:rPr lang="en-US" altLang="zh-CN" sz="1600" dirty="0">
+                <a:latin typeface="Lucida Sans Regular" panose="020B0602030504020204" pitchFamily="34" charset="0"/>
+                <a:ea typeface="楷体" panose="02010609060101010101" pitchFamily="49" charset="-122"/>
+              </a:rPr>
+              <a:t>prog</a:t>
+            </a:r>
+            <a:r>
+              <a:rPr lang="zh-CN" altLang="en-US" sz="1600" dirty="0">
+                <a:latin typeface="Lucida Sans Regular" panose="020B0602030504020204" pitchFamily="34" charset="0"/>
+                <a:ea typeface="楷体" panose="02010609060101010101" pitchFamily="49" charset="-122"/>
+              </a:rPr>
+              <a:t> </a:t>
+            </a:r>
+            <a:r>
+              <a:rPr lang="en-US" altLang="zh-CN" sz="1600" dirty="0">
+                <a:latin typeface="Lucida Sans Regular" panose="020B0602030504020204" pitchFamily="34" charset="0"/>
+                <a:ea typeface="楷体" panose="02010609060101010101" pitchFamily="49" charset="-122"/>
+              </a:rPr>
+              <a:t>load</a:t>
+            </a:r>
+            <a:r>
+              <a:rPr lang="zh-CN" altLang="en-US" sz="1600" dirty="0">
+                <a:latin typeface="Lucida Sans Regular" panose="020B0602030504020204" pitchFamily="34" charset="0"/>
+                <a:ea typeface="楷体" panose="02010609060101010101" pitchFamily="49" charset="-122"/>
+              </a:rPr>
+              <a:t>失败的重要技能。如果想多个</a:t>
+            </a:r>
+            <a:r>
+              <a:rPr lang="en-US" altLang="zh-CN" sz="1600" dirty="0">
+                <a:latin typeface="Lucida Sans Regular" panose="020B0602030504020204" pitchFamily="34" charset="0"/>
+                <a:ea typeface="楷体" panose="02010609060101010101" pitchFamily="49" charset="-122"/>
+              </a:rPr>
+              <a:t>probe</a:t>
+            </a:r>
+            <a:r>
+              <a:rPr lang="zh-CN" altLang="en-US" sz="1600" dirty="0">
+                <a:latin typeface="Lucida Sans Regular" panose="020B0602030504020204" pitchFamily="34" charset="0"/>
+                <a:ea typeface="楷体" panose="02010609060101010101" pitchFamily="49" charset="-122"/>
+              </a:rPr>
+              <a:t>共享同一段逻辑，编写一套指令函数</a:t>
+            </a:r>
+            <a:r>
+              <a:rPr lang="en-US" altLang="zh-CN" sz="1600" dirty="0">
+                <a:latin typeface="Lucida Sans Regular" panose="020B0602030504020204" pitchFamily="34" charset="0"/>
+                <a:ea typeface="楷体" panose="02010609060101010101" pitchFamily="49" charset="-122"/>
+              </a:rPr>
+              <a:t>attach</a:t>
+            </a:r>
+            <a:r>
+              <a:rPr lang="zh-CN" altLang="en-US" sz="1600" dirty="0">
+                <a:latin typeface="Lucida Sans Regular" panose="020B0602030504020204" pitchFamily="34" charset="0"/>
+                <a:ea typeface="楷体" panose="02010609060101010101" pitchFamily="49" charset="-122"/>
+              </a:rPr>
+              <a:t>到不同的</a:t>
+            </a:r>
+            <a:r>
+              <a:rPr lang="en-US" altLang="zh-CN" sz="1600" dirty="0">
+                <a:latin typeface="Lucida Sans Regular" panose="020B0602030504020204" pitchFamily="34" charset="0"/>
+                <a:ea typeface="楷体" panose="02010609060101010101" pitchFamily="49" charset="-122"/>
+              </a:rPr>
+              <a:t>probe</a:t>
+            </a:r>
+            <a:r>
+              <a:rPr lang="zh-CN" altLang="en-US" sz="1600" dirty="0">
+                <a:latin typeface="Lucida Sans Regular" panose="020B0602030504020204" pitchFamily="34" charset="0"/>
+                <a:ea typeface="楷体" panose="02010609060101010101" pitchFamily="49" charset="-122"/>
+              </a:rPr>
+              <a:t>是最复用的方式。</a:t>
+            </a:r>
+            <a:endParaRPr lang="en-US" altLang="zh-CN" sz="1600" dirty="0">
+              <a:latin typeface="Lucida Sans Regular" panose="020B0602030504020204" pitchFamily="34" charset="0"/>
+              <a:ea typeface="楷体" panose="02010609060101010101" pitchFamily="49" charset="-122"/>
+            </a:endParaRPr>
+          </a:p>
+          <a:p>
+            <a:pPr marL="342900" lvl="1" indent="342900">
+              <a:lnSpc>
+                <a:spcPct val="150000"/>
+              </a:lnSpc>
+              <a:spcBef>
+                <a:spcPts val="600"/>
+              </a:spcBef>
+              <a:buFont typeface="Wingdings" panose="05000000000000000000" pitchFamily="2" charset="2"/>
+              <a:buChar char="Ø"/>
+            </a:pPr>
+            <a:r>
+              <a:rPr lang="en-US" altLang="zh-CN" sz="1600" b="0" dirty="0">
+                <a:effectLst/>
                 <a:latin typeface="Lucida Sans Unicode" panose="020B0602030504020204" pitchFamily="34" charset="0"/>
-                <a:ea typeface="楷体" panose="02010609060101010101" pitchFamily="49" charset="-122"/>
-              </a:rPr>
-              <a:t>Bpftool</a:t>
-            </a:r>
-            <a:r>
-              <a:rPr lang="zh-CN" altLang="en-US" sz="1800" dirty="0">
+                <a:cs typeface="Lucida Sans Unicode" panose="020B0602030504020204" pitchFamily="34" charset="0"/>
+              </a:rPr>
+              <a:t>bpf2go</a:t>
+            </a:r>
+            <a:r>
+              <a:rPr lang="zh-CN" altLang="en-US" sz="1600" dirty="0">
                 <a:latin typeface="Lucida Sans Unicode" panose="020B0602030504020204" pitchFamily="34" charset="0"/>
-                <a:ea typeface="楷体" panose="02010609060101010101" pitchFamily="49" charset="-122"/>
+                <a:cs typeface="Lucida Sans Unicode" panose="020B0602030504020204" pitchFamily="34" charset="0"/>
               </a:rPr>
               <a:t>。</a:t>
             </a:r>
             <a:r>
-              <a:rPr lang="en-US" altLang="zh-CN" sz="1800" dirty="0" err="1">
+              <a:rPr lang="zh-CN" altLang="en-US" sz="1600" b="0" dirty="0">
+                <a:effectLst/>
                 <a:latin typeface="Lucida Sans Unicode" panose="020B0602030504020204" pitchFamily="34" charset="0"/>
-                <a:ea typeface="楷体" panose="02010609060101010101" pitchFamily="49" charset="-122"/>
-              </a:rPr>
-              <a:t>bpf</a:t>
-            </a:r>
-            <a:r>
-              <a:rPr lang="zh-CN" altLang="en-US" sz="1800" dirty="0">
+                <a:cs typeface="Lucida Sans Unicode" panose="020B0602030504020204" pitchFamily="34" charset="0"/>
+              </a:rPr>
+              <a:t>将</a:t>
+            </a:r>
+            <a:r>
+              <a:rPr lang="en-US" altLang="zh-CN" sz="1600" dirty="0">
                 <a:latin typeface="Lucida Sans Unicode" panose="020B0602030504020204" pitchFamily="34" charset="0"/>
-                <a:ea typeface="楷体" panose="02010609060101010101" pitchFamily="49" charset="-122"/>
-              </a:rPr>
-              <a:t>的原生工具，十分重要</a:t>
-            </a:r>
-            <a:endParaRPr lang="en-US" altLang="zh-CN" sz="1800" dirty="0">
+                <a:cs typeface="Lucida Sans Unicode" panose="020B0602030504020204" pitchFamily="34" charset="0"/>
+              </a:rPr>
+              <a:t>limit-c</a:t>
+            </a:r>
+            <a:r>
+              <a:rPr lang="zh-CN" altLang="en-US" sz="1600" dirty="0">
+                <a:latin typeface="Lucida Sans Unicode" panose="020B0602030504020204" pitchFamily="34" charset="0"/>
+                <a:cs typeface="Lucida Sans Unicode" panose="020B0602030504020204" pitchFamily="34" charset="0"/>
+              </a:rPr>
+              <a:t>写的</a:t>
+            </a:r>
+            <a:r>
+              <a:rPr lang="en-US" altLang="zh-CN" sz="1600" dirty="0">
+                <a:latin typeface="Lucida Sans Unicode" panose="020B0602030504020204" pitchFamily="34" charset="0"/>
+                <a:cs typeface="Lucida Sans Unicode" panose="020B0602030504020204" pitchFamily="34" charset="0"/>
+              </a:rPr>
+              <a:t>prog</a:t>
+            </a:r>
+            <a:r>
+              <a:rPr lang="zh-CN" altLang="en-US" sz="1600" dirty="0">
+                <a:latin typeface="Lucida Sans Unicode" panose="020B0602030504020204" pitchFamily="34" charset="0"/>
+                <a:cs typeface="Lucida Sans Unicode" panose="020B0602030504020204" pitchFamily="34" charset="0"/>
+              </a:rPr>
+              <a:t>转换为</a:t>
+            </a:r>
+            <a:r>
+              <a:rPr lang="en-US" altLang="zh-CN" sz="1600" dirty="0" err="1">
+                <a:latin typeface="Lucida Sans Unicode" panose="020B0602030504020204" pitchFamily="34" charset="0"/>
+                <a:cs typeface="Lucida Sans Unicode" panose="020B0602030504020204" pitchFamily="34" charset="0"/>
+              </a:rPr>
+              <a:t>golang</a:t>
+            </a:r>
+            <a:r>
+              <a:rPr lang="zh-CN" altLang="en-US" sz="1600" dirty="0">
+                <a:latin typeface="Lucida Sans Unicode" panose="020B0602030504020204" pitchFamily="34" charset="0"/>
+                <a:cs typeface="Lucida Sans Unicode" panose="020B0602030504020204" pitchFamily="34" charset="0"/>
+              </a:rPr>
+              <a:t>的代码和二进制编码。</a:t>
+            </a:r>
+            <a:endParaRPr lang="en-US" altLang="zh-CN" sz="1600" dirty="0">
               <a:latin typeface="Lucida Sans Unicode" panose="020B0602030504020204" pitchFamily="34" charset="0"/>
               <a:ea typeface="楷体" panose="02010609060101010101" pitchFamily="49" charset="-122"/>
-              <a:cs typeface="Cascadia Code" panose="020B0609020000020004" pitchFamily="49" charset="0"/>
+              <a:cs typeface="Lucida Sans Unicode" panose="020B0602030504020204" pitchFamily="34" charset="0"/>
             </a:endParaRPr>
           </a:p>
           <a:p>
@@ -6284,7 +6926,7 @@
               <a:buChar char="Ø"/>
             </a:pPr>
             <a:endParaRPr lang="en-US" altLang="zh-CN" sz="2000" dirty="0">
-              <a:latin typeface="Lucida Sans Unicode" panose="020B0602030504020204" pitchFamily="34" charset="0"/>
+              <a:latin typeface="Lucida Sans Regular" panose="020B0602030504020204" pitchFamily="34" charset="0"/>
               <a:ea typeface="楷体" panose="02010609060101010101" pitchFamily="49" charset="-122"/>
             </a:endParaRPr>
           </a:p>
@@ -6299,7 +6941,7 @@
               <a:buNone/>
             </a:pPr>
             <a:endParaRPr lang="en-US" altLang="zh-CN" dirty="0">
-              <a:latin typeface="Lucida Sans Unicode" panose="020B0602030504020204" pitchFamily="34" charset="0"/>
+              <a:latin typeface="Lucida Sans Regular" panose="020B0602030504020204" pitchFamily="34" charset="0"/>
               <a:ea typeface="楷体" panose="02010609060101010101" pitchFamily="49" charset="-122"/>
             </a:endParaRPr>
           </a:p>
@@ -6314,7 +6956,7 @@
               <a:buNone/>
             </a:pPr>
             <a:endParaRPr lang="zh-CN" altLang="en-US" dirty="0">
-              <a:latin typeface="Lucida Sans Unicode" panose="020B0602030504020204" pitchFamily="34" charset="0"/>
+              <a:latin typeface="Lucida Sans Regular" panose="020B0602030504020204" pitchFamily="34" charset="0"/>
               <a:ea typeface="楷体" panose="02010609060101010101" pitchFamily="49" charset="-122"/>
             </a:endParaRPr>
           </a:p>

--- a/doc/基于eBPF可观测性实践.pptx
+++ b/doc/基于eBPF可观测性实践.pptx
@@ -5,7 +5,7 @@
     <p:sldMasterId id="2147483648" r:id="rId1"/>
   </p:sldMasterIdLst>
   <p:notesMasterIdLst>
-    <p:notesMasterId r:id="rId10"/>
+    <p:notesMasterId r:id="rId11"/>
   </p:notesMasterIdLst>
   <p:sldIdLst>
     <p:sldId id="256" r:id="rId2"/>
@@ -16,6 +16,7 @@
     <p:sldId id="261" r:id="rId7"/>
     <p:sldId id="262" r:id="rId8"/>
     <p:sldId id="263" r:id="rId9"/>
+    <p:sldId id="264" r:id="rId10"/>
   </p:sldIdLst>
   <p:sldSz cx="12192000" cy="6858000"/>
   <p:notesSz cx="6858000" cy="9144000"/>
@@ -4980,7 +4981,9 @@
           </a:xfrm>
         </p:spPr>
         <p:txBody>
-          <a:bodyPr/>
+          <a:bodyPr>
+            <a:normAutofit lnSpcReduction="10000"/>
+          </a:bodyPr>
           <a:lstStyle/>
           <a:p>
             <a:pPr marL="228600" lvl="1" indent="-228600" algn="l">
@@ -5013,6 +5016,53 @@
             </a:endParaRPr>
           </a:p>
           <a:p>
+            <a:pPr marL="800100" lvl="2" indent="-342900" algn="l">
+              <a:lnSpc>
+                <a:spcPct val="150000"/>
+              </a:lnSpc>
+              <a:spcBef>
+                <a:spcPts val="800"/>
+              </a:spcBef>
+              <a:buFont typeface="Wingdings" panose="05000000000000000000" pitchFamily="2" charset="2"/>
+              <a:buChar char="Ø"/>
+            </a:pPr>
+            <a:r>
+              <a:rPr lang="en-US" altLang="zh-CN" sz="1800" dirty="0" err="1">
+                <a:latin typeface="Lucida Sans Regular" panose="020B0602030504020204" pitchFamily="34" charset="0"/>
+                <a:ea typeface="楷体" panose="02010609060101010101" pitchFamily="49" charset="-122"/>
+              </a:rPr>
+              <a:t>eBPF</a:t>
+            </a:r>
+            <a:r>
+              <a:rPr lang="zh-CN" altLang="en-US" sz="1800" dirty="0">
+                <a:latin typeface="Lucida Sans Regular" panose="020B0602030504020204" pitchFamily="34" charset="0"/>
+                <a:ea typeface="楷体" panose="02010609060101010101" pitchFamily="49" charset="-122"/>
+              </a:rPr>
+              <a:t>用户侧，</a:t>
+            </a:r>
+            <a:r>
+              <a:rPr lang="en-US" altLang="zh-CN" sz="1800" dirty="0" err="1">
+                <a:latin typeface="Lucida Sans Regular" panose="020B0602030504020204" pitchFamily="34" charset="0"/>
+                <a:ea typeface="楷体" panose="02010609060101010101" pitchFamily="49" charset="-122"/>
+              </a:rPr>
+              <a:t>golang</a:t>
+            </a:r>
+            <a:r>
+              <a:rPr lang="zh-CN" altLang="en-US" sz="1800" dirty="0">
+                <a:latin typeface="Lucida Sans Regular" panose="020B0602030504020204" pitchFamily="34" charset="0"/>
+                <a:ea typeface="楷体" panose="02010609060101010101" pitchFamily="49" charset="-122"/>
+              </a:rPr>
+              <a:t>实现的</a:t>
+            </a:r>
+            <a:r>
+              <a:rPr lang="en-US" altLang="zh-CN" sz="1800" dirty="0">
+                <a:latin typeface="Lucida Sans Regular" panose="020B0602030504020204" pitchFamily="34" charset="0"/>
+                <a:ea typeface="楷体" panose="02010609060101010101" pitchFamily="49" charset="-122"/>
+              </a:rPr>
+              <a:t>web</a:t>
+            </a:r>
+          </a:p>
+          <a:p>
             <a:pPr marL="457200" lvl="2" indent="0" algn="l">
               <a:lnSpc>
                 <a:spcPct val="150000"/>
@@ -5022,6 +5072,369 @@
               </a:spcBef>
               <a:buNone/>
             </a:pPr>
+            <a:r>
+              <a:rPr lang="zh-CN" altLang="en-US" sz="1800" dirty="0">
+                <a:latin typeface="Lucida Sans Regular" panose="020B0602030504020204" pitchFamily="34" charset="0"/>
+                <a:ea typeface="楷体" panose="02010609060101010101" pitchFamily="49" charset="-122"/>
+              </a:rPr>
+              <a:t>服务，使用</a:t>
+            </a:r>
+            <a:r>
+              <a:rPr lang="en-US" altLang="zh-CN" sz="1800" dirty="0">
+                <a:latin typeface="Lucida Sans Regular" panose="020B0602030504020204" pitchFamily="34" charset="0"/>
+                <a:ea typeface="楷体" panose="02010609060101010101" pitchFamily="49" charset="-122"/>
+              </a:rPr>
+              <a:t>cilium </a:t>
+            </a:r>
+            <a:r>
+              <a:rPr lang="en-US" altLang="zh-CN" sz="1800" dirty="0" err="1">
+                <a:latin typeface="Lucida Sans Regular" panose="020B0602030504020204" pitchFamily="34" charset="0"/>
+                <a:ea typeface="楷体" panose="02010609060101010101" pitchFamily="49" charset="-122"/>
+              </a:rPr>
+              <a:t>ebpf</a:t>
+            </a:r>
+            <a:r>
+              <a:rPr lang="zh-CN" altLang="en-US" sz="1800" dirty="0">
+                <a:latin typeface="Lucida Sans Regular" panose="020B0602030504020204" pitchFamily="34" charset="0"/>
+                <a:ea typeface="楷体" panose="02010609060101010101" pitchFamily="49" charset="-122"/>
+              </a:rPr>
+              <a:t>对</a:t>
+            </a:r>
+            <a:r>
+              <a:rPr lang="en-US" altLang="zh-CN" sz="1800" dirty="0">
+                <a:latin typeface="Lucida Sans Regular" panose="020B0602030504020204" pitchFamily="34" charset="0"/>
+                <a:ea typeface="楷体" panose="02010609060101010101" pitchFamily="49" charset="-122"/>
+              </a:rPr>
+              <a:t>prog</a:t>
+            </a:r>
+            <a:r>
+              <a:rPr lang="zh-CN" altLang="en-US" sz="1800" dirty="0">
+                <a:latin typeface="Lucida Sans Regular" panose="020B0602030504020204" pitchFamily="34" charset="0"/>
+                <a:ea typeface="楷体" panose="02010609060101010101" pitchFamily="49" charset="-122"/>
+              </a:rPr>
+              <a:t>、</a:t>
+            </a:r>
+            <a:r>
+              <a:rPr lang="en-US" altLang="zh-CN" sz="1800" dirty="0">
+                <a:latin typeface="Lucida Sans Regular" panose="020B0602030504020204" pitchFamily="34" charset="0"/>
+                <a:ea typeface="楷体" panose="02010609060101010101" pitchFamily="49" charset="-122"/>
+              </a:rPr>
+              <a:t>map</a:t>
+            </a:r>
+          </a:p>
+          <a:p>
+            <a:pPr marL="457200" lvl="2" indent="0" algn="l">
+              <a:lnSpc>
+                <a:spcPct val="150000"/>
+              </a:lnSpc>
+              <a:spcBef>
+                <a:spcPts val="800"/>
+              </a:spcBef>
+              <a:buNone/>
+            </a:pPr>
+            <a:r>
+              <a:rPr lang="zh-CN" altLang="en-US" sz="1800" dirty="0">
+                <a:latin typeface="Lucida Sans Regular" panose="020B0602030504020204" pitchFamily="34" charset="0"/>
+                <a:ea typeface="楷体" panose="02010609060101010101" pitchFamily="49" charset="-122"/>
+              </a:rPr>
+              <a:t>进行操作，包括</a:t>
+            </a:r>
+            <a:r>
+              <a:rPr lang="en-US" altLang="zh-CN" sz="1800" dirty="0">
+                <a:latin typeface="Lucida Sans Regular" panose="020B0602030504020204" pitchFamily="34" charset="0"/>
+                <a:ea typeface="楷体" panose="02010609060101010101" pitchFamily="49" charset="-122"/>
+              </a:rPr>
+              <a:t>load</a:t>
+            </a:r>
+            <a:r>
+              <a:rPr lang="zh-CN" altLang="en-US" sz="1800" dirty="0">
+                <a:latin typeface="Lucida Sans Regular" panose="020B0602030504020204" pitchFamily="34" charset="0"/>
+                <a:ea typeface="楷体" panose="02010609060101010101" pitchFamily="49" charset="-122"/>
+              </a:rPr>
+              <a:t>、</a:t>
+            </a:r>
+            <a:r>
+              <a:rPr lang="en-US" altLang="zh-CN" sz="1800" dirty="0" err="1">
+                <a:latin typeface="Lucida Sans Regular" panose="020B0602030504020204" pitchFamily="34" charset="0"/>
+                <a:ea typeface="楷体" panose="02010609060101010101" pitchFamily="49" charset="-122"/>
+              </a:rPr>
+              <a:t>attch</a:t>
+            </a:r>
+            <a:r>
+              <a:rPr lang="zh-CN" altLang="en-US" sz="1800" dirty="0">
+                <a:latin typeface="Lucida Sans Regular" panose="020B0602030504020204" pitchFamily="34" charset="0"/>
+                <a:ea typeface="楷体" panose="02010609060101010101" pitchFamily="49" charset="-122"/>
+              </a:rPr>
+              <a:t>、</a:t>
+            </a:r>
+            <a:r>
+              <a:rPr lang="en-US" altLang="zh-CN" sz="1800" dirty="0">
+                <a:latin typeface="Lucida Sans Regular" panose="020B0602030504020204" pitchFamily="34" charset="0"/>
+                <a:ea typeface="楷体" panose="02010609060101010101" pitchFamily="49" charset="-122"/>
+              </a:rPr>
+              <a:t>detach</a:t>
+            </a:r>
+          </a:p>
+          <a:p>
+            <a:pPr marL="457200" lvl="2" indent="0" algn="l">
+              <a:lnSpc>
+                <a:spcPct val="150000"/>
+              </a:lnSpc>
+              <a:spcBef>
+                <a:spcPts val="800"/>
+              </a:spcBef>
+              <a:buNone/>
+            </a:pPr>
+            <a:r>
+              <a:rPr lang="en-US" altLang="zh-CN" sz="1800" dirty="0">
+                <a:latin typeface="Lucida Sans Regular" panose="020B0602030504020204" pitchFamily="34" charset="0"/>
+                <a:ea typeface="楷体" panose="02010609060101010101" pitchFamily="49" charset="-122"/>
+              </a:rPr>
+              <a:t>map ops</a:t>
+            </a:r>
+            <a:r>
+              <a:rPr lang="zh-CN" altLang="en-US" sz="1800" dirty="0">
+                <a:latin typeface="Lucida Sans Regular" panose="020B0602030504020204" pitchFamily="34" charset="0"/>
+                <a:ea typeface="楷体" panose="02010609060101010101" pitchFamily="49" charset="-122"/>
+              </a:rPr>
+              <a:t>，读取的</a:t>
+            </a:r>
+            <a:r>
+              <a:rPr lang="en-US" altLang="zh-CN" sz="1800" dirty="0">
+                <a:latin typeface="Lucida Sans Regular" panose="020B0602030504020204" pitchFamily="34" charset="0"/>
+                <a:ea typeface="楷体" panose="02010609060101010101" pitchFamily="49" charset="-122"/>
+              </a:rPr>
+              <a:t>map</a:t>
+            </a:r>
+            <a:r>
+              <a:rPr lang="zh-CN" altLang="en-US" sz="1800" dirty="0">
+                <a:latin typeface="Lucida Sans Regular" panose="020B0602030504020204" pitchFamily="34" charset="0"/>
+                <a:ea typeface="楷体" panose="02010609060101010101" pitchFamily="49" charset="-122"/>
+              </a:rPr>
+              <a:t>中数据计算转</a:t>
+            </a:r>
+            <a:endParaRPr lang="en-US" altLang="zh-CN" sz="1800" dirty="0">
+              <a:latin typeface="Lucida Sans Regular" panose="020B0602030504020204" pitchFamily="34" charset="0"/>
+              <a:ea typeface="楷体" panose="02010609060101010101" pitchFamily="49" charset="-122"/>
+            </a:endParaRPr>
+          </a:p>
+          <a:p>
+            <a:pPr marL="457200" lvl="2" indent="0" algn="l">
+              <a:lnSpc>
+                <a:spcPct val="150000"/>
+              </a:lnSpc>
+              <a:spcBef>
+                <a:spcPts val="800"/>
+              </a:spcBef>
+              <a:buNone/>
+            </a:pPr>
+            <a:r>
+              <a:rPr lang="zh-CN" altLang="en-US" sz="1800" dirty="0">
+                <a:latin typeface="Lucida Sans Regular" panose="020B0602030504020204" pitchFamily="34" charset="0"/>
+                <a:ea typeface="楷体" panose="02010609060101010101" pitchFamily="49" charset="-122"/>
+              </a:rPr>
+              <a:t>换成</a:t>
+            </a:r>
+            <a:r>
+              <a:rPr lang="en-US" altLang="zh-CN" sz="1800" dirty="0">
+                <a:latin typeface="Lucida Sans Regular" panose="020B0602030504020204" pitchFamily="34" charset="0"/>
+                <a:ea typeface="楷体" panose="02010609060101010101" pitchFamily="49" charset="-122"/>
+              </a:rPr>
+              <a:t>Prometheus</a:t>
+            </a:r>
+            <a:r>
+              <a:rPr lang="zh-CN" altLang="en-US" sz="1800" dirty="0">
+                <a:latin typeface="Lucida Sans Regular" panose="020B0602030504020204" pitchFamily="34" charset="0"/>
+                <a:ea typeface="楷体" panose="02010609060101010101" pitchFamily="49" charset="-122"/>
+              </a:rPr>
+              <a:t>指标。</a:t>
+            </a:r>
+            <a:endParaRPr lang="en-US" altLang="zh-CN" sz="1800" dirty="0">
+              <a:latin typeface="Lucida Sans Regular" panose="020B0602030504020204" pitchFamily="34" charset="0"/>
+              <a:ea typeface="楷体" panose="02010609060101010101" pitchFamily="49" charset="-122"/>
+            </a:endParaRPr>
+          </a:p>
+          <a:p>
+            <a:pPr marL="800100" lvl="2" indent="-342900" algn="l">
+              <a:lnSpc>
+                <a:spcPct val="150000"/>
+              </a:lnSpc>
+              <a:spcBef>
+                <a:spcPts val="800"/>
+              </a:spcBef>
+              <a:buFont typeface="Wingdings" panose="05000000000000000000" pitchFamily="2" charset="2"/>
+              <a:buChar char="Ø"/>
+            </a:pPr>
+            <a:r>
+              <a:rPr lang="en-US" altLang="zh-CN" sz="1800" dirty="0" err="1">
+                <a:latin typeface="Lucida Sans Regular" panose="020B0602030504020204" pitchFamily="34" charset="0"/>
+                <a:ea typeface="楷体" panose="02010609060101010101" pitchFamily="49" charset="-122"/>
+              </a:rPr>
+              <a:t>eBPF</a:t>
+            </a:r>
+            <a:r>
+              <a:rPr lang="zh-CN" altLang="en-US" sz="1800" dirty="0">
+                <a:latin typeface="Lucida Sans Regular" panose="020B0602030504020204" pitchFamily="34" charset="0"/>
+                <a:ea typeface="楷体" panose="02010609060101010101" pitchFamily="49" charset="-122"/>
+              </a:rPr>
+              <a:t>内核侧，使用</a:t>
+            </a:r>
+            <a:r>
+              <a:rPr lang="en-US" altLang="zh-CN" sz="1800" dirty="0" err="1">
+                <a:latin typeface="Lucida Sans Regular" panose="020B0602030504020204" pitchFamily="34" charset="0"/>
+                <a:ea typeface="楷体" panose="02010609060101010101" pitchFamily="49" charset="-122"/>
+              </a:rPr>
+              <a:t>libbpf</a:t>
+            </a:r>
+            <a:r>
+              <a:rPr lang="zh-CN" altLang="en-US" sz="1800" dirty="0">
+                <a:latin typeface="Lucida Sans Regular" panose="020B0602030504020204" pitchFamily="34" charset="0"/>
+                <a:ea typeface="楷体" panose="02010609060101010101" pitchFamily="49" charset="-122"/>
+              </a:rPr>
+              <a:t>提供的函</a:t>
+            </a:r>
+            <a:endParaRPr lang="en-US" altLang="zh-CN" sz="1800" dirty="0">
+              <a:latin typeface="Lucida Sans Regular" panose="020B0602030504020204" pitchFamily="34" charset="0"/>
+              <a:ea typeface="楷体" panose="02010609060101010101" pitchFamily="49" charset="-122"/>
+            </a:endParaRPr>
+          </a:p>
+          <a:p>
+            <a:pPr marL="457200" lvl="2" indent="0" algn="l">
+              <a:lnSpc>
+                <a:spcPct val="150000"/>
+              </a:lnSpc>
+              <a:spcBef>
+                <a:spcPts val="800"/>
+              </a:spcBef>
+              <a:buNone/>
+            </a:pPr>
+            <a:r>
+              <a:rPr lang="zh-CN" altLang="en-US" sz="1800" dirty="0">
+                <a:latin typeface="Lucida Sans Regular" panose="020B0602030504020204" pitchFamily="34" charset="0"/>
+                <a:ea typeface="楷体" panose="02010609060101010101" pitchFamily="49" charset="-122"/>
+              </a:rPr>
+              <a:t>数来读取内核数据，使用</a:t>
+            </a:r>
+            <a:r>
+              <a:rPr lang="en-US" altLang="zh-CN" sz="1800" dirty="0">
+                <a:latin typeface="Lucida Sans Regular" panose="020B0602030504020204" pitchFamily="34" charset="0"/>
+                <a:ea typeface="楷体" panose="02010609060101010101" pitchFamily="49" charset="-122"/>
+              </a:rPr>
+              <a:t>map</a:t>
+            </a:r>
+            <a:r>
+              <a:rPr lang="zh-CN" altLang="en-US" sz="1800" dirty="0">
+                <a:latin typeface="Lucida Sans Regular" panose="020B0602030504020204" pitchFamily="34" charset="0"/>
+                <a:ea typeface="楷体" panose="02010609060101010101" pitchFamily="49" charset="-122"/>
+              </a:rPr>
+              <a:t>来关联</a:t>
+            </a:r>
+            <a:endParaRPr lang="en-US" altLang="zh-CN" sz="1800" dirty="0">
+              <a:latin typeface="Lucida Sans Regular" panose="020B0602030504020204" pitchFamily="34" charset="0"/>
+              <a:ea typeface="楷体" panose="02010609060101010101" pitchFamily="49" charset="-122"/>
+            </a:endParaRPr>
+          </a:p>
+          <a:p>
+            <a:pPr marL="457200" lvl="2" indent="0" algn="l">
+              <a:lnSpc>
+                <a:spcPct val="150000"/>
+              </a:lnSpc>
+              <a:spcBef>
+                <a:spcPts val="800"/>
+              </a:spcBef>
+              <a:buNone/>
+            </a:pPr>
+            <a:r>
+              <a:rPr lang="en-US" altLang="zh-CN" sz="1800" dirty="0">
+                <a:latin typeface="Lucida Sans Regular" panose="020B0602030504020204" pitchFamily="34" charset="0"/>
+                <a:ea typeface="楷体" panose="02010609060101010101" pitchFamily="49" charset="-122"/>
+              </a:rPr>
+              <a:t>prog</a:t>
+            </a:r>
+            <a:r>
+              <a:rPr lang="zh-CN" altLang="en-US" sz="1800" dirty="0">
+                <a:latin typeface="Lucida Sans Regular" panose="020B0602030504020204" pitchFamily="34" charset="0"/>
+                <a:ea typeface="楷体" panose="02010609060101010101" pitchFamily="49" charset="-122"/>
+              </a:rPr>
+              <a:t>之间逻辑，采集数据存放在</a:t>
+            </a:r>
+            <a:r>
+              <a:rPr lang="en-US" altLang="zh-CN" sz="1800" dirty="0">
+                <a:latin typeface="Lucida Sans Regular" panose="020B0602030504020204" pitchFamily="34" charset="0"/>
+                <a:ea typeface="楷体" panose="02010609060101010101" pitchFamily="49" charset="-122"/>
+              </a:rPr>
+              <a:t>map</a:t>
+            </a:r>
+          </a:p>
+          <a:p>
+            <a:pPr marL="457200" lvl="2" indent="0" algn="l">
+              <a:lnSpc>
+                <a:spcPct val="150000"/>
+              </a:lnSpc>
+              <a:spcBef>
+                <a:spcPts val="800"/>
+              </a:spcBef>
+              <a:buNone/>
+            </a:pPr>
+            <a:r>
+              <a:rPr lang="zh-CN" altLang="en-US" sz="1800" dirty="0">
+                <a:latin typeface="Lucida Sans Regular" panose="020B0602030504020204" pitchFamily="34" charset="0"/>
+                <a:ea typeface="楷体" panose="02010609060101010101" pitchFamily="49" charset="-122"/>
+              </a:rPr>
+              <a:t>供用户态读取。</a:t>
+            </a:r>
+            <a:r>
+              <a:rPr lang="en-US" altLang="zh-CN" sz="1800" dirty="0">
+                <a:latin typeface="Lucida Sans Regular" panose="020B0602030504020204" pitchFamily="34" charset="0"/>
+                <a:ea typeface="楷体" panose="02010609060101010101" pitchFamily="49" charset="-122"/>
+              </a:rPr>
+              <a:t>limit-c</a:t>
+            </a:r>
+            <a:r>
+              <a:rPr lang="zh-CN" altLang="en-US" sz="1800" dirty="0">
+                <a:latin typeface="Lucida Sans Regular" panose="020B0602030504020204" pitchFamily="34" charset="0"/>
+                <a:ea typeface="楷体" panose="02010609060101010101" pitchFamily="49" charset="-122"/>
+              </a:rPr>
+              <a:t>对代码编写有严</a:t>
+            </a:r>
+            <a:endParaRPr lang="en-US" altLang="zh-CN" sz="1800" dirty="0">
+              <a:latin typeface="Lucida Sans Regular" panose="020B0602030504020204" pitchFamily="34" charset="0"/>
+              <a:ea typeface="楷体" panose="02010609060101010101" pitchFamily="49" charset="-122"/>
+            </a:endParaRPr>
+          </a:p>
+          <a:p>
+            <a:pPr marL="457200" lvl="2" indent="0" algn="l">
+              <a:lnSpc>
+                <a:spcPct val="150000"/>
+              </a:lnSpc>
+              <a:spcBef>
+                <a:spcPts val="800"/>
+              </a:spcBef>
+              <a:buNone/>
+            </a:pPr>
+            <a:r>
+              <a:rPr lang="zh-CN" altLang="en-US" sz="1800" dirty="0">
+                <a:latin typeface="Lucida Sans Regular" panose="020B0602030504020204" pitchFamily="34" charset="0"/>
+                <a:ea typeface="楷体" panose="02010609060101010101" pitchFamily="49" charset="-122"/>
+              </a:rPr>
+              <a:t>格的限制。</a:t>
+            </a:r>
+            <a:endParaRPr lang="en-US" altLang="zh-CN" sz="1800" dirty="0">
+              <a:latin typeface="Lucida Sans Regular" panose="020B0602030504020204" pitchFamily="34" charset="0"/>
+              <a:ea typeface="楷体" panose="02010609060101010101" pitchFamily="49" charset="-122"/>
+            </a:endParaRPr>
+          </a:p>
+          <a:p>
+            <a:pPr marL="800100" lvl="2" indent="-342900" algn="l">
+              <a:lnSpc>
+                <a:spcPct val="150000"/>
+              </a:lnSpc>
+              <a:spcBef>
+                <a:spcPts val="800"/>
+              </a:spcBef>
+              <a:buFont typeface="Wingdings" panose="05000000000000000000" pitchFamily="2" charset="2"/>
+              <a:buChar char="Ø"/>
+            </a:pPr>
             <a:endParaRPr lang="en-US" altLang="zh-CN" dirty="0">
               <a:latin typeface="Lucida Sans Regular" panose="020B0602030504020204" pitchFamily="34" charset="0"/>
               <a:ea typeface="楷体" panose="02010609060101010101" pitchFamily="49" charset="-122"/>
@@ -5044,6 +5457,36 @@
           </a:p>
         </p:txBody>
       </p:sp>
+      <p:pic>
+        <p:nvPicPr>
+          <p:cNvPr id="11" name="图片 10">
+            <a:extLst>
+              <a:ext uri="{FF2B5EF4-FFF2-40B4-BE49-F238E27FC236}">
+                <a16:creationId xmlns:a16="http://schemas.microsoft.com/office/drawing/2014/main" id="{D490CD1E-E086-0653-4B96-24CC9C3F0807}"/>
+              </a:ext>
+            </a:extLst>
+          </p:cNvPr>
+          <p:cNvPicPr>
+            <a:picLocks noChangeAspect="1"/>
+          </p:cNvPicPr>
+          <p:nvPr/>
+        </p:nvPicPr>
+        <p:blipFill>
+          <a:blip r:embed="rId3"/>
+          <a:stretch>
+            <a:fillRect/>
+          </a:stretch>
+        </p:blipFill>
+        <p:spPr>
+          <a:xfrm>
+            <a:off x="5299630" y="998212"/>
+            <a:ext cx="6850535" cy="5484764"/>
+          </a:xfrm>
+          <a:prstGeom prst="rect">
+            <a:avLst/>
+          </a:prstGeom>
+        </p:spPr>
+      </p:pic>
     </p:spTree>
     <p:extLst>
       <p:ext uri="{BB962C8B-B14F-4D97-AF65-F5344CB8AC3E}">
@@ -5159,8 +5602,299 @@
                 <a:ea typeface="楷体" panose="02010609060101010101" pitchFamily="49" charset="-122"/>
                 <a:cs typeface="Cascadia Code" panose="020B0609020000020004" pitchFamily="49" charset="0"/>
               </a:rPr>
-              <a:t> demo-1</a:t>
-            </a:r>
+              <a:t> </a:t>
+            </a:r>
+            <a:r>
+              <a:rPr lang="en-US" altLang="zh-CN" dirty="0" err="1">
+                <a:latin typeface="Lucida Sans Regular" panose="020B0602030504020204" pitchFamily="34" charset="0"/>
+                <a:ea typeface="楷体" panose="02010609060101010101" pitchFamily="49" charset="-122"/>
+                <a:cs typeface="Cascadia Code" panose="020B0609020000020004" pitchFamily="49" charset="0"/>
+              </a:rPr>
+              <a:t>cacheStat</a:t>
+            </a:r>
+            <a:endParaRPr lang="en-US" altLang="zh-CN" dirty="0">
+              <a:latin typeface="Lucida Sans Regular" panose="020B0602030504020204" pitchFamily="34" charset="0"/>
+              <a:ea typeface="楷体" panose="02010609060101010101" pitchFamily="49" charset="-122"/>
+              <a:cs typeface="Cascadia Code" panose="020B0609020000020004" pitchFamily="49" charset="0"/>
+            </a:endParaRPr>
+          </a:p>
+          <a:p>
+            <a:pPr marL="800100" lvl="2" indent="-342900">
+              <a:lnSpc>
+                <a:spcPct val="150000"/>
+              </a:lnSpc>
+              <a:spcBef>
+                <a:spcPts val="600"/>
+              </a:spcBef>
+              <a:buFont typeface="Wingdings" panose="05000000000000000000" pitchFamily="2" charset="2"/>
+              <a:buChar char="Ø"/>
+            </a:pPr>
+            <a:r>
+              <a:rPr lang="zh-CN" altLang="en-US" sz="1800" dirty="0">
+                <a:latin typeface="Lucida Sans Regular" panose="020B0602030504020204" pitchFamily="34" charset="0"/>
+                <a:ea typeface="楷体" panose="02010609060101010101" pitchFamily="49" charset="-122"/>
+                <a:cs typeface="Cascadia Code" panose="020B0609020000020004" pitchFamily="49" charset="0"/>
+              </a:rPr>
+              <a:t>单位时间内整个系统</a:t>
+            </a:r>
+            <a:r>
+              <a:rPr lang="en-US" altLang="zh-CN" sz="1800" dirty="0" err="1">
+                <a:latin typeface="Lucida Sans Regular" panose="020B0602030504020204" pitchFamily="34" charset="0"/>
+                <a:ea typeface="楷体" panose="02010609060101010101" pitchFamily="49" charset="-122"/>
+                <a:cs typeface="Cascadia Code" panose="020B0609020000020004" pitchFamily="49" charset="0"/>
+              </a:rPr>
+              <a:t>PageCache</a:t>
+            </a:r>
+            <a:r>
+              <a:rPr lang="zh-CN" altLang="en-US" sz="1800" dirty="0">
+                <a:latin typeface="Lucida Sans Regular" panose="020B0602030504020204" pitchFamily="34" charset="0"/>
+                <a:ea typeface="楷体" panose="02010609060101010101" pitchFamily="49" charset="-122"/>
+                <a:cs typeface="Cascadia Code" panose="020B0609020000020004" pitchFamily="49" charset="0"/>
+              </a:rPr>
+              <a:t>的命中次数，</a:t>
+            </a:r>
+            <a:r>
+              <a:rPr lang="en-US" altLang="zh-CN" sz="1800" dirty="0">
+                <a:latin typeface="Lucida Sans Regular" panose="020B0602030504020204" pitchFamily="34" charset="0"/>
+                <a:ea typeface="楷体" panose="02010609060101010101" pitchFamily="49" charset="-122"/>
+                <a:cs typeface="Cascadia Code" panose="020B0609020000020004" pitchFamily="49" charset="0"/>
+              </a:rPr>
+              <a:t>Misses</a:t>
+            </a:r>
+            <a:r>
+              <a:rPr lang="zh-CN" altLang="en-US" sz="1800" dirty="0">
+                <a:latin typeface="Lucida Sans Regular" panose="020B0602030504020204" pitchFamily="34" charset="0"/>
+                <a:ea typeface="楷体" panose="02010609060101010101" pitchFamily="49" charset="-122"/>
+                <a:cs typeface="Cascadia Code" panose="020B0609020000020004" pitchFamily="49" charset="0"/>
+              </a:rPr>
+              <a:t>次数，命中率。</a:t>
+            </a:r>
+            <a:endParaRPr lang="en-US" altLang="zh-CN" sz="1800" dirty="0">
+              <a:latin typeface="Lucida Sans Regular" panose="020B0602030504020204" pitchFamily="34" charset="0"/>
+              <a:ea typeface="楷体" panose="02010609060101010101" pitchFamily="49" charset="-122"/>
+              <a:cs typeface="Cascadia Code" panose="020B0609020000020004" pitchFamily="49" charset="0"/>
+            </a:endParaRPr>
+          </a:p>
+          <a:p>
+            <a:pPr marL="800100" lvl="2" indent="-342900">
+              <a:lnSpc>
+                <a:spcPct val="150000"/>
+              </a:lnSpc>
+              <a:spcBef>
+                <a:spcPts val="600"/>
+              </a:spcBef>
+              <a:buFont typeface="Wingdings" panose="05000000000000000000" pitchFamily="2" charset="2"/>
+              <a:buChar char="Ø"/>
+            </a:pPr>
+            <a:r>
+              <a:rPr lang="zh-CN" altLang="en-US" sz="1800" dirty="0">
+                <a:latin typeface="Lucida Sans Regular" panose="020B0602030504020204" pitchFamily="34" charset="0"/>
+                <a:ea typeface="楷体" panose="02010609060101010101" pitchFamily="49" charset="-122"/>
+                <a:cs typeface="Cascadia Code" panose="020B0609020000020004" pitchFamily="49" charset="0"/>
+              </a:rPr>
+              <a:t>使用</a:t>
+            </a:r>
+            <a:r>
+              <a:rPr lang="en-US" altLang="zh-CN" sz="1800" dirty="0" err="1">
+                <a:latin typeface="Lucida Sans Regular" panose="020B0602030504020204" pitchFamily="34" charset="0"/>
+                <a:ea typeface="楷体" panose="02010609060101010101" pitchFamily="49" charset="-122"/>
+                <a:cs typeface="Cascadia Code" panose="020B0609020000020004" pitchFamily="49" charset="0"/>
+              </a:rPr>
+              <a:t>kprobe</a:t>
+            </a:r>
+            <a:r>
+              <a:rPr lang="zh-CN" altLang="en-US" sz="1800" dirty="0">
+                <a:latin typeface="Lucida Sans Regular" panose="020B0602030504020204" pitchFamily="34" charset="0"/>
+                <a:ea typeface="楷体" panose="02010609060101010101" pitchFamily="49" charset="-122"/>
+                <a:cs typeface="Cascadia Code" panose="020B0609020000020004" pitchFamily="49" charset="0"/>
+              </a:rPr>
+              <a:t>来统计</a:t>
+            </a:r>
+            <a:r>
+              <a:rPr lang="en-US" altLang="zh-CN" sz="1800" dirty="0">
+                <a:latin typeface="Lucida Sans Regular" panose="020B0602030504020204" pitchFamily="34" charset="0"/>
+                <a:ea typeface="楷体" panose="02010609060101010101" pitchFamily="49" charset="-122"/>
+                <a:cs typeface="Cascadia Code" panose="020B0609020000020004" pitchFamily="49" charset="0"/>
+              </a:rPr>
+              <a:t>page</a:t>
+            </a:r>
+            <a:r>
+              <a:rPr lang="zh-CN" altLang="en-US" sz="1800" dirty="0">
+                <a:latin typeface="Lucida Sans Regular" panose="020B0602030504020204" pitchFamily="34" charset="0"/>
+                <a:ea typeface="楷体" panose="02010609060101010101" pitchFamily="49" charset="-122"/>
+                <a:cs typeface="Cascadia Code" panose="020B0609020000020004" pitchFamily="49" charset="0"/>
+              </a:rPr>
+              <a:t>操作函数</a:t>
+            </a:r>
+            <a:r>
+              <a:rPr lang="en-US" altLang="zh-CN" sz="1800" b="0" dirty="0" err="1">
+                <a:effectLst/>
+                <a:latin typeface="Lucida Sans Regular" panose="020B0602030504020204" pitchFamily="34" charset="0"/>
+              </a:rPr>
+              <a:t>add_to_page_cache_lru</a:t>
+            </a:r>
+            <a:r>
+              <a:rPr lang="en-US" altLang="zh-CN" sz="1800" b="0" dirty="0" err="1">
+                <a:effectLst/>
+                <a:latin typeface="Lucida Sans Regular" panose="020B0602030504020204" pitchFamily="34" charset="0"/>
+                <a:ea typeface="楷体" panose="02010609060101010101" pitchFamily="49" charset="-122"/>
+                <a:cs typeface="Cascadia Code" panose="020B0609020000020004" pitchFamily="49" charset="0"/>
+              </a:rPr>
+              <a:t>,</a:t>
+            </a:r>
+            <a:r>
+              <a:rPr lang="en-US" altLang="zh-CN" sz="1800" b="0" dirty="0" err="1">
+                <a:effectLst/>
+                <a:latin typeface="Lucida Sans Regular" panose="020B0602030504020204" pitchFamily="34" charset="0"/>
+              </a:rPr>
+              <a:t>mark_page_accessed</a:t>
+            </a:r>
+            <a:r>
+              <a:rPr lang="en-US" altLang="zh-CN" sz="1800" b="0" dirty="0">
+                <a:effectLst/>
+                <a:latin typeface="Lucida Sans Regular" panose="020B0602030504020204" pitchFamily="34" charset="0"/>
+              </a:rPr>
+              <a:t>,</a:t>
+            </a:r>
+            <a:r>
+              <a:rPr lang="en-US" altLang="zh-CN" sz="1800" b="0" dirty="0">
+                <a:solidFill>
+                  <a:srgbClr val="CE9178"/>
+                </a:solidFill>
+                <a:effectLst/>
+                <a:latin typeface="Lucida Sans Regular" panose="020B0602030504020204" pitchFamily="34" charset="0"/>
+              </a:rPr>
+              <a:t> </a:t>
+            </a:r>
+            <a:r>
+              <a:rPr lang="en-US" altLang="zh-CN" sz="1800" b="0" dirty="0" err="1">
+                <a:effectLst/>
+                <a:latin typeface="Lucida Sans Regular" panose="020B0602030504020204" pitchFamily="34" charset="0"/>
+              </a:rPr>
+              <a:t>folio_account_dirtied,account_page_dirtied</a:t>
+            </a:r>
+            <a:r>
+              <a:rPr lang="en-US" altLang="zh-CN" sz="1800" b="0" dirty="0">
+                <a:effectLst/>
+                <a:latin typeface="Lucida Sans Regular" panose="020B0602030504020204" pitchFamily="34" charset="0"/>
+              </a:rPr>
+              <a:t>, </a:t>
+            </a:r>
+            <a:r>
+              <a:rPr lang="en-US" altLang="zh-CN" sz="1800" b="0" dirty="0" err="1">
+                <a:effectLst/>
+                <a:latin typeface="Lucida Sans Regular" panose="020B0602030504020204" pitchFamily="34" charset="0"/>
+              </a:rPr>
+              <a:t>mark_buffer_dirty</a:t>
+            </a:r>
+            <a:r>
+              <a:rPr lang="zh-CN" altLang="en-US" sz="1800" b="0" dirty="0">
+                <a:effectLst/>
+                <a:latin typeface="Lucida Sans Regular" panose="020B0602030504020204" pitchFamily="34" charset="0"/>
+              </a:rPr>
+              <a:t>。</a:t>
+            </a:r>
+            <a:endParaRPr lang="en-US" altLang="zh-CN" sz="1800" b="0" dirty="0">
+              <a:effectLst/>
+              <a:latin typeface="Lucida Sans Regular" panose="020B0602030504020204" pitchFamily="34" charset="0"/>
+            </a:endParaRPr>
+          </a:p>
+          <a:p>
+            <a:pPr marL="800100" lvl="2" indent="-342900">
+              <a:lnSpc>
+                <a:spcPct val="150000"/>
+              </a:lnSpc>
+              <a:spcBef>
+                <a:spcPts val="600"/>
+              </a:spcBef>
+              <a:buFont typeface="Wingdings" panose="05000000000000000000" pitchFamily="2" charset="2"/>
+              <a:buChar char="Ø"/>
+            </a:pPr>
+            <a:r>
+              <a:rPr lang="zh-CN" altLang="en-US" sz="1800" dirty="0">
+                <a:latin typeface="Lucida Sans Regular" panose="020B0602030504020204" pitchFamily="34" charset="0"/>
+                <a:ea typeface="楷体" panose="02010609060101010101" pitchFamily="49" charset="-122"/>
+                <a:cs typeface="Cascadia Code" panose="020B0609020000020004" pitchFamily="49" charset="0"/>
+              </a:rPr>
+              <a:t>使用</a:t>
+            </a:r>
+            <a:r>
+              <a:rPr lang="en-US" altLang="zh-CN" sz="1800" dirty="0" err="1">
+                <a:latin typeface="Lucida Sans Regular" panose="020B0602030504020204" pitchFamily="34" charset="0"/>
+                <a:ea typeface="楷体" panose="02010609060101010101" pitchFamily="49" charset="-122"/>
+                <a:cs typeface="Cascadia Code" panose="020B0609020000020004" pitchFamily="49" charset="0"/>
+              </a:rPr>
+              <a:t>ip</a:t>
+            </a:r>
+            <a:r>
+              <a:rPr lang="zh-CN" altLang="en-US" sz="1800" dirty="0">
+                <a:latin typeface="Lucida Sans Regular" panose="020B0602030504020204" pitchFamily="34" charset="0"/>
+                <a:ea typeface="楷体" panose="02010609060101010101" pitchFamily="49" charset="-122"/>
+                <a:cs typeface="Cascadia Code" panose="020B0609020000020004" pitchFamily="49" charset="0"/>
+              </a:rPr>
+              <a:t>寄存器的值来表示函数，用户态加载</a:t>
+            </a:r>
+            <a:r>
+              <a:rPr lang="en-US" altLang="zh-CN" sz="1800" dirty="0">
+                <a:latin typeface="Lucida Sans Regular" panose="020B0602030504020204" pitchFamily="34" charset="0"/>
+                <a:ea typeface="楷体" panose="02010609060101010101" pitchFamily="49" charset="-122"/>
+                <a:cs typeface="Cascadia Code" panose="020B0609020000020004" pitchFamily="49" charset="0"/>
+              </a:rPr>
+              <a:t>/proc/</a:t>
+            </a:r>
+            <a:r>
+              <a:rPr lang="en-US" altLang="zh-CN" sz="1800" dirty="0" err="1">
+                <a:latin typeface="Lucida Sans Regular" panose="020B0602030504020204" pitchFamily="34" charset="0"/>
+                <a:ea typeface="楷体" panose="02010609060101010101" pitchFamily="49" charset="-122"/>
+                <a:cs typeface="Cascadia Code" panose="020B0609020000020004" pitchFamily="49" charset="0"/>
+              </a:rPr>
+              <a:t>kallsym</a:t>
+            </a:r>
+            <a:r>
+              <a:rPr lang="zh-CN" altLang="en-US" sz="1800" dirty="0">
+                <a:latin typeface="Lucida Sans Regular" panose="020B0602030504020204" pitchFamily="34" charset="0"/>
+                <a:ea typeface="楷体" panose="02010609060101010101" pitchFamily="49" charset="-122"/>
+                <a:cs typeface="Cascadia Code" panose="020B0609020000020004" pitchFamily="49" charset="0"/>
+              </a:rPr>
+              <a:t>来解析</a:t>
+            </a:r>
+            <a:r>
+              <a:rPr lang="en-US" altLang="zh-CN" sz="1800" dirty="0" err="1">
+                <a:latin typeface="Lucida Sans Regular" panose="020B0602030504020204" pitchFamily="34" charset="0"/>
+                <a:ea typeface="楷体" panose="02010609060101010101" pitchFamily="49" charset="-122"/>
+                <a:cs typeface="Cascadia Code" panose="020B0609020000020004" pitchFamily="49" charset="0"/>
+              </a:rPr>
+              <a:t>ip</a:t>
+            </a:r>
+            <a:r>
+              <a:rPr lang="zh-CN" altLang="en-US" sz="1800" dirty="0">
+                <a:latin typeface="Lucida Sans Regular" panose="020B0602030504020204" pitchFamily="34" charset="0"/>
+                <a:ea typeface="楷体" panose="02010609060101010101" pitchFamily="49" charset="-122"/>
+                <a:cs typeface="Cascadia Code" panose="020B0609020000020004" pitchFamily="49" charset="0"/>
+              </a:rPr>
+              <a:t>寄存器。</a:t>
+            </a:r>
+            <a:endParaRPr lang="en-US" altLang="zh-CN" sz="1800" dirty="0">
+              <a:latin typeface="Lucida Sans Regular" panose="020B0602030504020204" pitchFamily="34" charset="0"/>
+              <a:ea typeface="楷体" panose="02010609060101010101" pitchFamily="49" charset="-122"/>
+              <a:cs typeface="Cascadia Code" panose="020B0609020000020004" pitchFamily="49" charset="0"/>
+            </a:endParaRPr>
+          </a:p>
+          <a:p>
+            <a:pPr marL="457200" lvl="2" indent="0">
+              <a:lnSpc>
+                <a:spcPct val="150000"/>
+              </a:lnSpc>
+              <a:spcBef>
+                <a:spcPts val="600"/>
+              </a:spcBef>
+              <a:buNone/>
+            </a:pPr>
+            <a:endParaRPr lang="en-US" altLang="zh-CN" sz="1800" dirty="0">
+              <a:latin typeface="Lucida Sans Regular" panose="020B0602030504020204" pitchFamily="34" charset="0"/>
+              <a:ea typeface="楷体" panose="02010609060101010101" pitchFamily="49" charset="-122"/>
+              <a:cs typeface="Cascadia Code" panose="020B0609020000020004" pitchFamily="49" charset="0"/>
+            </a:endParaRPr>
           </a:p>
           <a:p>
             <a:pPr marL="457200" lvl="2" indent="0" algn="l">
@@ -5194,6 +5928,36 @@
           </a:p>
         </p:txBody>
       </p:sp>
+      <p:pic>
+        <p:nvPicPr>
+          <p:cNvPr id="7" name="图片 6">
+            <a:extLst>
+              <a:ext uri="{FF2B5EF4-FFF2-40B4-BE49-F238E27FC236}">
+                <a16:creationId xmlns:a16="http://schemas.microsoft.com/office/drawing/2014/main" id="{7DA875A3-3600-6BD9-3AB5-E0C73F6331C0}"/>
+              </a:ext>
+            </a:extLst>
+          </p:cNvPr>
+          <p:cNvPicPr>
+            <a:picLocks noChangeAspect="1"/>
+          </p:cNvPicPr>
+          <p:nvPr/>
+        </p:nvPicPr>
+        <p:blipFill>
+          <a:blip r:embed="rId3"/>
+          <a:stretch>
+            <a:fillRect/>
+          </a:stretch>
+        </p:blipFill>
+        <p:spPr>
+          <a:xfrm>
+            <a:off x="838200" y="3229187"/>
+            <a:ext cx="10518698" cy="3180403"/>
+          </a:xfrm>
+          <a:prstGeom prst="rect">
+            <a:avLst/>
+          </a:prstGeom>
+        </p:spPr>
+      </p:pic>
     </p:spTree>
     <p:extLst>
       <p:ext uri="{BB962C8B-B14F-4D97-AF65-F5344CB8AC3E}">
@@ -5309,8 +6073,21 @@
                 <a:ea typeface="楷体" panose="02010609060101010101" pitchFamily="49" charset="-122"/>
                 <a:cs typeface="Cascadia Code" panose="020B0609020000020004" pitchFamily="49" charset="0"/>
               </a:rPr>
-              <a:t> demo-2</a:t>
-            </a:r>
+              <a:t> </a:t>
+            </a:r>
+            <a:r>
+              <a:rPr lang="en-US" altLang="zh-CN" dirty="0" err="1">
+                <a:latin typeface="Lucida Sans Regular" panose="020B0602030504020204" pitchFamily="34" charset="0"/>
+                <a:ea typeface="楷体" panose="02010609060101010101" pitchFamily="49" charset="-122"/>
+                <a:cs typeface="Cascadia Code" panose="020B0609020000020004" pitchFamily="49" charset="0"/>
+              </a:rPr>
+              <a:t>oomKiller</a:t>
+            </a:r>
+            <a:endParaRPr lang="en-US" altLang="zh-CN" dirty="0">
+              <a:latin typeface="Lucida Sans Regular" panose="020B0602030504020204" pitchFamily="34" charset="0"/>
+              <a:ea typeface="楷体" panose="02010609060101010101" pitchFamily="49" charset="-122"/>
+              <a:cs typeface="Cascadia Code" panose="020B0609020000020004" pitchFamily="49" charset="0"/>
+            </a:endParaRPr>
           </a:p>
           <a:p>
             <a:pPr marL="457200" lvl="2" indent="0" algn="l">
@@ -6032,7 +6809,7 @@
         </p:spPr>
         <p:txBody>
           <a:bodyPr>
-            <a:normAutofit lnSpcReduction="10000"/>
+            <a:normAutofit/>
           </a:bodyPr>
           <a:lstStyle/>
           <a:p>
@@ -6336,6 +7113,7 @@
             <a:r>
               <a:rPr lang="en-US" altLang="zh-CN" sz="1200" dirty="0" err="1">
                 <a:effectLst/>
+                <a:latin typeface="Lucida Sans Regular" panose="020B0602030504020204" pitchFamily="34" charset="0"/>
                 <a:ea typeface="微软雅黑" panose="020B0503020204020204" pitchFamily="34" charset="-122"/>
               </a:rPr>
               <a:t>bpftool</a:t>
@@ -6343,6 +7121,7 @@
             <a:r>
               <a:rPr lang="en-US" altLang="zh-CN" sz="1200" dirty="0">
                 <a:effectLst/>
+                <a:latin typeface="Lucida Sans Regular" panose="020B0602030504020204" pitchFamily="34" charset="0"/>
                 <a:ea typeface="微软雅黑" panose="020B0503020204020204" pitchFamily="34" charset="-122"/>
               </a:rPr>
               <a:t> feature</a:t>
@@ -6383,6 +7162,7 @@
             <a:r>
               <a:rPr lang="en-US" altLang="zh-CN" sz="1200" dirty="0" err="1">
                 <a:effectLst/>
+                <a:latin typeface="Lucida Sans Regular" panose="020B0602030504020204" pitchFamily="34" charset="0"/>
                 <a:ea typeface="微软雅黑" panose="020B0503020204020204" pitchFamily="34" charset="-122"/>
               </a:rPr>
               <a:t>bpftool</a:t>
@@ -6390,6 +7170,7 @@
             <a:r>
               <a:rPr lang="en-US" altLang="zh-CN" sz="1200" dirty="0">
                 <a:effectLst/>
+                <a:latin typeface="Lucida Sans Regular" panose="020B0602030504020204" pitchFamily="34" charset="0"/>
                 <a:ea typeface="微软雅黑" panose="020B0503020204020204" pitchFamily="34" charset="-122"/>
               </a:rPr>
               <a:t> prog </a:t>
@@ -6397,12 +7178,14 @@
             <a:r>
               <a:rPr lang="en-US" altLang="zh-CN" sz="1200" dirty="0" err="1">
                 <a:effectLst/>
+                <a:latin typeface="Lucida Sans Regular" panose="020B0602030504020204" pitchFamily="34" charset="0"/>
                 <a:ea typeface="微软雅黑" panose="020B0503020204020204" pitchFamily="34" charset="-122"/>
               </a:rPr>
               <a:t>tracelog</a:t>
             </a:r>
             <a:endParaRPr lang="en-US" altLang="zh-CN" sz="1200" dirty="0">
               <a:effectLst/>
+              <a:latin typeface="Lucida Sans Regular" panose="020B0602030504020204" pitchFamily="34" charset="0"/>
               <a:ea typeface="微软雅黑" panose="020B0503020204020204" pitchFamily="34" charset="-122"/>
             </a:endParaRPr>
           </a:p>
@@ -6441,6 +7224,7 @@
             <a:r>
               <a:rPr lang="en-US" altLang="zh-CN" sz="1200" dirty="0" err="1">
                 <a:effectLst/>
+                <a:latin typeface="Lucida Sans Regular" panose="020B0602030504020204" pitchFamily="34" charset="0"/>
                 <a:ea typeface="微软雅黑" panose="020B0503020204020204" pitchFamily="34" charset="-122"/>
               </a:rPr>
               <a:t>bpftool</a:t>
@@ -6448,6 +7232,7 @@
             <a:r>
               <a:rPr lang="en-US" altLang="zh-CN" sz="1200" dirty="0">
                 <a:effectLst/>
+                <a:latin typeface="Lucida Sans Regular" panose="020B0602030504020204" pitchFamily="34" charset="0"/>
                 <a:ea typeface="微软雅黑" panose="020B0503020204020204" pitchFamily="34" charset="-122"/>
               </a:rPr>
               <a:t> perf show</a:t>
@@ -6502,6 +7287,7 @@
             <a:r>
               <a:rPr lang="en-US" altLang="zh-CN" sz="1200" dirty="0" err="1">
                 <a:effectLst/>
+                <a:latin typeface="Lucida Sans Regular" panose="020B0602030504020204" pitchFamily="34" charset="0"/>
                 <a:ea typeface="微软雅黑" panose="020B0503020204020204" pitchFamily="34" charset="-122"/>
               </a:rPr>
               <a:t>bpftool</a:t>
@@ -6509,6 +7295,7 @@
             <a:r>
               <a:rPr lang="en-US" altLang="zh-CN" sz="1200" dirty="0">
                 <a:effectLst/>
+                <a:latin typeface="Lucida Sans Regular" panose="020B0602030504020204" pitchFamily="34" charset="0"/>
                 <a:ea typeface="微软雅黑" panose="020B0503020204020204" pitchFamily="34" charset="-122"/>
               </a:rPr>
               <a:t> </a:t>
@@ -6516,6 +7303,7 @@
             <a:r>
               <a:rPr lang="en-US" altLang="zh-CN" sz="1200" dirty="0" err="1">
                 <a:effectLst/>
+                <a:latin typeface="Lucida Sans Regular" panose="020B0602030504020204" pitchFamily="34" charset="0"/>
                 <a:ea typeface="微软雅黑" panose="020B0503020204020204" pitchFamily="34" charset="-122"/>
               </a:rPr>
               <a:t>btf</a:t>
@@ -6523,6 +7311,7 @@
             <a:r>
               <a:rPr lang="en-US" altLang="zh-CN" sz="1200" dirty="0">
                 <a:effectLst/>
+                <a:latin typeface="Lucida Sans Regular" panose="020B0602030504020204" pitchFamily="34" charset="0"/>
                 <a:ea typeface="微软雅黑" panose="020B0503020204020204" pitchFamily="34" charset="-122"/>
               </a:rPr>
               <a:t> dump file </a:t>
@@ -6530,12 +7319,14 @@
             <a:r>
               <a:rPr lang="en-US" altLang="zh-CN" sz="1200" dirty="0" err="1">
                 <a:effectLst/>
+                <a:latin typeface="Lucida Sans Regular" panose="020B0602030504020204" pitchFamily="34" charset="0"/>
                 <a:ea typeface="微软雅黑" panose="020B0503020204020204" pitchFamily="34" charset="-122"/>
               </a:rPr>
               <a:t>foo.o</a:t>
             </a:r>
             <a:endParaRPr lang="en-US" altLang="zh-CN" sz="1200" dirty="0">
               <a:effectLst/>
+              <a:latin typeface="Lucida Sans Regular" panose="020B0602030504020204" pitchFamily="34" charset="0"/>
               <a:ea typeface="微软雅黑" panose="020B0503020204020204" pitchFamily="34" charset="-122"/>
             </a:endParaRPr>
           </a:p>
@@ -6588,6 +7379,7 @@
             <a:r>
               <a:rPr lang="en-US" altLang="zh-CN" sz="1200" dirty="0" err="1">
                 <a:effectLst/>
+                <a:latin typeface="Lucida Sans Regular" panose="020B0602030504020204" pitchFamily="34" charset="0"/>
                 <a:ea typeface="微软雅黑" panose="020B0503020204020204" pitchFamily="34" charset="-122"/>
               </a:rPr>
               <a:t>bpftool</a:t>
@@ -6595,6 +7387,7 @@
             <a:r>
               <a:rPr lang="en-US" altLang="zh-CN" sz="1200" dirty="0">
                 <a:effectLst/>
+                <a:latin typeface="Lucida Sans Regular" panose="020B0602030504020204" pitchFamily="34" charset="0"/>
                 <a:ea typeface="微软雅黑" panose="020B0503020204020204" pitchFamily="34" charset="-122"/>
               </a:rPr>
               <a:t> prog load </a:t>
@@ -6602,6 +7395,7 @@
             <a:r>
               <a:rPr lang="en-US" altLang="zh-CN" sz="1200" dirty="0" err="1">
                 <a:effectLst/>
+                <a:latin typeface="Lucida Sans Regular" panose="020B0602030504020204" pitchFamily="34" charset="0"/>
                 <a:ea typeface="微软雅黑" panose="020B0503020204020204" pitchFamily="34" charset="-122"/>
               </a:rPr>
               <a:t>xm_cpu_sched.bpf.o</a:t>
@@ -6609,6 +7403,7 @@
             <a:r>
               <a:rPr lang="en-US" altLang="zh-CN" sz="1200" dirty="0">
                 <a:effectLst/>
+                <a:latin typeface="Lucida Sans Regular" panose="020B0602030504020204" pitchFamily="34" charset="0"/>
                 <a:ea typeface="微软雅黑" panose="020B0503020204020204" pitchFamily="34" charset="-122"/>
               </a:rPr>
               <a:t> /sys/fs/</a:t>
@@ -6616,6 +7411,7 @@
             <a:r>
               <a:rPr lang="en-US" altLang="zh-CN" sz="1200" dirty="0" err="1">
                 <a:effectLst/>
+                <a:latin typeface="Lucida Sans Regular" panose="020B0602030504020204" pitchFamily="34" charset="0"/>
                 <a:ea typeface="微软雅黑" panose="020B0503020204020204" pitchFamily="34" charset="-122"/>
               </a:rPr>
               <a:t>bpf</a:t>
@@ -6623,6 +7419,7 @@
             <a:r>
               <a:rPr lang="en-US" altLang="zh-CN" sz="1200" dirty="0">
                 <a:effectLst/>
+                <a:latin typeface="Lucida Sans Regular" panose="020B0602030504020204" pitchFamily="34" charset="0"/>
                 <a:ea typeface="微软雅黑" panose="020B0503020204020204" pitchFamily="34" charset="-122"/>
               </a:rPr>
               <a:t>/</a:t>
@@ -6630,6 +7427,7 @@
             <a:r>
               <a:rPr lang="en-US" altLang="zh-CN" sz="1200" dirty="0" err="1">
                 <a:effectLst/>
+                <a:latin typeface="Lucida Sans Regular" panose="020B0602030504020204" pitchFamily="34" charset="0"/>
                 <a:ea typeface="微软雅黑" panose="020B0503020204020204" pitchFamily="34" charset="-122"/>
               </a:rPr>
               <a:t>xm_cpu_sched</a:t>
@@ -6637,6 +7435,7 @@
             <a:r>
               <a:rPr lang="en-US" altLang="zh-CN" sz="1200" dirty="0">
                 <a:effectLst/>
+                <a:latin typeface="Lucida Sans Regular" panose="020B0602030504020204" pitchFamily="34" charset="0"/>
                 <a:ea typeface="微软雅黑" panose="020B0503020204020204" pitchFamily="34" charset="-122"/>
               </a:rPr>
               <a:t> type </a:t>
@@ -6644,12 +7443,14 @@
             <a:r>
               <a:rPr lang="en-US" altLang="zh-CN" sz="1200" dirty="0" err="1">
                 <a:effectLst/>
+                <a:latin typeface="Lucida Sans Regular" panose="020B0602030504020204" pitchFamily="34" charset="0"/>
                 <a:ea typeface="微软雅黑" panose="020B0503020204020204" pitchFamily="34" charset="-122"/>
               </a:rPr>
               <a:t>tp_btf</a:t>
             </a:r>
             <a:endParaRPr lang="en-US" altLang="zh-CN" sz="1200" dirty="0">
               <a:effectLst/>
+              <a:latin typeface="Lucida Sans Regular" panose="020B0602030504020204" pitchFamily="34" charset="0"/>
               <a:ea typeface="微软雅黑" panose="020B0503020204020204" pitchFamily="34" charset="-122"/>
             </a:endParaRPr>
           </a:p>
@@ -6687,12 +7488,14 @@
             </a:r>
             <a:r>
               <a:rPr lang="en-US" altLang="zh-CN" sz="1200" dirty="0" err="1">
+                <a:latin typeface="Lucida Sans Regular" panose="020B0602030504020204" pitchFamily="34" charset="0"/>
                 <a:ea typeface="微软雅黑" panose="020B0503020204020204" pitchFamily="34" charset="-122"/>
               </a:rPr>
               <a:t>bpftool</a:t>
             </a:r>
             <a:r>
               <a:rPr lang="en-US" altLang="zh-CN" sz="1200" dirty="0">
+                <a:latin typeface="Lucida Sans Regular" panose="020B0602030504020204" pitchFamily="34" charset="0"/>
                 <a:ea typeface="微软雅黑" panose="020B0503020204020204" pitchFamily="34" charset="-122"/>
               </a:rPr>
               <a:t> prog show id 540 --pretty</a:t>
@@ -6755,77 +7558,56 @@
                 <a:latin typeface="Lucida Sans Regular" panose="020B0602030504020204" pitchFamily="34" charset="0"/>
                 <a:ea typeface="楷体" panose="02010609060101010101" pitchFamily="49" charset="-122"/>
               </a:rPr>
-              <a:t>，掌握指令是定位</a:t>
+              <a:t>。</a:t>
+            </a:r>
+            <a:r>
+              <a:rPr lang="en-US" altLang="zh-CN" sz="1600" dirty="0" err="1">
+                <a:latin typeface="Lucida Sans Regular" panose="020B0602030504020204" pitchFamily="34" charset="0"/>
+                <a:ea typeface="楷体" panose="02010609060101010101" pitchFamily="49" charset="-122"/>
+              </a:rPr>
+              <a:t>llvm-objdump</a:t>
             </a:r>
             <a:r>
               <a:rPr lang="en-US" altLang="zh-CN" sz="1600" dirty="0">
                 <a:latin typeface="Lucida Sans Regular" panose="020B0602030504020204" pitchFamily="34" charset="0"/>
                 <a:ea typeface="楷体" panose="02010609060101010101" pitchFamily="49" charset="-122"/>
               </a:rPr>
-              <a:t>prog</a:t>
-            </a:r>
-            <a:r>
-              <a:rPr lang="zh-CN" altLang="en-US" sz="1600" dirty="0">
-                <a:latin typeface="Lucida Sans Regular" panose="020B0602030504020204" pitchFamily="34" charset="0"/>
-                <a:ea typeface="楷体" panose="02010609060101010101" pitchFamily="49" charset="-122"/>
-              </a:rPr>
-              <a:t> </a:t>
+              <a:t> -S --no-show-raw-</a:t>
+            </a:r>
+            <a:r>
+              <a:rPr lang="en-US" altLang="zh-CN" sz="1600" dirty="0" err="1">
+                <a:latin typeface="Lucida Sans Regular" panose="020B0602030504020204" pitchFamily="34" charset="0"/>
+                <a:ea typeface="楷体" panose="02010609060101010101" pitchFamily="49" charset="-122"/>
+              </a:rPr>
+              <a:t>insn</a:t>
             </a:r>
             <a:r>
               <a:rPr lang="en-US" altLang="zh-CN" sz="1600" dirty="0">
                 <a:latin typeface="Lucida Sans Regular" panose="020B0602030504020204" pitchFamily="34" charset="0"/>
                 <a:ea typeface="楷体" panose="02010609060101010101" pitchFamily="49" charset="-122"/>
               </a:rPr>
-              <a:t>load</a:t>
-            </a:r>
-            <a:r>
-              <a:rPr lang="zh-CN" altLang="en-US" sz="1600" dirty="0">
-                <a:latin typeface="Lucida Sans Regular" panose="020B0602030504020204" pitchFamily="34" charset="0"/>
-                <a:ea typeface="楷体" panose="02010609060101010101" pitchFamily="49" charset="-122"/>
-              </a:rPr>
-              <a:t>失败的重要技能。如果想多个</a:t>
-            </a:r>
-            <a:r>
-              <a:rPr lang="en-US" altLang="zh-CN" sz="1600" dirty="0">
-                <a:latin typeface="Lucida Sans Regular" panose="020B0602030504020204" pitchFamily="34" charset="0"/>
-                <a:ea typeface="楷体" panose="02010609060101010101" pitchFamily="49" charset="-122"/>
-              </a:rPr>
-              <a:t>probe</a:t>
-            </a:r>
-            <a:r>
-              <a:rPr lang="zh-CN" altLang="en-US" sz="1600" dirty="0">
-                <a:latin typeface="Lucida Sans Regular" panose="020B0602030504020204" pitchFamily="34" charset="0"/>
-                <a:ea typeface="楷体" panose="02010609060101010101" pitchFamily="49" charset="-122"/>
-              </a:rPr>
-              <a:t>共享同一段逻辑，编写一套指令函数</a:t>
-            </a:r>
-            <a:r>
-              <a:rPr lang="en-US" altLang="zh-CN" sz="1600" dirty="0">
-                <a:latin typeface="Lucida Sans Regular" panose="020B0602030504020204" pitchFamily="34" charset="0"/>
-                <a:ea typeface="楷体" panose="02010609060101010101" pitchFamily="49" charset="-122"/>
-              </a:rPr>
-              <a:t>attach</a:t>
-            </a:r>
-            <a:r>
-              <a:rPr lang="zh-CN" altLang="en-US" sz="1600" dirty="0">
-                <a:latin typeface="Lucida Sans Regular" panose="020B0602030504020204" pitchFamily="34" charset="0"/>
-                <a:ea typeface="楷体" panose="02010609060101010101" pitchFamily="49" charset="-122"/>
-              </a:rPr>
-              <a:t>到不同的</a:t>
-            </a:r>
-            <a:r>
-              <a:rPr lang="en-US" altLang="zh-CN" sz="1600" dirty="0">
-                <a:latin typeface="Lucida Sans Regular" panose="020B0602030504020204" pitchFamily="34" charset="0"/>
-                <a:ea typeface="楷体" panose="02010609060101010101" pitchFamily="49" charset="-122"/>
-              </a:rPr>
-              <a:t>probe</a:t>
-            </a:r>
-            <a:r>
-              <a:rPr lang="zh-CN" altLang="en-US" sz="1600" dirty="0">
-                <a:latin typeface="Lucida Sans Regular" panose="020B0602030504020204" pitchFamily="34" charset="0"/>
-                <a:ea typeface="楷体" panose="02010609060101010101" pitchFamily="49" charset="-122"/>
-              </a:rPr>
-              <a:t>是最复用的方式。</a:t>
+              <a:t> ./</a:t>
+            </a:r>
+            <a:r>
+              <a:rPr lang="en-US" altLang="zh-CN" sz="1600" dirty="0" err="1">
+                <a:latin typeface="Lucida Sans Regular" panose="020B0602030504020204" pitchFamily="34" charset="0"/>
+                <a:ea typeface="楷体" panose="02010609060101010101" pitchFamily="49" charset="-122"/>
+              </a:rPr>
+              <a:t>xm_trace.bpf</a:t>
+            </a:r>
+            <a:r>
+              <a:rPr lang="en-US" altLang="zh-CN" sz="1600" err="1">
+                <a:latin typeface="Lucida Sans Regular" panose="020B0602030504020204" pitchFamily="34" charset="0"/>
+                <a:ea typeface="楷体" panose="02010609060101010101" pitchFamily="49" charset="-122"/>
+              </a:rPr>
+              <a:t>.</a:t>
+            </a:r>
+            <a:r>
+              <a:rPr lang="en-US" altLang="zh-CN" sz="1600">
+                <a:latin typeface="Lucida Sans Regular" panose="020B0602030504020204" pitchFamily="34" charset="0"/>
+                <a:ea typeface="楷体" panose="02010609060101010101" pitchFamily="49" charset="-122"/>
+              </a:rPr>
+              <a:t>o</a:t>
             </a:r>
             <a:endParaRPr lang="en-US" altLang="zh-CN" sz="1600" dirty="0">
               <a:latin typeface="Lucida Sans Regular" panose="020B0602030504020204" pitchFamily="34" charset="0"/>
@@ -6846,14 +7628,14 @@
             <a:r>
               <a:rPr lang="en-US" altLang="zh-CN" sz="1600" b="0" dirty="0">
                 <a:effectLst/>
-                <a:latin typeface="Lucida Sans Unicode" panose="020B0602030504020204" pitchFamily="34" charset="0"/>
+                <a:latin typeface="Lucida Sans Regular" panose="020B0602030504020204" pitchFamily="34" charset="0"/>
                 <a:cs typeface="Lucida Sans Unicode" panose="020B0602030504020204" pitchFamily="34" charset="0"/>
               </a:rPr>
               <a:t>bpf2go</a:t>
             </a:r>
             <a:r>
               <a:rPr lang="zh-CN" altLang="en-US" sz="1600" dirty="0">
-                <a:latin typeface="Lucida Sans Unicode" panose="020B0602030504020204" pitchFamily="34" charset="0"/>
+                <a:latin typeface="Lucida Sans Regular" panose="020B0602030504020204" pitchFamily="34" charset="0"/>
                 <a:cs typeface="Lucida Sans Unicode" panose="020B0602030504020204" pitchFamily="34" charset="0"/>
               </a:rPr>
               <a:t>。</a:t>
@@ -6861,55 +7643,55 @@
             <a:r>
               <a:rPr lang="zh-CN" altLang="en-US" sz="1600" b="0" dirty="0">
                 <a:effectLst/>
-                <a:latin typeface="Lucida Sans Unicode" panose="020B0602030504020204" pitchFamily="34" charset="0"/>
+                <a:latin typeface="Lucida Sans Regular" panose="020B0602030504020204" pitchFamily="34" charset="0"/>
                 <a:cs typeface="Lucida Sans Unicode" panose="020B0602030504020204" pitchFamily="34" charset="0"/>
               </a:rPr>
               <a:t>将</a:t>
             </a:r>
             <a:r>
               <a:rPr lang="en-US" altLang="zh-CN" sz="1600" dirty="0">
-                <a:latin typeface="Lucida Sans Unicode" panose="020B0602030504020204" pitchFamily="34" charset="0"/>
+                <a:latin typeface="Lucida Sans Regular" panose="020B0602030504020204" pitchFamily="34" charset="0"/>
                 <a:cs typeface="Lucida Sans Unicode" panose="020B0602030504020204" pitchFamily="34" charset="0"/>
               </a:rPr>
               <a:t>limit-c</a:t>
             </a:r>
             <a:r>
               <a:rPr lang="zh-CN" altLang="en-US" sz="1600" dirty="0">
-                <a:latin typeface="Lucida Sans Unicode" panose="020B0602030504020204" pitchFamily="34" charset="0"/>
+                <a:latin typeface="Lucida Sans Regular" panose="020B0602030504020204" pitchFamily="34" charset="0"/>
                 <a:cs typeface="Lucida Sans Unicode" panose="020B0602030504020204" pitchFamily="34" charset="0"/>
               </a:rPr>
               <a:t>写的</a:t>
             </a:r>
             <a:r>
               <a:rPr lang="en-US" altLang="zh-CN" sz="1600" dirty="0">
-                <a:latin typeface="Lucida Sans Unicode" panose="020B0602030504020204" pitchFamily="34" charset="0"/>
+                <a:latin typeface="Lucida Sans Regular" panose="020B0602030504020204" pitchFamily="34" charset="0"/>
                 <a:cs typeface="Lucida Sans Unicode" panose="020B0602030504020204" pitchFamily="34" charset="0"/>
               </a:rPr>
               <a:t>prog</a:t>
             </a:r>
             <a:r>
               <a:rPr lang="zh-CN" altLang="en-US" sz="1600" dirty="0">
-                <a:latin typeface="Lucida Sans Unicode" panose="020B0602030504020204" pitchFamily="34" charset="0"/>
+                <a:latin typeface="Lucida Sans Regular" panose="020B0602030504020204" pitchFamily="34" charset="0"/>
                 <a:cs typeface="Lucida Sans Unicode" panose="020B0602030504020204" pitchFamily="34" charset="0"/>
               </a:rPr>
               <a:t>转换为</a:t>
             </a:r>
             <a:r>
               <a:rPr lang="en-US" altLang="zh-CN" sz="1600" dirty="0" err="1">
-                <a:latin typeface="Lucida Sans Unicode" panose="020B0602030504020204" pitchFamily="34" charset="0"/>
+                <a:latin typeface="Lucida Sans Regular" panose="020B0602030504020204" pitchFamily="34" charset="0"/>
                 <a:cs typeface="Lucida Sans Unicode" panose="020B0602030504020204" pitchFamily="34" charset="0"/>
               </a:rPr>
               <a:t>golang</a:t>
             </a:r>
             <a:r>
               <a:rPr lang="zh-CN" altLang="en-US" sz="1600" dirty="0">
-                <a:latin typeface="Lucida Sans Unicode" panose="020B0602030504020204" pitchFamily="34" charset="0"/>
+                <a:latin typeface="Lucida Sans Regular" panose="020B0602030504020204" pitchFamily="34" charset="0"/>
                 <a:cs typeface="Lucida Sans Unicode" panose="020B0602030504020204" pitchFamily="34" charset="0"/>
               </a:rPr>
               <a:t>的代码和二进制编码。</a:t>
             </a:r>
             <a:endParaRPr lang="en-US" altLang="zh-CN" sz="1600" dirty="0">
-              <a:latin typeface="Lucida Sans Unicode" panose="020B0602030504020204" pitchFamily="34" charset="0"/>
+              <a:latin typeface="Lucida Sans Regular" panose="020B0602030504020204" pitchFamily="34" charset="0"/>
               <a:ea typeface="楷体" panose="02010609060101010101" pitchFamily="49" charset="-122"/>
               <a:cs typeface="Lucida Sans Unicode" panose="020B0602030504020204" pitchFamily="34" charset="0"/>
             </a:endParaRPr>
@@ -6966,6 +7748,113 @@
     <p:extLst>
       <p:ext uri="{BB962C8B-B14F-4D97-AF65-F5344CB8AC3E}">
         <p14:creationId xmlns:p14="http://schemas.microsoft.com/office/powerpoint/2010/main" val="4077834078"/>
+      </p:ext>
+    </p:extLst>
+  </p:cSld>
+  <p:clrMapOvr>
+    <a:masterClrMapping/>
+  </p:clrMapOvr>
+</p:sld>
+</file>
+
+<file path=ppt/slides/slide9.xml><?xml version="1.0" encoding="utf-8"?>
+<p:sld xmlns:a="http://schemas.openxmlformats.org/drawingml/2006/main" xmlns:r="http://schemas.openxmlformats.org/officeDocument/2006/relationships" xmlns:p="http://schemas.openxmlformats.org/presentationml/2006/main">
+  <p:cSld>
+    <p:spTree>
+      <p:nvGrpSpPr>
+        <p:cNvPr id="1" name=""/>
+        <p:cNvGrpSpPr/>
+        <p:nvPr/>
+      </p:nvGrpSpPr>
+      <p:grpSpPr>
+        <a:xfrm>
+          <a:off x="0" y="0"/>
+          <a:ext cx="0" cy="0"/>
+          <a:chOff x="0" y="0"/>
+          <a:chExt cx="0" cy="0"/>
+        </a:xfrm>
+      </p:grpSpPr>
+      <p:pic>
+        <p:nvPicPr>
+          <p:cNvPr id="4" name="图片 3">
+            <a:extLst>
+              <a:ext uri="{FF2B5EF4-FFF2-40B4-BE49-F238E27FC236}">
+                <a16:creationId xmlns:a16="http://schemas.microsoft.com/office/drawing/2014/main" id="{7EF5419E-E781-A02C-7185-4EF320ECD852}"/>
+              </a:ext>
+            </a:extLst>
+          </p:cNvPr>
+          <p:cNvPicPr>
+            <a:picLocks noChangeAspect="1"/>
+          </p:cNvPicPr>
+          <p:nvPr/>
+        </p:nvPicPr>
+        <p:blipFill>
+          <a:blip r:embed="rId2"/>
+          <a:stretch>
+            <a:fillRect/>
+          </a:stretch>
+        </p:blipFill>
+        <p:spPr>
+          <a:xfrm>
+            <a:off x="0" y="0"/>
+            <a:ext cx="1927334" cy="677612"/>
+          </a:xfrm>
+          <a:prstGeom prst="rect">
+            <a:avLst/>
+          </a:prstGeom>
+        </p:spPr>
+      </p:pic>
+      <p:pic>
+        <p:nvPicPr>
+          <p:cNvPr id="1026" name="Picture 2" descr="eBPF开发指南- 知乎">
+            <a:extLst>
+              <a:ext uri="{FF2B5EF4-FFF2-40B4-BE49-F238E27FC236}">
+                <a16:creationId xmlns:a16="http://schemas.microsoft.com/office/drawing/2014/main" id="{FEB1A08D-DBA2-17BE-0756-17CF1F4F095D}"/>
+              </a:ext>
+            </a:extLst>
+          </p:cNvPr>
+          <p:cNvPicPr>
+            <a:picLocks noChangeAspect="1" noChangeArrowheads="1"/>
+          </p:cNvPicPr>
+          <p:nvPr/>
+        </p:nvPicPr>
+        <p:blipFill>
+          <a:blip r:embed="rId3">
+            <a:extLst>
+              <a:ext uri="{28A0092B-C50C-407E-A947-70E740481C1C}">
+                <a14:useLocalDpi xmlns:a14="http://schemas.microsoft.com/office/drawing/2010/main" val="0"/>
+              </a:ext>
+            </a:extLst>
+          </a:blip>
+          <a:srcRect/>
+          <a:stretch>
+            <a:fillRect/>
+          </a:stretch>
+        </p:blipFill>
+        <p:spPr bwMode="auto">
+          <a:xfrm>
+            <a:off x="2165070" y="951770"/>
+            <a:ext cx="7861860" cy="5649241"/>
+          </a:xfrm>
+          <a:prstGeom prst="rect">
+            <a:avLst/>
+          </a:prstGeom>
+          <a:noFill/>
+          <a:extLst>
+            <a:ext uri="{909E8E84-426E-40DD-AFC4-6F175D3DCCD1}">
+              <a14:hiddenFill xmlns:a14="http://schemas.microsoft.com/office/drawing/2010/main">
+                <a:solidFill>
+                  <a:srgbClr val="FFFFFF"/>
+                </a:solidFill>
+              </a14:hiddenFill>
+            </a:ext>
+          </a:extLst>
+        </p:spPr>
+      </p:pic>
+    </p:spTree>
+    <p:extLst>
+      <p:ext uri="{BB962C8B-B14F-4D97-AF65-F5344CB8AC3E}">
+        <p14:creationId xmlns:p14="http://schemas.microsoft.com/office/powerpoint/2010/main" val="2529558987"/>
       </p:ext>
     </p:extLst>
   </p:cSld>

--- a/doc/基于eBPF可观测性实践.pptx
+++ b/doc/基于eBPF可观测性实践.pptx
@@ -5,7 +5,7 @@
     <p:sldMasterId id="2147483648" r:id="rId1"/>
   </p:sldMasterIdLst>
   <p:notesMasterIdLst>
-    <p:notesMasterId r:id="rId11"/>
+    <p:notesMasterId r:id="rId12"/>
   </p:notesMasterIdLst>
   <p:sldIdLst>
     <p:sldId id="256" r:id="rId2"/>
@@ -13,10 +13,11 @@
     <p:sldId id="258" r:id="rId4"/>
     <p:sldId id="259" r:id="rId5"/>
     <p:sldId id="260" r:id="rId6"/>
-    <p:sldId id="261" r:id="rId7"/>
-    <p:sldId id="262" r:id="rId8"/>
-    <p:sldId id="263" r:id="rId9"/>
-    <p:sldId id="264" r:id="rId10"/>
+    <p:sldId id="265" r:id="rId7"/>
+    <p:sldId id="261" r:id="rId8"/>
+    <p:sldId id="262" r:id="rId9"/>
+    <p:sldId id="263" r:id="rId10"/>
+    <p:sldId id="264" r:id="rId11"/>
   </p:sldIdLst>
   <p:sldSz cx="12192000" cy="6858000"/>
   <p:notesSz cx="6858000" cy="9144000"/>
@@ -4177,6 +4178,113 @@
 </p:sld>
 </file>
 
+<file path=ppt/slides/slide10.xml><?xml version="1.0" encoding="utf-8"?>
+<p:sld xmlns:a="http://schemas.openxmlformats.org/drawingml/2006/main" xmlns:r="http://schemas.openxmlformats.org/officeDocument/2006/relationships" xmlns:p="http://schemas.openxmlformats.org/presentationml/2006/main">
+  <p:cSld>
+    <p:spTree>
+      <p:nvGrpSpPr>
+        <p:cNvPr id="1" name=""/>
+        <p:cNvGrpSpPr/>
+        <p:nvPr/>
+      </p:nvGrpSpPr>
+      <p:grpSpPr>
+        <a:xfrm>
+          <a:off x="0" y="0"/>
+          <a:ext cx="0" cy="0"/>
+          <a:chOff x="0" y="0"/>
+          <a:chExt cx="0" cy="0"/>
+        </a:xfrm>
+      </p:grpSpPr>
+      <p:pic>
+        <p:nvPicPr>
+          <p:cNvPr id="4" name="图片 3">
+            <a:extLst>
+              <a:ext uri="{FF2B5EF4-FFF2-40B4-BE49-F238E27FC236}">
+                <a16:creationId xmlns:a16="http://schemas.microsoft.com/office/drawing/2014/main" id="{7EF5419E-E781-A02C-7185-4EF320ECD852}"/>
+              </a:ext>
+            </a:extLst>
+          </p:cNvPr>
+          <p:cNvPicPr>
+            <a:picLocks noChangeAspect="1"/>
+          </p:cNvPicPr>
+          <p:nvPr/>
+        </p:nvPicPr>
+        <p:blipFill>
+          <a:blip r:embed="rId2"/>
+          <a:stretch>
+            <a:fillRect/>
+          </a:stretch>
+        </p:blipFill>
+        <p:spPr>
+          <a:xfrm>
+            <a:off x="0" y="0"/>
+            <a:ext cx="1927334" cy="677612"/>
+          </a:xfrm>
+          <a:prstGeom prst="rect">
+            <a:avLst/>
+          </a:prstGeom>
+        </p:spPr>
+      </p:pic>
+      <p:pic>
+        <p:nvPicPr>
+          <p:cNvPr id="1026" name="Picture 2" descr="eBPF开发指南- 知乎">
+            <a:extLst>
+              <a:ext uri="{FF2B5EF4-FFF2-40B4-BE49-F238E27FC236}">
+                <a16:creationId xmlns:a16="http://schemas.microsoft.com/office/drawing/2014/main" id="{FEB1A08D-DBA2-17BE-0756-17CF1F4F095D}"/>
+              </a:ext>
+            </a:extLst>
+          </p:cNvPr>
+          <p:cNvPicPr>
+            <a:picLocks noChangeAspect="1" noChangeArrowheads="1"/>
+          </p:cNvPicPr>
+          <p:nvPr/>
+        </p:nvPicPr>
+        <p:blipFill>
+          <a:blip r:embed="rId3">
+            <a:extLst>
+              <a:ext uri="{28A0092B-C50C-407E-A947-70E740481C1C}">
+                <a14:useLocalDpi xmlns:a14="http://schemas.microsoft.com/office/drawing/2010/main" val="0"/>
+              </a:ext>
+            </a:extLst>
+          </a:blip>
+          <a:srcRect/>
+          <a:stretch>
+            <a:fillRect/>
+          </a:stretch>
+        </p:blipFill>
+        <p:spPr bwMode="auto">
+          <a:xfrm>
+            <a:off x="2165070" y="951770"/>
+            <a:ext cx="7861860" cy="5649241"/>
+          </a:xfrm>
+          <a:prstGeom prst="rect">
+            <a:avLst/>
+          </a:prstGeom>
+          <a:noFill/>
+          <a:extLst>
+            <a:ext uri="{909E8E84-426E-40DD-AFC4-6F175D3DCCD1}">
+              <a14:hiddenFill xmlns:a14="http://schemas.microsoft.com/office/drawing/2010/main">
+                <a:solidFill>
+                  <a:srgbClr val="FFFFFF"/>
+                </a:solidFill>
+              </a14:hiddenFill>
+            </a:ext>
+          </a:extLst>
+        </p:spPr>
+      </p:pic>
+    </p:spTree>
+    <p:extLst>
+      <p:ext uri="{BB962C8B-B14F-4D97-AF65-F5344CB8AC3E}">
+        <p14:creationId xmlns:p14="http://schemas.microsoft.com/office/powerpoint/2010/main" val="2529558987"/>
+      </p:ext>
+    </p:extLst>
+  </p:cSld>
+  <p:clrMapOvr>
+    <a:masterClrMapping/>
+  </p:clrMapOvr>
+</p:sld>
+</file>
+
 <file path=ppt/slides/slide2.xml><?xml version="1.0" encoding="utf-8"?>
 <p:sld xmlns:a="http://schemas.openxmlformats.org/drawingml/2006/main" xmlns:r="http://schemas.openxmlformats.org/officeDocument/2006/relationships" xmlns:p="http://schemas.openxmlformats.org/presentationml/2006/main">
   <p:cSld>
@@ -5993,6 +6101,457 @@
           <p:cNvPr id="4" name="图片 3">
             <a:extLst>
               <a:ext uri="{FF2B5EF4-FFF2-40B4-BE49-F238E27FC236}">
+                <a16:creationId xmlns:a16="http://schemas.microsoft.com/office/drawing/2014/main" id="{5789BE86-54DA-056F-6AAA-CF85ADE0583B}"/>
+              </a:ext>
+            </a:extLst>
+          </p:cNvPr>
+          <p:cNvPicPr>
+            <a:picLocks noChangeAspect="1"/>
+          </p:cNvPicPr>
+          <p:nvPr/>
+        </p:nvPicPr>
+        <p:blipFill>
+          <a:blip r:embed="rId2"/>
+          <a:stretch>
+            <a:fillRect/>
+          </a:stretch>
+        </p:blipFill>
+        <p:spPr>
+          <a:xfrm>
+            <a:off x="0" y="0"/>
+            <a:ext cx="1927334" cy="677612"/>
+          </a:xfrm>
+          <a:prstGeom prst="rect">
+            <a:avLst/>
+          </a:prstGeom>
+        </p:spPr>
+      </p:pic>
+      <p:sp>
+        <p:nvSpPr>
+          <p:cNvPr id="5" name="内容占位符 2">
+            <a:extLst>
+              <a:ext uri="{FF2B5EF4-FFF2-40B4-BE49-F238E27FC236}">
+                <a16:creationId xmlns:a16="http://schemas.microsoft.com/office/drawing/2014/main" id="{7B17C81C-6805-D3E7-E12F-F1E565612F6B}"/>
+              </a:ext>
+            </a:extLst>
+          </p:cNvPr>
+          <p:cNvSpPr>
+            <a:spLocks noGrp="1"/>
+          </p:cNvSpPr>
+          <p:nvPr>
+            <p:ph idx="1"/>
+          </p:nvPr>
+        </p:nvSpPr>
+        <p:spPr>
+          <a:xfrm>
+            <a:off x="488258" y="788724"/>
+            <a:ext cx="11215484" cy="5484764"/>
+          </a:xfrm>
+        </p:spPr>
+        <p:txBody>
+          <a:bodyPr/>
+          <a:lstStyle/>
+          <a:p>
+            <a:pPr marL="228600" lvl="1" indent="-228600" algn="l">
+              <a:spcBef>
+                <a:spcPts val="1000"/>
+              </a:spcBef>
+              <a:buFont typeface="Arial" panose="020B0604020202020204" pitchFamily="34" charset="0"/>
+              <a:buChar char="•"/>
+            </a:pPr>
+            <a:r>
+              <a:rPr lang="en-US" altLang="zh-CN" dirty="0">
+                <a:latin typeface="Lucida Sans Regular" panose="020B0602030504020204" pitchFamily="34" charset="0"/>
+                <a:ea typeface="楷体" panose="02010609060101010101" pitchFamily="49" charset="-122"/>
+                <a:cs typeface="Cascadia Code" panose="020B0609020000020004" pitchFamily="49" charset="0"/>
+              </a:rPr>
+              <a:t>X-</a:t>
+            </a:r>
+            <a:r>
+              <a:rPr lang="en-US" altLang="zh-CN" dirty="0" err="1">
+                <a:latin typeface="Lucida Sans Regular" panose="020B0602030504020204" pitchFamily="34" charset="0"/>
+                <a:ea typeface="楷体" panose="02010609060101010101" pitchFamily="49" charset="-122"/>
+                <a:cs typeface="Cascadia Code" panose="020B0609020000020004" pitchFamily="49" charset="0"/>
+              </a:rPr>
+              <a:t>Monitor.ebpf</a:t>
+            </a:r>
+            <a:r>
+              <a:rPr lang="en-US" altLang="zh-CN" dirty="0">
+                <a:latin typeface="Lucida Sans Regular" panose="020B0602030504020204" pitchFamily="34" charset="0"/>
+                <a:ea typeface="楷体" panose="02010609060101010101" pitchFamily="49" charset="-122"/>
+                <a:cs typeface="Cascadia Code" panose="020B0609020000020004" pitchFamily="49" charset="0"/>
+              </a:rPr>
+              <a:t> </a:t>
+            </a:r>
+            <a:r>
+              <a:rPr lang="en-US" altLang="zh-CN" dirty="0" err="1">
+                <a:latin typeface="Lucida Sans Regular" panose="020B0602030504020204" pitchFamily="34" charset="0"/>
+                <a:ea typeface="楷体" panose="02010609060101010101" pitchFamily="49" charset="-122"/>
+                <a:cs typeface="Cascadia Code" panose="020B0609020000020004" pitchFamily="49" charset="0"/>
+              </a:rPr>
+              <a:t>cpuschedule</a:t>
+            </a:r>
+            <a:endParaRPr lang="en-US" altLang="zh-CN" dirty="0">
+              <a:latin typeface="Lucida Sans Regular" panose="020B0602030504020204" pitchFamily="34" charset="0"/>
+              <a:ea typeface="楷体" panose="02010609060101010101" pitchFamily="49" charset="-122"/>
+              <a:cs typeface="Cascadia Code" panose="020B0609020000020004" pitchFamily="49" charset="0"/>
+            </a:endParaRPr>
+          </a:p>
+          <a:p>
+            <a:pPr marL="742950" lvl="2" indent="285750">
+              <a:lnSpc>
+                <a:spcPct val="150000"/>
+              </a:lnSpc>
+              <a:spcBef>
+                <a:spcPts val="600"/>
+              </a:spcBef>
+              <a:buFont typeface="Wingdings" panose="05000000000000000000" pitchFamily="2" charset="2"/>
+              <a:buChar char="Ø"/>
+            </a:pPr>
+            <a:r>
+              <a:rPr lang="en-US" altLang="zh-CN" sz="1800" dirty="0">
+                <a:latin typeface="Lucida Sans Regular" panose="020B0602030504020204" pitchFamily="34" charset="0"/>
+                <a:ea typeface="楷体" panose="02010609060101010101" pitchFamily="49" charset="-122"/>
+                <a:cs typeface="Cascadia Code" panose="020B0609020000020004" pitchFamily="49" charset="0"/>
+              </a:rPr>
+              <a:t>task</a:t>
+            </a:r>
+            <a:r>
+              <a:rPr lang="zh-CN" altLang="en-US" sz="1800" dirty="0">
+                <a:latin typeface="Lucida Sans Regular" panose="020B0602030504020204" pitchFamily="34" charset="0"/>
+                <a:ea typeface="楷体" panose="02010609060101010101" pitchFamily="49" charset="-122"/>
+                <a:cs typeface="Cascadia Code" panose="020B0609020000020004" pitchFamily="49" charset="0"/>
+              </a:rPr>
+              <a:t>在</a:t>
+            </a:r>
+            <a:r>
+              <a:rPr lang="en-US" altLang="zh-CN" sz="1800" dirty="0" err="1">
+                <a:latin typeface="Lucida Sans Regular" panose="020B0602030504020204" pitchFamily="34" charset="0"/>
+                <a:ea typeface="楷体" panose="02010609060101010101" pitchFamily="49" charset="-122"/>
+                <a:cs typeface="Cascadia Code" panose="020B0609020000020004" pitchFamily="49" charset="0"/>
+              </a:rPr>
+              <a:t>cpu</a:t>
+            </a:r>
+            <a:r>
+              <a:rPr lang="zh-CN" altLang="en-US" sz="1800" dirty="0">
+                <a:latin typeface="Lucida Sans Regular" panose="020B0602030504020204" pitchFamily="34" charset="0"/>
+                <a:ea typeface="楷体" panose="02010609060101010101" pitchFamily="49" charset="-122"/>
+                <a:cs typeface="Cascadia Code" panose="020B0609020000020004" pitchFamily="49" charset="0"/>
+              </a:rPr>
+              <a:t>运行队列等待时间的幂等分布。</a:t>
+            </a:r>
+            <a:endParaRPr lang="en-US" altLang="zh-CN" sz="1800" dirty="0">
+              <a:latin typeface="Lucida Sans Regular" panose="020B0602030504020204" pitchFamily="34" charset="0"/>
+              <a:ea typeface="楷体" panose="02010609060101010101" pitchFamily="49" charset="-122"/>
+              <a:cs typeface="Cascadia Code" panose="020B0609020000020004" pitchFamily="49" charset="0"/>
+            </a:endParaRPr>
+          </a:p>
+          <a:p>
+            <a:pPr marL="742950" lvl="2" indent="285750">
+              <a:lnSpc>
+                <a:spcPct val="150000"/>
+              </a:lnSpc>
+              <a:spcBef>
+                <a:spcPts val="600"/>
+              </a:spcBef>
+              <a:buFont typeface="Wingdings" panose="05000000000000000000" pitchFamily="2" charset="2"/>
+              <a:buChar char="Ø"/>
+            </a:pPr>
+            <a:r>
+              <a:rPr lang="en-US" altLang="zh-CN" sz="1800" dirty="0">
+                <a:latin typeface="Lucida Sans Regular" panose="020B0602030504020204" pitchFamily="34" charset="0"/>
+                <a:ea typeface="楷体" panose="02010609060101010101" pitchFamily="49" charset="-122"/>
+                <a:cs typeface="Cascadia Code" panose="020B0609020000020004" pitchFamily="49" charset="0"/>
+              </a:rPr>
+              <a:t>task</a:t>
+            </a:r>
+            <a:r>
+              <a:rPr lang="zh-CN" altLang="en-US" sz="1800" dirty="0">
+                <a:latin typeface="Lucida Sans Regular" panose="020B0602030504020204" pitchFamily="34" charset="0"/>
+                <a:ea typeface="楷体" panose="02010609060101010101" pitchFamily="49" charset="-122"/>
+                <a:cs typeface="Cascadia Code" panose="020B0609020000020004" pitchFamily="49" charset="0"/>
+              </a:rPr>
+              <a:t>进入</a:t>
+            </a:r>
+            <a:r>
+              <a:rPr lang="en-US" altLang="zh-CN" sz="1800" dirty="0">
+                <a:latin typeface="Lucida Sans Regular" panose="020B0602030504020204" pitchFamily="34" charset="0"/>
+                <a:ea typeface="楷体" panose="02010609060101010101" pitchFamily="49" charset="-122"/>
+                <a:cs typeface="Cascadia Code" panose="020B0609020000020004" pitchFamily="49" charset="0"/>
+              </a:rPr>
+              <a:t>hung</a:t>
+            </a:r>
+            <a:r>
+              <a:rPr lang="zh-CN" altLang="en-US" sz="1800" dirty="0">
+                <a:latin typeface="Lucida Sans Regular" panose="020B0602030504020204" pitchFamily="34" charset="0"/>
+                <a:ea typeface="楷体" panose="02010609060101010101" pitchFamily="49" charset="-122"/>
+                <a:cs typeface="Cascadia Code" panose="020B0609020000020004" pitchFamily="49" charset="0"/>
+              </a:rPr>
+              <a:t>状态。</a:t>
+            </a:r>
+            <a:endParaRPr lang="en-US" altLang="zh-CN" sz="1800" dirty="0">
+              <a:latin typeface="Lucida Sans Regular" panose="020B0602030504020204" pitchFamily="34" charset="0"/>
+              <a:ea typeface="楷体" panose="02010609060101010101" pitchFamily="49" charset="-122"/>
+              <a:cs typeface="Cascadia Code" panose="020B0609020000020004" pitchFamily="49" charset="0"/>
+            </a:endParaRPr>
+          </a:p>
+          <a:p>
+            <a:pPr marL="742950" lvl="2" indent="285750">
+              <a:lnSpc>
+                <a:spcPct val="150000"/>
+              </a:lnSpc>
+              <a:spcBef>
+                <a:spcPts val="600"/>
+              </a:spcBef>
+              <a:buFont typeface="Wingdings" panose="05000000000000000000" pitchFamily="2" charset="2"/>
+              <a:buChar char="Ø"/>
+            </a:pPr>
+            <a:r>
+              <a:rPr lang="en-US" altLang="zh-CN" sz="1800" dirty="0">
+                <a:latin typeface="Lucida Sans Regular" panose="020B0602030504020204" pitchFamily="34" charset="0"/>
+                <a:ea typeface="楷体" panose="02010609060101010101" pitchFamily="49" charset="-122"/>
+                <a:cs typeface="Cascadia Code" panose="020B0609020000020004" pitchFamily="49" charset="0"/>
+              </a:rPr>
+              <a:t>task </a:t>
+            </a:r>
+            <a:r>
+              <a:rPr lang="en-US" altLang="zh-CN" sz="1800" dirty="0" err="1">
+                <a:latin typeface="Lucida Sans Regular" panose="020B0602030504020204" pitchFamily="34" charset="0"/>
+                <a:ea typeface="楷体" panose="02010609060101010101" pitchFamily="49" charset="-122"/>
+                <a:cs typeface="Cascadia Code" panose="020B0609020000020004" pitchFamily="49" charset="0"/>
+              </a:rPr>
+              <a:t>offcpu</a:t>
+            </a:r>
+            <a:r>
+              <a:rPr lang="zh-CN" altLang="en-US" sz="1800" dirty="0">
+                <a:latin typeface="Lucida Sans Regular" panose="020B0602030504020204" pitchFamily="34" charset="0"/>
+                <a:ea typeface="楷体" panose="02010609060101010101" pitchFamily="49" charset="-122"/>
+                <a:cs typeface="Cascadia Code" panose="020B0609020000020004" pitchFamily="49" charset="0"/>
+              </a:rPr>
+              <a:t>时间超过阈值。</a:t>
+            </a:r>
+            <a:endParaRPr lang="en-US" altLang="zh-CN" sz="1800" dirty="0">
+              <a:latin typeface="Lucida Sans Regular" panose="020B0602030504020204" pitchFamily="34" charset="0"/>
+              <a:ea typeface="楷体" panose="02010609060101010101" pitchFamily="49" charset="-122"/>
+              <a:cs typeface="Cascadia Code" panose="020B0609020000020004" pitchFamily="49" charset="0"/>
+            </a:endParaRPr>
+          </a:p>
+          <a:p>
+            <a:pPr marL="742950" lvl="2" indent="285750">
+              <a:lnSpc>
+                <a:spcPct val="150000"/>
+              </a:lnSpc>
+              <a:spcBef>
+                <a:spcPts val="600"/>
+              </a:spcBef>
+              <a:buFont typeface="Wingdings" panose="05000000000000000000" pitchFamily="2" charset="2"/>
+              <a:buChar char="Ø"/>
+            </a:pPr>
+            <a:r>
+              <a:rPr lang="en-US" altLang="zh-CN" sz="1800" dirty="0">
+                <a:latin typeface="Lucida Sans Regular" panose="020B0602030504020204" pitchFamily="34" charset="0"/>
+                <a:ea typeface="楷体" panose="02010609060101010101" pitchFamily="49" charset="-122"/>
+                <a:cs typeface="Cascadia Code" panose="020B0609020000020004" pitchFamily="49" charset="0"/>
+              </a:rPr>
+              <a:t>task</a:t>
+            </a:r>
+            <a:r>
+              <a:rPr lang="zh-CN" altLang="en-US" sz="1800" dirty="0">
+                <a:latin typeface="Lucida Sans Regular" panose="020B0602030504020204" pitchFamily="34" charset="0"/>
+                <a:ea typeface="楷体" panose="02010609060101010101" pitchFamily="49" charset="-122"/>
+                <a:cs typeface="Cascadia Code" panose="020B0609020000020004" pitchFamily="49" charset="0"/>
+              </a:rPr>
+              <a:t>过滤范围：</a:t>
+            </a:r>
+            <a:r>
+              <a:rPr lang="en-US" altLang="zh-CN" sz="1800" dirty="0" err="1">
+                <a:latin typeface="Lucida Sans Regular" panose="020B0602030504020204" pitchFamily="34" charset="0"/>
+                <a:ea typeface="楷体" panose="02010609060101010101" pitchFamily="49" charset="-122"/>
+                <a:cs typeface="Cascadia Code" panose="020B0609020000020004" pitchFamily="49" charset="0"/>
+              </a:rPr>
+              <a:t>os</a:t>
+            </a:r>
+            <a:r>
+              <a:rPr lang="zh-CN" altLang="en-US" sz="1800" dirty="0">
+                <a:latin typeface="Lucida Sans Regular" panose="020B0602030504020204" pitchFamily="34" charset="0"/>
+                <a:ea typeface="楷体" panose="02010609060101010101" pitchFamily="49" charset="-122"/>
+                <a:cs typeface="Cascadia Code" panose="020B0609020000020004" pitchFamily="49" charset="0"/>
+              </a:rPr>
+              <a:t>，</a:t>
+            </a:r>
+            <a:r>
+              <a:rPr lang="en-US" altLang="zh-CN" sz="1800" dirty="0">
+                <a:latin typeface="Lucida Sans Regular" panose="020B0602030504020204" pitchFamily="34" charset="0"/>
+                <a:ea typeface="楷体" panose="02010609060101010101" pitchFamily="49" charset="-122"/>
+                <a:cs typeface="Cascadia Code" panose="020B0609020000020004" pitchFamily="49" charset="0"/>
+              </a:rPr>
+              <a:t>namespace</a:t>
+            </a:r>
+            <a:r>
+              <a:rPr lang="zh-CN" altLang="en-US" sz="1800" dirty="0">
+                <a:latin typeface="Lucida Sans Regular" panose="020B0602030504020204" pitchFamily="34" charset="0"/>
+                <a:ea typeface="楷体" panose="02010609060101010101" pitchFamily="49" charset="-122"/>
+                <a:cs typeface="Cascadia Code" panose="020B0609020000020004" pitchFamily="49" charset="0"/>
+              </a:rPr>
+              <a:t>，</a:t>
+            </a:r>
+            <a:r>
+              <a:rPr lang="en-US" altLang="zh-CN" sz="1800" dirty="0" err="1">
+                <a:latin typeface="Lucida Sans Regular" panose="020B0602030504020204" pitchFamily="34" charset="0"/>
+                <a:ea typeface="楷体" panose="02010609060101010101" pitchFamily="49" charset="-122"/>
+                <a:cs typeface="Cascadia Code" panose="020B0609020000020004" pitchFamily="49" charset="0"/>
+              </a:rPr>
+              <a:t>cgroup</a:t>
+            </a:r>
+            <a:r>
+              <a:rPr lang="zh-CN" altLang="en-US" sz="1800" dirty="0">
+                <a:latin typeface="Lucida Sans Regular" panose="020B0602030504020204" pitchFamily="34" charset="0"/>
+                <a:ea typeface="楷体" panose="02010609060101010101" pitchFamily="49" charset="-122"/>
+                <a:cs typeface="Cascadia Code" panose="020B0609020000020004" pitchFamily="49" charset="0"/>
+              </a:rPr>
+              <a:t>，</a:t>
+            </a:r>
+            <a:r>
+              <a:rPr lang="en-US" altLang="zh-CN" sz="1800" dirty="0" err="1">
+                <a:latin typeface="Lucida Sans Regular" panose="020B0602030504020204" pitchFamily="34" charset="0"/>
+                <a:ea typeface="楷体" panose="02010609060101010101" pitchFamily="49" charset="-122"/>
+                <a:cs typeface="Cascadia Code" panose="020B0609020000020004" pitchFamily="49" charset="0"/>
+              </a:rPr>
+              <a:t>pgid</a:t>
+            </a:r>
+            <a:r>
+              <a:rPr lang="zh-CN" altLang="en-US" sz="1800" dirty="0">
+                <a:latin typeface="Lucida Sans Regular" panose="020B0602030504020204" pitchFamily="34" charset="0"/>
+                <a:ea typeface="楷体" panose="02010609060101010101" pitchFamily="49" charset="-122"/>
+                <a:cs typeface="Cascadia Code" panose="020B0609020000020004" pitchFamily="49" charset="0"/>
+              </a:rPr>
+              <a:t>，</a:t>
+            </a:r>
+            <a:r>
+              <a:rPr lang="en-US" altLang="zh-CN" sz="1800" dirty="0" err="1">
+                <a:latin typeface="Lucida Sans Regular" panose="020B0602030504020204" pitchFamily="34" charset="0"/>
+                <a:ea typeface="楷体" panose="02010609060101010101" pitchFamily="49" charset="-122"/>
+                <a:cs typeface="Cascadia Code" panose="020B0609020000020004" pitchFamily="49" charset="0"/>
+              </a:rPr>
+              <a:t>pid</a:t>
+            </a:r>
+            <a:endParaRPr lang="en-US" altLang="zh-CN" sz="1800" dirty="0">
+              <a:latin typeface="Lucida Sans Regular" panose="020B0602030504020204" pitchFamily="34" charset="0"/>
+              <a:ea typeface="楷体" panose="02010609060101010101" pitchFamily="49" charset="-122"/>
+              <a:cs typeface="Cascadia Code" panose="020B0609020000020004" pitchFamily="49" charset="0"/>
+            </a:endParaRPr>
+          </a:p>
+          <a:p>
+            <a:pPr marL="800100" lvl="2" indent="-342900">
+              <a:spcBef>
+                <a:spcPts val="1000"/>
+              </a:spcBef>
+              <a:buFont typeface="Wingdings" panose="05000000000000000000" pitchFamily="2" charset="2"/>
+              <a:buChar char="Ø"/>
+            </a:pPr>
+            <a:endParaRPr lang="en-US" altLang="zh-CN" dirty="0">
+              <a:latin typeface="Lucida Sans Regular" panose="020B0602030504020204" pitchFamily="34" charset="0"/>
+              <a:ea typeface="楷体" panose="02010609060101010101" pitchFamily="49" charset="-122"/>
+              <a:cs typeface="Cascadia Code" panose="020B0609020000020004" pitchFamily="49" charset="0"/>
+            </a:endParaRPr>
+          </a:p>
+          <a:p>
+            <a:pPr marL="457200" lvl="2" indent="0" algn="l">
+              <a:lnSpc>
+                <a:spcPct val="150000"/>
+              </a:lnSpc>
+              <a:spcBef>
+                <a:spcPts val="800"/>
+              </a:spcBef>
+              <a:buNone/>
+            </a:pPr>
+            <a:endParaRPr lang="en-US" altLang="zh-CN" dirty="0">
+              <a:latin typeface="Lucida Sans Regular" panose="020B0602030504020204" pitchFamily="34" charset="0"/>
+              <a:ea typeface="楷体" panose="02010609060101010101" pitchFamily="49" charset="-122"/>
+            </a:endParaRPr>
+          </a:p>
+          <a:p>
+            <a:pPr marL="457200" lvl="2" indent="0" algn="l">
+              <a:lnSpc>
+                <a:spcPct val="150000"/>
+              </a:lnSpc>
+              <a:spcBef>
+                <a:spcPts val="600"/>
+              </a:spcBef>
+              <a:buNone/>
+            </a:pPr>
+            <a:endParaRPr lang="zh-CN" altLang="en-US" dirty="0">
+              <a:latin typeface="Lucida Sans Regular" panose="020B0602030504020204" pitchFamily="34" charset="0"/>
+              <a:ea typeface="楷体" panose="02010609060101010101" pitchFamily="49" charset="-122"/>
+            </a:endParaRPr>
+          </a:p>
+        </p:txBody>
+      </p:sp>
+      <p:pic>
+        <p:nvPicPr>
+          <p:cNvPr id="7" name="图片 6">
+            <a:extLst>
+              <a:ext uri="{FF2B5EF4-FFF2-40B4-BE49-F238E27FC236}">
+                <a16:creationId xmlns:a16="http://schemas.microsoft.com/office/drawing/2014/main" id="{474D8995-F9C6-EA06-02D4-C566EDED091D}"/>
+              </a:ext>
+            </a:extLst>
+          </p:cNvPr>
+          <p:cNvPicPr>
+            <a:picLocks noChangeAspect="1"/>
+          </p:cNvPicPr>
+          <p:nvPr/>
+        </p:nvPicPr>
+        <p:blipFill>
+          <a:blip r:embed="rId3"/>
+          <a:stretch>
+            <a:fillRect/>
+          </a:stretch>
+        </p:blipFill>
+        <p:spPr>
+          <a:xfrm>
+            <a:off x="549028" y="3360092"/>
+            <a:ext cx="11199618" cy="2432468"/>
+          </a:xfrm>
+          <a:prstGeom prst="rect">
+            <a:avLst/>
+          </a:prstGeom>
+        </p:spPr>
+      </p:pic>
+    </p:spTree>
+    <p:extLst>
+      <p:ext uri="{BB962C8B-B14F-4D97-AF65-F5344CB8AC3E}">
+        <p14:creationId xmlns:p14="http://schemas.microsoft.com/office/powerpoint/2010/main" val="2951603135"/>
+      </p:ext>
+    </p:extLst>
+  </p:cSld>
+  <p:clrMapOvr>
+    <a:masterClrMapping/>
+  </p:clrMapOvr>
+</p:sld>
+</file>
+
+<file path=ppt/slides/slide7.xml><?xml version="1.0" encoding="utf-8"?>
+<p:sld xmlns:a="http://schemas.openxmlformats.org/drawingml/2006/main" xmlns:r="http://schemas.openxmlformats.org/officeDocument/2006/relationships" xmlns:p="http://schemas.openxmlformats.org/presentationml/2006/main">
+  <p:cSld>
+    <p:spTree>
+      <p:nvGrpSpPr>
+        <p:cNvPr id="1" name=""/>
+        <p:cNvGrpSpPr/>
+        <p:nvPr/>
+      </p:nvGrpSpPr>
+      <p:grpSpPr>
+        <a:xfrm>
+          <a:off x="0" y="0"/>
+          <a:ext cx="0" cy="0"/>
+          <a:chOff x="0" y="0"/>
+          <a:chExt cx="0" cy="0"/>
+        </a:xfrm>
+      </p:grpSpPr>
+      <p:pic>
+        <p:nvPicPr>
+          <p:cNvPr id="4" name="图片 3">
+            <a:extLst>
+              <a:ext uri="{FF2B5EF4-FFF2-40B4-BE49-F238E27FC236}">
                 <a16:creationId xmlns:a16="http://schemas.microsoft.com/office/drawing/2014/main" id="{DAB9E385-6BF1-F622-4C04-4C9582735DB5}"/>
               </a:ext>
             </a:extLst>
@@ -6081,9 +6640,334 @@
                 <a:ea typeface="楷体" panose="02010609060101010101" pitchFamily="49" charset="-122"/>
                 <a:cs typeface="Cascadia Code" panose="020B0609020000020004" pitchFamily="49" charset="0"/>
               </a:rPr>
-              <a:t>oomKiller</a:t>
+              <a:t>OOMKiller</a:t>
             </a:r>
             <a:endParaRPr lang="en-US" altLang="zh-CN" dirty="0">
+              <a:latin typeface="Lucida Sans Regular" panose="020B0602030504020204" pitchFamily="34" charset="0"/>
+              <a:ea typeface="楷体" panose="02010609060101010101" pitchFamily="49" charset="-122"/>
+              <a:cs typeface="Cascadia Code" panose="020B0609020000020004" pitchFamily="49" charset="0"/>
+            </a:endParaRPr>
+          </a:p>
+          <a:p>
+            <a:pPr marL="800100" lvl="2" indent="-342900">
+              <a:lnSpc>
+                <a:spcPct val="150000"/>
+              </a:lnSpc>
+              <a:spcBef>
+                <a:spcPts val="600"/>
+              </a:spcBef>
+              <a:buFont typeface="Wingdings" panose="05000000000000000000" pitchFamily="2" charset="2"/>
+              <a:buChar char="Ø"/>
+            </a:pPr>
+            <a:r>
+              <a:rPr lang="en-US" altLang="zh-CN" sz="1800" dirty="0">
+                <a:latin typeface="Lucida Sans Regular" panose="020B0602030504020204" pitchFamily="34" charset="0"/>
+                <a:ea typeface="楷体" panose="02010609060101010101" pitchFamily="49" charset="-122"/>
+                <a:cs typeface="Cascadia Code" panose="020B0609020000020004" pitchFamily="49" charset="0"/>
+              </a:rPr>
+              <a:t>kernel badness</a:t>
+            </a:r>
+            <a:r>
+              <a:rPr lang="zh-CN" altLang="en-US" sz="1800" dirty="0">
+                <a:latin typeface="Lucida Sans Regular" panose="020B0602030504020204" pitchFamily="34" charset="0"/>
+                <a:ea typeface="楷体" panose="02010609060101010101" pitchFamily="49" charset="-122"/>
+                <a:cs typeface="Cascadia Code" panose="020B0609020000020004" pitchFamily="49" charset="0"/>
+              </a:rPr>
+              <a:t>函数计算得到</a:t>
+            </a:r>
+            <a:r>
+              <a:rPr lang="en-US" altLang="zh-CN" sz="1800" dirty="0">
+                <a:latin typeface="Lucida Sans Regular" panose="020B0602030504020204" pitchFamily="34" charset="0"/>
+                <a:ea typeface="楷体" panose="02010609060101010101" pitchFamily="49" charset="-122"/>
+                <a:cs typeface="Cascadia Code" panose="020B0609020000020004" pitchFamily="49" charset="0"/>
+              </a:rPr>
+              <a:t>points</a:t>
+            </a:r>
+            <a:r>
+              <a:rPr lang="zh-CN" altLang="en-US" sz="1800" dirty="0">
+                <a:latin typeface="Lucida Sans Regular" panose="020B0602030504020204" pitchFamily="34" charset="0"/>
+                <a:ea typeface="楷体" panose="02010609060101010101" pitchFamily="49" charset="-122"/>
+                <a:cs typeface="Cascadia Code" panose="020B0609020000020004" pitchFamily="49" charset="0"/>
+              </a:rPr>
+              <a:t>。</a:t>
+            </a:r>
+            <a:endParaRPr lang="en-US" altLang="zh-CN" sz="1800" dirty="0">
+              <a:latin typeface="Lucida Sans Regular" panose="020B0602030504020204" pitchFamily="34" charset="0"/>
+              <a:ea typeface="楷体" panose="02010609060101010101" pitchFamily="49" charset="-122"/>
+              <a:cs typeface="Cascadia Code" panose="020B0609020000020004" pitchFamily="49" charset="0"/>
+            </a:endParaRPr>
+          </a:p>
+          <a:p>
+            <a:pPr marL="800100" lvl="2" indent="-342900">
+              <a:lnSpc>
+                <a:spcPct val="150000"/>
+              </a:lnSpc>
+              <a:spcBef>
+                <a:spcPts val="600"/>
+              </a:spcBef>
+              <a:buFont typeface="Wingdings" panose="05000000000000000000" pitchFamily="2" charset="2"/>
+              <a:buChar char="Ø"/>
+            </a:pPr>
+            <a:r>
+              <a:rPr lang="en-US" altLang="zh-CN" sz="1800" dirty="0">
+                <a:latin typeface="Lucida Sans Regular" panose="020B0602030504020204" pitchFamily="34" charset="0"/>
+                <a:ea typeface="楷体" panose="02010609060101010101" pitchFamily="49" charset="-122"/>
+                <a:cs typeface="Cascadia Code" panose="020B0609020000020004" pitchFamily="49" charset="0"/>
+              </a:rPr>
+              <a:t>process</a:t>
+            </a:r>
+            <a:r>
+              <a:rPr lang="zh-CN" altLang="en-US" sz="1800" dirty="0">
+                <a:latin typeface="Lucida Sans Regular" panose="020B0602030504020204" pitchFamily="34" charset="0"/>
+                <a:ea typeface="楷体" panose="02010609060101010101" pitchFamily="49" charset="-122"/>
+                <a:cs typeface="Cascadia Code" panose="020B0609020000020004" pitchFamily="49" charset="0"/>
+              </a:rPr>
+              <a:t>的</a:t>
+            </a:r>
+            <a:r>
+              <a:rPr lang="en-US" altLang="zh-CN" sz="1800" dirty="0" err="1">
+                <a:latin typeface="Lucida Sans Regular" panose="020B0602030504020204" pitchFamily="34" charset="0"/>
+                <a:ea typeface="楷体" panose="02010609060101010101" pitchFamily="49" charset="-122"/>
+                <a:cs typeface="Cascadia Code" panose="020B0609020000020004" pitchFamily="49" charset="0"/>
+              </a:rPr>
+              <a:t>rss_filepages_kb</a:t>
+            </a:r>
+            <a:r>
+              <a:rPr lang="en-US" altLang="zh-CN" sz="1800" dirty="0">
+                <a:latin typeface="Lucida Sans Regular" panose="020B0602030504020204" pitchFamily="34" charset="0"/>
+                <a:ea typeface="楷体" panose="02010609060101010101" pitchFamily="49" charset="-122"/>
+                <a:cs typeface="Cascadia Code" panose="020B0609020000020004" pitchFamily="49" charset="0"/>
+              </a:rPr>
+              <a:t>, </a:t>
+            </a:r>
+            <a:r>
+              <a:rPr lang="en-US" altLang="zh-CN" sz="1800" dirty="0" err="1">
+                <a:latin typeface="Lucida Sans Regular" panose="020B0602030504020204" pitchFamily="34" charset="0"/>
+                <a:ea typeface="楷体" panose="02010609060101010101" pitchFamily="49" charset="-122"/>
+                <a:cs typeface="Cascadia Code" panose="020B0609020000020004" pitchFamily="49" charset="0"/>
+              </a:rPr>
+              <a:t>rss_annopages_kb</a:t>
+            </a:r>
+            <a:r>
+              <a:rPr lang="en-US" altLang="zh-CN" sz="1800" dirty="0">
+                <a:latin typeface="Lucida Sans Regular" panose="020B0602030504020204" pitchFamily="34" charset="0"/>
+                <a:ea typeface="楷体" panose="02010609060101010101" pitchFamily="49" charset="-122"/>
+                <a:cs typeface="Cascadia Code" panose="020B0609020000020004" pitchFamily="49" charset="0"/>
+              </a:rPr>
+              <a:t>, </a:t>
+            </a:r>
+            <a:r>
+              <a:rPr lang="en-US" altLang="zh-CN" sz="1800" dirty="0" err="1">
+                <a:latin typeface="Lucida Sans Regular" panose="020B0602030504020204" pitchFamily="34" charset="0"/>
+                <a:ea typeface="楷体" panose="02010609060101010101" pitchFamily="49" charset="-122"/>
+                <a:cs typeface="Cascadia Code" panose="020B0609020000020004" pitchFamily="49" charset="0"/>
+              </a:rPr>
+              <a:t>rss_shempages_kb</a:t>
+            </a:r>
+            <a:r>
+              <a:rPr lang="zh-CN" altLang="en-US" sz="1800" dirty="0">
+                <a:latin typeface="Lucida Sans Regular" panose="020B0602030504020204" pitchFamily="34" charset="0"/>
+                <a:ea typeface="楷体" panose="02010609060101010101" pitchFamily="49" charset="-122"/>
+                <a:cs typeface="Cascadia Code" panose="020B0609020000020004" pitchFamily="49" charset="0"/>
+              </a:rPr>
+              <a:t>。</a:t>
+            </a:r>
+            <a:endParaRPr lang="en-US" altLang="zh-CN" sz="1800" dirty="0">
+              <a:latin typeface="Lucida Sans Regular" panose="020B0602030504020204" pitchFamily="34" charset="0"/>
+              <a:ea typeface="楷体" panose="02010609060101010101" pitchFamily="49" charset="-122"/>
+              <a:cs typeface="Cascadia Code" panose="020B0609020000020004" pitchFamily="49" charset="0"/>
+            </a:endParaRPr>
+          </a:p>
+          <a:p>
+            <a:pPr marL="800100" lvl="2" indent="-342900">
+              <a:lnSpc>
+                <a:spcPct val="150000"/>
+              </a:lnSpc>
+              <a:spcBef>
+                <a:spcPts val="600"/>
+              </a:spcBef>
+              <a:buFont typeface="Wingdings" panose="05000000000000000000" pitchFamily="2" charset="2"/>
+              <a:buChar char="Ø"/>
+            </a:pPr>
+            <a:r>
+              <a:rPr lang="en-US" altLang="zh-CN" sz="1800" dirty="0" err="1">
+                <a:latin typeface="Lucida Sans Regular" panose="020B0602030504020204" pitchFamily="34" charset="0"/>
+                <a:ea typeface="楷体" panose="02010609060101010101" pitchFamily="49" charset="-122"/>
+                <a:cs typeface="Cascadia Code" panose="020B0609020000020004" pitchFamily="49" charset="0"/>
+              </a:rPr>
+              <a:t>mem_limit_kb</a:t>
+            </a:r>
+            <a:r>
+              <a:rPr lang="zh-CN" altLang="en-US" sz="1800" dirty="0">
+                <a:latin typeface="Lucida Sans Regular" panose="020B0602030504020204" pitchFamily="34" charset="0"/>
+                <a:ea typeface="楷体" panose="02010609060101010101" pitchFamily="49" charset="-122"/>
+                <a:cs typeface="Cascadia Code" panose="020B0609020000020004" pitchFamily="49" charset="0"/>
+              </a:rPr>
+              <a:t>物理内存数量或</a:t>
+            </a:r>
+            <a:r>
+              <a:rPr lang="en-US" altLang="zh-CN" sz="1800" dirty="0" err="1">
+                <a:latin typeface="Lucida Sans Regular" panose="020B0602030504020204" pitchFamily="34" charset="0"/>
+                <a:ea typeface="楷体" panose="02010609060101010101" pitchFamily="49" charset="-122"/>
+                <a:cs typeface="Cascadia Code" panose="020B0609020000020004" pitchFamily="49" charset="0"/>
+              </a:rPr>
+              <a:t>memcg</a:t>
+            </a:r>
+            <a:r>
+              <a:rPr lang="zh-CN" altLang="en-US" sz="1800" dirty="0">
+                <a:latin typeface="Lucida Sans Regular" panose="020B0602030504020204" pitchFamily="34" charset="0"/>
+                <a:ea typeface="楷体" panose="02010609060101010101" pitchFamily="49" charset="-122"/>
+                <a:cs typeface="Cascadia Code" panose="020B0609020000020004" pitchFamily="49" charset="0"/>
+              </a:rPr>
+              <a:t>的</a:t>
+            </a:r>
+            <a:r>
+              <a:rPr lang="en-US" altLang="zh-CN" sz="1800" dirty="0" err="1">
+                <a:latin typeface="Lucida Sans Regular" panose="020B0602030504020204" pitchFamily="34" charset="0"/>
+                <a:ea typeface="楷体" panose="02010609060101010101" pitchFamily="49" charset="-122"/>
+                <a:cs typeface="Cascadia Code" panose="020B0609020000020004" pitchFamily="49" charset="0"/>
+              </a:rPr>
+              <a:t>limit_bytes</a:t>
+            </a:r>
+            <a:r>
+              <a:rPr lang="zh-CN" altLang="en-US" sz="1800" dirty="0">
+                <a:latin typeface="Lucida Sans Regular" panose="020B0602030504020204" pitchFamily="34" charset="0"/>
+                <a:ea typeface="楷体" panose="02010609060101010101" pitchFamily="49" charset="-122"/>
+                <a:cs typeface="Cascadia Code" panose="020B0609020000020004" pitchFamily="49" charset="0"/>
+              </a:rPr>
+              <a:t>。</a:t>
+            </a:r>
+            <a:endParaRPr lang="en-US" altLang="zh-CN" sz="1800" dirty="0">
+              <a:latin typeface="Lucida Sans Regular" panose="020B0602030504020204" pitchFamily="34" charset="0"/>
+              <a:ea typeface="楷体" panose="02010609060101010101" pitchFamily="49" charset="-122"/>
+              <a:cs typeface="Cascadia Code" panose="020B0609020000020004" pitchFamily="49" charset="0"/>
+            </a:endParaRPr>
+          </a:p>
+          <a:p>
+            <a:pPr marL="800100" lvl="2" indent="-342900">
+              <a:lnSpc>
+                <a:spcPct val="150000"/>
+              </a:lnSpc>
+              <a:spcBef>
+                <a:spcPts val="600"/>
+              </a:spcBef>
+              <a:buFont typeface="Wingdings" panose="05000000000000000000" pitchFamily="2" charset="2"/>
+              <a:buChar char="Ø"/>
+            </a:pPr>
+            <a:r>
+              <a:rPr lang="en-US" altLang="zh-CN" sz="1800" dirty="0">
+                <a:latin typeface="Lucida Sans Regular" panose="020B0602030504020204" pitchFamily="34" charset="0"/>
+                <a:ea typeface="楷体" panose="02010609060101010101" pitchFamily="49" charset="-122"/>
+                <a:cs typeface="Cascadia Code" panose="020B0609020000020004" pitchFamily="49" charset="0"/>
+              </a:rPr>
+              <a:t>Sub memory </a:t>
+            </a:r>
+            <a:r>
+              <a:rPr lang="en-US" altLang="zh-CN" sz="1800" dirty="0" err="1">
+                <a:latin typeface="Lucida Sans Regular" panose="020B0602030504020204" pitchFamily="34" charset="0"/>
+                <a:ea typeface="楷体" panose="02010609060101010101" pitchFamily="49" charset="-122"/>
+                <a:cs typeface="Cascadia Code" panose="020B0609020000020004" pitchFamily="49" charset="0"/>
+              </a:rPr>
+              <a:t>cgroup</a:t>
+            </a:r>
+            <a:r>
+              <a:rPr lang="zh-CN" altLang="en-US" sz="1800" dirty="0">
+                <a:latin typeface="Lucida Sans Regular" panose="020B0602030504020204" pitchFamily="34" charset="0"/>
+                <a:ea typeface="楷体" panose="02010609060101010101" pitchFamily="49" charset="-122"/>
+                <a:cs typeface="Cascadia Code" panose="020B0609020000020004" pitchFamily="49" charset="0"/>
+              </a:rPr>
+              <a:t>的</a:t>
+            </a:r>
+            <a:r>
+              <a:rPr lang="en-US" altLang="zh-CN" sz="1800" dirty="0" err="1">
+                <a:latin typeface="Lucida Sans Regular" panose="020B0602030504020204" pitchFamily="34" charset="0"/>
+                <a:ea typeface="楷体" panose="02010609060101010101" pitchFamily="49" charset="-122"/>
+                <a:cs typeface="Cascadia Code" panose="020B0609020000020004" pitchFamily="49" charset="0"/>
+              </a:rPr>
+              <a:t>inode</a:t>
+            </a:r>
+            <a:r>
+              <a:rPr lang="zh-CN" altLang="en-US" sz="1800" dirty="0">
+                <a:latin typeface="Lucida Sans Regular" panose="020B0602030504020204" pitchFamily="34" charset="0"/>
+                <a:ea typeface="楷体" panose="02010609060101010101" pitchFamily="49" charset="-122"/>
+                <a:cs typeface="Cascadia Code" panose="020B0609020000020004" pitchFamily="49" charset="0"/>
+              </a:rPr>
+              <a:t>。</a:t>
+            </a:r>
+            <a:endParaRPr lang="en-US" altLang="zh-CN" sz="1800" dirty="0">
+              <a:latin typeface="Lucida Sans Regular" panose="020B0602030504020204" pitchFamily="34" charset="0"/>
+              <a:ea typeface="楷体" panose="02010609060101010101" pitchFamily="49" charset="-122"/>
+              <a:cs typeface="Cascadia Code" panose="020B0609020000020004" pitchFamily="49" charset="0"/>
+            </a:endParaRPr>
+          </a:p>
+          <a:p>
+            <a:pPr marL="800100" lvl="2" indent="-342900">
+              <a:lnSpc>
+                <a:spcPct val="150000"/>
+              </a:lnSpc>
+              <a:spcBef>
+                <a:spcPts val="600"/>
+              </a:spcBef>
+              <a:buFont typeface="Wingdings" panose="05000000000000000000" pitchFamily="2" charset="2"/>
+              <a:buChar char="Ø"/>
+            </a:pPr>
+            <a:r>
+              <a:rPr lang="zh-CN" altLang="en-US" sz="1800" dirty="0">
+                <a:latin typeface="Lucida Sans Regular" panose="020B0602030504020204" pitchFamily="34" charset="0"/>
+                <a:ea typeface="楷体" panose="02010609060101010101" pitchFamily="49" charset="-122"/>
+                <a:cs typeface="Cascadia Code" panose="020B0609020000020004" pitchFamily="49" charset="0"/>
+              </a:rPr>
+              <a:t>系统</a:t>
+            </a:r>
+            <a:r>
+              <a:rPr lang="en-US" altLang="zh-CN" sz="1800" dirty="0" err="1">
+                <a:latin typeface="Lucida Sans Regular" panose="020B0602030504020204" pitchFamily="34" charset="0"/>
+                <a:ea typeface="楷体" panose="02010609060101010101" pitchFamily="49" charset="-122"/>
+                <a:cs typeface="Cascadia Code" panose="020B0609020000020004" pitchFamily="49" charset="0"/>
+              </a:rPr>
+              <a:t>oom</a:t>
+            </a:r>
+            <a:r>
+              <a:rPr lang="zh-CN" altLang="en-US" sz="1800" dirty="0">
+                <a:latin typeface="Lucida Sans Regular" panose="020B0602030504020204" pitchFamily="34" charset="0"/>
+                <a:ea typeface="楷体" panose="02010609060101010101" pitchFamily="49" charset="-122"/>
+                <a:cs typeface="Cascadia Code" panose="020B0609020000020004" pitchFamily="49" charset="0"/>
+              </a:rPr>
+              <a:t>的</a:t>
+            </a:r>
+            <a:r>
+              <a:rPr lang="en-US" altLang="zh-CN" sz="1800" dirty="0">
+                <a:latin typeface="Lucida Sans Regular" panose="020B0602030504020204" pitchFamily="34" charset="0"/>
+                <a:ea typeface="楷体" panose="02010609060101010101" pitchFamily="49" charset="-122"/>
+                <a:cs typeface="Cascadia Code" panose="020B0609020000020004" pitchFamily="49" charset="0"/>
+              </a:rPr>
+              <a:t>msg</a:t>
+            </a:r>
+            <a:r>
+              <a:rPr lang="zh-CN" altLang="en-US" sz="1800" dirty="0">
+                <a:latin typeface="Lucida Sans Regular" panose="020B0602030504020204" pitchFamily="34" charset="0"/>
+                <a:ea typeface="楷体" panose="02010609060101010101" pitchFamily="49" charset="-122"/>
+                <a:cs typeface="Cascadia Code" panose="020B0609020000020004" pitchFamily="49" charset="0"/>
+              </a:rPr>
+              <a:t>。</a:t>
+            </a:r>
+            <a:endParaRPr lang="en-US" altLang="zh-CN" sz="1800" dirty="0">
+              <a:latin typeface="Lucida Sans Regular" panose="020B0602030504020204" pitchFamily="34" charset="0"/>
+              <a:ea typeface="楷体" panose="02010609060101010101" pitchFamily="49" charset="-122"/>
+              <a:cs typeface="Cascadia Code" panose="020B0609020000020004" pitchFamily="49" charset="0"/>
+            </a:endParaRPr>
+          </a:p>
+          <a:p>
+            <a:pPr marL="457200" lvl="2" indent="0">
+              <a:lnSpc>
+                <a:spcPct val="150000"/>
+              </a:lnSpc>
+              <a:spcBef>
+                <a:spcPts val="600"/>
+              </a:spcBef>
+              <a:buNone/>
+            </a:pPr>
+            <a:endParaRPr lang="en-US" altLang="zh-CN" sz="1800" dirty="0">
               <a:latin typeface="Lucida Sans Regular" panose="020B0602030504020204" pitchFamily="34" charset="0"/>
               <a:ea typeface="楷体" panose="02010609060101010101" pitchFamily="49" charset="-122"/>
               <a:cs typeface="Cascadia Code" panose="020B0609020000020004" pitchFamily="49" charset="0"/>
@@ -6121,6 +7005,36 @@
           </a:p>
         </p:txBody>
       </p:sp>
+      <p:pic>
+        <p:nvPicPr>
+          <p:cNvPr id="3" name="图片 2">
+            <a:extLst>
+              <a:ext uri="{FF2B5EF4-FFF2-40B4-BE49-F238E27FC236}">
+                <a16:creationId xmlns:a16="http://schemas.microsoft.com/office/drawing/2014/main" id="{17A77E3A-6C52-8DD5-ED5E-D1C1CBC94012}"/>
+              </a:ext>
+            </a:extLst>
+          </p:cNvPr>
+          <p:cNvPicPr>
+            <a:picLocks noChangeAspect="1"/>
+          </p:cNvPicPr>
+          <p:nvPr/>
+        </p:nvPicPr>
+        <p:blipFill>
+          <a:blip r:embed="rId3"/>
+          <a:stretch>
+            <a:fillRect/>
+          </a:stretch>
+        </p:blipFill>
+        <p:spPr>
+          <a:xfrm>
+            <a:off x="558909" y="4008000"/>
+            <a:ext cx="11074182" cy="1221226"/>
+          </a:xfrm>
+          <a:prstGeom prst="rect">
+            <a:avLst/>
+          </a:prstGeom>
+        </p:spPr>
+      </p:pic>
     </p:spTree>
     <p:extLst>
       <p:ext uri="{BB962C8B-B14F-4D97-AF65-F5344CB8AC3E}">
@@ -6134,7 +7048,7 @@
 </p:sld>
 </file>
 
-<file path=ppt/slides/slide7.xml><?xml version="1.0" encoding="utf-8"?>
+<file path=ppt/slides/slide8.xml><?xml version="1.0" encoding="utf-8"?>
 <p:sld xmlns:a="http://schemas.openxmlformats.org/drawingml/2006/main" xmlns:r="http://schemas.openxmlformats.org/officeDocument/2006/relationships" xmlns:p="http://schemas.openxmlformats.org/presentationml/2006/main">
   <p:cSld>
     <p:spTree>
@@ -6738,7 +7652,7 @@
 </p:sld>
 </file>
 
-<file path=ppt/slides/slide8.xml><?xml version="1.0" encoding="utf-8"?>
+<file path=ppt/slides/slide9.xml><?xml version="1.0" encoding="utf-8"?>
 <p:sld xmlns:a="http://schemas.openxmlformats.org/drawingml/2006/main" xmlns:r="http://schemas.openxmlformats.org/officeDocument/2006/relationships" xmlns:p="http://schemas.openxmlformats.org/presentationml/2006/main">
   <p:cSld>
     <p:spTree>
@@ -7748,113 +8662,6 @@
     <p:extLst>
       <p:ext uri="{BB962C8B-B14F-4D97-AF65-F5344CB8AC3E}">
         <p14:creationId xmlns:p14="http://schemas.microsoft.com/office/powerpoint/2010/main" val="4077834078"/>
-      </p:ext>
-    </p:extLst>
-  </p:cSld>
-  <p:clrMapOvr>
-    <a:masterClrMapping/>
-  </p:clrMapOvr>
-</p:sld>
-</file>
-
-<file path=ppt/slides/slide9.xml><?xml version="1.0" encoding="utf-8"?>
-<p:sld xmlns:a="http://schemas.openxmlformats.org/drawingml/2006/main" xmlns:r="http://schemas.openxmlformats.org/officeDocument/2006/relationships" xmlns:p="http://schemas.openxmlformats.org/presentationml/2006/main">
-  <p:cSld>
-    <p:spTree>
-      <p:nvGrpSpPr>
-        <p:cNvPr id="1" name=""/>
-        <p:cNvGrpSpPr/>
-        <p:nvPr/>
-      </p:nvGrpSpPr>
-      <p:grpSpPr>
-        <a:xfrm>
-          <a:off x="0" y="0"/>
-          <a:ext cx="0" cy="0"/>
-          <a:chOff x="0" y="0"/>
-          <a:chExt cx="0" cy="0"/>
-        </a:xfrm>
-      </p:grpSpPr>
-      <p:pic>
-        <p:nvPicPr>
-          <p:cNvPr id="4" name="图片 3">
-            <a:extLst>
-              <a:ext uri="{FF2B5EF4-FFF2-40B4-BE49-F238E27FC236}">
-                <a16:creationId xmlns:a16="http://schemas.microsoft.com/office/drawing/2014/main" id="{7EF5419E-E781-A02C-7185-4EF320ECD852}"/>
-              </a:ext>
-            </a:extLst>
-          </p:cNvPr>
-          <p:cNvPicPr>
-            <a:picLocks noChangeAspect="1"/>
-          </p:cNvPicPr>
-          <p:nvPr/>
-        </p:nvPicPr>
-        <p:blipFill>
-          <a:blip r:embed="rId2"/>
-          <a:stretch>
-            <a:fillRect/>
-          </a:stretch>
-        </p:blipFill>
-        <p:spPr>
-          <a:xfrm>
-            <a:off x="0" y="0"/>
-            <a:ext cx="1927334" cy="677612"/>
-          </a:xfrm>
-          <a:prstGeom prst="rect">
-            <a:avLst/>
-          </a:prstGeom>
-        </p:spPr>
-      </p:pic>
-      <p:pic>
-        <p:nvPicPr>
-          <p:cNvPr id="1026" name="Picture 2" descr="eBPF开发指南- 知乎">
-            <a:extLst>
-              <a:ext uri="{FF2B5EF4-FFF2-40B4-BE49-F238E27FC236}">
-                <a16:creationId xmlns:a16="http://schemas.microsoft.com/office/drawing/2014/main" id="{FEB1A08D-DBA2-17BE-0756-17CF1F4F095D}"/>
-              </a:ext>
-            </a:extLst>
-          </p:cNvPr>
-          <p:cNvPicPr>
-            <a:picLocks noChangeAspect="1" noChangeArrowheads="1"/>
-          </p:cNvPicPr>
-          <p:nvPr/>
-        </p:nvPicPr>
-        <p:blipFill>
-          <a:blip r:embed="rId3">
-            <a:extLst>
-              <a:ext uri="{28A0092B-C50C-407E-A947-70E740481C1C}">
-                <a14:useLocalDpi xmlns:a14="http://schemas.microsoft.com/office/drawing/2010/main" val="0"/>
-              </a:ext>
-            </a:extLst>
-          </a:blip>
-          <a:srcRect/>
-          <a:stretch>
-            <a:fillRect/>
-          </a:stretch>
-        </p:blipFill>
-        <p:spPr bwMode="auto">
-          <a:xfrm>
-            <a:off x="2165070" y="951770"/>
-            <a:ext cx="7861860" cy="5649241"/>
-          </a:xfrm>
-          <a:prstGeom prst="rect">
-            <a:avLst/>
-          </a:prstGeom>
-          <a:noFill/>
-          <a:extLst>
-            <a:ext uri="{909E8E84-426E-40DD-AFC4-6F175D3DCCD1}">
-              <a14:hiddenFill xmlns:a14="http://schemas.microsoft.com/office/drawing/2010/main">
-                <a:solidFill>
-                  <a:srgbClr val="FFFFFF"/>
-                </a:solidFill>
-              </a14:hiddenFill>
-            </a:ext>
-          </a:extLst>
-        </p:spPr>
-      </p:pic>
-    </p:spTree>
-    <p:extLst>
-      <p:ext uri="{BB962C8B-B14F-4D97-AF65-F5344CB8AC3E}">
-        <p14:creationId xmlns:p14="http://schemas.microsoft.com/office/powerpoint/2010/main" val="2529558987"/>
       </p:ext>
     </p:extLst>
   </p:cSld>

--- a/doc/基于eBPF可观测性实践.pptx
+++ b/doc/基于eBPF可观测性实践.pptx
@@ -5,7 +5,7 @@
     <p:sldMasterId id="2147483648" r:id="rId1"/>
   </p:sldMasterIdLst>
   <p:notesMasterIdLst>
-    <p:notesMasterId r:id="rId12"/>
+    <p:notesMasterId r:id="rId13"/>
   </p:notesMasterIdLst>
   <p:sldIdLst>
     <p:sldId id="256" r:id="rId2"/>
@@ -14,10 +14,11 @@
     <p:sldId id="259" r:id="rId5"/>
     <p:sldId id="260" r:id="rId6"/>
     <p:sldId id="265" r:id="rId7"/>
-    <p:sldId id="261" r:id="rId8"/>
-    <p:sldId id="262" r:id="rId9"/>
-    <p:sldId id="263" r:id="rId10"/>
-    <p:sldId id="264" r:id="rId11"/>
+    <p:sldId id="266" r:id="rId8"/>
+    <p:sldId id="261" r:id="rId9"/>
+    <p:sldId id="262" r:id="rId10"/>
+    <p:sldId id="263" r:id="rId11"/>
+    <p:sldId id="264" r:id="rId12"/>
   </p:sldIdLst>
   <p:sldSz cx="12192000" cy="6858000"/>
   <p:notesSz cx="6858000" cy="9144000"/>
@@ -206,7 +207,7 @@
           <a:p>
             <a:fld id="{5985243D-D7DF-486D-8E00-93BF46E2F1DE}" type="datetimeFigureOut">
               <a:rPr lang="zh-CN" altLang="en-US" smtClean="0"/>
-              <a:t>2023/6/20</a:t>
+              <a:t>2023/6/21</a:t>
             </a:fld>
             <a:endParaRPr lang="zh-CN" altLang="en-US"/>
           </a:p>
@@ -731,7 +732,7 @@
           <a:p>
             <a:fld id="{46BAD0FF-C09A-407F-B942-4E2B28B247C4}" type="datetimeFigureOut">
               <a:rPr lang="zh-CN" altLang="en-US" smtClean="0"/>
-              <a:t>2023/6/20</a:t>
+              <a:t>2023/6/21</a:t>
             </a:fld>
             <a:endParaRPr lang="zh-CN" altLang="en-US"/>
           </a:p>
@@ -929,7 +930,7 @@
           <a:p>
             <a:fld id="{46BAD0FF-C09A-407F-B942-4E2B28B247C4}" type="datetimeFigureOut">
               <a:rPr lang="zh-CN" altLang="en-US" smtClean="0"/>
-              <a:t>2023/6/20</a:t>
+              <a:t>2023/6/21</a:t>
             </a:fld>
             <a:endParaRPr lang="zh-CN" altLang="en-US"/>
           </a:p>
@@ -1137,7 +1138,7 @@
           <a:p>
             <a:fld id="{46BAD0FF-C09A-407F-B942-4E2B28B247C4}" type="datetimeFigureOut">
               <a:rPr lang="zh-CN" altLang="en-US" smtClean="0"/>
-              <a:t>2023/6/20</a:t>
+              <a:t>2023/6/21</a:t>
             </a:fld>
             <a:endParaRPr lang="zh-CN" altLang="en-US"/>
           </a:p>
@@ -1335,7 +1336,7 @@
           <a:p>
             <a:fld id="{46BAD0FF-C09A-407F-B942-4E2B28B247C4}" type="datetimeFigureOut">
               <a:rPr lang="zh-CN" altLang="en-US" smtClean="0"/>
-              <a:t>2023/6/20</a:t>
+              <a:t>2023/6/21</a:t>
             </a:fld>
             <a:endParaRPr lang="zh-CN" altLang="en-US"/>
           </a:p>
@@ -1610,7 +1611,7 @@
           <a:p>
             <a:fld id="{46BAD0FF-C09A-407F-B942-4E2B28B247C4}" type="datetimeFigureOut">
               <a:rPr lang="zh-CN" altLang="en-US" smtClean="0"/>
-              <a:t>2023/6/20</a:t>
+              <a:t>2023/6/21</a:t>
             </a:fld>
             <a:endParaRPr lang="zh-CN" altLang="en-US"/>
           </a:p>
@@ -1875,7 +1876,7 @@
           <a:p>
             <a:fld id="{46BAD0FF-C09A-407F-B942-4E2B28B247C4}" type="datetimeFigureOut">
               <a:rPr lang="zh-CN" altLang="en-US" smtClean="0"/>
-              <a:t>2023/6/20</a:t>
+              <a:t>2023/6/21</a:t>
             </a:fld>
             <a:endParaRPr lang="zh-CN" altLang="en-US"/>
           </a:p>
@@ -2287,7 +2288,7 @@
           <a:p>
             <a:fld id="{46BAD0FF-C09A-407F-B942-4E2B28B247C4}" type="datetimeFigureOut">
               <a:rPr lang="zh-CN" altLang="en-US" smtClean="0"/>
-              <a:t>2023/6/20</a:t>
+              <a:t>2023/6/21</a:t>
             </a:fld>
             <a:endParaRPr lang="zh-CN" altLang="en-US"/>
           </a:p>
@@ -2428,7 +2429,7 @@
           <a:p>
             <a:fld id="{46BAD0FF-C09A-407F-B942-4E2B28B247C4}" type="datetimeFigureOut">
               <a:rPr lang="zh-CN" altLang="en-US" smtClean="0"/>
-              <a:t>2023/6/20</a:t>
+              <a:t>2023/6/21</a:t>
             </a:fld>
             <a:endParaRPr lang="zh-CN" altLang="en-US"/>
           </a:p>
@@ -2541,7 +2542,7 @@
           <a:p>
             <a:fld id="{46BAD0FF-C09A-407F-B942-4E2B28B247C4}" type="datetimeFigureOut">
               <a:rPr lang="zh-CN" altLang="en-US" smtClean="0"/>
-              <a:t>2023/6/20</a:t>
+              <a:t>2023/6/21</a:t>
             </a:fld>
             <a:endParaRPr lang="zh-CN" altLang="en-US"/>
           </a:p>
@@ -2852,7 +2853,7 @@
           <a:p>
             <a:fld id="{46BAD0FF-C09A-407F-B942-4E2B28B247C4}" type="datetimeFigureOut">
               <a:rPr lang="zh-CN" altLang="en-US" smtClean="0"/>
-              <a:t>2023/6/20</a:t>
+              <a:t>2023/6/21</a:t>
             </a:fld>
             <a:endParaRPr lang="zh-CN" altLang="en-US"/>
           </a:p>
@@ -3140,7 +3141,7 @@
           <a:p>
             <a:fld id="{46BAD0FF-C09A-407F-B942-4E2B28B247C4}" type="datetimeFigureOut">
               <a:rPr lang="zh-CN" altLang="en-US" smtClean="0"/>
-              <a:t>2023/6/20</a:t>
+              <a:t>2023/6/21</a:t>
             </a:fld>
             <a:endParaRPr lang="zh-CN" altLang="en-US"/>
           </a:p>
@@ -3416,7 +3417,7 @@
             <a:fld id="{46BAD0FF-C09A-407F-B942-4E2B28B247C4}" type="datetimeFigureOut">
               <a:rPr lang="zh-CN" altLang="en-US" smtClean="0"/>
               <a:pPr/>
-              <a:t>2023/6/20</a:t>
+              <a:t>2023/6/21</a:t>
             </a:fld>
             <a:endParaRPr lang="zh-CN" altLang="en-US" dirty="0"/>
           </a:p>
@@ -4200,6 +4201,1025 @@
           <p:cNvPr id="4" name="图片 3">
             <a:extLst>
               <a:ext uri="{FF2B5EF4-FFF2-40B4-BE49-F238E27FC236}">
+                <a16:creationId xmlns:a16="http://schemas.microsoft.com/office/drawing/2014/main" id="{CE5DFC41-1085-3037-4697-5A65B58C4A4E}"/>
+              </a:ext>
+            </a:extLst>
+          </p:cNvPr>
+          <p:cNvPicPr>
+            <a:picLocks noChangeAspect="1"/>
+          </p:cNvPicPr>
+          <p:nvPr/>
+        </p:nvPicPr>
+        <p:blipFill>
+          <a:blip r:embed="rId2"/>
+          <a:stretch>
+            <a:fillRect/>
+          </a:stretch>
+        </p:blipFill>
+        <p:spPr>
+          <a:xfrm>
+            <a:off x="0" y="0"/>
+            <a:ext cx="1927334" cy="677612"/>
+          </a:xfrm>
+          <a:prstGeom prst="rect">
+            <a:avLst/>
+          </a:prstGeom>
+        </p:spPr>
+      </p:pic>
+      <p:sp>
+        <p:nvSpPr>
+          <p:cNvPr id="5" name="内容占位符 2">
+            <a:extLst>
+              <a:ext uri="{FF2B5EF4-FFF2-40B4-BE49-F238E27FC236}">
+                <a16:creationId xmlns:a16="http://schemas.microsoft.com/office/drawing/2014/main" id="{1523E53D-9719-3B65-96E9-C43C739FE970}"/>
+              </a:ext>
+            </a:extLst>
+          </p:cNvPr>
+          <p:cNvSpPr>
+            <a:spLocks noGrp="1"/>
+          </p:cNvSpPr>
+          <p:nvPr>
+            <p:ph idx="1"/>
+          </p:nvPr>
+        </p:nvSpPr>
+        <p:spPr>
+          <a:xfrm>
+            <a:off x="488258" y="788723"/>
+            <a:ext cx="11215484" cy="5755511"/>
+          </a:xfrm>
+        </p:spPr>
+        <p:txBody>
+          <a:bodyPr>
+            <a:normAutofit/>
+          </a:bodyPr>
+          <a:lstStyle/>
+          <a:p>
+            <a:pPr marL="228600" lvl="1" indent="-228600" algn="l">
+              <a:spcBef>
+                <a:spcPts val="1000"/>
+              </a:spcBef>
+              <a:buFont typeface="Arial" panose="020B0604020202020204" pitchFamily="34" charset="0"/>
+              <a:buChar char="•"/>
+            </a:pPr>
+            <a:r>
+              <a:rPr lang="en-US" altLang="zh-CN" dirty="0" err="1">
+                <a:latin typeface="Lucida Sans Regular" panose="020B0602030504020204" pitchFamily="34" charset="0"/>
+                <a:ea typeface="楷体" panose="02010609060101010101" pitchFamily="49" charset="-122"/>
+                <a:cs typeface="Cascadia Code" panose="020B0609020000020004" pitchFamily="49" charset="0"/>
+              </a:rPr>
+              <a:t>eBPF</a:t>
+            </a:r>
+            <a:r>
+              <a:rPr lang="zh-CN" altLang="en-US" dirty="0">
+                <a:latin typeface="Lucida Sans Regular" panose="020B0602030504020204" pitchFamily="34" charset="0"/>
+                <a:ea typeface="楷体" panose="02010609060101010101" pitchFamily="49" charset="-122"/>
+                <a:cs typeface="Cascadia Code" panose="020B0609020000020004" pitchFamily="49" charset="0"/>
+              </a:rPr>
+              <a:t>工具的使用</a:t>
+            </a:r>
+            <a:endParaRPr lang="en-US" altLang="zh-CN" dirty="0">
+              <a:latin typeface="Lucida Sans Regular" panose="020B0602030504020204" pitchFamily="34" charset="0"/>
+              <a:ea typeface="楷体" panose="02010609060101010101" pitchFamily="49" charset="-122"/>
+            </a:endParaRPr>
+          </a:p>
+          <a:p>
+            <a:pPr marL="342900" lvl="1" indent="342900">
+              <a:lnSpc>
+                <a:spcPct val="150000"/>
+              </a:lnSpc>
+              <a:spcBef>
+                <a:spcPts val="600"/>
+              </a:spcBef>
+              <a:buFont typeface="Wingdings" panose="05000000000000000000" pitchFamily="2" charset="2"/>
+              <a:buChar char="Ø"/>
+            </a:pPr>
+            <a:r>
+              <a:rPr lang="en-US" altLang="zh-CN" sz="1600" dirty="0">
+                <a:latin typeface="Lucida Sans Regular" panose="020B0602030504020204" pitchFamily="34" charset="0"/>
+                <a:ea typeface="楷体" panose="02010609060101010101" pitchFamily="49" charset="-122"/>
+              </a:rPr>
+              <a:t>bcc</a:t>
+            </a:r>
+            <a:r>
+              <a:rPr lang="zh-CN" altLang="en-US" sz="1600" dirty="0">
+                <a:latin typeface="Lucida Sans Regular" panose="020B0602030504020204" pitchFamily="34" charset="0"/>
+                <a:ea typeface="楷体" panose="02010609060101010101" pitchFamily="49" charset="-122"/>
+              </a:rPr>
+              <a:t>。一套开箱即用的工具，原理</a:t>
+            </a:r>
+            <a:r>
+              <a:rPr lang="en-US" altLang="zh-CN" sz="1600" dirty="0">
+                <a:latin typeface="Lucida Sans Regular" panose="020B0602030504020204" pitchFamily="34" charset="0"/>
+                <a:ea typeface="楷体" panose="02010609060101010101" pitchFamily="49" charset="-122"/>
+              </a:rPr>
+              <a:t>python</a:t>
+            </a:r>
+            <a:r>
+              <a:rPr lang="zh-CN" altLang="en-US" sz="1600" dirty="0">
+                <a:latin typeface="Lucida Sans Regular" panose="020B0602030504020204" pitchFamily="34" charset="0"/>
+                <a:ea typeface="楷体" panose="02010609060101010101" pitchFamily="49" charset="-122"/>
+              </a:rPr>
+              <a:t>使用文本替换的方式来生成</a:t>
+            </a:r>
+            <a:r>
+              <a:rPr lang="en-US" altLang="zh-CN" sz="1600" dirty="0" err="1">
+                <a:latin typeface="Lucida Sans Regular" panose="020B0602030504020204" pitchFamily="34" charset="0"/>
+                <a:ea typeface="楷体" panose="02010609060101010101" pitchFamily="49" charset="-122"/>
+              </a:rPr>
+              <a:t>bpf</a:t>
+            </a:r>
+            <a:r>
+              <a:rPr lang="zh-CN" altLang="en-US" sz="1600" dirty="0">
+                <a:latin typeface="Lucida Sans Regular" panose="020B0602030504020204" pitchFamily="34" charset="0"/>
+                <a:ea typeface="楷体" panose="02010609060101010101" pitchFamily="49" charset="-122"/>
+              </a:rPr>
+              <a:t>的内核</a:t>
+            </a:r>
+            <a:r>
+              <a:rPr lang="en-US" altLang="zh-CN" sz="1600" dirty="0">
+                <a:latin typeface="Lucida Sans Regular" panose="020B0602030504020204" pitchFamily="34" charset="0"/>
+                <a:ea typeface="楷体" panose="02010609060101010101" pitchFamily="49" charset="-122"/>
+              </a:rPr>
+              <a:t>c</a:t>
+            </a:r>
+            <a:r>
+              <a:rPr lang="zh-CN" altLang="en-US" sz="1600" dirty="0">
+                <a:latin typeface="Lucida Sans Regular" panose="020B0602030504020204" pitchFamily="34" charset="0"/>
+                <a:ea typeface="楷体" panose="02010609060101010101" pitchFamily="49" charset="-122"/>
+              </a:rPr>
+              <a:t>代码部分，调用</a:t>
+            </a:r>
+            <a:r>
+              <a:rPr lang="en-US" altLang="zh-CN" sz="1600" dirty="0" err="1">
+                <a:latin typeface="Lucida Sans Regular" panose="020B0602030504020204" pitchFamily="34" charset="0"/>
+                <a:ea typeface="楷体" panose="02010609060101010101" pitchFamily="49" charset="-122"/>
+              </a:rPr>
+              <a:t>bpf</a:t>
+            </a:r>
+            <a:r>
+              <a:rPr lang="zh-CN" altLang="en-US" sz="1600" dirty="0">
+                <a:latin typeface="Lucida Sans Regular" panose="020B0602030504020204" pitchFamily="34" charset="0"/>
+                <a:ea typeface="楷体" panose="02010609060101010101" pitchFamily="49" charset="-122"/>
+              </a:rPr>
+              <a:t>系统调用来进行加载。</a:t>
+            </a:r>
+            <a:endParaRPr lang="en-US" altLang="zh-CN" sz="1600" dirty="0">
+              <a:latin typeface="Lucida Sans Regular" panose="020B0602030504020204" pitchFamily="34" charset="0"/>
+              <a:ea typeface="楷体" panose="02010609060101010101" pitchFamily="49" charset="-122"/>
+            </a:endParaRPr>
+          </a:p>
+          <a:p>
+            <a:pPr marL="342900" lvl="1" indent="342900">
+              <a:lnSpc>
+                <a:spcPct val="150000"/>
+              </a:lnSpc>
+              <a:spcBef>
+                <a:spcPts val="600"/>
+              </a:spcBef>
+              <a:buFont typeface="Wingdings" panose="05000000000000000000" pitchFamily="2" charset="2"/>
+              <a:buChar char="Ø"/>
+            </a:pPr>
+            <a:r>
+              <a:rPr lang="en-US" altLang="zh-CN" sz="1600" dirty="0" err="1">
+                <a:latin typeface="Lucida Sans Regular" panose="020B0602030504020204" pitchFamily="34" charset="0"/>
+                <a:ea typeface="楷体" panose="02010609060101010101" pitchFamily="49" charset="-122"/>
+              </a:rPr>
+              <a:t>bpftrace</a:t>
+            </a:r>
+            <a:r>
+              <a:rPr lang="zh-CN" altLang="en-US" sz="1600" dirty="0">
+                <a:latin typeface="Lucida Sans Regular" panose="020B0602030504020204" pitchFamily="34" charset="0"/>
+                <a:ea typeface="楷体" panose="02010609060101010101" pitchFamily="49" charset="-122"/>
+              </a:rPr>
+              <a:t>。方便、快速的编写强大</a:t>
+            </a:r>
+            <a:r>
+              <a:rPr lang="en-US" altLang="zh-CN" sz="1600" dirty="0" err="1">
+                <a:latin typeface="Lucida Sans Regular" panose="020B0602030504020204" pitchFamily="34" charset="0"/>
+                <a:ea typeface="楷体" panose="02010609060101010101" pitchFamily="49" charset="-122"/>
+              </a:rPr>
+              <a:t>bt</a:t>
+            </a:r>
+            <a:r>
+              <a:rPr lang="zh-CN" altLang="en-US" sz="1600" dirty="0">
+                <a:latin typeface="Lucida Sans Regular" panose="020B0602030504020204" pitchFamily="34" charset="0"/>
+                <a:ea typeface="楷体" panose="02010609060101010101" pitchFamily="49" charset="-122"/>
+              </a:rPr>
+              <a:t>脚本，用于定位问题和验证</a:t>
+            </a:r>
+            <a:r>
+              <a:rPr lang="en-US" altLang="zh-CN" sz="1600" dirty="0" err="1">
+                <a:latin typeface="Lucida Sans Regular" panose="020B0602030504020204" pitchFamily="34" charset="0"/>
+                <a:ea typeface="楷体" panose="02010609060101010101" pitchFamily="49" charset="-122"/>
+              </a:rPr>
+              <a:t>eBPF</a:t>
+            </a:r>
+            <a:r>
+              <a:rPr lang="en-US" altLang="zh-CN" sz="1600" dirty="0">
+                <a:latin typeface="Lucida Sans Regular" panose="020B0602030504020204" pitchFamily="34" charset="0"/>
+                <a:ea typeface="楷体" panose="02010609060101010101" pitchFamily="49" charset="-122"/>
+              </a:rPr>
+              <a:t> prog</a:t>
+            </a:r>
+            <a:r>
+              <a:rPr lang="zh-CN" altLang="en-US" sz="1600" dirty="0">
+                <a:latin typeface="Lucida Sans Regular" panose="020B0602030504020204" pitchFamily="34" charset="0"/>
+                <a:ea typeface="楷体" panose="02010609060101010101" pitchFamily="49" charset="-122"/>
+              </a:rPr>
+              <a:t>内核部分逻辑。功能比</a:t>
+            </a:r>
+            <a:r>
+              <a:rPr lang="en-US" altLang="zh-CN" sz="1600" dirty="0">
+                <a:latin typeface="Lucida Sans Regular" panose="020B0602030504020204" pitchFamily="34" charset="0"/>
+                <a:ea typeface="楷体" panose="02010609060101010101" pitchFamily="49" charset="-122"/>
+              </a:rPr>
+              <a:t>bcc</a:t>
+            </a:r>
+            <a:r>
+              <a:rPr lang="zh-CN" altLang="en-US" sz="1600" dirty="0">
+                <a:latin typeface="Lucida Sans Regular" panose="020B0602030504020204" pitchFamily="34" charset="0"/>
+                <a:ea typeface="楷体" panose="02010609060101010101" pitchFamily="49" charset="-122"/>
+              </a:rPr>
+              <a:t>强大、灵活，尤其是可以做到</a:t>
+            </a:r>
+            <a:r>
+              <a:rPr lang="en-US" altLang="zh-CN" sz="1600" dirty="0" err="1">
+                <a:latin typeface="Lucida Sans Regular" panose="020B0602030504020204" pitchFamily="34" charset="0"/>
+                <a:ea typeface="楷体" panose="02010609060101010101" pitchFamily="49" charset="-122"/>
+              </a:rPr>
+              <a:t>kprobe</a:t>
+            </a:r>
+            <a:r>
+              <a:rPr lang="zh-CN" altLang="en-US" sz="1600" dirty="0">
+                <a:latin typeface="Lucida Sans Regular" panose="020B0602030504020204" pitchFamily="34" charset="0"/>
+                <a:ea typeface="楷体" panose="02010609060101010101" pitchFamily="49" charset="-122"/>
+              </a:rPr>
+              <a:t>的</a:t>
+            </a:r>
+            <a:r>
+              <a:rPr lang="en-US" altLang="zh-CN" sz="1600" dirty="0">
+                <a:latin typeface="Lucida Sans Regular" panose="020B0602030504020204" pitchFamily="34" charset="0"/>
+                <a:ea typeface="楷体" panose="02010609060101010101" pitchFamily="49" charset="-122"/>
+              </a:rPr>
+              <a:t>offset</a:t>
+            </a:r>
+            <a:r>
+              <a:rPr lang="zh-CN" altLang="en-US" sz="1600" dirty="0">
+                <a:latin typeface="Lucida Sans Regular" panose="020B0602030504020204" pitchFamily="34" charset="0"/>
+                <a:ea typeface="楷体" panose="02010609060101010101" pitchFamily="49" charset="-122"/>
+              </a:rPr>
+              <a:t>观察。</a:t>
+            </a:r>
+            <a:endParaRPr lang="en-US" altLang="zh-CN" sz="1600" dirty="0">
+              <a:latin typeface="Lucida Sans Regular" panose="020B0602030504020204" pitchFamily="34" charset="0"/>
+              <a:ea typeface="楷体" panose="02010609060101010101" pitchFamily="49" charset="-122"/>
+            </a:endParaRPr>
+          </a:p>
+          <a:p>
+            <a:pPr marL="342900" lvl="1" indent="342900">
+              <a:lnSpc>
+                <a:spcPct val="150000"/>
+              </a:lnSpc>
+              <a:spcBef>
+                <a:spcPts val="600"/>
+              </a:spcBef>
+              <a:buFont typeface="Wingdings" panose="05000000000000000000" pitchFamily="2" charset="2"/>
+              <a:buChar char="Ø"/>
+            </a:pPr>
+            <a:r>
+              <a:rPr lang="en-US" altLang="zh-CN" sz="1600" dirty="0" err="1">
+                <a:latin typeface="Lucida Sans Regular" panose="020B0602030504020204" pitchFamily="34" charset="0"/>
+                <a:ea typeface="楷体" panose="02010609060101010101" pitchFamily="49" charset="-122"/>
+              </a:rPr>
+              <a:t>bpftool</a:t>
+            </a:r>
+            <a:r>
+              <a:rPr lang="zh-CN" altLang="en-US" sz="1600" dirty="0">
+                <a:latin typeface="Lucida Sans Regular" panose="020B0602030504020204" pitchFamily="34" charset="0"/>
+                <a:ea typeface="楷体" panose="02010609060101010101" pitchFamily="49" charset="-122"/>
+              </a:rPr>
+              <a:t>。</a:t>
+            </a:r>
+            <a:r>
+              <a:rPr lang="en-US" altLang="zh-CN" sz="1600" dirty="0" err="1">
+                <a:latin typeface="Lucida Sans Regular" panose="020B0602030504020204" pitchFamily="34" charset="0"/>
+                <a:ea typeface="楷体" panose="02010609060101010101" pitchFamily="49" charset="-122"/>
+              </a:rPr>
+              <a:t>bpf</a:t>
+            </a:r>
+            <a:r>
+              <a:rPr lang="zh-CN" altLang="en-US" sz="1600" dirty="0">
+                <a:latin typeface="Lucida Sans Regular" panose="020B0602030504020204" pitchFamily="34" charset="0"/>
+                <a:ea typeface="楷体" panose="02010609060101010101" pitchFamily="49" charset="-122"/>
+              </a:rPr>
+              <a:t>的原生工具，十分重要、强大。</a:t>
+            </a:r>
+            <a:endParaRPr lang="en-US" altLang="zh-CN" sz="1600" dirty="0">
+              <a:latin typeface="Lucida Sans Regular" panose="020B0602030504020204" pitchFamily="34" charset="0"/>
+              <a:ea typeface="楷体" panose="02010609060101010101" pitchFamily="49" charset="-122"/>
+            </a:endParaRPr>
+          </a:p>
+          <a:p>
+            <a:pPr marL="800100" lvl="2" indent="342900">
+              <a:lnSpc>
+                <a:spcPct val="150000"/>
+              </a:lnSpc>
+              <a:spcBef>
+                <a:spcPts val="600"/>
+              </a:spcBef>
+              <a:buFont typeface="Wingdings" panose="05000000000000000000" pitchFamily="2" charset="2"/>
+              <a:buChar char="Ø"/>
+            </a:pPr>
+            <a:r>
+              <a:rPr lang="zh-CN" altLang="en-US" sz="1200" dirty="0">
+                <a:latin typeface="Lucida Sans Regular" panose="020B0602030504020204" pitchFamily="34" charset="0"/>
+                <a:ea typeface="楷体" panose="02010609060101010101" pitchFamily="49" charset="-122"/>
+              </a:rPr>
+              <a:t>查看当前内核的</a:t>
+            </a:r>
+            <a:r>
+              <a:rPr lang="en-US" altLang="zh-CN" sz="1200" dirty="0" err="1">
+                <a:latin typeface="Lucida Sans Regular" panose="020B0602030504020204" pitchFamily="34" charset="0"/>
+                <a:ea typeface="楷体" panose="02010609060101010101" pitchFamily="49" charset="-122"/>
+              </a:rPr>
+              <a:t>ebpf</a:t>
+            </a:r>
+            <a:r>
+              <a:rPr lang="zh-CN" altLang="en-US" sz="1200" dirty="0">
+                <a:latin typeface="Lucida Sans Regular" panose="020B0602030504020204" pitchFamily="34" charset="0"/>
+                <a:ea typeface="楷体" panose="02010609060101010101" pitchFamily="49" charset="-122"/>
+              </a:rPr>
+              <a:t>特性：</a:t>
+            </a:r>
+            <a:r>
+              <a:rPr lang="en-US" altLang="zh-CN" sz="1200" dirty="0" err="1">
+                <a:effectLst/>
+                <a:latin typeface="Lucida Sans Regular" panose="020B0602030504020204" pitchFamily="34" charset="0"/>
+                <a:ea typeface="微软雅黑" panose="020B0503020204020204" pitchFamily="34" charset="-122"/>
+              </a:rPr>
+              <a:t>bpftool</a:t>
+            </a:r>
+            <a:r>
+              <a:rPr lang="en-US" altLang="zh-CN" sz="1200" dirty="0">
+                <a:effectLst/>
+                <a:latin typeface="Lucida Sans Regular" panose="020B0602030504020204" pitchFamily="34" charset="0"/>
+                <a:ea typeface="微软雅黑" panose="020B0503020204020204" pitchFamily="34" charset="-122"/>
+              </a:rPr>
+              <a:t> feature</a:t>
+            </a:r>
+          </a:p>
+          <a:p>
+            <a:pPr marL="800100" lvl="2" indent="342900">
+              <a:lnSpc>
+                <a:spcPct val="150000"/>
+              </a:lnSpc>
+              <a:spcBef>
+                <a:spcPts val="600"/>
+              </a:spcBef>
+              <a:buFont typeface="Wingdings" panose="05000000000000000000" pitchFamily="2" charset="2"/>
+              <a:buChar char="Ø"/>
+            </a:pPr>
+            <a:r>
+              <a:rPr lang="zh-CN" altLang="en-US" sz="1200" dirty="0">
+                <a:latin typeface="Lucida Sans Regular" panose="020B0602030504020204" pitchFamily="34" charset="0"/>
+                <a:ea typeface="楷体" panose="02010609060101010101" pitchFamily="49" charset="-122"/>
+              </a:rPr>
+              <a:t>在控制台输出</a:t>
+            </a:r>
+            <a:r>
+              <a:rPr lang="en-US" altLang="zh-CN" sz="1200" dirty="0">
+                <a:latin typeface="Lucida Sans Regular" panose="020B0602030504020204" pitchFamily="34" charset="0"/>
+                <a:ea typeface="楷体" panose="02010609060101010101" pitchFamily="49" charset="-122"/>
+              </a:rPr>
+              <a:t>prog</a:t>
+            </a:r>
+            <a:r>
+              <a:rPr lang="zh-CN" altLang="en-US" sz="1200" dirty="0">
+                <a:latin typeface="Lucida Sans Regular" panose="020B0602030504020204" pitchFamily="34" charset="0"/>
+                <a:ea typeface="楷体" panose="02010609060101010101" pitchFamily="49" charset="-122"/>
+              </a:rPr>
+              <a:t>的打印信息：</a:t>
+            </a:r>
+            <a:r>
+              <a:rPr lang="en-US" altLang="zh-CN" sz="1200" dirty="0" err="1">
+                <a:effectLst/>
+                <a:latin typeface="Lucida Sans Regular" panose="020B0602030504020204" pitchFamily="34" charset="0"/>
+                <a:ea typeface="微软雅黑" panose="020B0503020204020204" pitchFamily="34" charset="-122"/>
+              </a:rPr>
+              <a:t>bpftool</a:t>
+            </a:r>
+            <a:r>
+              <a:rPr lang="en-US" altLang="zh-CN" sz="1200" dirty="0">
+                <a:effectLst/>
+                <a:latin typeface="Lucida Sans Regular" panose="020B0602030504020204" pitchFamily="34" charset="0"/>
+                <a:ea typeface="微软雅黑" panose="020B0503020204020204" pitchFamily="34" charset="-122"/>
+              </a:rPr>
+              <a:t> prog </a:t>
+            </a:r>
+            <a:r>
+              <a:rPr lang="en-US" altLang="zh-CN" sz="1200" dirty="0" err="1">
+                <a:effectLst/>
+                <a:latin typeface="Lucida Sans Regular" panose="020B0602030504020204" pitchFamily="34" charset="0"/>
+                <a:ea typeface="微软雅黑" panose="020B0503020204020204" pitchFamily="34" charset="-122"/>
+              </a:rPr>
+              <a:t>tracelog</a:t>
+            </a:r>
+            <a:endParaRPr lang="en-US" altLang="zh-CN" sz="1200" dirty="0">
+              <a:effectLst/>
+              <a:latin typeface="Lucida Sans Regular" panose="020B0602030504020204" pitchFamily="34" charset="0"/>
+              <a:ea typeface="微软雅黑" panose="020B0503020204020204" pitchFamily="34" charset="-122"/>
+            </a:endParaRPr>
+          </a:p>
+          <a:p>
+            <a:pPr marL="800100" lvl="2" indent="342900">
+              <a:lnSpc>
+                <a:spcPct val="150000"/>
+              </a:lnSpc>
+              <a:spcBef>
+                <a:spcPts val="600"/>
+              </a:spcBef>
+              <a:buFont typeface="Wingdings" panose="05000000000000000000" pitchFamily="2" charset="2"/>
+              <a:buChar char="Ø"/>
+            </a:pPr>
+            <a:r>
+              <a:rPr lang="zh-CN" altLang="en-US" sz="1200" dirty="0">
+                <a:latin typeface="Lucida Sans Regular" panose="020B0602030504020204" pitchFamily="34" charset="0"/>
+                <a:ea typeface="楷体" panose="02010609060101010101" pitchFamily="49" charset="-122"/>
+              </a:rPr>
+              <a:t>查看当前加载的</a:t>
+            </a:r>
+            <a:r>
+              <a:rPr lang="en-US" altLang="zh-CN" sz="1200" dirty="0">
+                <a:latin typeface="Lucida Sans Regular" panose="020B0602030504020204" pitchFamily="34" charset="0"/>
+                <a:ea typeface="楷体" panose="02010609060101010101" pitchFamily="49" charset="-122"/>
+              </a:rPr>
+              <a:t>prog</a:t>
+            </a:r>
+            <a:r>
+              <a:rPr lang="zh-CN" altLang="en-US" sz="1200" dirty="0">
+                <a:latin typeface="Lucida Sans Regular" panose="020B0602030504020204" pitchFamily="34" charset="0"/>
+                <a:ea typeface="楷体" panose="02010609060101010101" pitchFamily="49" charset="-122"/>
+              </a:rPr>
+              <a:t>：</a:t>
+            </a:r>
+            <a:r>
+              <a:rPr lang="en-US" altLang="zh-CN" sz="1200" dirty="0" err="1">
+                <a:effectLst/>
+                <a:latin typeface="Lucida Sans Regular" panose="020B0602030504020204" pitchFamily="34" charset="0"/>
+                <a:ea typeface="微软雅黑" panose="020B0503020204020204" pitchFamily="34" charset="-122"/>
+              </a:rPr>
+              <a:t>bpftool</a:t>
+            </a:r>
+            <a:r>
+              <a:rPr lang="en-US" altLang="zh-CN" sz="1200" dirty="0">
+                <a:effectLst/>
+                <a:latin typeface="Lucida Sans Regular" panose="020B0602030504020204" pitchFamily="34" charset="0"/>
+                <a:ea typeface="微软雅黑" panose="020B0503020204020204" pitchFamily="34" charset="-122"/>
+              </a:rPr>
+              <a:t> perf show</a:t>
+            </a:r>
+          </a:p>
+          <a:p>
+            <a:pPr marL="800100" lvl="2" indent="342900">
+              <a:lnSpc>
+                <a:spcPct val="150000"/>
+              </a:lnSpc>
+              <a:spcBef>
+                <a:spcPts val="600"/>
+              </a:spcBef>
+              <a:buFont typeface="Wingdings" panose="05000000000000000000" pitchFamily="2" charset="2"/>
+              <a:buChar char="Ø"/>
+            </a:pPr>
+            <a:r>
+              <a:rPr lang="zh-CN" altLang="en-US" sz="1200" dirty="0">
+                <a:latin typeface="Lucida Sans Regular" panose="020B0602030504020204" pitchFamily="34" charset="0"/>
+                <a:ea typeface="楷体" panose="02010609060101010101" pitchFamily="49" charset="-122"/>
+              </a:rPr>
+              <a:t>查看</a:t>
+            </a:r>
+            <a:r>
+              <a:rPr lang="en-US" altLang="zh-CN" sz="1200" dirty="0">
+                <a:latin typeface="Lucida Sans Regular" panose="020B0602030504020204" pitchFamily="34" charset="0"/>
+                <a:ea typeface="楷体" panose="02010609060101010101" pitchFamily="49" charset="-122"/>
+              </a:rPr>
+              <a:t>obj</a:t>
+            </a:r>
+            <a:r>
+              <a:rPr lang="zh-CN" altLang="en-US" sz="1200" dirty="0">
+                <a:latin typeface="Lucida Sans Regular" panose="020B0602030504020204" pitchFamily="34" charset="0"/>
+                <a:ea typeface="楷体" panose="02010609060101010101" pitchFamily="49" charset="-122"/>
+              </a:rPr>
+              <a:t>文件的</a:t>
+            </a:r>
+            <a:r>
+              <a:rPr lang="en-US" altLang="zh-CN" sz="1200" dirty="0" err="1">
+                <a:latin typeface="Lucida Sans Regular" panose="020B0602030504020204" pitchFamily="34" charset="0"/>
+                <a:ea typeface="楷体" panose="02010609060101010101" pitchFamily="49" charset="-122"/>
+              </a:rPr>
+              <a:t>btf</a:t>
+            </a:r>
+            <a:r>
+              <a:rPr lang="zh-CN" altLang="en-US" sz="1200" dirty="0">
+                <a:latin typeface="Lucida Sans Regular" panose="020B0602030504020204" pitchFamily="34" charset="0"/>
+                <a:ea typeface="楷体" panose="02010609060101010101" pitchFamily="49" charset="-122"/>
+              </a:rPr>
+              <a:t>信息：</a:t>
+            </a:r>
+            <a:r>
+              <a:rPr lang="en-US" altLang="zh-CN" sz="1200" dirty="0" err="1">
+                <a:effectLst/>
+                <a:latin typeface="Lucida Sans Regular" panose="020B0602030504020204" pitchFamily="34" charset="0"/>
+                <a:ea typeface="微软雅黑" panose="020B0503020204020204" pitchFamily="34" charset="-122"/>
+              </a:rPr>
+              <a:t>bpftool</a:t>
+            </a:r>
+            <a:r>
+              <a:rPr lang="en-US" altLang="zh-CN" sz="1200" dirty="0">
+                <a:effectLst/>
+                <a:latin typeface="Lucida Sans Regular" panose="020B0602030504020204" pitchFamily="34" charset="0"/>
+                <a:ea typeface="微软雅黑" panose="020B0503020204020204" pitchFamily="34" charset="-122"/>
+              </a:rPr>
+              <a:t> </a:t>
+            </a:r>
+            <a:r>
+              <a:rPr lang="en-US" altLang="zh-CN" sz="1200" dirty="0" err="1">
+                <a:effectLst/>
+                <a:latin typeface="Lucida Sans Regular" panose="020B0602030504020204" pitchFamily="34" charset="0"/>
+                <a:ea typeface="微软雅黑" panose="020B0503020204020204" pitchFamily="34" charset="-122"/>
+              </a:rPr>
+              <a:t>btf</a:t>
+            </a:r>
+            <a:r>
+              <a:rPr lang="en-US" altLang="zh-CN" sz="1200" dirty="0">
+                <a:effectLst/>
+                <a:latin typeface="Lucida Sans Regular" panose="020B0602030504020204" pitchFamily="34" charset="0"/>
+                <a:ea typeface="微软雅黑" panose="020B0503020204020204" pitchFamily="34" charset="-122"/>
+              </a:rPr>
+              <a:t> dump file </a:t>
+            </a:r>
+            <a:r>
+              <a:rPr lang="en-US" altLang="zh-CN" sz="1200" dirty="0" err="1">
+                <a:effectLst/>
+                <a:latin typeface="Lucida Sans Regular" panose="020B0602030504020204" pitchFamily="34" charset="0"/>
+                <a:ea typeface="微软雅黑" panose="020B0503020204020204" pitchFamily="34" charset="-122"/>
+              </a:rPr>
+              <a:t>foo.o</a:t>
+            </a:r>
+            <a:endParaRPr lang="en-US" altLang="zh-CN" sz="1200" dirty="0">
+              <a:effectLst/>
+              <a:latin typeface="Lucida Sans Regular" panose="020B0602030504020204" pitchFamily="34" charset="0"/>
+              <a:ea typeface="微软雅黑" panose="020B0503020204020204" pitchFamily="34" charset="-122"/>
+            </a:endParaRPr>
+          </a:p>
+          <a:p>
+            <a:pPr marL="800100" lvl="2" indent="342900">
+              <a:lnSpc>
+                <a:spcPct val="150000"/>
+              </a:lnSpc>
+              <a:spcBef>
+                <a:spcPts val="600"/>
+              </a:spcBef>
+              <a:buFont typeface="Wingdings" panose="05000000000000000000" pitchFamily="2" charset="2"/>
+              <a:buChar char="Ø"/>
+            </a:pPr>
+            <a:r>
+              <a:rPr lang="zh-CN" altLang="en-US" sz="1200" dirty="0">
+                <a:latin typeface="Lucida Sans Regular" panose="020B0602030504020204" pitchFamily="34" charset="0"/>
+                <a:ea typeface="楷体" panose="02010609060101010101" pitchFamily="49" charset="-122"/>
+              </a:rPr>
+              <a:t>加载一个</a:t>
+            </a:r>
+            <a:r>
+              <a:rPr lang="en-US" altLang="zh-CN" sz="1200" dirty="0">
+                <a:latin typeface="Lucida Sans Regular" panose="020B0602030504020204" pitchFamily="34" charset="0"/>
+                <a:ea typeface="楷体" panose="02010609060101010101" pitchFamily="49" charset="-122"/>
+              </a:rPr>
+              <a:t>obj</a:t>
+            </a:r>
+            <a:r>
+              <a:rPr lang="zh-CN" altLang="en-US" sz="1200" dirty="0">
+                <a:latin typeface="Lucida Sans Regular" panose="020B0602030504020204" pitchFamily="34" charset="0"/>
+                <a:ea typeface="楷体" panose="02010609060101010101" pitchFamily="49" charset="-122"/>
+              </a:rPr>
+              <a:t>文件到</a:t>
+            </a:r>
+            <a:r>
+              <a:rPr lang="en-US" altLang="zh-CN" sz="1200" dirty="0" err="1">
+                <a:latin typeface="Lucida Sans Regular" panose="020B0602030504020204" pitchFamily="34" charset="0"/>
+                <a:ea typeface="楷体" panose="02010609060101010101" pitchFamily="49" charset="-122"/>
+              </a:rPr>
+              <a:t>bpf</a:t>
+            </a:r>
+            <a:r>
+              <a:rPr lang="zh-CN" altLang="en-US" sz="1200" dirty="0">
+                <a:latin typeface="Lucida Sans Regular" panose="020B0602030504020204" pitchFamily="34" charset="0"/>
+                <a:ea typeface="楷体" panose="02010609060101010101" pitchFamily="49" charset="-122"/>
+              </a:rPr>
+              <a:t>文件系统：</a:t>
+            </a:r>
+            <a:r>
+              <a:rPr lang="en-US" altLang="zh-CN" sz="1200" dirty="0" err="1">
+                <a:effectLst/>
+                <a:latin typeface="Lucida Sans Regular" panose="020B0602030504020204" pitchFamily="34" charset="0"/>
+                <a:ea typeface="微软雅黑" panose="020B0503020204020204" pitchFamily="34" charset="-122"/>
+              </a:rPr>
+              <a:t>bpftool</a:t>
+            </a:r>
+            <a:r>
+              <a:rPr lang="en-US" altLang="zh-CN" sz="1200" dirty="0">
+                <a:effectLst/>
+                <a:latin typeface="Lucida Sans Regular" panose="020B0602030504020204" pitchFamily="34" charset="0"/>
+                <a:ea typeface="微软雅黑" panose="020B0503020204020204" pitchFamily="34" charset="-122"/>
+              </a:rPr>
+              <a:t> prog load </a:t>
+            </a:r>
+            <a:r>
+              <a:rPr lang="en-US" altLang="zh-CN" sz="1200" dirty="0" err="1">
+                <a:effectLst/>
+                <a:latin typeface="Lucida Sans Regular" panose="020B0602030504020204" pitchFamily="34" charset="0"/>
+                <a:ea typeface="微软雅黑" panose="020B0503020204020204" pitchFamily="34" charset="-122"/>
+              </a:rPr>
+              <a:t>xm_cpu_sched.bpf.o</a:t>
+            </a:r>
+            <a:r>
+              <a:rPr lang="en-US" altLang="zh-CN" sz="1200" dirty="0">
+                <a:effectLst/>
+                <a:latin typeface="Lucida Sans Regular" panose="020B0602030504020204" pitchFamily="34" charset="0"/>
+                <a:ea typeface="微软雅黑" panose="020B0503020204020204" pitchFamily="34" charset="-122"/>
+              </a:rPr>
+              <a:t> /sys/fs/</a:t>
+            </a:r>
+            <a:r>
+              <a:rPr lang="en-US" altLang="zh-CN" sz="1200" dirty="0" err="1">
+                <a:effectLst/>
+                <a:latin typeface="Lucida Sans Regular" panose="020B0602030504020204" pitchFamily="34" charset="0"/>
+                <a:ea typeface="微软雅黑" panose="020B0503020204020204" pitchFamily="34" charset="-122"/>
+              </a:rPr>
+              <a:t>bpf</a:t>
+            </a:r>
+            <a:r>
+              <a:rPr lang="en-US" altLang="zh-CN" sz="1200" dirty="0">
+                <a:effectLst/>
+                <a:latin typeface="Lucida Sans Regular" panose="020B0602030504020204" pitchFamily="34" charset="0"/>
+                <a:ea typeface="微软雅黑" panose="020B0503020204020204" pitchFamily="34" charset="-122"/>
+              </a:rPr>
+              <a:t>/</a:t>
+            </a:r>
+            <a:r>
+              <a:rPr lang="en-US" altLang="zh-CN" sz="1200" dirty="0" err="1">
+                <a:effectLst/>
+                <a:latin typeface="Lucida Sans Regular" panose="020B0602030504020204" pitchFamily="34" charset="0"/>
+                <a:ea typeface="微软雅黑" panose="020B0503020204020204" pitchFamily="34" charset="-122"/>
+              </a:rPr>
+              <a:t>xm_cpu_sched</a:t>
+            </a:r>
+            <a:r>
+              <a:rPr lang="en-US" altLang="zh-CN" sz="1200" dirty="0">
+                <a:effectLst/>
+                <a:latin typeface="Lucida Sans Regular" panose="020B0602030504020204" pitchFamily="34" charset="0"/>
+                <a:ea typeface="微软雅黑" panose="020B0503020204020204" pitchFamily="34" charset="-122"/>
+              </a:rPr>
+              <a:t> type </a:t>
+            </a:r>
+            <a:r>
+              <a:rPr lang="en-US" altLang="zh-CN" sz="1200" dirty="0" err="1">
+                <a:effectLst/>
+                <a:latin typeface="Lucida Sans Regular" panose="020B0602030504020204" pitchFamily="34" charset="0"/>
+                <a:ea typeface="微软雅黑" panose="020B0503020204020204" pitchFamily="34" charset="-122"/>
+              </a:rPr>
+              <a:t>tp_btf</a:t>
+            </a:r>
+            <a:endParaRPr lang="en-US" altLang="zh-CN" sz="1200" dirty="0">
+              <a:effectLst/>
+              <a:latin typeface="Lucida Sans Regular" panose="020B0602030504020204" pitchFamily="34" charset="0"/>
+              <a:ea typeface="微软雅黑" panose="020B0503020204020204" pitchFamily="34" charset="-122"/>
+            </a:endParaRPr>
+          </a:p>
+          <a:p>
+            <a:pPr marL="800100" lvl="2" indent="342900">
+              <a:lnSpc>
+                <a:spcPct val="150000"/>
+              </a:lnSpc>
+              <a:spcBef>
+                <a:spcPts val="600"/>
+              </a:spcBef>
+              <a:buFont typeface="Wingdings" panose="05000000000000000000" pitchFamily="2" charset="2"/>
+              <a:buChar char="Ø"/>
+            </a:pPr>
+            <a:r>
+              <a:rPr lang="zh-CN" altLang="en-US" sz="1200" dirty="0">
+                <a:latin typeface="Lucida Sans Regular" panose="020B0602030504020204" pitchFamily="34" charset="0"/>
+                <a:ea typeface="楷体" panose="02010609060101010101" pitchFamily="49" charset="-122"/>
+              </a:rPr>
+              <a:t>查看某个</a:t>
+            </a:r>
+            <a:r>
+              <a:rPr lang="en-US" altLang="zh-CN" sz="1200" dirty="0">
+                <a:latin typeface="Lucida Sans Regular" panose="020B0602030504020204" pitchFamily="34" charset="0"/>
+                <a:ea typeface="楷体" panose="02010609060101010101" pitchFamily="49" charset="-122"/>
+              </a:rPr>
+              <a:t>prog</a:t>
+            </a:r>
+            <a:r>
+              <a:rPr lang="zh-CN" altLang="en-US" sz="1200" dirty="0">
+                <a:latin typeface="Lucida Sans Regular" panose="020B0602030504020204" pitchFamily="34" charset="0"/>
+                <a:ea typeface="楷体" panose="02010609060101010101" pitchFamily="49" charset="-122"/>
+              </a:rPr>
+              <a:t>信息：</a:t>
+            </a:r>
+            <a:r>
+              <a:rPr lang="en-US" altLang="zh-CN" sz="1200" dirty="0" err="1">
+                <a:latin typeface="Lucida Sans Regular" panose="020B0602030504020204" pitchFamily="34" charset="0"/>
+                <a:ea typeface="微软雅黑" panose="020B0503020204020204" pitchFamily="34" charset="-122"/>
+              </a:rPr>
+              <a:t>bpftool</a:t>
+            </a:r>
+            <a:r>
+              <a:rPr lang="en-US" altLang="zh-CN" sz="1200" dirty="0">
+                <a:latin typeface="Lucida Sans Regular" panose="020B0602030504020204" pitchFamily="34" charset="0"/>
+                <a:ea typeface="微软雅黑" panose="020B0503020204020204" pitchFamily="34" charset="-122"/>
+              </a:rPr>
+              <a:t> prog show id 540 --pretty</a:t>
+            </a:r>
+          </a:p>
+          <a:p>
+            <a:pPr marL="342900" lvl="1" indent="342900">
+              <a:lnSpc>
+                <a:spcPct val="150000"/>
+              </a:lnSpc>
+              <a:spcBef>
+                <a:spcPts val="600"/>
+              </a:spcBef>
+              <a:buFont typeface="Wingdings" panose="05000000000000000000" pitchFamily="2" charset="2"/>
+              <a:buChar char="Ø"/>
+            </a:pPr>
+            <a:r>
+              <a:rPr lang="en-US" altLang="zh-CN" sz="1600" b="0" i="0" u="none" strike="noStrike" baseline="0" dirty="0" err="1">
+                <a:latin typeface="Lucida Sans Regular" panose="020B0602030504020204" pitchFamily="34" charset="0"/>
+              </a:rPr>
+              <a:t>llvm-objdump</a:t>
+            </a:r>
+            <a:r>
+              <a:rPr lang="zh-CN" altLang="en-US" sz="1600" b="0" i="0" u="none" strike="noStrike" baseline="0" dirty="0">
+                <a:latin typeface="Lucida Sans Regular" panose="020B0602030504020204" pitchFamily="34" charset="0"/>
+                <a:ea typeface="楷体" panose="02010609060101010101" pitchFamily="49" charset="-122"/>
+              </a:rPr>
+              <a:t>。</a:t>
+            </a:r>
+            <a:r>
+              <a:rPr lang="zh-CN" altLang="en-US" sz="1600" dirty="0">
+                <a:latin typeface="Lucida Sans Regular" panose="020B0602030504020204" pitchFamily="34" charset="0"/>
+                <a:ea typeface="楷体" panose="02010609060101010101" pitchFamily="49" charset="-122"/>
+              </a:rPr>
+              <a:t>用来</a:t>
+            </a:r>
+            <a:r>
+              <a:rPr lang="en-US" altLang="zh-CN" sz="1600" dirty="0">
+                <a:latin typeface="Lucida Sans Regular" panose="020B0602030504020204" pitchFamily="34" charset="0"/>
+                <a:ea typeface="楷体" panose="02010609060101010101" pitchFamily="49" charset="-122"/>
+              </a:rPr>
+              <a:t>dump </a:t>
+            </a:r>
+            <a:r>
+              <a:rPr lang="en-US" altLang="zh-CN" sz="1600" dirty="0" err="1">
+                <a:latin typeface="Lucida Sans Regular" panose="020B0602030504020204" pitchFamily="34" charset="0"/>
+                <a:ea typeface="楷体" panose="02010609060101010101" pitchFamily="49" charset="-122"/>
+              </a:rPr>
+              <a:t>eBPF</a:t>
+            </a:r>
+            <a:r>
+              <a:rPr lang="en-US" altLang="zh-CN" sz="1600" dirty="0">
+                <a:latin typeface="Lucida Sans Regular" panose="020B0602030504020204" pitchFamily="34" charset="0"/>
+                <a:ea typeface="楷体" panose="02010609060101010101" pitchFamily="49" charset="-122"/>
+              </a:rPr>
+              <a:t> instructions</a:t>
+            </a:r>
+            <a:r>
+              <a:rPr lang="zh-CN" altLang="en-US" sz="1600" dirty="0">
+                <a:latin typeface="Lucida Sans Regular" panose="020B0602030504020204" pitchFamily="34" charset="0"/>
+                <a:ea typeface="楷体" panose="02010609060101010101" pitchFamily="49" charset="-122"/>
+              </a:rPr>
+              <a:t>。</a:t>
+            </a:r>
+            <a:r>
+              <a:rPr lang="en-US" altLang="zh-CN" sz="1600" dirty="0" err="1">
+                <a:latin typeface="Lucida Sans Regular" panose="020B0602030504020204" pitchFamily="34" charset="0"/>
+                <a:ea typeface="楷体" panose="02010609060101010101" pitchFamily="49" charset="-122"/>
+              </a:rPr>
+              <a:t>llvm-objdump</a:t>
+            </a:r>
+            <a:r>
+              <a:rPr lang="en-US" altLang="zh-CN" sz="1600" dirty="0">
+                <a:latin typeface="Lucida Sans Regular" panose="020B0602030504020204" pitchFamily="34" charset="0"/>
+                <a:ea typeface="楷体" panose="02010609060101010101" pitchFamily="49" charset="-122"/>
+              </a:rPr>
+              <a:t> -S --no-show-raw-</a:t>
+            </a:r>
+            <a:r>
+              <a:rPr lang="en-US" altLang="zh-CN" sz="1600" dirty="0" err="1">
+                <a:latin typeface="Lucida Sans Regular" panose="020B0602030504020204" pitchFamily="34" charset="0"/>
+                <a:ea typeface="楷体" panose="02010609060101010101" pitchFamily="49" charset="-122"/>
+              </a:rPr>
+              <a:t>insn</a:t>
+            </a:r>
+            <a:r>
+              <a:rPr lang="en-US" altLang="zh-CN" sz="1600" dirty="0">
+                <a:latin typeface="Lucida Sans Regular" panose="020B0602030504020204" pitchFamily="34" charset="0"/>
+                <a:ea typeface="楷体" panose="02010609060101010101" pitchFamily="49" charset="-122"/>
+              </a:rPr>
+              <a:t> ./</a:t>
+            </a:r>
+            <a:r>
+              <a:rPr lang="en-US" altLang="zh-CN" sz="1600" dirty="0" err="1">
+                <a:latin typeface="Lucida Sans Regular" panose="020B0602030504020204" pitchFamily="34" charset="0"/>
+                <a:ea typeface="楷体" panose="02010609060101010101" pitchFamily="49" charset="-122"/>
+              </a:rPr>
+              <a:t>xm_trace.bpf</a:t>
+            </a:r>
+            <a:r>
+              <a:rPr lang="en-US" altLang="zh-CN" sz="1600" err="1">
+                <a:latin typeface="Lucida Sans Regular" panose="020B0602030504020204" pitchFamily="34" charset="0"/>
+                <a:ea typeface="楷体" panose="02010609060101010101" pitchFamily="49" charset="-122"/>
+              </a:rPr>
+              <a:t>.</a:t>
+            </a:r>
+            <a:r>
+              <a:rPr lang="en-US" altLang="zh-CN" sz="1600">
+                <a:latin typeface="Lucida Sans Regular" panose="020B0602030504020204" pitchFamily="34" charset="0"/>
+                <a:ea typeface="楷体" panose="02010609060101010101" pitchFamily="49" charset="-122"/>
+              </a:rPr>
+              <a:t>o</a:t>
+            </a:r>
+            <a:endParaRPr lang="en-US" altLang="zh-CN" sz="1600" dirty="0">
+              <a:latin typeface="Lucida Sans Regular" panose="020B0602030504020204" pitchFamily="34" charset="0"/>
+              <a:ea typeface="楷体" panose="02010609060101010101" pitchFamily="49" charset="-122"/>
+            </a:endParaRPr>
+          </a:p>
+          <a:p>
+            <a:pPr marL="342900" lvl="1" indent="342900">
+              <a:lnSpc>
+                <a:spcPct val="150000"/>
+              </a:lnSpc>
+              <a:spcBef>
+                <a:spcPts val="600"/>
+              </a:spcBef>
+              <a:buFont typeface="Wingdings" panose="05000000000000000000" pitchFamily="2" charset="2"/>
+              <a:buChar char="Ø"/>
+            </a:pPr>
+            <a:r>
+              <a:rPr lang="en-US" altLang="zh-CN" sz="1600" b="0" dirty="0">
+                <a:effectLst/>
+                <a:latin typeface="Lucida Sans Regular" panose="020B0602030504020204" pitchFamily="34" charset="0"/>
+                <a:cs typeface="Lucida Sans Unicode" panose="020B0602030504020204" pitchFamily="34" charset="0"/>
+              </a:rPr>
+              <a:t>bpf2go</a:t>
+            </a:r>
+            <a:r>
+              <a:rPr lang="zh-CN" altLang="en-US" sz="1600" dirty="0">
+                <a:latin typeface="Lucida Sans Regular" panose="020B0602030504020204" pitchFamily="34" charset="0"/>
+                <a:cs typeface="Lucida Sans Unicode" panose="020B0602030504020204" pitchFamily="34" charset="0"/>
+              </a:rPr>
+              <a:t>。</a:t>
+            </a:r>
+            <a:r>
+              <a:rPr lang="zh-CN" altLang="en-US" sz="1600" b="0" dirty="0">
+                <a:effectLst/>
+                <a:latin typeface="Lucida Sans Regular" panose="020B0602030504020204" pitchFamily="34" charset="0"/>
+                <a:cs typeface="Lucida Sans Unicode" panose="020B0602030504020204" pitchFamily="34" charset="0"/>
+              </a:rPr>
+              <a:t>将</a:t>
+            </a:r>
+            <a:r>
+              <a:rPr lang="en-US" altLang="zh-CN" sz="1600" dirty="0">
+                <a:latin typeface="Lucida Sans Regular" panose="020B0602030504020204" pitchFamily="34" charset="0"/>
+                <a:cs typeface="Lucida Sans Unicode" panose="020B0602030504020204" pitchFamily="34" charset="0"/>
+              </a:rPr>
+              <a:t>limit-c</a:t>
+            </a:r>
+            <a:r>
+              <a:rPr lang="zh-CN" altLang="en-US" sz="1600" dirty="0">
+                <a:latin typeface="Lucida Sans Regular" panose="020B0602030504020204" pitchFamily="34" charset="0"/>
+                <a:cs typeface="Lucida Sans Unicode" panose="020B0602030504020204" pitchFamily="34" charset="0"/>
+              </a:rPr>
+              <a:t>写的</a:t>
+            </a:r>
+            <a:r>
+              <a:rPr lang="en-US" altLang="zh-CN" sz="1600" dirty="0">
+                <a:latin typeface="Lucida Sans Regular" panose="020B0602030504020204" pitchFamily="34" charset="0"/>
+                <a:cs typeface="Lucida Sans Unicode" panose="020B0602030504020204" pitchFamily="34" charset="0"/>
+              </a:rPr>
+              <a:t>prog</a:t>
+            </a:r>
+            <a:r>
+              <a:rPr lang="zh-CN" altLang="en-US" sz="1600" dirty="0">
+                <a:latin typeface="Lucida Sans Regular" panose="020B0602030504020204" pitchFamily="34" charset="0"/>
+                <a:cs typeface="Lucida Sans Unicode" panose="020B0602030504020204" pitchFamily="34" charset="0"/>
+              </a:rPr>
+              <a:t>转换为</a:t>
+            </a:r>
+            <a:r>
+              <a:rPr lang="en-US" altLang="zh-CN" sz="1600" dirty="0" err="1">
+                <a:latin typeface="Lucida Sans Regular" panose="020B0602030504020204" pitchFamily="34" charset="0"/>
+                <a:cs typeface="Lucida Sans Unicode" panose="020B0602030504020204" pitchFamily="34" charset="0"/>
+              </a:rPr>
+              <a:t>golang</a:t>
+            </a:r>
+            <a:r>
+              <a:rPr lang="zh-CN" altLang="en-US" sz="1600" dirty="0">
+                <a:latin typeface="Lucida Sans Regular" panose="020B0602030504020204" pitchFamily="34" charset="0"/>
+                <a:cs typeface="Lucida Sans Unicode" panose="020B0602030504020204" pitchFamily="34" charset="0"/>
+              </a:rPr>
+              <a:t>的代码和二进制编码。</a:t>
+            </a:r>
+            <a:endParaRPr lang="en-US" altLang="zh-CN" sz="1600" dirty="0">
+              <a:latin typeface="Lucida Sans Regular" panose="020B0602030504020204" pitchFamily="34" charset="0"/>
+              <a:ea typeface="楷体" panose="02010609060101010101" pitchFamily="49" charset="-122"/>
+              <a:cs typeface="Lucida Sans Unicode" panose="020B0602030504020204" pitchFamily="34" charset="0"/>
+            </a:endParaRPr>
+          </a:p>
+          <a:p>
+            <a:pPr marL="342900" lvl="1" indent="342900">
+              <a:lnSpc>
+                <a:spcPct val="150000"/>
+              </a:lnSpc>
+              <a:spcBef>
+                <a:spcPts val="800"/>
+              </a:spcBef>
+              <a:buFont typeface="Wingdings" panose="05000000000000000000" pitchFamily="2" charset="2"/>
+              <a:buChar char="Ø"/>
+            </a:pPr>
+            <a:endParaRPr lang="en-US" altLang="zh-CN" sz="2000" dirty="0">
+              <a:latin typeface="Lucida Sans Regular" panose="020B0602030504020204" pitchFamily="34" charset="0"/>
+              <a:ea typeface="楷体" panose="02010609060101010101" pitchFamily="49" charset="-122"/>
+            </a:endParaRPr>
+          </a:p>
+          <a:p>
+            <a:pPr marL="457200" lvl="2" indent="0" algn="l">
+              <a:lnSpc>
+                <a:spcPct val="150000"/>
+              </a:lnSpc>
+              <a:spcBef>
+                <a:spcPts val="800"/>
+              </a:spcBef>
+              <a:buNone/>
+            </a:pPr>
+            <a:endParaRPr lang="en-US" altLang="zh-CN" dirty="0">
+              <a:latin typeface="Lucida Sans Regular" panose="020B0602030504020204" pitchFamily="34" charset="0"/>
+              <a:ea typeface="楷体" panose="02010609060101010101" pitchFamily="49" charset="-122"/>
+            </a:endParaRPr>
+          </a:p>
+          <a:p>
+            <a:pPr marL="457200" lvl="2" indent="0" algn="l">
+              <a:lnSpc>
+                <a:spcPct val="150000"/>
+              </a:lnSpc>
+              <a:spcBef>
+                <a:spcPts val="600"/>
+              </a:spcBef>
+              <a:buNone/>
+            </a:pPr>
+            <a:endParaRPr lang="zh-CN" altLang="en-US" dirty="0">
+              <a:latin typeface="Lucida Sans Regular" panose="020B0602030504020204" pitchFamily="34" charset="0"/>
+              <a:ea typeface="楷体" panose="02010609060101010101" pitchFamily="49" charset="-122"/>
+            </a:endParaRPr>
+          </a:p>
+        </p:txBody>
+      </p:sp>
+    </p:spTree>
+    <p:extLst>
+      <p:ext uri="{BB962C8B-B14F-4D97-AF65-F5344CB8AC3E}">
+        <p14:creationId xmlns:p14="http://schemas.microsoft.com/office/powerpoint/2010/main" val="4077834078"/>
+      </p:ext>
+    </p:extLst>
+  </p:cSld>
+  <p:clrMapOvr>
+    <a:masterClrMapping/>
+  </p:clrMapOvr>
+</p:sld>
+</file>
+
+<file path=ppt/slides/slide11.xml><?xml version="1.0" encoding="utf-8"?>
+<p:sld xmlns:a="http://schemas.openxmlformats.org/drawingml/2006/main" xmlns:r="http://schemas.openxmlformats.org/officeDocument/2006/relationships" xmlns:p="http://schemas.openxmlformats.org/presentationml/2006/main">
+  <p:cSld>
+    <p:spTree>
+      <p:nvGrpSpPr>
+        <p:cNvPr id="1" name=""/>
+        <p:cNvGrpSpPr/>
+        <p:nvPr/>
+      </p:nvGrpSpPr>
+      <p:grpSpPr>
+        <a:xfrm>
+          <a:off x="0" y="0"/>
+          <a:ext cx="0" cy="0"/>
+          <a:chOff x="0" y="0"/>
+          <a:chExt cx="0" cy="0"/>
+        </a:xfrm>
+      </p:grpSpPr>
+      <p:pic>
+        <p:nvPicPr>
+          <p:cNvPr id="4" name="图片 3">
+            <a:extLst>
+              <a:ext uri="{FF2B5EF4-FFF2-40B4-BE49-F238E27FC236}">
                 <a16:creationId xmlns:a16="http://schemas.microsoft.com/office/drawing/2014/main" id="{7EF5419E-E781-A02C-7185-4EF320ECD852}"/>
               </a:ext>
             </a:extLst>
@@ -6287,7 +7307,23 @@
                 <a:ea typeface="楷体" panose="02010609060101010101" pitchFamily="49" charset="-122"/>
                 <a:cs typeface="Cascadia Code" panose="020B0609020000020004" pitchFamily="49" charset="0"/>
               </a:rPr>
-              <a:t>状态。</a:t>
+              <a:t>状态，</a:t>
+            </a:r>
+            <a:r>
+              <a:rPr lang="en-US" altLang="zh-CN" sz="1800" dirty="0" err="1">
+                <a:latin typeface="Lucida Sans Regular" panose="020B0602030504020204" pitchFamily="34" charset="0"/>
+                <a:ea typeface="楷体" panose="02010609060101010101" pitchFamily="49" charset="-122"/>
+                <a:cs typeface="Cascadia Code" panose="020B0609020000020004" pitchFamily="49" charset="0"/>
+              </a:rPr>
+              <a:t>offcpu</a:t>
+            </a:r>
+            <a:r>
+              <a:rPr lang="zh-CN" altLang="en-US" sz="1800" dirty="0">
+                <a:latin typeface="Lucida Sans Regular" panose="020B0602030504020204" pitchFamily="34" charset="0"/>
+                <a:ea typeface="楷体" panose="02010609060101010101" pitchFamily="49" charset="-122"/>
+                <a:cs typeface="Cascadia Code" panose="020B0609020000020004" pitchFamily="49" charset="0"/>
+              </a:rPr>
+              <a:t>时间超过阈值。</a:t>
             </a:r>
             <a:endParaRPr lang="en-US" altLang="zh-CN" sz="1800" dirty="0">
               <a:latin typeface="Lucida Sans Regular" panose="020B0602030504020204" pitchFamily="34" charset="0"/>
@@ -6312,7 +7348,15 @@
                 <a:ea typeface="楷体" panose="02010609060101010101" pitchFamily="49" charset="-122"/>
                 <a:cs typeface="Cascadia Code" panose="020B0609020000020004" pitchFamily="49" charset="0"/>
               </a:rPr>
-              <a:t>task </a:t>
+              <a:t>task</a:t>
+            </a:r>
+            <a:r>
+              <a:rPr lang="zh-CN" altLang="en-US" sz="1800" dirty="0">
+                <a:latin typeface="Lucida Sans Regular" panose="020B0602030504020204" pitchFamily="34" charset="0"/>
+                <a:ea typeface="楷体" panose="02010609060101010101" pitchFamily="49" charset="-122"/>
+                <a:cs typeface="Cascadia Code" panose="020B0609020000020004" pitchFamily="49" charset="0"/>
+              </a:rPr>
+              <a:t>过滤范围：</a:t>
             </a:r>
             <a:r>
               <a:rPr lang="en-US" altLang="zh-CN" sz="1800" dirty="0" err="1">
@@ -6320,15 +7364,71 @@
                 <a:ea typeface="楷体" panose="02010609060101010101" pitchFamily="49" charset="-122"/>
                 <a:cs typeface="Cascadia Code" panose="020B0609020000020004" pitchFamily="49" charset="0"/>
               </a:rPr>
-              <a:t>offcpu</a:t>
-            </a:r>
-            <a:r>
-              <a:rPr lang="zh-CN" altLang="en-US" sz="1800" dirty="0">
-                <a:latin typeface="Lucida Sans Regular" panose="020B0602030504020204" pitchFamily="34" charset="0"/>
-                <a:ea typeface="楷体" panose="02010609060101010101" pitchFamily="49" charset="-122"/>
-                <a:cs typeface="Cascadia Code" panose="020B0609020000020004" pitchFamily="49" charset="0"/>
-              </a:rPr>
-              <a:t>时间超过阈值。</a:t>
+              <a:t>os</a:t>
+            </a:r>
+            <a:r>
+              <a:rPr lang="zh-CN" altLang="en-US" sz="1800" dirty="0">
+                <a:latin typeface="Lucida Sans Regular" panose="020B0602030504020204" pitchFamily="34" charset="0"/>
+                <a:ea typeface="楷体" panose="02010609060101010101" pitchFamily="49" charset="-122"/>
+                <a:cs typeface="Cascadia Code" panose="020B0609020000020004" pitchFamily="49" charset="0"/>
+              </a:rPr>
+              <a:t>，</a:t>
+            </a:r>
+            <a:r>
+              <a:rPr lang="en-US" altLang="zh-CN" sz="1800" dirty="0">
+                <a:latin typeface="Lucida Sans Regular" panose="020B0602030504020204" pitchFamily="34" charset="0"/>
+                <a:ea typeface="楷体" panose="02010609060101010101" pitchFamily="49" charset="-122"/>
+                <a:cs typeface="Cascadia Code" panose="020B0609020000020004" pitchFamily="49" charset="0"/>
+              </a:rPr>
+              <a:t>namespace</a:t>
+            </a:r>
+            <a:r>
+              <a:rPr lang="zh-CN" altLang="en-US" sz="1800" dirty="0">
+                <a:latin typeface="Lucida Sans Regular" panose="020B0602030504020204" pitchFamily="34" charset="0"/>
+                <a:ea typeface="楷体" panose="02010609060101010101" pitchFamily="49" charset="-122"/>
+                <a:cs typeface="Cascadia Code" panose="020B0609020000020004" pitchFamily="49" charset="0"/>
+              </a:rPr>
+              <a:t>，</a:t>
+            </a:r>
+            <a:r>
+              <a:rPr lang="en-US" altLang="zh-CN" sz="1800" dirty="0" err="1">
+                <a:latin typeface="Lucida Sans Regular" panose="020B0602030504020204" pitchFamily="34" charset="0"/>
+                <a:ea typeface="楷体" panose="02010609060101010101" pitchFamily="49" charset="-122"/>
+                <a:cs typeface="Cascadia Code" panose="020B0609020000020004" pitchFamily="49" charset="0"/>
+              </a:rPr>
+              <a:t>cgroup</a:t>
+            </a:r>
+            <a:r>
+              <a:rPr lang="zh-CN" altLang="en-US" sz="1800" dirty="0">
+                <a:latin typeface="Lucida Sans Regular" panose="020B0602030504020204" pitchFamily="34" charset="0"/>
+                <a:ea typeface="楷体" panose="02010609060101010101" pitchFamily="49" charset="-122"/>
+                <a:cs typeface="Cascadia Code" panose="020B0609020000020004" pitchFamily="49" charset="0"/>
+              </a:rPr>
+              <a:t>，</a:t>
+            </a:r>
+            <a:r>
+              <a:rPr lang="en-US" altLang="zh-CN" sz="1800" dirty="0" err="1">
+                <a:latin typeface="Lucida Sans Regular" panose="020B0602030504020204" pitchFamily="34" charset="0"/>
+                <a:ea typeface="楷体" panose="02010609060101010101" pitchFamily="49" charset="-122"/>
+                <a:cs typeface="Cascadia Code" panose="020B0609020000020004" pitchFamily="49" charset="0"/>
+              </a:rPr>
+              <a:t>pgid</a:t>
+            </a:r>
+            <a:r>
+              <a:rPr lang="zh-CN" altLang="en-US" sz="1800" dirty="0">
+                <a:latin typeface="Lucida Sans Regular" panose="020B0602030504020204" pitchFamily="34" charset="0"/>
+                <a:ea typeface="楷体" panose="02010609060101010101" pitchFamily="49" charset="-122"/>
+                <a:cs typeface="Cascadia Code" panose="020B0609020000020004" pitchFamily="49" charset="0"/>
+              </a:rPr>
+              <a:t>，</a:t>
+            </a:r>
+            <a:r>
+              <a:rPr lang="en-US" altLang="zh-CN" sz="1800" dirty="0" err="1">
+                <a:latin typeface="Lucida Sans Regular" panose="020B0602030504020204" pitchFamily="34" charset="0"/>
+                <a:ea typeface="楷体" panose="02010609060101010101" pitchFamily="49" charset="-122"/>
+                <a:cs typeface="Cascadia Code" panose="020B0609020000020004" pitchFamily="49" charset="0"/>
+              </a:rPr>
+              <a:t>pid</a:t>
             </a:r>
             <a:endParaRPr lang="en-US" altLang="zh-CN" sz="1800" dirty="0">
               <a:latin typeface="Lucida Sans Regular" panose="020B0602030504020204" pitchFamily="34" charset="0"/>
@@ -6348,20 +7448,28 @@
               <a:buChar char="Ø"/>
             </a:pPr>
             <a:r>
+              <a:rPr lang="zh-CN" altLang="en-US" sz="1800" dirty="0">
+                <a:latin typeface="Lucida Sans Regular" panose="020B0602030504020204" pitchFamily="34" charset="0"/>
+                <a:ea typeface="楷体" panose="02010609060101010101" pitchFamily="49" charset="-122"/>
+                <a:cs typeface="Cascadia Code" panose="020B0609020000020004" pitchFamily="49" charset="0"/>
+              </a:rPr>
+              <a:t>内核函数：</a:t>
+            </a:r>
+            <a:r>
+              <a:rPr lang="en-US" altLang="zh-CN" sz="1800" dirty="0" err="1">
+                <a:latin typeface="Lucida Sans Regular" panose="020B0602030504020204" pitchFamily="34" charset="0"/>
+                <a:ea typeface="楷体" panose="02010609060101010101" pitchFamily="49" charset="-122"/>
+                <a:cs typeface="Cascadia Code" panose="020B0609020000020004" pitchFamily="49" charset="0"/>
+              </a:rPr>
+              <a:t>sched_process_hang</a:t>
+            </a:r>
+            <a:r>
               <a:rPr lang="en-US" altLang="zh-CN" sz="1800" dirty="0">
                 <a:latin typeface="Lucida Sans Regular" panose="020B0602030504020204" pitchFamily="34" charset="0"/>
                 <a:ea typeface="楷体" panose="02010609060101010101" pitchFamily="49" charset="-122"/>
                 <a:cs typeface="Cascadia Code" panose="020B0609020000020004" pitchFamily="49" charset="0"/>
               </a:rPr>
-              <a:t>task</a:t>
-            </a:r>
-            <a:r>
-              <a:rPr lang="zh-CN" altLang="en-US" sz="1800" dirty="0">
-                <a:latin typeface="Lucida Sans Regular" panose="020B0602030504020204" pitchFamily="34" charset="0"/>
-                <a:ea typeface="楷体" panose="02010609060101010101" pitchFamily="49" charset="-122"/>
-                <a:cs typeface="Cascadia Code" panose="020B0609020000020004" pitchFamily="49" charset="0"/>
-              </a:rPr>
-              <a:t>过滤范围：</a:t>
+              <a:t>, </a:t>
             </a:r>
             <a:r>
               <a:rPr lang="en-US" altLang="zh-CN" sz="1800" dirty="0" err="1">
@@ -6369,15 +7477,7 @@
                 <a:ea typeface="楷体" panose="02010609060101010101" pitchFamily="49" charset="-122"/>
                 <a:cs typeface="Cascadia Code" panose="020B0609020000020004" pitchFamily="49" charset="0"/>
               </a:rPr>
-              <a:t>os</a:t>
-            </a:r>
-            <a:r>
-              <a:rPr lang="zh-CN" altLang="en-US" sz="1800" dirty="0">
-                <a:latin typeface="Lucida Sans Regular" panose="020B0602030504020204" pitchFamily="34" charset="0"/>
-                <a:ea typeface="楷体" panose="02010609060101010101" pitchFamily="49" charset="-122"/>
-                <a:cs typeface="Cascadia Code" panose="020B0609020000020004" pitchFamily="49" charset="0"/>
-              </a:rPr>
-              <a:t>，</a:t>
+              <a:t>sched_process_exit</a:t>
             </a:r>
             <a:r>
               <a:rPr lang="en-US" altLang="zh-CN" sz="1800" dirty="0">
@@ -6385,15 +7485,7 @@
                 <a:ea typeface="楷体" panose="02010609060101010101" pitchFamily="49" charset="-122"/>
                 <a:cs typeface="Cascadia Code" panose="020B0609020000020004" pitchFamily="49" charset="0"/>
               </a:rPr>
-              <a:t>namespace</a:t>
-            </a:r>
-            <a:r>
-              <a:rPr lang="zh-CN" altLang="en-US" sz="1800" dirty="0">
-                <a:latin typeface="Lucida Sans Regular" panose="020B0602030504020204" pitchFamily="34" charset="0"/>
-                <a:ea typeface="楷体" panose="02010609060101010101" pitchFamily="49" charset="-122"/>
-                <a:cs typeface="Cascadia Code" panose="020B0609020000020004" pitchFamily="49" charset="0"/>
-              </a:rPr>
-              <a:t>，</a:t>
+              <a:t>, </a:t>
             </a:r>
             <a:r>
               <a:rPr lang="en-US" altLang="zh-CN" sz="1800" dirty="0" err="1">
@@ -6401,15 +7493,15 @@
                 <a:ea typeface="楷体" panose="02010609060101010101" pitchFamily="49" charset="-122"/>
                 <a:cs typeface="Cascadia Code" panose="020B0609020000020004" pitchFamily="49" charset="0"/>
               </a:rPr>
-              <a:t>cgroup</a:t>
-            </a:r>
-            <a:r>
-              <a:rPr lang="zh-CN" altLang="en-US" sz="1800" dirty="0">
-                <a:latin typeface="Lucida Sans Regular" panose="020B0602030504020204" pitchFamily="34" charset="0"/>
-                <a:ea typeface="楷体" panose="02010609060101010101" pitchFamily="49" charset="-122"/>
-                <a:cs typeface="Cascadia Code" panose="020B0609020000020004" pitchFamily="49" charset="0"/>
-              </a:rPr>
-              <a:t>，</a:t>
+              <a:t>sched_switch</a:t>
+            </a:r>
+            <a:r>
+              <a:rPr lang="en-US" altLang="zh-CN" sz="1800" dirty="0">
+                <a:latin typeface="Lucida Sans Regular" panose="020B0602030504020204" pitchFamily="34" charset="0"/>
+                <a:ea typeface="楷体" panose="02010609060101010101" pitchFamily="49" charset="-122"/>
+                <a:cs typeface="Cascadia Code" panose="020B0609020000020004" pitchFamily="49" charset="0"/>
+              </a:rPr>
+              <a:t>, </a:t>
             </a:r>
             <a:r>
               <a:rPr lang="en-US" altLang="zh-CN" sz="1800" dirty="0" err="1">
@@ -6417,23 +7509,7 @@
                 <a:ea typeface="楷体" panose="02010609060101010101" pitchFamily="49" charset="-122"/>
                 <a:cs typeface="Cascadia Code" panose="020B0609020000020004" pitchFamily="49" charset="0"/>
               </a:rPr>
-              <a:t>pgid</a:t>
-            </a:r>
-            <a:r>
-              <a:rPr lang="zh-CN" altLang="en-US" sz="1800" dirty="0">
-                <a:latin typeface="Lucida Sans Regular" panose="020B0602030504020204" pitchFamily="34" charset="0"/>
-                <a:ea typeface="楷体" panose="02010609060101010101" pitchFamily="49" charset="-122"/>
-                <a:cs typeface="Cascadia Code" panose="020B0609020000020004" pitchFamily="49" charset="0"/>
-              </a:rPr>
-              <a:t>，</a:t>
-            </a:r>
-            <a:r>
-              <a:rPr lang="en-US" altLang="zh-CN" sz="1800" dirty="0" err="1">
-                <a:latin typeface="Lucida Sans Regular" panose="020B0602030504020204" pitchFamily="34" charset="0"/>
-                <a:ea typeface="楷体" panose="02010609060101010101" pitchFamily="49" charset="-122"/>
-                <a:cs typeface="Cascadia Code" panose="020B0609020000020004" pitchFamily="49" charset="0"/>
-              </a:rPr>
-              <a:t>pid</a:t>
+              <a:t>sched_wakeup</a:t>
             </a:r>
             <a:endParaRPr lang="en-US" altLang="zh-CN" sz="1800" dirty="0">
               <a:latin typeface="Lucida Sans Regular" panose="020B0602030504020204" pitchFamily="34" charset="0"/>
@@ -6442,7 +7518,139 @@
             </a:endParaRPr>
           </a:p>
           <a:p>
-            <a:pPr marL="800100" lvl="2" indent="-342900">
+            <a:pPr marL="742950" lvl="2" indent="285750">
+              <a:lnSpc>
+                <a:spcPct val="150000"/>
+              </a:lnSpc>
+              <a:spcBef>
+                <a:spcPts val="600"/>
+              </a:spcBef>
+              <a:buFont typeface="Wingdings" panose="05000000000000000000" pitchFamily="2" charset="2"/>
+              <a:buChar char="Ø"/>
+            </a:pPr>
+            <a:r>
+              <a:rPr lang="zh-CN" altLang="en-US" sz="1800" dirty="0">
+                <a:latin typeface="Lucida Sans Regular" panose="020B0602030504020204" pitchFamily="34" charset="0"/>
+                <a:ea typeface="楷体" panose="02010609060101010101" pitchFamily="49" charset="-122"/>
+                <a:cs typeface="Cascadia Code" panose="020B0609020000020004" pitchFamily="49" charset="0"/>
+              </a:rPr>
+              <a:t>使用</a:t>
+            </a:r>
+            <a:r>
+              <a:rPr lang="en-US" altLang="zh-CN" sz="1800" dirty="0" err="1">
+                <a:latin typeface="Lucida Sans Regular" panose="020B0602030504020204" pitchFamily="34" charset="0"/>
+                <a:ea typeface="楷体" panose="02010609060101010101" pitchFamily="49" charset="-122"/>
+                <a:cs typeface="Cascadia Code" panose="020B0609020000020004" pitchFamily="49" charset="0"/>
+              </a:rPr>
+              <a:t>btf-tracepoint</a:t>
+            </a:r>
+            <a:r>
+              <a:rPr lang="zh-CN" altLang="en-US" sz="1800" dirty="0">
+                <a:latin typeface="Lucida Sans Regular" panose="020B0602030504020204" pitchFamily="34" charset="0"/>
+                <a:ea typeface="楷体" panose="02010609060101010101" pitchFamily="49" charset="-122"/>
+                <a:cs typeface="Cascadia Code" panose="020B0609020000020004" pitchFamily="49" charset="0"/>
+              </a:rPr>
+              <a:t>。</a:t>
+            </a:r>
+            <a:endParaRPr lang="en-US" altLang="zh-CN" sz="1800" dirty="0">
+              <a:latin typeface="Lucida Sans Regular" panose="020B0602030504020204" pitchFamily="34" charset="0"/>
+              <a:ea typeface="楷体" panose="02010609060101010101" pitchFamily="49" charset="-122"/>
+              <a:cs typeface="Cascadia Code" panose="020B0609020000020004" pitchFamily="49" charset="0"/>
+            </a:endParaRPr>
+          </a:p>
+          <a:p>
+            <a:pPr marL="742950" lvl="2" indent="285750">
+              <a:lnSpc>
+                <a:spcPct val="150000"/>
+              </a:lnSpc>
+              <a:spcBef>
+                <a:spcPts val="600"/>
+              </a:spcBef>
+              <a:buFont typeface="Wingdings" panose="05000000000000000000" pitchFamily="2" charset="2"/>
+              <a:buChar char="Ø"/>
+            </a:pPr>
+            <a:endParaRPr lang="en-US" altLang="zh-CN" sz="1800" dirty="0">
+              <a:latin typeface="Lucida Sans Regular" panose="020B0602030504020204" pitchFamily="34" charset="0"/>
+              <a:ea typeface="楷体" panose="02010609060101010101" pitchFamily="49" charset="-122"/>
+              <a:cs typeface="Cascadia Code" panose="020B0609020000020004" pitchFamily="49" charset="0"/>
+            </a:endParaRPr>
+          </a:p>
+          <a:p>
+            <a:pPr marL="742950" lvl="2" indent="285750">
+              <a:lnSpc>
+                <a:spcPct val="150000"/>
+              </a:lnSpc>
+              <a:spcBef>
+                <a:spcPts val="600"/>
+              </a:spcBef>
+              <a:buFont typeface="Wingdings" panose="05000000000000000000" pitchFamily="2" charset="2"/>
+              <a:buChar char="Ø"/>
+            </a:pPr>
+            <a:endParaRPr lang="en-US" altLang="zh-CN" sz="1200" b="0" dirty="0">
+              <a:solidFill>
+                <a:srgbClr val="DADADA"/>
+              </a:solidFill>
+              <a:effectLst/>
+              <a:latin typeface="Source Code Pro" panose="020B0509030403020204" pitchFamily="49" charset="0"/>
+            </a:endParaRPr>
+          </a:p>
+          <a:p>
+            <a:pPr marL="742950" lvl="2" indent="285750">
+              <a:lnSpc>
+                <a:spcPct val="150000"/>
+              </a:lnSpc>
+              <a:spcBef>
+                <a:spcPts val="600"/>
+              </a:spcBef>
+              <a:buFont typeface="Wingdings" panose="05000000000000000000" pitchFamily="2" charset="2"/>
+              <a:buChar char="Ø"/>
+            </a:pPr>
+            <a:endParaRPr lang="en-US" altLang="zh-CN" sz="1400" b="0" dirty="0">
+              <a:solidFill>
+                <a:srgbClr val="DADADA"/>
+              </a:solidFill>
+              <a:effectLst/>
+              <a:latin typeface="Source Code Pro" panose="020B0509030403020204" pitchFamily="49" charset="0"/>
+            </a:endParaRPr>
+          </a:p>
+          <a:p>
+            <a:pPr marL="742950" lvl="2" indent="285750">
+              <a:lnSpc>
+                <a:spcPct val="150000"/>
+              </a:lnSpc>
+              <a:spcBef>
+                <a:spcPts val="600"/>
+              </a:spcBef>
+              <a:buFont typeface="Wingdings" panose="05000000000000000000" pitchFamily="2" charset="2"/>
+              <a:buChar char="Ø"/>
+            </a:pPr>
+            <a:endParaRPr lang="en-US" altLang="zh-CN" sz="1600" b="0" dirty="0">
+              <a:solidFill>
+                <a:srgbClr val="DADADA"/>
+              </a:solidFill>
+              <a:effectLst/>
+              <a:latin typeface="Source Code Pro" panose="020B0509030403020204" pitchFamily="49" charset="0"/>
+            </a:endParaRPr>
+          </a:p>
+          <a:p>
+            <a:pPr marL="742950" lvl="2" indent="285750">
+              <a:lnSpc>
+                <a:spcPct val="150000"/>
+              </a:lnSpc>
+              <a:spcBef>
+                <a:spcPts val="600"/>
+              </a:spcBef>
+              <a:buFont typeface="Wingdings" panose="05000000000000000000" pitchFamily="2" charset="2"/>
+              <a:buChar char="Ø"/>
+            </a:pPr>
+            <a:endParaRPr lang="en-US" altLang="zh-CN" sz="1800" dirty="0">
+              <a:latin typeface="Lucida Sans Regular" panose="020B0602030504020204" pitchFamily="34" charset="0"/>
+              <a:ea typeface="楷体" panose="02010609060101010101" pitchFamily="49" charset="-122"/>
+              <a:cs typeface="Cascadia Code" panose="020B0609020000020004" pitchFamily="49" charset="0"/>
+            </a:endParaRPr>
+          </a:p>
+          <a:p>
+            <a:pPr marL="1257300" lvl="3" indent="-342900">
               <a:spcBef>
                 <a:spcPts val="1000"/>
               </a:spcBef>
@@ -6509,7 +7717,7 @@
         </p:blipFill>
         <p:spPr>
           <a:xfrm>
-            <a:off x="549028" y="3360092"/>
+            <a:off x="504124" y="3886022"/>
             <a:ext cx="11199618" cy="2432468"/>
           </a:xfrm>
           <a:prstGeom prst="rect">
@@ -6531,6 +7739,520 @@
 </file>
 
 <file path=ppt/slides/slide7.xml><?xml version="1.0" encoding="utf-8"?>
+<p:sld xmlns:a="http://schemas.openxmlformats.org/drawingml/2006/main" xmlns:r="http://schemas.openxmlformats.org/officeDocument/2006/relationships" xmlns:p="http://schemas.openxmlformats.org/presentationml/2006/main">
+  <p:cSld>
+    <p:spTree>
+      <p:nvGrpSpPr>
+        <p:cNvPr id="1" name=""/>
+        <p:cNvGrpSpPr/>
+        <p:nvPr/>
+      </p:nvGrpSpPr>
+      <p:grpSpPr>
+        <a:xfrm>
+          <a:off x="0" y="0"/>
+          <a:ext cx="0" cy="0"/>
+          <a:chOff x="0" y="0"/>
+          <a:chExt cx="0" cy="0"/>
+        </a:xfrm>
+      </p:grpSpPr>
+      <p:pic>
+        <p:nvPicPr>
+          <p:cNvPr id="4" name="图片 3">
+            <a:extLst>
+              <a:ext uri="{FF2B5EF4-FFF2-40B4-BE49-F238E27FC236}">
+                <a16:creationId xmlns:a16="http://schemas.microsoft.com/office/drawing/2014/main" id="{1D47AF62-A7AE-DE9C-FE08-787751197477}"/>
+              </a:ext>
+            </a:extLst>
+          </p:cNvPr>
+          <p:cNvPicPr>
+            <a:picLocks noChangeAspect="1"/>
+          </p:cNvPicPr>
+          <p:nvPr/>
+        </p:nvPicPr>
+        <p:blipFill>
+          <a:blip r:embed="rId2"/>
+          <a:stretch>
+            <a:fillRect/>
+          </a:stretch>
+        </p:blipFill>
+        <p:spPr>
+          <a:xfrm>
+            <a:off x="0" y="0"/>
+            <a:ext cx="1927334" cy="677612"/>
+          </a:xfrm>
+          <a:prstGeom prst="rect">
+            <a:avLst/>
+          </a:prstGeom>
+        </p:spPr>
+      </p:pic>
+      <p:sp>
+        <p:nvSpPr>
+          <p:cNvPr id="5" name="内容占位符 2">
+            <a:extLst>
+              <a:ext uri="{FF2B5EF4-FFF2-40B4-BE49-F238E27FC236}">
+                <a16:creationId xmlns:a16="http://schemas.microsoft.com/office/drawing/2014/main" id="{922C6888-8960-45EB-7C76-6E5E982288D7}"/>
+              </a:ext>
+            </a:extLst>
+          </p:cNvPr>
+          <p:cNvSpPr>
+            <a:spLocks noGrp="1"/>
+          </p:cNvSpPr>
+          <p:nvPr>
+            <p:ph idx="1"/>
+          </p:nvPr>
+        </p:nvSpPr>
+        <p:spPr>
+          <a:xfrm>
+            <a:off x="488258" y="788724"/>
+            <a:ext cx="11215484" cy="5484764"/>
+          </a:xfrm>
+        </p:spPr>
+        <p:txBody>
+          <a:bodyPr/>
+          <a:lstStyle/>
+          <a:p>
+            <a:pPr marL="228600" lvl="1" indent="-228600" algn="l">
+              <a:spcBef>
+                <a:spcPts val="1000"/>
+              </a:spcBef>
+              <a:buFont typeface="Arial" panose="020B0604020202020204" pitchFamily="34" charset="0"/>
+              <a:buChar char="•"/>
+            </a:pPr>
+            <a:r>
+              <a:rPr lang="en-US" altLang="zh-CN" dirty="0">
+                <a:latin typeface="Lucida Sans Regular" panose="020B0602030504020204" pitchFamily="34" charset="0"/>
+                <a:ea typeface="楷体" panose="02010609060101010101" pitchFamily="49" charset="-122"/>
+                <a:cs typeface="Cascadia Code" panose="020B0609020000020004" pitchFamily="49" charset="0"/>
+              </a:rPr>
+              <a:t>X-</a:t>
+            </a:r>
+            <a:r>
+              <a:rPr lang="en-US" altLang="zh-CN" dirty="0" err="1">
+                <a:latin typeface="Lucida Sans Regular" panose="020B0602030504020204" pitchFamily="34" charset="0"/>
+                <a:ea typeface="楷体" panose="02010609060101010101" pitchFamily="49" charset="-122"/>
+                <a:cs typeface="Cascadia Code" panose="020B0609020000020004" pitchFamily="49" charset="0"/>
+              </a:rPr>
+              <a:t>Monitor.ebpf</a:t>
+            </a:r>
+            <a:r>
+              <a:rPr lang="en-US" altLang="zh-CN" dirty="0">
+                <a:latin typeface="Lucida Sans Regular" panose="020B0602030504020204" pitchFamily="34" charset="0"/>
+                <a:ea typeface="楷体" panose="02010609060101010101" pitchFamily="49" charset="-122"/>
+                <a:cs typeface="Cascadia Code" panose="020B0609020000020004" pitchFamily="49" charset="0"/>
+              </a:rPr>
+              <a:t> </a:t>
+            </a:r>
+            <a:r>
+              <a:rPr lang="en-US" altLang="zh-CN" dirty="0" err="1">
+                <a:latin typeface="Lucida Sans Regular" panose="020B0602030504020204" pitchFamily="34" charset="0"/>
+                <a:ea typeface="楷体" panose="02010609060101010101" pitchFamily="49" charset="-122"/>
+                <a:cs typeface="Cascadia Code" panose="020B0609020000020004" pitchFamily="49" charset="0"/>
+              </a:rPr>
+              <a:t>processvm</a:t>
+            </a:r>
+            <a:endParaRPr lang="en-US" altLang="zh-CN" dirty="0">
+              <a:latin typeface="Lucida Sans Regular" panose="020B0602030504020204" pitchFamily="34" charset="0"/>
+              <a:ea typeface="楷体" panose="02010609060101010101" pitchFamily="49" charset="-122"/>
+              <a:cs typeface="Cascadia Code" panose="020B0609020000020004" pitchFamily="49" charset="0"/>
+            </a:endParaRPr>
+          </a:p>
+          <a:p>
+            <a:pPr marL="742950" lvl="2" indent="285750">
+              <a:lnSpc>
+                <a:spcPct val="150000"/>
+              </a:lnSpc>
+              <a:spcBef>
+                <a:spcPts val="600"/>
+              </a:spcBef>
+              <a:buFont typeface="Wingdings" panose="05000000000000000000" pitchFamily="2" charset="2"/>
+              <a:buChar char="Ø"/>
+            </a:pPr>
+            <a:r>
+              <a:rPr lang="zh-CN" altLang="en-US" sz="1800" dirty="0">
+                <a:latin typeface="Lucida Sans Regular" panose="020B0602030504020204" pitchFamily="34" charset="0"/>
+                <a:ea typeface="楷体" panose="02010609060101010101" pitchFamily="49" charset="-122"/>
+                <a:cs typeface="Cascadia Code" panose="020B0609020000020004" pitchFamily="49" charset="0"/>
+              </a:rPr>
+              <a:t>观察进程的</a:t>
+            </a:r>
+            <a:r>
+              <a:rPr lang="en-US" altLang="zh-CN" sz="1800" dirty="0">
+                <a:latin typeface="Lucida Sans Regular" panose="020B0602030504020204" pitchFamily="34" charset="0"/>
+                <a:ea typeface="楷体" panose="02010609060101010101" pitchFamily="49" charset="-122"/>
+                <a:cs typeface="Cascadia Code" panose="020B0609020000020004" pitchFamily="49" charset="0"/>
+              </a:rPr>
+              <a:t>private-anon</a:t>
+            </a:r>
+            <a:r>
+              <a:rPr lang="zh-CN" altLang="en-US" sz="1800" dirty="0">
+                <a:latin typeface="Lucida Sans Regular" panose="020B0602030504020204" pitchFamily="34" charset="0"/>
+                <a:ea typeface="楷体" panose="02010609060101010101" pitchFamily="49" charset="-122"/>
+                <a:cs typeface="Cascadia Code" panose="020B0609020000020004" pitchFamily="49" charset="0"/>
+              </a:rPr>
+              <a:t>、</a:t>
+            </a:r>
+            <a:r>
+              <a:rPr lang="en-US" altLang="zh-CN" sz="1800" dirty="0">
+                <a:latin typeface="Lucida Sans Regular" panose="020B0602030504020204" pitchFamily="34" charset="0"/>
+                <a:ea typeface="楷体" panose="02010609060101010101" pitchFamily="49" charset="-122"/>
+                <a:cs typeface="Cascadia Code" panose="020B0609020000020004" pitchFamily="49" charset="0"/>
+              </a:rPr>
+              <a:t>share</a:t>
+            </a:r>
+            <a:r>
+              <a:rPr lang="zh-CN" altLang="en-US" sz="1800" dirty="0">
+                <a:latin typeface="Lucida Sans Regular" panose="020B0602030504020204" pitchFamily="34" charset="0"/>
+                <a:ea typeface="楷体" panose="02010609060101010101" pitchFamily="49" charset="-122"/>
+                <a:cs typeface="Cascadia Code" panose="020B0609020000020004" pitchFamily="49" charset="0"/>
+              </a:rPr>
+              <a:t>地址空间的分配、回收情况。</a:t>
+            </a:r>
+            <a:endParaRPr lang="en-US" altLang="zh-CN" sz="1800" dirty="0">
+              <a:latin typeface="Lucida Sans Regular" panose="020B0602030504020204" pitchFamily="34" charset="0"/>
+              <a:ea typeface="楷体" panose="02010609060101010101" pitchFamily="49" charset="-122"/>
+              <a:cs typeface="Cascadia Code" panose="020B0609020000020004" pitchFamily="49" charset="0"/>
+            </a:endParaRPr>
+          </a:p>
+          <a:p>
+            <a:pPr marL="742950" lvl="2" indent="285750">
+              <a:lnSpc>
+                <a:spcPct val="150000"/>
+              </a:lnSpc>
+              <a:spcBef>
+                <a:spcPts val="600"/>
+              </a:spcBef>
+              <a:buFont typeface="Wingdings" panose="05000000000000000000" pitchFamily="2" charset="2"/>
+              <a:buChar char="Ø"/>
+            </a:pPr>
+            <a:r>
+              <a:rPr lang="zh-CN" altLang="en-US" sz="1800" dirty="0">
+                <a:latin typeface="Lucida Sans Regular" panose="020B0602030504020204" pitchFamily="34" charset="0"/>
+                <a:ea typeface="楷体" panose="02010609060101010101" pitchFamily="49" charset="-122"/>
+                <a:cs typeface="Cascadia Code" panose="020B0609020000020004" pitchFamily="49" charset="0"/>
+              </a:rPr>
+              <a:t>观察进程的堆地址空间的分配、回收情况。</a:t>
+            </a:r>
+            <a:endParaRPr lang="en-US" altLang="zh-CN" sz="1800" dirty="0">
+              <a:latin typeface="Lucida Sans Regular" panose="020B0602030504020204" pitchFamily="34" charset="0"/>
+              <a:ea typeface="楷体" panose="02010609060101010101" pitchFamily="49" charset="-122"/>
+              <a:cs typeface="Cascadia Code" panose="020B0609020000020004" pitchFamily="49" charset="0"/>
+            </a:endParaRPr>
+          </a:p>
+          <a:p>
+            <a:pPr marL="742950" lvl="2" indent="285750">
+              <a:lnSpc>
+                <a:spcPct val="150000"/>
+              </a:lnSpc>
+              <a:spcBef>
+                <a:spcPts val="600"/>
+              </a:spcBef>
+              <a:buFont typeface="Wingdings" panose="05000000000000000000" pitchFamily="2" charset="2"/>
+              <a:buChar char="Ø"/>
+            </a:pPr>
+            <a:r>
+              <a:rPr lang="zh-CN" altLang="en-US" sz="1800" dirty="0">
+                <a:latin typeface="Lucida Sans Regular" panose="020B0602030504020204" pitchFamily="34" charset="0"/>
+                <a:ea typeface="楷体" panose="02010609060101010101" pitchFamily="49" charset="-122"/>
+                <a:cs typeface="Cascadia Code" panose="020B0609020000020004" pitchFamily="49" charset="0"/>
+              </a:rPr>
+              <a:t>内核函数：</a:t>
+            </a:r>
+            <a:r>
+              <a:rPr lang="en-US" altLang="zh-CN" sz="1800" dirty="0" err="1">
+                <a:latin typeface="Lucida Sans Regular" panose="020B0602030504020204" pitchFamily="34" charset="0"/>
+                <a:ea typeface="楷体" panose="02010609060101010101" pitchFamily="49" charset="-122"/>
+                <a:cs typeface="Cascadia Code" panose="020B0609020000020004" pitchFamily="49" charset="0"/>
+              </a:rPr>
+              <a:t>do_mmap</a:t>
+            </a:r>
+            <a:r>
+              <a:rPr lang="en-US" altLang="zh-CN" sz="1800" dirty="0">
+                <a:latin typeface="Lucida Sans Regular" panose="020B0602030504020204" pitchFamily="34" charset="0"/>
+                <a:ea typeface="楷体" panose="02010609060101010101" pitchFamily="49" charset="-122"/>
+                <a:cs typeface="Cascadia Code" panose="020B0609020000020004" pitchFamily="49" charset="0"/>
+              </a:rPr>
+              <a:t>, </a:t>
+            </a:r>
+            <a:r>
+              <a:rPr lang="en-US" altLang="zh-CN" sz="1800" dirty="0" err="1">
+                <a:latin typeface="Lucida Sans Regular" panose="020B0602030504020204" pitchFamily="34" charset="0"/>
+                <a:ea typeface="楷体" panose="02010609060101010101" pitchFamily="49" charset="-122"/>
+                <a:cs typeface="Cascadia Code" panose="020B0609020000020004" pitchFamily="49" charset="0"/>
+              </a:rPr>
+              <a:t>do_brk_flags</a:t>
+            </a:r>
+            <a:r>
+              <a:rPr lang="en-US" altLang="zh-CN" sz="1800" dirty="0">
+                <a:latin typeface="Lucida Sans Regular" panose="020B0602030504020204" pitchFamily="34" charset="0"/>
+                <a:ea typeface="楷体" panose="02010609060101010101" pitchFamily="49" charset="-122"/>
+                <a:cs typeface="Cascadia Code" panose="020B0609020000020004" pitchFamily="49" charset="0"/>
+              </a:rPr>
+              <a:t>, </a:t>
+            </a:r>
+            <a:r>
+              <a:rPr lang="en-US" altLang="zh-CN" sz="1800" dirty="0" err="1">
+                <a:latin typeface="Lucida Sans Regular" panose="020B0602030504020204" pitchFamily="34" charset="0"/>
+                <a:ea typeface="楷体" panose="02010609060101010101" pitchFamily="49" charset="-122"/>
+                <a:cs typeface="Cascadia Code" panose="020B0609020000020004" pitchFamily="49" charset="0"/>
+              </a:rPr>
+              <a:t>sys_enter_brk</a:t>
+            </a:r>
+            <a:r>
+              <a:rPr lang="en-US" altLang="zh-CN" sz="1800" dirty="0">
+                <a:latin typeface="Lucida Sans Regular" panose="020B0602030504020204" pitchFamily="34" charset="0"/>
+                <a:ea typeface="楷体" panose="02010609060101010101" pitchFamily="49" charset="-122"/>
+                <a:cs typeface="Cascadia Code" panose="020B0609020000020004" pitchFamily="49" charset="0"/>
+              </a:rPr>
+              <a:t>, __</a:t>
+            </a:r>
+            <a:r>
+              <a:rPr lang="en-US" altLang="zh-CN" sz="1800" dirty="0" err="1">
+                <a:latin typeface="Lucida Sans Regular" panose="020B0602030504020204" pitchFamily="34" charset="0"/>
+                <a:ea typeface="楷体" panose="02010609060101010101" pitchFamily="49" charset="-122"/>
+                <a:cs typeface="Cascadia Code" panose="020B0609020000020004" pitchFamily="49" charset="0"/>
+              </a:rPr>
+              <a:t>do_munmap</a:t>
+            </a:r>
+            <a:r>
+              <a:rPr lang="zh-CN" altLang="en-US" sz="1800" dirty="0">
+                <a:latin typeface="Lucida Sans Regular" panose="020B0602030504020204" pitchFamily="34" charset="0"/>
+                <a:ea typeface="楷体" panose="02010609060101010101" pitchFamily="49" charset="-122"/>
+                <a:cs typeface="Cascadia Code" panose="020B0609020000020004" pitchFamily="49" charset="0"/>
+              </a:rPr>
+              <a:t>。</a:t>
+            </a:r>
+            <a:endParaRPr lang="en-US" altLang="zh-CN" sz="1800" dirty="0">
+              <a:latin typeface="Lucida Sans Regular" panose="020B0602030504020204" pitchFamily="34" charset="0"/>
+              <a:ea typeface="楷体" panose="02010609060101010101" pitchFamily="49" charset="-122"/>
+              <a:cs typeface="Cascadia Code" panose="020B0609020000020004" pitchFamily="49" charset="0"/>
+            </a:endParaRPr>
+          </a:p>
+          <a:p>
+            <a:pPr marL="742950" lvl="2" indent="285750">
+              <a:lnSpc>
+                <a:spcPct val="150000"/>
+              </a:lnSpc>
+              <a:spcBef>
+                <a:spcPts val="600"/>
+              </a:spcBef>
+              <a:buFont typeface="Wingdings" panose="05000000000000000000" pitchFamily="2" charset="2"/>
+              <a:buChar char="Ø"/>
+            </a:pPr>
+            <a:r>
+              <a:rPr lang="en-US" altLang="zh-CN" sz="1800" dirty="0" err="1">
+                <a:latin typeface="Lucida Sans Regular" panose="020B0602030504020204" pitchFamily="34" charset="0"/>
+                <a:ea typeface="楷体" panose="02010609060101010101" pitchFamily="49" charset="-122"/>
+                <a:cs typeface="Cascadia Code" panose="020B0609020000020004" pitchFamily="49" charset="0"/>
+              </a:rPr>
+              <a:t>tracepoint</a:t>
+            </a:r>
+            <a:r>
+              <a:rPr lang="zh-CN" altLang="en-US" sz="1800" dirty="0">
+                <a:latin typeface="Lucida Sans Regular" panose="020B0602030504020204" pitchFamily="34" charset="0"/>
+                <a:ea typeface="楷体" panose="02010609060101010101" pitchFamily="49" charset="-122"/>
+                <a:cs typeface="Cascadia Code" panose="020B0609020000020004" pitchFamily="49" charset="0"/>
+              </a:rPr>
+              <a:t>，</a:t>
+            </a:r>
+            <a:r>
+              <a:rPr lang="en-US" altLang="zh-CN" sz="1800" dirty="0" err="1">
+                <a:latin typeface="Lucida Sans Regular" panose="020B0602030504020204" pitchFamily="34" charset="0"/>
+                <a:ea typeface="楷体" panose="02010609060101010101" pitchFamily="49" charset="-122"/>
+                <a:cs typeface="Cascadia Code" panose="020B0609020000020004" pitchFamily="49" charset="0"/>
+              </a:rPr>
+              <a:t>kprobe</a:t>
+            </a:r>
+            <a:r>
+              <a:rPr lang="zh-CN" altLang="en-US" sz="1800" dirty="0">
+                <a:latin typeface="Lucida Sans Regular" panose="020B0602030504020204" pitchFamily="34" charset="0"/>
+                <a:ea typeface="楷体" panose="02010609060101010101" pitchFamily="49" charset="-122"/>
+                <a:cs typeface="Cascadia Code" panose="020B0609020000020004" pitchFamily="49" charset="0"/>
+              </a:rPr>
+              <a:t>，</a:t>
+            </a:r>
+            <a:r>
+              <a:rPr lang="en-US" altLang="zh-CN" sz="1800" dirty="0" err="1">
+                <a:latin typeface="Lucida Sans Regular" panose="020B0602030504020204" pitchFamily="34" charset="0"/>
+                <a:ea typeface="楷体" panose="02010609060101010101" pitchFamily="49" charset="-122"/>
+                <a:cs typeface="Cascadia Code" panose="020B0609020000020004" pitchFamily="49" charset="0"/>
+              </a:rPr>
+              <a:t>kretprobe</a:t>
+            </a:r>
+            <a:r>
+              <a:rPr lang="zh-CN" altLang="en-US" sz="1800" dirty="0">
+                <a:latin typeface="Lucida Sans Regular" panose="020B0602030504020204" pitchFamily="34" charset="0"/>
+                <a:ea typeface="楷体" panose="02010609060101010101" pitchFamily="49" charset="-122"/>
+                <a:cs typeface="Cascadia Code" panose="020B0609020000020004" pitchFamily="49" charset="0"/>
+              </a:rPr>
+              <a:t>。</a:t>
+            </a:r>
+            <a:endParaRPr lang="en-US" altLang="zh-CN" sz="1800" dirty="0">
+              <a:latin typeface="Lucida Sans Regular" panose="020B0602030504020204" pitchFamily="34" charset="0"/>
+              <a:ea typeface="楷体" panose="02010609060101010101" pitchFamily="49" charset="-122"/>
+              <a:cs typeface="Cascadia Code" panose="020B0609020000020004" pitchFamily="49" charset="0"/>
+            </a:endParaRPr>
+          </a:p>
+          <a:p>
+            <a:pPr marL="742950" lvl="2" indent="0">
+              <a:lnSpc>
+                <a:spcPct val="150000"/>
+              </a:lnSpc>
+              <a:spcBef>
+                <a:spcPts val="600"/>
+              </a:spcBef>
+              <a:buNone/>
+            </a:pPr>
+            <a:endParaRPr lang="en-US" altLang="zh-CN" sz="1800" dirty="0">
+              <a:latin typeface="Lucida Sans Regular" panose="020B0602030504020204" pitchFamily="34" charset="0"/>
+              <a:ea typeface="楷体" panose="02010609060101010101" pitchFamily="49" charset="-122"/>
+              <a:cs typeface="Cascadia Code" panose="020B0609020000020004" pitchFamily="49" charset="0"/>
+            </a:endParaRPr>
+          </a:p>
+          <a:p>
+            <a:pPr marL="742950" lvl="2" indent="285750">
+              <a:lnSpc>
+                <a:spcPct val="150000"/>
+              </a:lnSpc>
+              <a:spcBef>
+                <a:spcPts val="600"/>
+              </a:spcBef>
+              <a:buFont typeface="Wingdings" panose="05000000000000000000" pitchFamily="2" charset="2"/>
+              <a:buChar char="Ø"/>
+            </a:pPr>
+            <a:endParaRPr lang="en-US" altLang="zh-CN" sz="1400" b="0" dirty="0">
+              <a:solidFill>
+                <a:srgbClr val="DADADA"/>
+              </a:solidFill>
+              <a:effectLst/>
+              <a:latin typeface="Source Code Pro" panose="020B0509030403020204" pitchFamily="49" charset="0"/>
+            </a:endParaRPr>
+          </a:p>
+          <a:p>
+            <a:pPr marL="742950" lvl="2" indent="285750">
+              <a:lnSpc>
+                <a:spcPct val="150000"/>
+              </a:lnSpc>
+              <a:spcBef>
+                <a:spcPts val="600"/>
+              </a:spcBef>
+              <a:buFont typeface="Wingdings" panose="05000000000000000000" pitchFamily="2" charset="2"/>
+              <a:buChar char="Ø"/>
+            </a:pPr>
+            <a:endParaRPr lang="en-US" altLang="zh-CN" sz="1600" b="0" dirty="0">
+              <a:solidFill>
+                <a:srgbClr val="DADADA"/>
+              </a:solidFill>
+              <a:effectLst/>
+              <a:latin typeface="Source Code Pro" panose="020B0509030403020204" pitchFamily="49" charset="0"/>
+            </a:endParaRPr>
+          </a:p>
+          <a:p>
+            <a:pPr marL="742950" lvl="2" indent="285750">
+              <a:lnSpc>
+                <a:spcPct val="150000"/>
+              </a:lnSpc>
+              <a:spcBef>
+                <a:spcPts val="600"/>
+              </a:spcBef>
+              <a:buFont typeface="Wingdings" panose="05000000000000000000" pitchFamily="2" charset="2"/>
+              <a:buChar char="Ø"/>
+            </a:pPr>
+            <a:endParaRPr lang="en-US" altLang="zh-CN" sz="1800" dirty="0">
+              <a:latin typeface="Lucida Sans Regular" panose="020B0602030504020204" pitchFamily="34" charset="0"/>
+              <a:ea typeface="楷体" panose="02010609060101010101" pitchFamily="49" charset="-122"/>
+              <a:cs typeface="Cascadia Code" panose="020B0609020000020004" pitchFamily="49" charset="0"/>
+            </a:endParaRPr>
+          </a:p>
+          <a:p>
+            <a:pPr marL="1257300" lvl="3" indent="-342900">
+              <a:spcBef>
+                <a:spcPts val="1000"/>
+              </a:spcBef>
+              <a:buFont typeface="Wingdings" panose="05000000000000000000" pitchFamily="2" charset="2"/>
+              <a:buChar char="Ø"/>
+            </a:pPr>
+            <a:endParaRPr lang="en-US" altLang="zh-CN" dirty="0">
+              <a:latin typeface="Lucida Sans Regular" panose="020B0602030504020204" pitchFamily="34" charset="0"/>
+              <a:ea typeface="楷体" panose="02010609060101010101" pitchFamily="49" charset="-122"/>
+              <a:cs typeface="Cascadia Code" panose="020B0609020000020004" pitchFamily="49" charset="0"/>
+            </a:endParaRPr>
+          </a:p>
+          <a:p>
+            <a:pPr marL="457200" lvl="2" indent="0" algn="l">
+              <a:lnSpc>
+                <a:spcPct val="150000"/>
+              </a:lnSpc>
+              <a:spcBef>
+                <a:spcPts val="800"/>
+              </a:spcBef>
+              <a:buNone/>
+            </a:pPr>
+            <a:endParaRPr lang="en-US" altLang="zh-CN" dirty="0">
+              <a:latin typeface="Lucida Sans Regular" panose="020B0602030504020204" pitchFamily="34" charset="0"/>
+              <a:ea typeface="楷体" panose="02010609060101010101" pitchFamily="49" charset="-122"/>
+            </a:endParaRPr>
+          </a:p>
+          <a:p>
+            <a:pPr marL="457200" lvl="2" indent="0" algn="l">
+              <a:lnSpc>
+                <a:spcPct val="150000"/>
+              </a:lnSpc>
+              <a:spcBef>
+                <a:spcPts val="600"/>
+              </a:spcBef>
+              <a:buNone/>
+            </a:pPr>
+            <a:endParaRPr lang="zh-CN" altLang="en-US" dirty="0">
+              <a:latin typeface="Lucida Sans Regular" panose="020B0602030504020204" pitchFamily="34" charset="0"/>
+              <a:ea typeface="楷体" panose="02010609060101010101" pitchFamily="49" charset="-122"/>
+            </a:endParaRPr>
+          </a:p>
+        </p:txBody>
+      </p:sp>
+      <p:pic>
+        <p:nvPicPr>
+          <p:cNvPr id="7" name="图片 6">
+            <a:extLst>
+              <a:ext uri="{FF2B5EF4-FFF2-40B4-BE49-F238E27FC236}">
+                <a16:creationId xmlns:a16="http://schemas.microsoft.com/office/drawing/2014/main" id="{BF0411B2-D53F-1E71-6A63-BB6D6C0A711F}"/>
+              </a:ext>
+            </a:extLst>
+          </p:cNvPr>
+          <p:cNvPicPr>
+            <a:picLocks noChangeAspect="1"/>
+          </p:cNvPicPr>
+          <p:nvPr/>
+        </p:nvPicPr>
+        <p:blipFill>
+          <a:blip r:embed="rId3"/>
+          <a:stretch>
+            <a:fillRect/>
+          </a:stretch>
+        </p:blipFill>
+        <p:spPr>
+          <a:xfrm>
+            <a:off x="1816846" y="3228410"/>
+            <a:ext cx="8558307" cy="3459941"/>
+          </a:xfrm>
+          <a:prstGeom prst="rect">
+            <a:avLst/>
+          </a:prstGeom>
+        </p:spPr>
+      </p:pic>
+    </p:spTree>
+    <p:extLst>
+      <p:ext uri="{BB962C8B-B14F-4D97-AF65-F5344CB8AC3E}">
+        <p14:creationId xmlns:p14="http://schemas.microsoft.com/office/powerpoint/2010/main" val="4156003215"/>
+      </p:ext>
+    </p:extLst>
+  </p:cSld>
+  <p:clrMapOvr>
+    <a:masterClrMapping/>
+  </p:clrMapOvr>
+</p:sld>
+</file>
+
+<file path=ppt/slides/slide8.xml><?xml version="1.0" encoding="utf-8"?>
 <p:sld xmlns:a="http://schemas.openxmlformats.org/drawingml/2006/main" xmlns:r="http://schemas.openxmlformats.org/officeDocument/2006/relationships" xmlns:p="http://schemas.openxmlformats.org/presentationml/2006/main">
   <p:cSld>
     <p:spTree>
@@ -7048,7 +8770,7 @@
 </p:sld>
 </file>
 
-<file path=ppt/slides/slide8.xml><?xml version="1.0" encoding="utf-8"?>
+<file path=ppt/slides/slide9.xml><?xml version="1.0" encoding="utf-8"?>
 <p:sld xmlns:a="http://schemas.openxmlformats.org/drawingml/2006/main" xmlns:r="http://schemas.openxmlformats.org/officeDocument/2006/relationships" xmlns:p="http://schemas.openxmlformats.org/presentationml/2006/main">
   <p:cSld>
     <p:spTree>
@@ -7643,1025 +9365,6 @@
     <p:extLst>
       <p:ext uri="{BB962C8B-B14F-4D97-AF65-F5344CB8AC3E}">
         <p14:creationId xmlns:p14="http://schemas.microsoft.com/office/powerpoint/2010/main" val="4291114025"/>
-      </p:ext>
-    </p:extLst>
-  </p:cSld>
-  <p:clrMapOvr>
-    <a:masterClrMapping/>
-  </p:clrMapOvr>
-</p:sld>
-</file>
-
-<file path=ppt/slides/slide9.xml><?xml version="1.0" encoding="utf-8"?>
-<p:sld xmlns:a="http://schemas.openxmlformats.org/drawingml/2006/main" xmlns:r="http://schemas.openxmlformats.org/officeDocument/2006/relationships" xmlns:p="http://schemas.openxmlformats.org/presentationml/2006/main">
-  <p:cSld>
-    <p:spTree>
-      <p:nvGrpSpPr>
-        <p:cNvPr id="1" name=""/>
-        <p:cNvGrpSpPr/>
-        <p:nvPr/>
-      </p:nvGrpSpPr>
-      <p:grpSpPr>
-        <a:xfrm>
-          <a:off x="0" y="0"/>
-          <a:ext cx="0" cy="0"/>
-          <a:chOff x="0" y="0"/>
-          <a:chExt cx="0" cy="0"/>
-        </a:xfrm>
-      </p:grpSpPr>
-      <p:pic>
-        <p:nvPicPr>
-          <p:cNvPr id="4" name="图片 3">
-            <a:extLst>
-              <a:ext uri="{FF2B5EF4-FFF2-40B4-BE49-F238E27FC236}">
-                <a16:creationId xmlns:a16="http://schemas.microsoft.com/office/drawing/2014/main" id="{CE5DFC41-1085-3037-4697-5A65B58C4A4E}"/>
-              </a:ext>
-            </a:extLst>
-          </p:cNvPr>
-          <p:cNvPicPr>
-            <a:picLocks noChangeAspect="1"/>
-          </p:cNvPicPr>
-          <p:nvPr/>
-        </p:nvPicPr>
-        <p:blipFill>
-          <a:blip r:embed="rId2"/>
-          <a:stretch>
-            <a:fillRect/>
-          </a:stretch>
-        </p:blipFill>
-        <p:spPr>
-          <a:xfrm>
-            <a:off x="0" y="0"/>
-            <a:ext cx="1927334" cy="677612"/>
-          </a:xfrm>
-          <a:prstGeom prst="rect">
-            <a:avLst/>
-          </a:prstGeom>
-        </p:spPr>
-      </p:pic>
-      <p:sp>
-        <p:nvSpPr>
-          <p:cNvPr id="5" name="内容占位符 2">
-            <a:extLst>
-              <a:ext uri="{FF2B5EF4-FFF2-40B4-BE49-F238E27FC236}">
-                <a16:creationId xmlns:a16="http://schemas.microsoft.com/office/drawing/2014/main" id="{1523E53D-9719-3B65-96E9-C43C739FE970}"/>
-              </a:ext>
-            </a:extLst>
-          </p:cNvPr>
-          <p:cNvSpPr>
-            <a:spLocks noGrp="1"/>
-          </p:cNvSpPr>
-          <p:nvPr>
-            <p:ph idx="1"/>
-          </p:nvPr>
-        </p:nvSpPr>
-        <p:spPr>
-          <a:xfrm>
-            <a:off x="488258" y="788723"/>
-            <a:ext cx="11215484" cy="5755511"/>
-          </a:xfrm>
-        </p:spPr>
-        <p:txBody>
-          <a:bodyPr>
-            <a:normAutofit/>
-          </a:bodyPr>
-          <a:lstStyle/>
-          <a:p>
-            <a:pPr marL="228600" lvl="1" indent="-228600" algn="l">
-              <a:spcBef>
-                <a:spcPts val="1000"/>
-              </a:spcBef>
-              <a:buFont typeface="Arial" panose="020B0604020202020204" pitchFamily="34" charset="0"/>
-              <a:buChar char="•"/>
-            </a:pPr>
-            <a:r>
-              <a:rPr lang="en-US" altLang="zh-CN" dirty="0" err="1">
-                <a:latin typeface="Lucida Sans Regular" panose="020B0602030504020204" pitchFamily="34" charset="0"/>
-                <a:ea typeface="楷体" panose="02010609060101010101" pitchFamily="49" charset="-122"/>
-                <a:cs typeface="Cascadia Code" panose="020B0609020000020004" pitchFamily="49" charset="0"/>
-              </a:rPr>
-              <a:t>eBPF</a:t>
-            </a:r>
-            <a:r>
-              <a:rPr lang="zh-CN" altLang="en-US" dirty="0">
-                <a:latin typeface="Lucida Sans Regular" panose="020B0602030504020204" pitchFamily="34" charset="0"/>
-                <a:ea typeface="楷体" panose="02010609060101010101" pitchFamily="49" charset="-122"/>
-                <a:cs typeface="Cascadia Code" panose="020B0609020000020004" pitchFamily="49" charset="0"/>
-              </a:rPr>
-              <a:t>工具的使用</a:t>
-            </a:r>
-            <a:endParaRPr lang="en-US" altLang="zh-CN" dirty="0">
-              <a:latin typeface="Lucida Sans Regular" panose="020B0602030504020204" pitchFamily="34" charset="0"/>
-              <a:ea typeface="楷体" panose="02010609060101010101" pitchFamily="49" charset="-122"/>
-            </a:endParaRPr>
-          </a:p>
-          <a:p>
-            <a:pPr marL="342900" lvl="1" indent="342900">
-              <a:lnSpc>
-                <a:spcPct val="150000"/>
-              </a:lnSpc>
-              <a:spcBef>
-                <a:spcPts val="600"/>
-              </a:spcBef>
-              <a:buFont typeface="Wingdings" panose="05000000000000000000" pitchFamily="2" charset="2"/>
-              <a:buChar char="Ø"/>
-            </a:pPr>
-            <a:r>
-              <a:rPr lang="en-US" altLang="zh-CN" sz="1600" dirty="0">
-                <a:latin typeface="Lucida Sans Regular" panose="020B0602030504020204" pitchFamily="34" charset="0"/>
-                <a:ea typeface="楷体" panose="02010609060101010101" pitchFamily="49" charset="-122"/>
-              </a:rPr>
-              <a:t>bcc</a:t>
-            </a:r>
-            <a:r>
-              <a:rPr lang="zh-CN" altLang="en-US" sz="1600" dirty="0">
-                <a:latin typeface="Lucida Sans Regular" panose="020B0602030504020204" pitchFamily="34" charset="0"/>
-                <a:ea typeface="楷体" panose="02010609060101010101" pitchFamily="49" charset="-122"/>
-              </a:rPr>
-              <a:t>。一套开箱即用的工具，原理</a:t>
-            </a:r>
-            <a:r>
-              <a:rPr lang="en-US" altLang="zh-CN" sz="1600" dirty="0">
-                <a:latin typeface="Lucida Sans Regular" panose="020B0602030504020204" pitchFamily="34" charset="0"/>
-                <a:ea typeface="楷体" panose="02010609060101010101" pitchFamily="49" charset="-122"/>
-              </a:rPr>
-              <a:t>python</a:t>
-            </a:r>
-            <a:r>
-              <a:rPr lang="zh-CN" altLang="en-US" sz="1600" dirty="0">
-                <a:latin typeface="Lucida Sans Regular" panose="020B0602030504020204" pitchFamily="34" charset="0"/>
-                <a:ea typeface="楷体" panose="02010609060101010101" pitchFamily="49" charset="-122"/>
-              </a:rPr>
-              <a:t>使用文本替换的方式来生成</a:t>
-            </a:r>
-            <a:r>
-              <a:rPr lang="en-US" altLang="zh-CN" sz="1600" dirty="0" err="1">
-                <a:latin typeface="Lucida Sans Regular" panose="020B0602030504020204" pitchFamily="34" charset="0"/>
-                <a:ea typeface="楷体" panose="02010609060101010101" pitchFamily="49" charset="-122"/>
-              </a:rPr>
-              <a:t>bpf</a:t>
-            </a:r>
-            <a:r>
-              <a:rPr lang="zh-CN" altLang="en-US" sz="1600" dirty="0">
-                <a:latin typeface="Lucida Sans Regular" panose="020B0602030504020204" pitchFamily="34" charset="0"/>
-                <a:ea typeface="楷体" panose="02010609060101010101" pitchFamily="49" charset="-122"/>
-              </a:rPr>
-              <a:t>的内核</a:t>
-            </a:r>
-            <a:r>
-              <a:rPr lang="en-US" altLang="zh-CN" sz="1600" dirty="0">
-                <a:latin typeface="Lucida Sans Regular" panose="020B0602030504020204" pitchFamily="34" charset="0"/>
-                <a:ea typeface="楷体" panose="02010609060101010101" pitchFamily="49" charset="-122"/>
-              </a:rPr>
-              <a:t>c</a:t>
-            </a:r>
-            <a:r>
-              <a:rPr lang="zh-CN" altLang="en-US" sz="1600" dirty="0">
-                <a:latin typeface="Lucida Sans Regular" panose="020B0602030504020204" pitchFamily="34" charset="0"/>
-                <a:ea typeface="楷体" panose="02010609060101010101" pitchFamily="49" charset="-122"/>
-              </a:rPr>
-              <a:t>代码部分，调用</a:t>
-            </a:r>
-            <a:r>
-              <a:rPr lang="en-US" altLang="zh-CN" sz="1600" dirty="0" err="1">
-                <a:latin typeface="Lucida Sans Regular" panose="020B0602030504020204" pitchFamily="34" charset="0"/>
-                <a:ea typeface="楷体" panose="02010609060101010101" pitchFamily="49" charset="-122"/>
-              </a:rPr>
-              <a:t>bpf</a:t>
-            </a:r>
-            <a:r>
-              <a:rPr lang="zh-CN" altLang="en-US" sz="1600" dirty="0">
-                <a:latin typeface="Lucida Sans Regular" panose="020B0602030504020204" pitchFamily="34" charset="0"/>
-                <a:ea typeface="楷体" panose="02010609060101010101" pitchFamily="49" charset="-122"/>
-              </a:rPr>
-              <a:t>系统调用来进行加载。</a:t>
-            </a:r>
-            <a:endParaRPr lang="en-US" altLang="zh-CN" sz="1600" dirty="0">
-              <a:latin typeface="Lucida Sans Regular" panose="020B0602030504020204" pitchFamily="34" charset="0"/>
-              <a:ea typeface="楷体" panose="02010609060101010101" pitchFamily="49" charset="-122"/>
-            </a:endParaRPr>
-          </a:p>
-          <a:p>
-            <a:pPr marL="342900" lvl="1" indent="342900">
-              <a:lnSpc>
-                <a:spcPct val="150000"/>
-              </a:lnSpc>
-              <a:spcBef>
-                <a:spcPts val="600"/>
-              </a:spcBef>
-              <a:buFont typeface="Wingdings" panose="05000000000000000000" pitchFamily="2" charset="2"/>
-              <a:buChar char="Ø"/>
-            </a:pPr>
-            <a:r>
-              <a:rPr lang="en-US" altLang="zh-CN" sz="1600" dirty="0" err="1">
-                <a:latin typeface="Lucida Sans Regular" panose="020B0602030504020204" pitchFamily="34" charset="0"/>
-                <a:ea typeface="楷体" panose="02010609060101010101" pitchFamily="49" charset="-122"/>
-              </a:rPr>
-              <a:t>bpftrace</a:t>
-            </a:r>
-            <a:r>
-              <a:rPr lang="zh-CN" altLang="en-US" sz="1600" dirty="0">
-                <a:latin typeface="Lucida Sans Regular" panose="020B0602030504020204" pitchFamily="34" charset="0"/>
-                <a:ea typeface="楷体" panose="02010609060101010101" pitchFamily="49" charset="-122"/>
-              </a:rPr>
-              <a:t>。方便、快速的编写强大</a:t>
-            </a:r>
-            <a:r>
-              <a:rPr lang="en-US" altLang="zh-CN" sz="1600" dirty="0" err="1">
-                <a:latin typeface="Lucida Sans Regular" panose="020B0602030504020204" pitchFamily="34" charset="0"/>
-                <a:ea typeface="楷体" panose="02010609060101010101" pitchFamily="49" charset="-122"/>
-              </a:rPr>
-              <a:t>bt</a:t>
-            </a:r>
-            <a:r>
-              <a:rPr lang="zh-CN" altLang="en-US" sz="1600" dirty="0">
-                <a:latin typeface="Lucida Sans Regular" panose="020B0602030504020204" pitchFamily="34" charset="0"/>
-                <a:ea typeface="楷体" panose="02010609060101010101" pitchFamily="49" charset="-122"/>
-              </a:rPr>
-              <a:t>脚本，用于定位问题和验证</a:t>
-            </a:r>
-            <a:r>
-              <a:rPr lang="en-US" altLang="zh-CN" sz="1600" dirty="0" err="1">
-                <a:latin typeface="Lucida Sans Regular" panose="020B0602030504020204" pitchFamily="34" charset="0"/>
-                <a:ea typeface="楷体" panose="02010609060101010101" pitchFamily="49" charset="-122"/>
-              </a:rPr>
-              <a:t>eBPF</a:t>
-            </a:r>
-            <a:r>
-              <a:rPr lang="en-US" altLang="zh-CN" sz="1600" dirty="0">
-                <a:latin typeface="Lucida Sans Regular" panose="020B0602030504020204" pitchFamily="34" charset="0"/>
-                <a:ea typeface="楷体" panose="02010609060101010101" pitchFamily="49" charset="-122"/>
-              </a:rPr>
-              <a:t> prog</a:t>
-            </a:r>
-            <a:r>
-              <a:rPr lang="zh-CN" altLang="en-US" sz="1600" dirty="0">
-                <a:latin typeface="Lucida Sans Regular" panose="020B0602030504020204" pitchFamily="34" charset="0"/>
-                <a:ea typeface="楷体" panose="02010609060101010101" pitchFamily="49" charset="-122"/>
-              </a:rPr>
-              <a:t>内核部分逻辑。功能比</a:t>
-            </a:r>
-            <a:r>
-              <a:rPr lang="en-US" altLang="zh-CN" sz="1600" dirty="0">
-                <a:latin typeface="Lucida Sans Regular" panose="020B0602030504020204" pitchFamily="34" charset="0"/>
-                <a:ea typeface="楷体" panose="02010609060101010101" pitchFamily="49" charset="-122"/>
-              </a:rPr>
-              <a:t>bcc</a:t>
-            </a:r>
-            <a:r>
-              <a:rPr lang="zh-CN" altLang="en-US" sz="1600" dirty="0">
-                <a:latin typeface="Lucida Sans Regular" panose="020B0602030504020204" pitchFamily="34" charset="0"/>
-                <a:ea typeface="楷体" panose="02010609060101010101" pitchFamily="49" charset="-122"/>
-              </a:rPr>
-              <a:t>强大、灵活，尤其是可以做到</a:t>
-            </a:r>
-            <a:r>
-              <a:rPr lang="en-US" altLang="zh-CN" sz="1600" dirty="0" err="1">
-                <a:latin typeface="Lucida Sans Regular" panose="020B0602030504020204" pitchFamily="34" charset="0"/>
-                <a:ea typeface="楷体" panose="02010609060101010101" pitchFamily="49" charset="-122"/>
-              </a:rPr>
-              <a:t>kprobe</a:t>
-            </a:r>
-            <a:r>
-              <a:rPr lang="zh-CN" altLang="en-US" sz="1600" dirty="0">
-                <a:latin typeface="Lucida Sans Regular" panose="020B0602030504020204" pitchFamily="34" charset="0"/>
-                <a:ea typeface="楷体" panose="02010609060101010101" pitchFamily="49" charset="-122"/>
-              </a:rPr>
-              <a:t>的</a:t>
-            </a:r>
-            <a:r>
-              <a:rPr lang="en-US" altLang="zh-CN" sz="1600" dirty="0">
-                <a:latin typeface="Lucida Sans Regular" panose="020B0602030504020204" pitchFamily="34" charset="0"/>
-                <a:ea typeface="楷体" panose="02010609060101010101" pitchFamily="49" charset="-122"/>
-              </a:rPr>
-              <a:t>offset</a:t>
-            </a:r>
-            <a:r>
-              <a:rPr lang="zh-CN" altLang="en-US" sz="1600" dirty="0">
-                <a:latin typeface="Lucida Sans Regular" panose="020B0602030504020204" pitchFamily="34" charset="0"/>
-                <a:ea typeface="楷体" panose="02010609060101010101" pitchFamily="49" charset="-122"/>
-              </a:rPr>
-              <a:t>观察。</a:t>
-            </a:r>
-            <a:endParaRPr lang="en-US" altLang="zh-CN" sz="1600" dirty="0">
-              <a:latin typeface="Lucida Sans Regular" panose="020B0602030504020204" pitchFamily="34" charset="0"/>
-              <a:ea typeface="楷体" panose="02010609060101010101" pitchFamily="49" charset="-122"/>
-            </a:endParaRPr>
-          </a:p>
-          <a:p>
-            <a:pPr marL="342900" lvl="1" indent="342900">
-              <a:lnSpc>
-                <a:spcPct val="150000"/>
-              </a:lnSpc>
-              <a:spcBef>
-                <a:spcPts val="600"/>
-              </a:spcBef>
-              <a:buFont typeface="Wingdings" panose="05000000000000000000" pitchFamily="2" charset="2"/>
-              <a:buChar char="Ø"/>
-            </a:pPr>
-            <a:r>
-              <a:rPr lang="en-US" altLang="zh-CN" sz="1600" dirty="0" err="1">
-                <a:latin typeface="Lucida Sans Regular" panose="020B0602030504020204" pitchFamily="34" charset="0"/>
-                <a:ea typeface="楷体" panose="02010609060101010101" pitchFamily="49" charset="-122"/>
-              </a:rPr>
-              <a:t>bpftool</a:t>
-            </a:r>
-            <a:r>
-              <a:rPr lang="zh-CN" altLang="en-US" sz="1600" dirty="0">
-                <a:latin typeface="Lucida Sans Regular" panose="020B0602030504020204" pitchFamily="34" charset="0"/>
-                <a:ea typeface="楷体" panose="02010609060101010101" pitchFamily="49" charset="-122"/>
-              </a:rPr>
-              <a:t>。</a:t>
-            </a:r>
-            <a:r>
-              <a:rPr lang="en-US" altLang="zh-CN" sz="1600" dirty="0" err="1">
-                <a:latin typeface="Lucida Sans Regular" panose="020B0602030504020204" pitchFamily="34" charset="0"/>
-                <a:ea typeface="楷体" panose="02010609060101010101" pitchFamily="49" charset="-122"/>
-              </a:rPr>
-              <a:t>bpf</a:t>
-            </a:r>
-            <a:r>
-              <a:rPr lang="zh-CN" altLang="en-US" sz="1600" dirty="0">
-                <a:latin typeface="Lucida Sans Regular" panose="020B0602030504020204" pitchFamily="34" charset="0"/>
-                <a:ea typeface="楷体" panose="02010609060101010101" pitchFamily="49" charset="-122"/>
-              </a:rPr>
-              <a:t>的原生工具，十分重要、强大。</a:t>
-            </a:r>
-            <a:endParaRPr lang="en-US" altLang="zh-CN" sz="1600" dirty="0">
-              <a:latin typeface="Lucida Sans Regular" panose="020B0602030504020204" pitchFamily="34" charset="0"/>
-              <a:ea typeface="楷体" panose="02010609060101010101" pitchFamily="49" charset="-122"/>
-            </a:endParaRPr>
-          </a:p>
-          <a:p>
-            <a:pPr marL="800100" lvl="2" indent="342900">
-              <a:lnSpc>
-                <a:spcPct val="150000"/>
-              </a:lnSpc>
-              <a:spcBef>
-                <a:spcPts val="600"/>
-              </a:spcBef>
-              <a:buFont typeface="Wingdings" panose="05000000000000000000" pitchFamily="2" charset="2"/>
-              <a:buChar char="Ø"/>
-            </a:pPr>
-            <a:r>
-              <a:rPr lang="zh-CN" altLang="en-US" sz="1200" dirty="0">
-                <a:latin typeface="Lucida Sans Regular" panose="020B0602030504020204" pitchFamily="34" charset="0"/>
-                <a:ea typeface="楷体" panose="02010609060101010101" pitchFamily="49" charset="-122"/>
-              </a:rPr>
-              <a:t>查看当前内核的</a:t>
-            </a:r>
-            <a:r>
-              <a:rPr lang="en-US" altLang="zh-CN" sz="1200" dirty="0" err="1">
-                <a:latin typeface="Lucida Sans Regular" panose="020B0602030504020204" pitchFamily="34" charset="0"/>
-                <a:ea typeface="楷体" panose="02010609060101010101" pitchFamily="49" charset="-122"/>
-              </a:rPr>
-              <a:t>ebpf</a:t>
-            </a:r>
-            <a:r>
-              <a:rPr lang="zh-CN" altLang="en-US" sz="1200" dirty="0">
-                <a:latin typeface="Lucida Sans Regular" panose="020B0602030504020204" pitchFamily="34" charset="0"/>
-                <a:ea typeface="楷体" panose="02010609060101010101" pitchFamily="49" charset="-122"/>
-              </a:rPr>
-              <a:t>特性：</a:t>
-            </a:r>
-            <a:r>
-              <a:rPr lang="en-US" altLang="zh-CN" sz="1200" dirty="0" err="1">
-                <a:effectLst/>
-                <a:latin typeface="Lucida Sans Regular" panose="020B0602030504020204" pitchFamily="34" charset="0"/>
-                <a:ea typeface="微软雅黑" panose="020B0503020204020204" pitchFamily="34" charset="-122"/>
-              </a:rPr>
-              <a:t>bpftool</a:t>
-            </a:r>
-            <a:r>
-              <a:rPr lang="en-US" altLang="zh-CN" sz="1200" dirty="0">
-                <a:effectLst/>
-                <a:latin typeface="Lucida Sans Regular" panose="020B0602030504020204" pitchFamily="34" charset="0"/>
-                <a:ea typeface="微软雅黑" panose="020B0503020204020204" pitchFamily="34" charset="-122"/>
-              </a:rPr>
-              <a:t> feature</a:t>
-            </a:r>
-          </a:p>
-          <a:p>
-            <a:pPr marL="800100" lvl="2" indent="342900">
-              <a:lnSpc>
-                <a:spcPct val="150000"/>
-              </a:lnSpc>
-              <a:spcBef>
-                <a:spcPts val="600"/>
-              </a:spcBef>
-              <a:buFont typeface="Wingdings" panose="05000000000000000000" pitchFamily="2" charset="2"/>
-              <a:buChar char="Ø"/>
-            </a:pPr>
-            <a:r>
-              <a:rPr lang="zh-CN" altLang="en-US" sz="1200" dirty="0">
-                <a:latin typeface="Lucida Sans Regular" panose="020B0602030504020204" pitchFamily="34" charset="0"/>
-                <a:ea typeface="楷体" panose="02010609060101010101" pitchFamily="49" charset="-122"/>
-              </a:rPr>
-              <a:t>在控制台输出</a:t>
-            </a:r>
-            <a:r>
-              <a:rPr lang="en-US" altLang="zh-CN" sz="1200" dirty="0">
-                <a:latin typeface="Lucida Sans Regular" panose="020B0602030504020204" pitchFamily="34" charset="0"/>
-                <a:ea typeface="楷体" panose="02010609060101010101" pitchFamily="49" charset="-122"/>
-              </a:rPr>
-              <a:t>prog</a:t>
-            </a:r>
-            <a:r>
-              <a:rPr lang="zh-CN" altLang="en-US" sz="1200" dirty="0">
-                <a:latin typeface="Lucida Sans Regular" panose="020B0602030504020204" pitchFamily="34" charset="0"/>
-                <a:ea typeface="楷体" panose="02010609060101010101" pitchFamily="49" charset="-122"/>
-              </a:rPr>
-              <a:t>的打印信息：</a:t>
-            </a:r>
-            <a:r>
-              <a:rPr lang="en-US" altLang="zh-CN" sz="1200" dirty="0" err="1">
-                <a:effectLst/>
-                <a:latin typeface="Lucida Sans Regular" panose="020B0602030504020204" pitchFamily="34" charset="0"/>
-                <a:ea typeface="微软雅黑" panose="020B0503020204020204" pitchFamily="34" charset="-122"/>
-              </a:rPr>
-              <a:t>bpftool</a:t>
-            </a:r>
-            <a:r>
-              <a:rPr lang="en-US" altLang="zh-CN" sz="1200" dirty="0">
-                <a:effectLst/>
-                <a:latin typeface="Lucida Sans Regular" panose="020B0602030504020204" pitchFamily="34" charset="0"/>
-                <a:ea typeface="微软雅黑" panose="020B0503020204020204" pitchFamily="34" charset="-122"/>
-              </a:rPr>
-              <a:t> prog </a:t>
-            </a:r>
-            <a:r>
-              <a:rPr lang="en-US" altLang="zh-CN" sz="1200" dirty="0" err="1">
-                <a:effectLst/>
-                <a:latin typeface="Lucida Sans Regular" panose="020B0602030504020204" pitchFamily="34" charset="0"/>
-                <a:ea typeface="微软雅黑" panose="020B0503020204020204" pitchFamily="34" charset="-122"/>
-              </a:rPr>
-              <a:t>tracelog</a:t>
-            </a:r>
-            <a:endParaRPr lang="en-US" altLang="zh-CN" sz="1200" dirty="0">
-              <a:effectLst/>
-              <a:latin typeface="Lucida Sans Regular" panose="020B0602030504020204" pitchFamily="34" charset="0"/>
-              <a:ea typeface="微软雅黑" panose="020B0503020204020204" pitchFamily="34" charset="-122"/>
-            </a:endParaRPr>
-          </a:p>
-          <a:p>
-            <a:pPr marL="800100" lvl="2" indent="342900">
-              <a:lnSpc>
-                <a:spcPct val="150000"/>
-              </a:lnSpc>
-              <a:spcBef>
-                <a:spcPts val="600"/>
-              </a:spcBef>
-              <a:buFont typeface="Wingdings" panose="05000000000000000000" pitchFamily="2" charset="2"/>
-              <a:buChar char="Ø"/>
-            </a:pPr>
-            <a:r>
-              <a:rPr lang="zh-CN" altLang="en-US" sz="1200" dirty="0">
-                <a:latin typeface="Lucida Sans Regular" panose="020B0602030504020204" pitchFamily="34" charset="0"/>
-                <a:ea typeface="楷体" panose="02010609060101010101" pitchFamily="49" charset="-122"/>
-              </a:rPr>
-              <a:t>查看当前加载的</a:t>
-            </a:r>
-            <a:r>
-              <a:rPr lang="en-US" altLang="zh-CN" sz="1200" dirty="0">
-                <a:latin typeface="Lucida Sans Regular" panose="020B0602030504020204" pitchFamily="34" charset="0"/>
-                <a:ea typeface="楷体" panose="02010609060101010101" pitchFamily="49" charset="-122"/>
-              </a:rPr>
-              <a:t>prog</a:t>
-            </a:r>
-            <a:r>
-              <a:rPr lang="zh-CN" altLang="en-US" sz="1200" dirty="0">
-                <a:latin typeface="Lucida Sans Regular" panose="020B0602030504020204" pitchFamily="34" charset="0"/>
-                <a:ea typeface="楷体" panose="02010609060101010101" pitchFamily="49" charset="-122"/>
-              </a:rPr>
-              <a:t>：</a:t>
-            </a:r>
-            <a:r>
-              <a:rPr lang="en-US" altLang="zh-CN" sz="1200" dirty="0" err="1">
-                <a:effectLst/>
-                <a:latin typeface="Lucida Sans Regular" panose="020B0602030504020204" pitchFamily="34" charset="0"/>
-                <a:ea typeface="微软雅黑" panose="020B0503020204020204" pitchFamily="34" charset="-122"/>
-              </a:rPr>
-              <a:t>bpftool</a:t>
-            </a:r>
-            <a:r>
-              <a:rPr lang="en-US" altLang="zh-CN" sz="1200" dirty="0">
-                <a:effectLst/>
-                <a:latin typeface="Lucida Sans Regular" panose="020B0602030504020204" pitchFamily="34" charset="0"/>
-                <a:ea typeface="微软雅黑" panose="020B0503020204020204" pitchFamily="34" charset="-122"/>
-              </a:rPr>
-              <a:t> perf show</a:t>
-            </a:r>
-          </a:p>
-          <a:p>
-            <a:pPr marL="800100" lvl="2" indent="342900">
-              <a:lnSpc>
-                <a:spcPct val="150000"/>
-              </a:lnSpc>
-              <a:spcBef>
-                <a:spcPts val="600"/>
-              </a:spcBef>
-              <a:buFont typeface="Wingdings" panose="05000000000000000000" pitchFamily="2" charset="2"/>
-              <a:buChar char="Ø"/>
-            </a:pPr>
-            <a:r>
-              <a:rPr lang="zh-CN" altLang="en-US" sz="1200" dirty="0">
-                <a:latin typeface="Lucida Sans Regular" panose="020B0602030504020204" pitchFamily="34" charset="0"/>
-                <a:ea typeface="楷体" panose="02010609060101010101" pitchFamily="49" charset="-122"/>
-              </a:rPr>
-              <a:t>查看</a:t>
-            </a:r>
-            <a:r>
-              <a:rPr lang="en-US" altLang="zh-CN" sz="1200" dirty="0">
-                <a:latin typeface="Lucida Sans Regular" panose="020B0602030504020204" pitchFamily="34" charset="0"/>
-                <a:ea typeface="楷体" panose="02010609060101010101" pitchFamily="49" charset="-122"/>
-              </a:rPr>
-              <a:t>obj</a:t>
-            </a:r>
-            <a:r>
-              <a:rPr lang="zh-CN" altLang="en-US" sz="1200" dirty="0">
-                <a:latin typeface="Lucida Sans Regular" panose="020B0602030504020204" pitchFamily="34" charset="0"/>
-                <a:ea typeface="楷体" panose="02010609060101010101" pitchFamily="49" charset="-122"/>
-              </a:rPr>
-              <a:t>文件的</a:t>
-            </a:r>
-            <a:r>
-              <a:rPr lang="en-US" altLang="zh-CN" sz="1200" dirty="0" err="1">
-                <a:latin typeface="Lucida Sans Regular" panose="020B0602030504020204" pitchFamily="34" charset="0"/>
-                <a:ea typeface="楷体" panose="02010609060101010101" pitchFamily="49" charset="-122"/>
-              </a:rPr>
-              <a:t>btf</a:t>
-            </a:r>
-            <a:r>
-              <a:rPr lang="zh-CN" altLang="en-US" sz="1200" dirty="0">
-                <a:latin typeface="Lucida Sans Regular" panose="020B0602030504020204" pitchFamily="34" charset="0"/>
-                <a:ea typeface="楷体" panose="02010609060101010101" pitchFamily="49" charset="-122"/>
-              </a:rPr>
-              <a:t>信息：</a:t>
-            </a:r>
-            <a:r>
-              <a:rPr lang="en-US" altLang="zh-CN" sz="1200" dirty="0" err="1">
-                <a:effectLst/>
-                <a:latin typeface="Lucida Sans Regular" panose="020B0602030504020204" pitchFamily="34" charset="0"/>
-                <a:ea typeface="微软雅黑" panose="020B0503020204020204" pitchFamily="34" charset="-122"/>
-              </a:rPr>
-              <a:t>bpftool</a:t>
-            </a:r>
-            <a:r>
-              <a:rPr lang="en-US" altLang="zh-CN" sz="1200" dirty="0">
-                <a:effectLst/>
-                <a:latin typeface="Lucida Sans Regular" panose="020B0602030504020204" pitchFamily="34" charset="0"/>
-                <a:ea typeface="微软雅黑" panose="020B0503020204020204" pitchFamily="34" charset="-122"/>
-              </a:rPr>
-              <a:t> </a:t>
-            </a:r>
-            <a:r>
-              <a:rPr lang="en-US" altLang="zh-CN" sz="1200" dirty="0" err="1">
-                <a:effectLst/>
-                <a:latin typeface="Lucida Sans Regular" panose="020B0602030504020204" pitchFamily="34" charset="0"/>
-                <a:ea typeface="微软雅黑" panose="020B0503020204020204" pitchFamily="34" charset="-122"/>
-              </a:rPr>
-              <a:t>btf</a:t>
-            </a:r>
-            <a:r>
-              <a:rPr lang="en-US" altLang="zh-CN" sz="1200" dirty="0">
-                <a:effectLst/>
-                <a:latin typeface="Lucida Sans Regular" panose="020B0602030504020204" pitchFamily="34" charset="0"/>
-                <a:ea typeface="微软雅黑" panose="020B0503020204020204" pitchFamily="34" charset="-122"/>
-              </a:rPr>
-              <a:t> dump file </a:t>
-            </a:r>
-            <a:r>
-              <a:rPr lang="en-US" altLang="zh-CN" sz="1200" dirty="0" err="1">
-                <a:effectLst/>
-                <a:latin typeface="Lucida Sans Regular" panose="020B0602030504020204" pitchFamily="34" charset="0"/>
-                <a:ea typeface="微软雅黑" panose="020B0503020204020204" pitchFamily="34" charset="-122"/>
-              </a:rPr>
-              <a:t>foo.o</a:t>
-            </a:r>
-            <a:endParaRPr lang="en-US" altLang="zh-CN" sz="1200" dirty="0">
-              <a:effectLst/>
-              <a:latin typeface="Lucida Sans Regular" panose="020B0602030504020204" pitchFamily="34" charset="0"/>
-              <a:ea typeface="微软雅黑" panose="020B0503020204020204" pitchFamily="34" charset="-122"/>
-            </a:endParaRPr>
-          </a:p>
-          <a:p>
-            <a:pPr marL="800100" lvl="2" indent="342900">
-              <a:lnSpc>
-                <a:spcPct val="150000"/>
-              </a:lnSpc>
-              <a:spcBef>
-                <a:spcPts val="600"/>
-              </a:spcBef>
-              <a:buFont typeface="Wingdings" panose="05000000000000000000" pitchFamily="2" charset="2"/>
-              <a:buChar char="Ø"/>
-            </a:pPr>
-            <a:r>
-              <a:rPr lang="zh-CN" altLang="en-US" sz="1200" dirty="0">
-                <a:latin typeface="Lucida Sans Regular" panose="020B0602030504020204" pitchFamily="34" charset="0"/>
-                <a:ea typeface="楷体" panose="02010609060101010101" pitchFamily="49" charset="-122"/>
-              </a:rPr>
-              <a:t>加载一个</a:t>
-            </a:r>
-            <a:r>
-              <a:rPr lang="en-US" altLang="zh-CN" sz="1200" dirty="0">
-                <a:latin typeface="Lucida Sans Regular" panose="020B0602030504020204" pitchFamily="34" charset="0"/>
-                <a:ea typeface="楷体" panose="02010609060101010101" pitchFamily="49" charset="-122"/>
-              </a:rPr>
-              <a:t>obj</a:t>
-            </a:r>
-            <a:r>
-              <a:rPr lang="zh-CN" altLang="en-US" sz="1200" dirty="0">
-                <a:latin typeface="Lucida Sans Regular" panose="020B0602030504020204" pitchFamily="34" charset="0"/>
-                <a:ea typeface="楷体" panose="02010609060101010101" pitchFamily="49" charset="-122"/>
-              </a:rPr>
-              <a:t>文件到</a:t>
-            </a:r>
-            <a:r>
-              <a:rPr lang="en-US" altLang="zh-CN" sz="1200" dirty="0" err="1">
-                <a:latin typeface="Lucida Sans Regular" panose="020B0602030504020204" pitchFamily="34" charset="0"/>
-                <a:ea typeface="楷体" panose="02010609060101010101" pitchFamily="49" charset="-122"/>
-              </a:rPr>
-              <a:t>bpf</a:t>
-            </a:r>
-            <a:r>
-              <a:rPr lang="zh-CN" altLang="en-US" sz="1200" dirty="0">
-                <a:latin typeface="Lucida Sans Regular" panose="020B0602030504020204" pitchFamily="34" charset="0"/>
-                <a:ea typeface="楷体" panose="02010609060101010101" pitchFamily="49" charset="-122"/>
-              </a:rPr>
-              <a:t>文件系统：</a:t>
-            </a:r>
-            <a:r>
-              <a:rPr lang="en-US" altLang="zh-CN" sz="1200" dirty="0" err="1">
-                <a:effectLst/>
-                <a:latin typeface="Lucida Sans Regular" panose="020B0602030504020204" pitchFamily="34" charset="0"/>
-                <a:ea typeface="微软雅黑" panose="020B0503020204020204" pitchFamily="34" charset="-122"/>
-              </a:rPr>
-              <a:t>bpftool</a:t>
-            </a:r>
-            <a:r>
-              <a:rPr lang="en-US" altLang="zh-CN" sz="1200" dirty="0">
-                <a:effectLst/>
-                <a:latin typeface="Lucida Sans Regular" panose="020B0602030504020204" pitchFamily="34" charset="0"/>
-                <a:ea typeface="微软雅黑" panose="020B0503020204020204" pitchFamily="34" charset="-122"/>
-              </a:rPr>
-              <a:t> prog load </a:t>
-            </a:r>
-            <a:r>
-              <a:rPr lang="en-US" altLang="zh-CN" sz="1200" dirty="0" err="1">
-                <a:effectLst/>
-                <a:latin typeface="Lucida Sans Regular" panose="020B0602030504020204" pitchFamily="34" charset="0"/>
-                <a:ea typeface="微软雅黑" panose="020B0503020204020204" pitchFamily="34" charset="-122"/>
-              </a:rPr>
-              <a:t>xm_cpu_sched.bpf.o</a:t>
-            </a:r>
-            <a:r>
-              <a:rPr lang="en-US" altLang="zh-CN" sz="1200" dirty="0">
-                <a:effectLst/>
-                <a:latin typeface="Lucida Sans Regular" panose="020B0602030504020204" pitchFamily="34" charset="0"/>
-                <a:ea typeface="微软雅黑" panose="020B0503020204020204" pitchFamily="34" charset="-122"/>
-              </a:rPr>
-              <a:t> /sys/fs/</a:t>
-            </a:r>
-            <a:r>
-              <a:rPr lang="en-US" altLang="zh-CN" sz="1200" dirty="0" err="1">
-                <a:effectLst/>
-                <a:latin typeface="Lucida Sans Regular" panose="020B0602030504020204" pitchFamily="34" charset="0"/>
-                <a:ea typeface="微软雅黑" panose="020B0503020204020204" pitchFamily="34" charset="-122"/>
-              </a:rPr>
-              <a:t>bpf</a:t>
-            </a:r>
-            <a:r>
-              <a:rPr lang="en-US" altLang="zh-CN" sz="1200" dirty="0">
-                <a:effectLst/>
-                <a:latin typeface="Lucida Sans Regular" panose="020B0602030504020204" pitchFamily="34" charset="0"/>
-                <a:ea typeface="微软雅黑" panose="020B0503020204020204" pitchFamily="34" charset="-122"/>
-              </a:rPr>
-              <a:t>/</a:t>
-            </a:r>
-            <a:r>
-              <a:rPr lang="en-US" altLang="zh-CN" sz="1200" dirty="0" err="1">
-                <a:effectLst/>
-                <a:latin typeface="Lucida Sans Regular" panose="020B0602030504020204" pitchFamily="34" charset="0"/>
-                <a:ea typeface="微软雅黑" panose="020B0503020204020204" pitchFamily="34" charset="-122"/>
-              </a:rPr>
-              <a:t>xm_cpu_sched</a:t>
-            </a:r>
-            <a:r>
-              <a:rPr lang="en-US" altLang="zh-CN" sz="1200" dirty="0">
-                <a:effectLst/>
-                <a:latin typeface="Lucida Sans Regular" panose="020B0602030504020204" pitchFamily="34" charset="0"/>
-                <a:ea typeface="微软雅黑" panose="020B0503020204020204" pitchFamily="34" charset="-122"/>
-              </a:rPr>
-              <a:t> type </a:t>
-            </a:r>
-            <a:r>
-              <a:rPr lang="en-US" altLang="zh-CN" sz="1200" dirty="0" err="1">
-                <a:effectLst/>
-                <a:latin typeface="Lucida Sans Regular" panose="020B0602030504020204" pitchFamily="34" charset="0"/>
-                <a:ea typeface="微软雅黑" panose="020B0503020204020204" pitchFamily="34" charset="-122"/>
-              </a:rPr>
-              <a:t>tp_btf</a:t>
-            </a:r>
-            <a:endParaRPr lang="en-US" altLang="zh-CN" sz="1200" dirty="0">
-              <a:effectLst/>
-              <a:latin typeface="Lucida Sans Regular" panose="020B0602030504020204" pitchFamily="34" charset="0"/>
-              <a:ea typeface="微软雅黑" panose="020B0503020204020204" pitchFamily="34" charset="-122"/>
-            </a:endParaRPr>
-          </a:p>
-          <a:p>
-            <a:pPr marL="800100" lvl="2" indent="342900">
-              <a:lnSpc>
-                <a:spcPct val="150000"/>
-              </a:lnSpc>
-              <a:spcBef>
-                <a:spcPts val="600"/>
-              </a:spcBef>
-              <a:buFont typeface="Wingdings" panose="05000000000000000000" pitchFamily="2" charset="2"/>
-              <a:buChar char="Ø"/>
-            </a:pPr>
-            <a:r>
-              <a:rPr lang="zh-CN" altLang="en-US" sz="1200" dirty="0">
-                <a:latin typeface="Lucida Sans Regular" panose="020B0602030504020204" pitchFamily="34" charset="0"/>
-                <a:ea typeface="楷体" panose="02010609060101010101" pitchFamily="49" charset="-122"/>
-              </a:rPr>
-              <a:t>查看某个</a:t>
-            </a:r>
-            <a:r>
-              <a:rPr lang="en-US" altLang="zh-CN" sz="1200" dirty="0">
-                <a:latin typeface="Lucida Sans Regular" panose="020B0602030504020204" pitchFamily="34" charset="0"/>
-                <a:ea typeface="楷体" panose="02010609060101010101" pitchFamily="49" charset="-122"/>
-              </a:rPr>
-              <a:t>prog</a:t>
-            </a:r>
-            <a:r>
-              <a:rPr lang="zh-CN" altLang="en-US" sz="1200" dirty="0">
-                <a:latin typeface="Lucida Sans Regular" panose="020B0602030504020204" pitchFamily="34" charset="0"/>
-                <a:ea typeface="楷体" panose="02010609060101010101" pitchFamily="49" charset="-122"/>
-              </a:rPr>
-              <a:t>信息：</a:t>
-            </a:r>
-            <a:r>
-              <a:rPr lang="en-US" altLang="zh-CN" sz="1200" dirty="0" err="1">
-                <a:latin typeface="Lucida Sans Regular" panose="020B0602030504020204" pitchFamily="34" charset="0"/>
-                <a:ea typeface="微软雅黑" panose="020B0503020204020204" pitchFamily="34" charset="-122"/>
-              </a:rPr>
-              <a:t>bpftool</a:t>
-            </a:r>
-            <a:r>
-              <a:rPr lang="en-US" altLang="zh-CN" sz="1200" dirty="0">
-                <a:latin typeface="Lucida Sans Regular" panose="020B0602030504020204" pitchFamily="34" charset="0"/>
-                <a:ea typeface="微软雅黑" panose="020B0503020204020204" pitchFamily="34" charset="-122"/>
-              </a:rPr>
-              <a:t> prog show id 540 --pretty</a:t>
-            </a:r>
-          </a:p>
-          <a:p>
-            <a:pPr marL="342900" lvl="1" indent="342900">
-              <a:lnSpc>
-                <a:spcPct val="150000"/>
-              </a:lnSpc>
-              <a:spcBef>
-                <a:spcPts val="600"/>
-              </a:spcBef>
-              <a:buFont typeface="Wingdings" panose="05000000000000000000" pitchFamily="2" charset="2"/>
-              <a:buChar char="Ø"/>
-            </a:pPr>
-            <a:r>
-              <a:rPr lang="en-US" altLang="zh-CN" sz="1600" b="0" i="0" u="none" strike="noStrike" baseline="0" dirty="0" err="1">
-                <a:latin typeface="Lucida Sans Regular" panose="020B0602030504020204" pitchFamily="34" charset="0"/>
-              </a:rPr>
-              <a:t>llvm-objdump</a:t>
-            </a:r>
-            <a:r>
-              <a:rPr lang="zh-CN" altLang="en-US" sz="1600" b="0" i="0" u="none" strike="noStrike" baseline="0" dirty="0">
-                <a:latin typeface="Lucida Sans Regular" panose="020B0602030504020204" pitchFamily="34" charset="0"/>
-                <a:ea typeface="楷体" panose="02010609060101010101" pitchFamily="49" charset="-122"/>
-              </a:rPr>
-              <a:t>。</a:t>
-            </a:r>
-            <a:r>
-              <a:rPr lang="zh-CN" altLang="en-US" sz="1600" dirty="0">
-                <a:latin typeface="Lucida Sans Regular" panose="020B0602030504020204" pitchFamily="34" charset="0"/>
-                <a:ea typeface="楷体" panose="02010609060101010101" pitchFamily="49" charset="-122"/>
-              </a:rPr>
-              <a:t>用来</a:t>
-            </a:r>
-            <a:r>
-              <a:rPr lang="en-US" altLang="zh-CN" sz="1600" dirty="0">
-                <a:latin typeface="Lucida Sans Regular" panose="020B0602030504020204" pitchFamily="34" charset="0"/>
-                <a:ea typeface="楷体" panose="02010609060101010101" pitchFamily="49" charset="-122"/>
-              </a:rPr>
-              <a:t>dump </a:t>
-            </a:r>
-            <a:r>
-              <a:rPr lang="en-US" altLang="zh-CN" sz="1600" dirty="0" err="1">
-                <a:latin typeface="Lucida Sans Regular" panose="020B0602030504020204" pitchFamily="34" charset="0"/>
-                <a:ea typeface="楷体" panose="02010609060101010101" pitchFamily="49" charset="-122"/>
-              </a:rPr>
-              <a:t>eBPF</a:t>
-            </a:r>
-            <a:r>
-              <a:rPr lang="en-US" altLang="zh-CN" sz="1600" dirty="0">
-                <a:latin typeface="Lucida Sans Regular" panose="020B0602030504020204" pitchFamily="34" charset="0"/>
-                <a:ea typeface="楷体" panose="02010609060101010101" pitchFamily="49" charset="-122"/>
-              </a:rPr>
-              <a:t> instructions</a:t>
-            </a:r>
-            <a:r>
-              <a:rPr lang="zh-CN" altLang="en-US" sz="1600" dirty="0">
-                <a:latin typeface="Lucida Sans Regular" panose="020B0602030504020204" pitchFamily="34" charset="0"/>
-                <a:ea typeface="楷体" panose="02010609060101010101" pitchFamily="49" charset="-122"/>
-              </a:rPr>
-              <a:t>。</a:t>
-            </a:r>
-            <a:r>
-              <a:rPr lang="en-US" altLang="zh-CN" sz="1600" dirty="0" err="1">
-                <a:latin typeface="Lucida Sans Regular" panose="020B0602030504020204" pitchFamily="34" charset="0"/>
-                <a:ea typeface="楷体" panose="02010609060101010101" pitchFamily="49" charset="-122"/>
-              </a:rPr>
-              <a:t>llvm-objdump</a:t>
-            </a:r>
-            <a:r>
-              <a:rPr lang="en-US" altLang="zh-CN" sz="1600" dirty="0">
-                <a:latin typeface="Lucida Sans Regular" panose="020B0602030504020204" pitchFamily="34" charset="0"/>
-                <a:ea typeface="楷体" panose="02010609060101010101" pitchFamily="49" charset="-122"/>
-              </a:rPr>
-              <a:t> -S --no-show-raw-</a:t>
-            </a:r>
-            <a:r>
-              <a:rPr lang="en-US" altLang="zh-CN" sz="1600" dirty="0" err="1">
-                <a:latin typeface="Lucida Sans Regular" panose="020B0602030504020204" pitchFamily="34" charset="0"/>
-                <a:ea typeface="楷体" panose="02010609060101010101" pitchFamily="49" charset="-122"/>
-              </a:rPr>
-              <a:t>insn</a:t>
-            </a:r>
-            <a:r>
-              <a:rPr lang="en-US" altLang="zh-CN" sz="1600" dirty="0">
-                <a:latin typeface="Lucida Sans Regular" panose="020B0602030504020204" pitchFamily="34" charset="0"/>
-                <a:ea typeface="楷体" panose="02010609060101010101" pitchFamily="49" charset="-122"/>
-              </a:rPr>
-              <a:t> ./</a:t>
-            </a:r>
-            <a:r>
-              <a:rPr lang="en-US" altLang="zh-CN" sz="1600" dirty="0" err="1">
-                <a:latin typeface="Lucida Sans Regular" panose="020B0602030504020204" pitchFamily="34" charset="0"/>
-                <a:ea typeface="楷体" panose="02010609060101010101" pitchFamily="49" charset="-122"/>
-              </a:rPr>
-              <a:t>xm_trace.bpf</a:t>
-            </a:r>
-            <a:r>
-              <a:rPr lang="en-US" altLang="zh-CN" sz="1600" err="1">
-                <a:latin typeface="Lucida Sans Regular" panose="020B0602030504020204" pitchFamily="34" charset="0"/>
-                <a:ea typeface="楷体" panose="02010609060101010101" pitchFamily="49" charset="-122"/>
-              </a:rPr>
-              <a:t>.</a:t>
-            </a:r>
-            <a:r>
-              <a:rPr lang="en-US" altLang="zh-CN" sz="1600">
-                <a:latin typeface="Lucida Sans Regular" panose="020B0602030504020204" pitchFamily="34" charset="0"/>
-                <a:ea typeface="楷体" panose="02010609060101010101" pitchFamily="49" charset="-122"/>
-              </a:rPr>
-              <a:t>o</a:t>
-            </a:r>
-            <a:endParaRPr lang="en-US" altLang="zh-CN" sz="1600" dirty="0">
-              <a:latin typeface="Lucida Sans Regular" panose="020B0602030504020204" pitchFamily="34" charset="0"/>
-              <a:ea typeface="楷体" panose="02010609060101010101" pitchFamily="49" charset="-122"/>
-            </a:endParaRPr>
-          </a:p>
-          <a:p>
-            <a:pPr marL="342900" lvl="1" indent="342900">
-              <a:lnSpc>
-                <a:spcPct val="150000"/>
-              </a:lnSpc>
-              <a:spcBef>
-                <a:spcPts val="600"/>
-              </a:spcBef>
-              <a:buFont typeface="Wingdings" panose="05000000000000000000" pitchFamily="2" charset="2"/>
-              <a:buChar char="Ø"/>
-            </a:pPr>
-            <a:r>
-              <a:rPr lang="en-US" altLang="zh-CN" sz="1600" b="0" dirty="0">
-                <a:effectLst/>
-                <a:latin typeface="Lucida Sans Regular" panose="020B0602030504020204" pitchFamily="34" charset="0"/>
-                <a:cs typeface="Lucida Sans Unicode" panose="020B0602030504020204" pitchFamily="34" charset="0"/>
-              </a:rPr>
-              <a:t>bpf2go</a:t>
-            </a:r>
-            <a:r>
-              <a:rPr lang="zh-CN" altLang="en-US" sz="1600" dirty="0">
-                <a:latin typeface="Lucida Sans Regular" panose="020B0602030504020204" pitchFamily="34" charset="0"/>
-                <a:cs typeface="Lucida Sans Unicode" panose="020B0602030504020204" pitchFamily="34" charset="0"/>
-              </a:rPr>
-              <a:t>。</a:t>
-            </a:r>
-            <a:r>
-              <a:rPr lang="zh-CN" altLang="en-US" sz="1600" b="0" dirty="0">
-                <a:effectLst/>
-                <a:latin typeface="Lucida Sans Regular" panose="020B0602030504020204" pitchFamily="34" charset="0"/>
-                <a:cs typeface="Lucida Sans Unicode" panose="020B0602030504020204" pitchFamily="34" charset="0"/>
-              </a:rPr>
-              <a:t>将</a:t>
-            </a:r>
-            <a:r>
-              <a:rPr lang="en-US" altLang="zh-CN" sz="1600" dirty="0">
-                <a:latin typeface="Lucida Sans Regular" panose="020B0602030504020204" pitchFamily="34" charset="0"/>
-                <a:cs typeface="Lucida Sans Unicode" panose="020B0602030504020204" pitchFamily="34" charset="0"/>
-              </a:rPr>
-              <a:t>limit-c</a:t>
-            </a:r>
-            <a:r>
-              <a:rPr lang="zh-CN" altLang="en-US" sz="1600" dirty="0">
-                <a:latin typeface="Lucida Sans Regular" panose="020B0602030504020204" pitchFamily="34" charset="0"/>
-                <a:cs typeface="Lucida Sans Unicode" panose="020B0602030504020204" pitchFamily="34" charset="0"/>
-              </a:rPr>
-              <a:t>写的</a:t>
-            </a:r>
-            <a:r>
-              <a:rPr lang="en-US" altLang="zh-CN" sz="1600" dirty="0">
-                <a:latin typeface="Lucida Sans Regular" panose="020B0602030504020204" pitchFamily="34" charset="0"/>
-                <a:cs typeface="Lucida Sans Unicode" panose="020B0602030504020204" pitchFamily="34" charset="0"/>
-              </a:rPr>
-              <a:t>prog</a:t>
-            </a:r>
-            <a:r>
-              <a:rPr lang="zh-CN" altLang="en-US" sz="1600" dirty="0">
-                <a:latin typeface="Lucida Sans Regular" panose="020B0602030504020204" pitchFamily="34" charset="0"/>
-                <a:cs typeface="Lucida Sans Unicode" panose="020B0602030504020204" pitchFamily="34" charset="0"/>
-              </a:rPr>
-              <a:t>转换为</a:t>
-            </a:r>
-            <a:r>
-              <a:rPr lang="en-US" altLang="zh-CN" sz="1600" dirty="0" err="1">
-                <a:latin typeface="Lucida Sans Regular" panose="020B0602030504020204" pitchFamily="34" charset="0"/>
-                <a:cs typeface="Lucida Sans Unicode" panose="020B0602030504020204" pitchFamily="34" charset="0"/>
-              </a:rPr>
-              <a:t>golang</a:t>
-            </a:r>
-            <a:r>
-              <a:rPr lang="zh-CN" altLang="en-US" sz="1600" dirty="0">
-                <a:latin typeface="Lucida Sans Regular" panose="020B0602030504020204" pitchFamily="34" charset="0"/>
-                <a:cs typeface="Lucida Sans Unicode" panose="020B0602030504020204" pitchFamily="34" charset="0"/>
-              </a:rPr>
-              <a:t>的代码和二进制编码。</a:t>
-            </a:r>
-            <a:endParaRPr lang="en-US" altLang="zh-CN" sz="1600" dirty="0">
-              <a:latin typeface="Lucida Sans Regular" panose="020B0602030504020204" pitchFamily="34" charset="0"/>
-              <a:ea typeface="楷体" panose="02010609060101010101" pitchFamily="49" charset="-122"/>
-              <a:cs typeface="Lucida Sans Unicode" panose="020B0602030504020204" pitchFamily="34" charset="0"/>
-            </a:endParaRPr>
-          </a:p>
-          <a:p>
-            <a:pPr marL="342900" lvl="1" indent="342900">
-              <a:lnSpc>
-                <a:spcPct val="150000"/>
-              </a:lnSpc>
-              <a:spcBef>
-                <a:spcPts val="800"/>
-              </a:spcBef>
-              <a:buFont typeface="Wingdings" panose="05000000000000000000" pitchFamily="2" charset="2"/>
-              <a:buChar char="Ø"/>
-            </a:pPr>
-            <a:endParaRPr lang="en-US" altLang="zh-CN" sz="2000" dirty="0">
-              <a:latin typeface="Lucida Sans Regular" panose="020B0602030504020204" pitchFamily="34" charset="0"/>
-              <a:ea typeface="楷体" panose="02010609060101010101" pitchFamily="49" charset="-122"/>
-            </a:endParaRPr>
-          </a:p>
-          <a:p>
-            <a:pPr marL="457200" lvl="2" indent="0" algn="l">
-              <a:lnSpc>
-                <a:spcPct val="150000"/>
-              </a:lnSpc>
-              <a:spcBef>
-                <a:spcPts val="800"/>
-              </a:spcBef>
-              <a:buNone/>
-            </a:pPr>
-            <a:endParaRPr lang="en-US" altLang="zh-CN" dirty="0">
-              <a:latin typeface="Lucida Sans Regular" panose="020B0602030504020204" pitchFamily="34" charset="0"/>
-              <a:ea typeface="楷体" panose="02010609060101010101" pitchFamily="49" charset="-122"/>
-            </a:endParaRPr>
-          </a:p>
-          <a:p>
-            <a:pPr marL="457200" lvl="2" indent="0" algn="l">
-              <a:lnSpc>
-                <a:spcPct val="150000"/>
-              </a:lnSpc>
-              <a:spcBef>
-                <a:spcPts val="600"/>
-              </a:spcBef>
-              <a:buNone/>
-            </a:pPr>
-            <a:endParaRPr lang="zh-CN" altLang="en-US" dirty="0">
-              <a:latin typeface="Lucida Sans Regular" panose="020B0602030504020204" pitchFamily="34" charset="0"/>
-              <a:ea typeface="楷体" panose="02010609060101010101" pitchFamily="49" charset="-122"/>
-            </a:endParaRPr>
-          </a:p>
-        </p:txBody>
-      </p:sp>
-    </p:spTree>
-    <p:extLst>
-      <p:ext uri="{BB962C8B-B14F-4D97-AF65-F5344CB8AC3E}">
-        <p14:creationId xmlns:p14="http://schemas.microsoft.com/office/powerpoint/2010/main" val="4077834078"/>
       </p:ext>
     </p:extLst>
   </p:cSld>
